--- a/Presentación TFM.pptx
+++ b/Presentación TFM.pptx
@@ -5,23 +5,29 @@
     <p:sldMasterId id="2147483648" r:id="rId1"/>
   </p:sldMasterIdLst>
   <p:notesMasterIdLst>
-    <p:notesMasterId r:id="rId13"/>
+    <p:notesMasterId r:id="rId19"/>
   </p:notesMasterIdLst>
   <p:handoutMasterIdLst>
-    <p:handoutMasterId r:id="rId14"/>
+    <p:handoutMasterId r:id="rId20"/>
   </p:handoutMasterIdLst>
   <p:sldIdLst>
     <p:sldId id="256" r:id="rId2"/>
     <p:sldId id="257" r:id="rId3"/>
     <p:sldId id="259" r:id="rId4"/>
     <p:sldId id="260" r:id="rId5"/>
-    <p:sldId id="261" r:id="rId6"/>
-    <p:sldId id="262" r:id="rId7"/>
-    <p:sldId id="263" r:id="rId8"/>
-    <p:sldId id="265" r:id="rId9"/>
-    <p:sldId id="264" r:id="rId10"/>
-    <p:sldId id="266" r:id="rId11"/>
-    <p:sldId id="258" r:id="rId12"/>
+    <p:sldId id="262" r:id="rId6"/>
+    <p:sldId id="263" r:id="rId7"/>
+    <p:sldId id="265" r:id="rId8"/>
+    <p:sldId id="264" r:id="rId9"/>
+    <p:sldId id="266" r:id="rId10"/>
+    <p:sldId id="267" r:id="rId11"/>
+    <p:sldId id="268" r:id="rId12"/>
+    <p:sldId id="270" r:id="rId13"/>
+    <p:sldId id="269" r:id="rId14"/>
+    <p:sldId id="271" r:id="rId15"/>
+    <p:sldId id="272" r:id="rId16"/>
+    <p:sldId id="273" r:id="rId17"/>
+    <p:sldId id="258" r:id="rId18"/>
   </p:sldIdLst>
   <p:sldSz cx="9144000" cy="6858000" type="screen4x3"/>
   <p:notesSz cx="6858000" cy="9144000"/>
@@ -2933,6 +2939,36 @@
           <a:chExt cx="0" cy="0"/>
         </a:xfrm>
       </p:grpSpPr>
+      <p:pic>
+        <p:nvPicPr>
+          <p:cNvPr id="2" name="Imagen 1"/>
+          <p:cNvPicPr>
+            <a:picLocks noChangeAspect="1"/>
+          </p:cNvPicPr>
+          <p:nvPr/>
+        </p:nvPicPr>
+        <p:blipFill>
+          <a:blip r:embed="rId2">
+            <a:extLst>
+              <a:ext uri="{28A0092B-C50C-407E-A947-70E740481C1C}">
+                <a14:useLocalDpi xmlns:a14="http://schemas.microsoft.com/office/drawing/2010/main" val="0"/>
+              </a:ext>
+            </a:extLst>
+          </a:blip>
+          <a:stretch>
+            <a:fillRect/>
+          </a:stretch>
+        </p:blipFill>
+        <p:spPr>
+          <a:xfrm>
+            <a:off x="-396552" y="-243408"/>
+            <a:ext cx="6356665" cy="2215515"/>
+          </a:xfrm>
+          <a:prstGeom prst="rect">
+            <a:avLst/>
+          </a:prstGeom>
+        </p:spPr>
+      </p:pic>
       <p:sp>
         <p:nvSpPr>
           <p:cNvPr id="3074" name="Rectangle 12"/>
@@ -2954,20 +2990,90 @@
           <a:lstStyle/>
           <a:p>
             <a:r>
-              <a:rPr lang="es-ES_tradnl" b="0" dirty="0"/>
+              <a:rPr lang="es-ES_tradnl" b="0" dirty="0">
+                <a:effectLst>
+                  <a:outerShdw blurRad="38100" dist="38100" dir="2700000" algn="tl">
+                    <a:srgbClr val="000000">
+                      <a:alpha val="43137"/>
+                    </a:srgbClr>
+                  </a:outerShdw>
+                </a:effectLst>
+                <a:latin typeface="Cambria" panose="02040503050406030204" pitchFamily="18" charset="0"/>
+                <a:ea typeface="Cambria" panose="02040503050406030204" pitchFamily="18" charset="0"/>
+              </a:rPr>
               <a:t/>
             </a:r>
             <a:br>
-              <a:rPr lang="es-ES_tradnl" b="0" dirty="0"/>
+              <a:rPr lang="es-ES_tradnl" b="0" dirty="0">
+                <a:effectLst>
+                  <a:outerShdw blurRad="38100" dist="38100" dir="2700000" algn="tl">
+                    <a:srgbClr val="000000">
+                      <a:alpha val="43137"/>
+                    </a:srgbClr>
+                  </a:outerShdw>
+                </a:effectLst>
+                <a:latin typeface="Cambria" panose="02040503050406030204" pitchFamily="18" charset="0"/>
+                <a:ea typeface="Cambria" panose="02040503050406030204" pitchFamily="18" charset="0"/>
+              </a:rPr>
             </a:br>
             <a:r>
-              <a:rPr lang="es-ES_tradnl" b="0" dirty="0"/>
+              <a:rPr lang="es-ES_tradnl" b="0" dirty="0">
+                <a:effectLst>
+                  <a:outerShdw blurRad="38100" dist="38100" dir="2700000" algn="tl">
+                    <a:srgbClr val="000000">
+                      <a:alpha val="43137"/>
+                    </a:srgbClr>
+                  </a:outerShdw>
+                </a:effectLst>
+                <a:latin typeface="Cambria" panose="02040503050406030204" pitchFamily="18" charset="0"/>
+                <a:ea typeface="Cambria" panose="02040503050406030204" pitchFamily="18" charset="0"/>
+              </a:rPr>
               <a:t> Análisis de los Alquileres de Alojamientos Turísticos No Hosteleros en Málaga: Factores, Tendencias Y Excesos </a:t>
             </a:r>
-            <a:endParaRPr lang="en-US" dirty="0" smtClean="0"/>
+            <a:endParaRPr lang="en-US" b="0" dirty="0" smtClean="0">
+              <a:effectLst>
+                <a:outerShdw blurRad="38100" dist="38100" dir="2700000" algn="tl">
+                  <a:srgbClr val="000000">
+                    <a:alpha val="43137"/>
+                  </a:srgbClr>
+                </a:outerShdw>
+              </a:effectLst>
+              <a:latin typeface="Cambria" panose="02040503050406030204" pitchFamily="18" charset="0"/>
+              <a:ea typeface="Cambria" panose="02040503050406030204" pitchFamily="18" charset="0"/>
+            </a:endParaRPr>
           </a:p>
         </p:txBody>
       </p:sp>
+      <p:pic>
+        <p:nvPicPr>
+          <p:cNvPr id="3" name="Imagen 2"/>
+          <p:cNvPicPr>
+            <a:picLocks noChangeAspect="1"/>
+          </p:cNvPicPr>
+          <p:nvPr/>
+        </p:nvPicPr>
+        <p:blipFill>
+          <a:blip r:embed="rId3">
+            <a:extLst>
+              <a:ext uri="{28A0092B-C50C-407E-A947-70E740481C1C}">
+                <a14:useLocalDpi xmlns:a14="http://schemas.microsoft.com/office/drawing/2010/main" val="0"/>
+              </a:ext>
+            </a:extLst>
+          </a:blip>
+          <a:stretch>
+            <a:fillRect/>
+          </a:stretch>
+        </p:blipFill>
+        <p:spPr>
+          <a:xfrm>
+            <a:off x="7236296" y="188640"/>
+            <a:ext cx="1688976" cy="1688976"/>
+          </a:xfrm>
+          <a:prstGeom prst="rect">
+            <a:avLst/>
+          </a:prstGeom>
+        </p:spPr>
+      </p:pic>
     </p:spTree>
   </p:cSld>
   <p:clrMapOvr>
@@ -3016,59 +3122,380 @@
           <a:lstStyle/>
           <a:p>
             <a:r>
-              <a:rPr lang="es-ES" dirty="0" smtClean="0"/>
-              <a:t>Modelo </a:t>
-            </a:r>
-            <a:r>
-              <a:rPr lang="es-ES" smtClean="0"/>
-              <a:t>de regresión</a:t>
-            </a:r>
-            <a:endParaRPr lang="es-ES"/>
+              <a:rPr lang="es-ES" dirty="0" smtClean="0">
+                <a:latin typeface="Cambria" panose="02040503050406030204" pitchFamily="18" charset="0"/>
+                <a:ea typeface="Cambria" panose="02040503050406030204" pitchFamily="18" charset="0"/>
+              </a:rPr>
+              <a:t>Análisis Clúster</a:t>
+            </a:r>
+            <a:endParaRPr lang="es-ES" dirty="0">
+              <a:latin typeface="Cambria" panose="02040503050406030204" pitchFamily="18" charset="0"/>
+              <a:ea typeface="Cambria" panose="02040503050406030204" pitchFamily="18" charset="0"/>
+            </a:endParaRPr>
           </a:p>
         </p:txBody>
       </p:sp>
       <p:sp>
         <p:nvSpPr>
-          <p:cNvPr id="3" name="Marcador de contenido 2"/>
-          <p:cNvSpPr>
-            <a:spLocks noGrp="1"/>
-          </p:cNvSpPr>
+          <p:cNvPr id="14" name="Rectángulo 13"/>
+          <p:cNvSpPr/>
+          <p:nvPr/>
+        </p:nvSpPr>
+        <p:spPr bwMode="auto">
+          <a:xfrm>
+            <a:off x="0" y="1081563"/>
+            <a:ext cx="4788024" cy="5776437"/>
+          </a:xfrm>
+          <a:prstGeom prst="rect">
+            <a:avLst/>
+          </a:prstGeom>
+          <a:ln>
+            <a:headEnd type="none" w="med" len="med"/>
+            <a:tailEnd type="none" w="med" len="med"/>
+          </a:ln>
+          <a:extLst/>
+        </p:spPr>
+        <p:style>
+          <a:lnRef idx="2">
+            <a:schemeClr val="accent1"/>
+          </a:lnRef>
+          <a:fillRef idx="1">
+            <a:schemeClr val="lt1"/>
+          </a:fillRef>
+          <a:effectRef idx="0">
+            <a:schemeClr val="accent1"/>
+          </a:effectRef>
+          <a:fontRef idx="minor">
+            <a:schemeClr val="dk1"/>
+          </a:fontRef>
+        </p:style>
+        <p:txBody>
+          <a:bodyPr vert="horz" wrap="square" lIns="91440" tIns="45720" rIns="91440" bIns="45720" numCol="1" rtlCol="0" anchor="t" anchorCtr="0" compatLnSpc="1">
+            <a:prstTxWarp prst="textNoShape">
+              <a:avLst/>
+            </a:prstTxWarp>
+          </a:bodyPr>
+          <a:lstStyle/>
+          <a:p>
+            <a:pPr marL="0" marR="0" indent="0" algn="l" defTabSz="914400" rtl="0" eaLnBrk="1" fontAlgn="base" latinLnBrk="0" hangingPunct="1">
+              <a:lnSpc>
+                <a:spcPct val="100000"/>
+              </a:lnSpc>
+              <a:spcBef>
+                <a:spcPct val="0"/>
+              </a:spcBef>
+              <a:spcAft>
+                <a:spcPct val="0"/>
+              </a:spcAft>
+              <a:buClrTx/>
+              <a:buSzTx/>
+              <a:buFontTx/>
+              <a:buNone/>
+              <a:tabLst/>
+            </a:pPr>
+            <a:endParaRPr kumimoji="0" lang="es-ES" sz="1800" b="1" i="0" u="none" strike="noStrike" cap="none" normalizeH="0" baseline="0" smtClean="0">
+              <a:ln>
+                <a:noFill/>
+              </a:ln>
+              <a:solidFill>
+                <a:schemeClr val="tx1"/>
+              </a:solidFill>
+              <a:effectLst/>
+              <a:latin typeface="Arial" charset="0"/>
+            </a:endParaRPr>
+          </a:p>
+        </p:txBody>
+      </p:sp>
+      <p:pic>
+        <p:nvPicPr>
+          <p:cNvPr id="12" name="Marcador de contenido 11"/>
+          <p:cNvPicPr>
+            <a:picLocks noGrp="1" noChangeAspect="1"/>
+          </p:cNvPicPr>
           <p:nvPr>
             <p:ph sz="half" idx="1"/>
           </p:nvPr>
+        </p:nvPicPr>
+        <p:blipFill>
+          <a:blip r:embed="rId2">
+            <a:extLst>
+              <a:ext uri="{28A0092B-C50C-407E-A947-70E740481C1C}">
+                <a14:useLocalDpi xmlns:a14="http://schemas.microsoft.com/office/drawing/2010/main" val="0"/>
+              </a:ext>
+            </a:extLst>
+          </a:blip>
+          <a:stretch>
+            <a:fillRect/>
+          </a:stretch>
+        </p:blipFill>
+        <p:spPr>
+          <a:xfrm>
+            <a:off x="72008" y="1101262"/>
+            <a:ext cx="4644008" cy="2999685"/>
+          </a:xfrm>
+        </p:spPr>
+      </p:pic>
+      <p:pic>
+        <p:nvPicPr>
+          <p:cNvPr id="13" name="Marcador de contenido 12"/>
+          <p:cNvPicPr>
+            <a:picLocks noGrp="1" noChangeAspect="1"/>
+          </p:cNvPicPr>
+          <p:nvPr>
+            <p:ph sz="half" idx="2"/>
+          </p:nvPr>
+        </p:nvPicPr>
+        <p:blipFill>
+          <a:blip r:embed="rId3">
+            <a:extLst>
+              <a:ext uri="{28A0092B-C50C-407E-A947-70E740481C1C}">
+                <a14:useLocalDpi xmlns:a14="http://schemas.microsoft.com/office/drawing/2010/main" val="0"/>
+              </a:ext>
+            </a:extLst>
+          </a:blip>
+          <a:stretch>
+            <a:fillRect/>
+          </a:stretch>
+        </p:blipFill>
+        <p:spPr>
+          <a:xfrm>
+            <a:off x="24045" y="3847409"/>
+            <a:ext cx="4644008" cy="2999685"/>
+          </a:xfrm>
+        </p:spPr>
+      </p:pic>
+      <p:sp>
+        <p:nvSpPr>
+          <p:cNvPr id="15" name="Llamada ovalada 14"/>
+          <p:cNvSpPr/>
+          <p:nvPr/>
         </p:nvSpPr>
-        <p:spPr/>
+        <p:spPr bwMode="auto">
+          <a:xfrm>
+            <a:off x="5364088" y="1081563"/>
+            <a:ext cx="3240360" cy="2160240"/>
+          </a:xfrm>
+          <a:prstGeom prst="wedgeEllipseCallout">
+            <a:avLst>
+              <a:gd name="adj1" fmla="val -77846"/>
+              <a:gd name="adj2" fmla="val 28311"/>
+            </a:avLst>
+          </a:prstGeom>
+          <a:ln>
+            <a:headEnd type="none" w="med" len="med"/>
+            <a:tailEnd type="none" w="med" len="med"/>
+          </a:ln>
+          <a:extLst/>
+        </p:spPr>
+        <p:style>
+          <a:lnRef idx="2">
+            <a:schemeClr val="accent1"/>
+          </a:lnRef>
+          <a:fillRef idx="1">
+            <a:schemeClr val="lt1"/>
+          </a:fillRef>
+          <a:effectRef idx="0">
+            <a:schemeClr val="accent1"/>
+          </a:effectRef>
+          <a:fontRef idx="minor">
+            <a:schemeClr val="dk1"/>
+          </a:fontRef>
+        </p:style>
         <p:txBody>
-          <a:bodyPr/>
+          <a:bodyPr vert="horz" wrap="square" lIns="91440" tIns="45720" rIns="91440" bIns="45720" numCol="1" rtlCol="0" anchor="t" anchorCtr="0" compatLnSpc="1">
+            <a:prstTxWarp prst="textNoShape">
+              <a:avLst/>
+            </a:prstTxWarp>
+          </a:bodyPr>
           <a:lstStyle/>
           <a:p>
-            <a:endParaRPr lang="es-ES"/>
+            <a:pPr marL="0" marR="0" indent="0" defTabSz="914400" rtl="0" eaLnBrk="1" fontAlgn="base" latinLnBrk="0" hangingPunct="1">
+              <a:lnSpc>
+                <a:spcPct val="100000"/>
+              </a:lnSpc>
+              <a:spcBef>
+                <a:spcPct val="0"/>
+              </a:spcBef>
+              <a:spcAft>
+                <a:spcPct val="0"/>
+              </a:spcAft>
+              <a:buClrTx/>
+              <a:buSzTx/>
+              <a:buFontTx/>
+              <a:buNone/>
+              <a:tabLst/>
+            </a:pPr>
+            <a:r>
+              <a:rPr lang="es-ES" sz="1400" dirty="0" smtClean="0">
+                <a:solidFill>
+                  <a:schemeClr val="tx1"/>
+                </a:solidFill>
+                <a:latin typeface="Cambria" panose="02040503050406030204" pitchFamily="18" charset="0"/>
+                <a:ea typeface="Cambria" panose="02040503050406030204" pitchFamily="18" charset="0"/>
+              </a:rPr>
+              <a:t>La enorme presencia de anuncios en Centro en comparación al resto de barrios provoca que el nº óptimo de </a:t>
+            </a:r>
+            <a:r>
+              <a:rPr lang="es-ES" sz="1400" dirty="0" err="1" smtClean="0">
+                <a:solidFill>
+                  <a:schemeClr val="tx1"/>
+                </a:solidFill>
+                <a:latin typeface="Cambria" panose="02040503050406030204" pitchFamily="18" charset="0"/>
+                <a:ea typeface="Cambria" panose="02040503050406030204" pitchFamily="18" charset="0"/>
+              </a:rPr>
+              <a:t>clusters</a:t>
+            </a:r>
+            <a:r>
+              <a:rPr lang="es-ES" sz="1400" dirty="0" smtClean="0">
+                <a:solidFill>
+                  <a:schemeClr val="tx1"/>
+                </a:solidFill>
+                <a:latin typeface="Cambria" panose="02040503050406030204" pitchFamily="18" charset="0"/>
+                <a:ea typeface="Cambria" panose="02040503050406030204" pitchFamily="18" charset="0"/>
+              </a:rPr>
+              <a:t> sea 1. </a:t>
+            </a:r>
+            <a:r>
+              <a:rPr lang="es-ES" sz="1400" dirty="0" smtClean="0">
+                <a:solidFill>
+                  <a:schemeClr val="tx1"/>
+                </a:solidFill>
+                <a:latin typeface="Cambria" panose="02040503050406030204" pitchFamily="18" charset="0"/>
+                <a:ea typeface="Cambria" panose="02040503050406030204" pitchFamily="18" charset="0"/>
+              </a:rPr>
+              <a:t>Aun </a:t>
+            </a:r>
+            <a:r>
+              <a:rPr lang="es-ES" sz="1400" dirty="0" smtClean="0">
+                <a:solidFill>
+                  <a:schemeClr val="tx1"/>
+                </a:solidFill>
+                <a:latin typeface="Cambria" panose="02040503050406030204" pitchFamily="18" charset="0"/>
+                <a:ea typeface="Cambria" panose="02040503050406030204" pitchFamily="18" charset="0"/>
+              </a:rPr>
+              <a:t>así, se realizan 4 en este estudio.</a:t>
+            </a:r>
+            <a:endParaRPr kumimoji="0" lang="es-ES" sz="1400" b="1" i="0" u="none" strike="noStrike" cap="none" normalizeH="0" baseline="0" dirty="0" smtClean="0">
+              <a:ln>
+                <a:noFill/>
+              </a:ln>
+              <a:solidFill>
+                <a:schemeClr val="tx1"/>
+              </a:solidFill>
+              <a:effectLst/>
+              <a:latin typeface="Cambria" panose="02040503050406030204" pitchFamily="18" charset="0"/>
+              <a:ea typeface="Cambria" panose="02040503050406030204" pitchFamily="18" charset="0"/>
+            </a:endParaRPr>
           </a:p>
         </p:txBody>
       </p:sp>
       <p:sp>
         <p:nvSpPr>
-          <p:cNvPr id="4" name="Marcador de contenido 3"/>
-          <p:cNvSpPr>
-            <a:spLocks noGrp="1"/>
-          </p:cNvSpPr>
-          <p:nvPr>
-            <p:ph sz="half" idx="2"/>
-          </p:nvPr>
+          <p:cNvPr id="16" name="Llamada ovalada 15"/>
+          <p:cNvSpPr/>
+          <p:nvPr/>
         </p:nvSpPr>
-        <p:spPr/>
+        <p:spPr bwMode="auto">
+          <a:xfrm>
+            <a:off x="5508104" y="3789040"/>
+            <a:ext cx="3240360" cy="2160240"/>
+          </a:xfrm>
+          <a:prstGeom prst="wedgeEllipseCallout">
+            <a:avLst>
+              <a:gd name="adj1" fmla="val -77846"/>
+              <a:gd name="adj2" fmla="val 28311"/>
+            </a:avLst>
+          </a:prstGeom>
+          <a:ln>
+            <a:headEnd type="none" w="med" len="med"/>
+            <a:tailEnd type="none" w="med" len="med"/>
+          </a:ln>
+          <a:extLst/>
+        </p:spPr>
+        <p:style>
+          <a:lnRef idx="2">
+            <a:schemeClr val="accent1"/>
+          </a:lnRef>
+          <a:fillRef idx="1">
+            <a:schemeClr val="lt1"/>
+          </a:fillRef>
+          <a:effectRef idx="0">
+            <a:schemeClr val="accent1"/>
+          </a:effectRef>
+          <a:fontRef idx="minor">
+            <a:schemeClr val="dk1"/>
+          </a:fontRef>
+        </p:style>
         <p:txBody>
-          <a:bodyPr/>
+          <a:bodyPr vert="horz" wrap="square" lIns="91440" tIns="45720" rIns="91440" bIns="45720" numCol="1" rtlCol="0" anchor="t" anchorCtr="0" compatLnSpc="1">
+            <a:prstTxWarp prst="textNoShape">
+              <a:avLst/>
+            </a:prstTxWarp>
+          </a:bodyPr>
           <a:lstStyle/>
           <a:p>
-            <a:endParaRPr lang="es-ES"/>
+            <a:pPr marL="0" marR="0" indent="0" defTabSz="914400" rtl="0" eaLnBrk="1" fontAlgn="base" latinLnBrk="0" hangingPunct="1">
+              <a:lnSpc>
+                <a:spcPct val="100000"/>
+              </a:lnSpc>
+              <a:spcBef>
+                <a:spcPct val="0"/>
+              </a:spcBef>
+              <a:spcAft>
+                <a:spcPct val="0"/>
+              </a:spcAft>
+              <a:buClrTx/>
+              <a:buSzTx/>
+              <a:buFontTx/>
+              <a:buNone/>
+              <a:tabLst/>
+            </a:pPr>
+            <a:r>
+              <a:rPr kumimoji="0" lang="es-ES" sz="1400" b="1" i="0" u="none" strike="noStrike" cap="none" normalizeH="0" baseline="0" dirty="0" smtClean="0">
+                <a:ln>
+                  <a:noFill/>
+                </a:ln>
+                <a:solidFill>
+                  <a:schemeClr val="tx1"/>
+                </a:solidFill>
+                <a:effectLst/>
+                <a:latin typeface="Cambria" panose="02040503050406030204" pitchFamily="18" charset="0"/>
+                <a:ea typeface="Cambria" panose="02040503050406030204" pitchFamily="18" charset="0"/>
+              </a:rPr>
+              <a:t>La</a:t>
+            </a:r>
+            <a:r>
+              <a:rPr kumimoji="0" lang="es-ES" sz="1400" b="1" i="0" u="none" strike="noStrike" cap="none" normalizeH="0" dirty="0" smtClean="0">
+                <a:ln>
+                  <a:noFill/>
+                </a:ln>
+                <a:solidFill>
+                  <a:schemeClr val="tx1"/>
+                </a:solidFill>
+                <a:effectLst/>
+                <a:latin typeface="Cambria" panose="02040503050406030204" pitchFamily="18" charset="0"/>
+                <a:ea typeface="Cambria" panose="02040503050406030204" pitchFamily="18" charset="0"/>
+              </a:rPr>
+              <a:t> componente principal 1 captura el 24,97% de la varianza total de los datos, y la componente principal 2 el 12,78%</a:t>
+            </a:r>
+            <a:endParaRPr kumimoji="0" lang="es-ES" sz="1400" b="1" i="0" u="none" strike="noStrike" cap="none" normalizeH="0" baseline="0" dirty="0" smtClean="0">
+              <a:ln>
+                <a:noFill/>
+              </a:ln>
+              <a:solidFill>
+                <a:schemeClr val="tx1"/>
+              </a:solidFill>
+              <a:effectLst/>
+              <a:latin typeface="Cambria" panose="02040503050406030204" pitchFamily="18" charset="0"/>
+              <a:ea typeface="Cambria" panose="02040503050406030204" pitchFamily="18" charset="0"/>
+            </a:endParaRPr>
           </a:p>
         </p:txBody>
       </p:sp>
     </p:spTree>
     <p:extLst>
       <p:ext uri="{BB962C8B-B14F-4D97-AF65-F5344CB8AC3E}">
-        <p14:creationId xmlns:p14="http://schemas.microsoft.com/office/powerpoint/2010/main" val="4289643723"/>
+        <p14:creationId xmlns:p14="http://schemas.microsoft.com/office/powerpoint/2010/main" val="3307487782"/>
       </p:ext>
     </p:extLst>
   </p:cSld>
@@ -3086,6 +3513,4301 @@
 </file>
 
 <file path=ppt/slides/slide11.xml><?xml version="1.0" encoding="utf-8"?>
+<p:sld xmlns:a="http://schemas.openxmlformats.org/drawingml/2006/main" xmlns:r="http://schemas.openxmlformats.org/officeDocument/2006/relationships" xmlns:p="http://schemas.openxmlformats.org/presentationml/2006/main">
+  <p:cSld>
+    <p:spTree>
+      <p:nvGrpSpPr>
+        <p:cNvPr id="1" name=""/>
+        <p:cNvGrpSpPr/>
+        <p:nvPr/>
+      </p:nvGrpSpPr>
+      <p:grpSpPr>
+        <a:xfrm>
+          <a:off x="0" y="0"/>
+          <a:ext cx="0" cy="0"/>
+          <a:chOff x="0" y="0"/>
+          <a:chExt cx="0" cy="0"/>
+        </a:xfrm>
+      </p:grpSpPr>
+      <p:sp>
+        <p:nvSpPr>
+          <p:cNvPr id="2" name="Título 1"/>
+          <p:cNvSpPr>
+            <a:spLocks noGrp="1"/>
+          </p:cNvSpPr>
+          <p:nvPr>
+            <p:ph type="title"/>
+          </p:nvPr>
+        </p:nvSpPr>
+        <p:spPr/>
+        <p:txBody>
+          <a:bodyPr/>
+          <a:lstStyle/>
+          <a:p>
+            <a:r>
+              <a:rPr lang="es-ES" dirty="0" smtClean="0">
+                <a:latin typeface="Cambria" panose="02040503050406030204" pitchFamily="18" charset="0"/>
+                <a:ea typeface="Cambria" panose="02040503050406030204" pitchFamily="18" charset="0"/>
+              </a:rPr>
+              <a:t>Componentes principales</a:t>
+            </a:r>
+            <a:endParaRPr lang="es-ES" dirty="0">
+              <a:latin typeface="Cambria" panose="02040503050406030204" pitchFamily="18" charset="0"/>
+              <a:ea typeface="Cambria" panose="02040503050406030204" pitchFamily="18" charset="0"/>
+            </a:endParaRPr>
+          </a:p>
+        </p:txBody>
+      </p:sp>
+      <p:pic>
+        <p:nvPicPr>
+          <p:cNvPr id="5" name="Marcador de contenido 4"/>
+          <p:cNvPicPr>
+            <a:picLocks noGrp="1" noChangeAspect="1"/>
+          </p:cNvPicPr>
+          <p:nvPr>
+            <p:ph sz="half" idx="1"/>
+          </p:nvPr>
+        </p:nvPicPr>
+        <p:blipFill>
+          <a:blip r:embed="rId2">
+            <a:extLst>
+              <a:ext uri="{28A0092B-C50C-407E-A947-70E740481C1C}">
+                <a14:useLocalDpi xmlns:a14="http://schemas.microsoft.com/office/drawing/2010/main" val="0"/>
+              </a:ext>
+            </a:extLst>
+          </a:blip>
+          <a:stretch>
+            <a:fillRect/>
+          </a:stretch>
+        </p:blipFill>
+        <p:spPr>
+          <a:xfrm>
+            <a:off x="4721589" y="968152"/>
+            <a:ext cx="4397595" cy="4109972"/>
+          </a:xfrm>
+        </p:spPr>
+      </p:pic>
+      <p:pic>
+        <p:nvPicPr>
+          <p:cNvPr id="6" name="Marcador de contenido 5"/>
+          <p:cNvPicPr>
+            <a:picLocks noGrp="1" noChangeAspect="1"/>
+          </p:cNvPicPr>
+          <p:nvPr>
+            <p:ph sz="half" idx="2"/>
+          </p:nvPr>
+        </p:nvPicPr>
+        <p:blipFill>
+          <a:blip r:embed="rId3">
+            <a:extLst>
+              <a:ext uri="{28A0092B-C50C-407E-A947-70E740481C1C}">
+                <a14:useLocalDpi xmlns:a14="http://schemas.microsoft.com/office/drawing/2010/main" val="0"/>
+              </a:ext>
+            </a:extLst>
+          </a:blip>
+          <a:stretch>
+            <a:fillRect/>
+          </a:stretch>
+        </p:blipFill>
+        <p:spPr>
+          <a:xfrm>
+            <a:off x="0" y="980728"/>
+            <a:ext cx="4724809" cy="3182632"/>
+          </a:xfrm>
+        </p:spPr>
+      </p:pic>
+      <p:pic>
+        <p:nvPicPr>
+          <p:cNvPr id="7" name="Imagen 6"/>
+          <p:cNvPicPr>
+            <a:picLocks noChangeAspect="1"/>
+          </p:cNvPicPr>
+          <p:nvPr/>
+        </p:nvPicPr>
+        <p:blipFill>
+          <a:blip r:embed="rId4">
+            <a:extLst>
+              <a:ext uri="{28A0092B-C50C-407E-A947-70E740481C1C}">
+                <a14:useLocalDpi xmlns:a14="http://schemas.microsoft.com/office/drawing/2010/main" val="0"/>
+              </a:ext>
+            </a:extLst>
+          </a:blip>
+          <a:stretch>
+            <a:fillRect/>
+          </a:stretch>
+        </p:blipFill>
+        <p:spPr>
+          <a:xfrm>
+            <a:off x="0" y="3520151"/>
+            <a:ext cx="4724809" cy="3337849"/>
+          </a:xfrm>
+          <a:prstGeom prst="rect">
+            <a:avLst/>
+          </a:prstGeom>
+        </p:spPr>
+      </p:pic>
+      <p:sp>
+        <p:nvSpPr>
+          <p:cNvPr id="8" name="Rectángulo 7"/>
+          <p:cNvSpPr/>
+          <p:nvPr/>
+        </p:nvSpPr>
+        <p:spPr bwMode="auto">
+          <a:xfrm>
+            <a:off x="4721589" y="5078124"/>
+            <a:ext cx="4397595" cy="1735252"/>
+          </a:xfrm>
+          <a:prstGeom prst="rect">
+            <a:avLst/>
+          </a:prstGeom>
+          <a:ln>
+            <a:headEnd type="none" w="med" len="med"/>
+            <a:tailEnd type="none" w="med" len="med"/>
+          </a:ln>
+          <a:extLst/>
+        </p:spPr>
+        <p:style>
+          <a:lnRef idx="2">
+            <a:schemeClr val="accent1"/>
+          </a:lnRef>
+          <a:fillRef idx="1">
+            <a:schemeClr val="lt1"/>
+          </a:fillRef>
+          <a:effectRef idx="0">
+            <a:schemeClr val="accent1"/>
+          </a:effectRef>
+          <a:fontRef idx="minor">
+            <a:schemeClr val="dk1"/>
+          </a:fontRef>
+        </p:style>
+        <p:txBody>
+          <a:bodyPr vert="horz" wrap="square" lIns="91440" tIns="45720" rIns="91440" bIns="45720" numCol="1" rtlCol="0" anchor="t" anchorCtr="0" compatLnSpc="1">
+            <a:prstTxWarp prst="textNoShape">
+              <a:avLst/>
+            </a:prstTxWarp>
+          </a:bodyPr>
+          <a:lstStyle/>
+          <a:p>
+            <a:pPr marL="0" marR="0" indent="0" algn="l" defTabSz="914400" rtl="0" eaLnBrk="1" fontAlgn="base" latinLnBrk="0" hangingPunct="1">
+              <a:lnSpc>
+                <a:spcPct val="100000"/>
+              </a:lnSpc>
+              <a:spcBef>
+                <a:spcPct val="0"/>
+              </a:spcBef>
+              <a:spcAft>
+                <a:spcPct val="0"/>
+              </a:spcAft>
+              <a:buClrTx/>
+              <a:buSzTx/>
+              <a:buFontTx/>
+              <a:buNone/>
+              <a:tabLst/>
+            </a:pPr>
+            <a:endParaRPr kumimoji="0" lang="es-ES" sz="1800" b="1" i="0" u="none" strike="noStrike" cap="none" normalizeH="0" baseline="0" smtClean="0">
+              <a:ln>
+                <a:noFill/>
+              </a:ln>
+              <a:solidFill>
+                <a:schemeClr val="tx1"/>
+              </a:solidFill>
+              <a:effectLst/>
+              <a:latin typeface="Arial" charset="0"/>
+            </a:endParaRPr>
+          </a:p>
+        </p:txBody>
+      </p:sp>
+      <p:sp>
+        <p:nvSpPr>
+          <p:cNvPr id="9" name="CuadroTexto 8"/>
+          <p:cNvSpPr txBox="1"/>
+          <p:nvPr/>
+        </p:nvSpPr>
+        <p:spPr>
+          <a:xfrm>
+            <a:off x="4721589" y="5100436"/>
+            <a:ext cx="4397595" cy="1477328"/>
+          </a:xfrm>
+          <a:prstGeom prst="rect">
+            <a:avLst/>
+          </a:prstGeom>
+          <a:noFill/>
+        </p:spPr>
+        <p:txBody>
+          <a:bodyPr wrap="square" rtlCol="0">
+            <a:spAutoFit/>
+          </a:bodyPr>
+          <a:lstStyle/>
+          <a:p>
+            <a:r>
+              <a:rPr lang="es-ES" b="0" dirty="0" smtClean="0">
+                <a:latin typeface="Cambria" panose="02040503050406030204" pitchFamily="18" charset="0"/>
+                <a:ea typeface="Cambria" panose="02040503050406030204" pitchFamily="18" charset="0"/>
+              </a:rPr>
+              <a:t>Las variables con más peso en las componentes principales tienen signo negativo:</a:t>
+            </a:r>
+          </a:p>
+          <a:p>
+            <a:r>
+              <a:rPr lang="en-GB" i="1" dirty="0">
+                <a:latin typeface="Cambria" panose="02040503050406030204" pitchFamily="18" charset="0"/>
+                <a:ea typeface="Cambria" panose="02040503050406030204" pitchFamily="18" charset="0"/>
+              </a:rPr>
+              <a:t>accommodates, beds, bathrooms, </a:t>
+            </a:r>
+            <a:r>
+              <a:rPr lang="en-GB" i="1" dirty="0" err="1" smtClean="0">
+                <a:latin typeface="Cambria" panose="02040503050406030204" pitchFamily="18" charset="0"/>
+                <a:ea typeface="Cambria" panose="02040503050406030204" pitchFamily="18" charset="0"/>
+              </a:rPr>
+              <a:t>room_type</a:t>
+            </a:r>
+            <a:r>
+              <a:rPr lang="en-GB" i="1" dirty="0">
+                <a:latin typeface="Cambria" panose="02040503050406030204" pitchFamily="18" charset="0"/>
+                <a:ea typeface="Cambria" panose="02040503050406030204" pitchFamily="18" charset="0"/>
+              </a:rPr>
+              <a:t>,</a:t>
+            </a:r>
+            <a:r>
+              <a:rPr lang="en-GB" i="1" dirty="0" smtClean="0">
+                <a:latin typeface="Cambria" panose="02040503050406030204" pitchFamily="18" charset="0"/>
+                <a:ea typeface="Cambria" panose="02040503050406030204" pitchFamily="18" charset="0"/>
+              </a:rPr>
+              <a:t> </a:t>
+            </a:r>
+            <a:r>
+              <a:rPr lang="en-GB" i="1" dirty="0" err="1">
+                <a:latin typeface="Cambria" panose="02040503050406030204" pitchFamily="18" charset="0"/>
+                <a:ea typeface="Cambria" panose="02040503050406030204" pitchFamily="18" charset="0"/>
+              </a:rPr>
+              <a:t>neighbourhood_cleansed</a:t>
+            </a:r>
+            <a:r>
+              <a:rPr lang="en-GB" i="1" dirty="0">
+                <a:latin typeface="Cambria" panose="02040503050406030204" pitchFamily="18" charset="0"/>
+                <a:ea typeface="Cambria" panose="02040503050406030204" pitchFamily="18" charset="0"/>
+              </a:rPr>
+              <a:t> </a:t>
+            </a:r>
+            <a:endParaRPr lang="es-ES" dirty="0">
+              <a:latin typeface="Cambria" panose="02040503050406030204" pitchFamily="18" charset="0"/>
+              <a:ea typeface="Cambria" panose="02040503050406030204" pitchFamily="18" charset="0"/>
+            </a:endParaRPr>
+          </a:p>
+        </p:txBody>
+      </p:sp>
+    </p:spTree>
+    <p:extLst>
+      <p:ext uri="{BB962C8B-B14F-4D97-AF65-F5344CB8AC3E}">
+        <p14:creationId xmlns:p14="http://schemas.microsoft.com/office/powerpoint/2010/main" val="89049434"/>
+      </p:ext>
+    </p:extLst>
+  </p:cSld>
+  <p:clrMapOvr>
+    <a:masterClrMapping/>
+  </p:clrMapOvr>
+  <p:timing>
+    <p:tnLst>
+      <p:par>
+        <p:cTn id="1" dur="indefinite" restart="never" nodeType="tmRoot"/>
+      </p:par>
+    </p:tnLst>
+  </p:timing>
+</p:sld>
+</file>
+
+<file path=ppt/slides/slide12.xml><?xml version="1.0" encoding="utf-8"?>
+<p:sld xmlns:a="http://schemas.openxmlformats.org/drawingml/2006/main" xmlns:r="http://schemas.openxmlformats.org/officeDocument/2006/relationships" xmlns:p="http://schemas.openxmlformats.org/presentationml/2006/main">
+  <p:cSld>
+    <p:spTree>
+      <p:nvGrpSpPr>
+        <p:cNvPr id="1" name=""/>
+        <p:cNvGrpSpPr/>
+        <p:nvPr/>
+      </p:nvGrpSpPr>
+      <p:grpSpPr>
+        <a:xfrm>
+          <a:off x="0" y="0"/>
+          <a:ext cx="0" cy="0"/>
+          <a:chOff x="0" y="0"/>
+          <a:chExt cx="0" cy="0"/>
+        </a:xfrm>
+      </p:grpSpPr>
+      <p:sp>
+        <p:nvSpPr>
+          <p:cNvPr id="2" name="Título 1"/>
+          <p:cNvSpPr>
+            <a:spLocks noGrp="1"/>
+          </p:cNvSpPr>
+          <p:nvPr>
+            <p:ph type="title"/>
+          </p:nvPr>
+        </p:nvSpPr>
+        <p:spPr/>
+        <p:txBody>
+          <a:bodyPr/>
+          <a:lstStyle/>
+          <a:p>
+            <a:r>
+              <a:rPr lang="es-ES" dirty="0" smtClean="0">
+                <a:latin typeface="Cambria" panose="02040503050406030204" pitchFamily="18" charset="0"/>
+                <a:ea typeface="Cambria" panose="02040503050406030204" pitchFamily="18" charset="0"/>
+              </a:rPr>
+              <a:t>Modelo </a:t>
+            </a:r>
+            <a:r>
+              <a:rPr lang="es-ES" dirty="0" err="1" smtClean="0">
+                <a:latin typeface="Cambria" panose="02040503050406030204" pitchFamily="18" charset="0"/>
+                <a:ea typeface="Cambria" panose="02040503050406030204" pitchFamily="18" charset="0"/>
+              </a:rPr>
+              <a:t>Logit</a:t>
+            </a:r>
+            <a:endParaRPr lang="es-ES" dirty="0">
+              <a:latin typeface="Cambria" panose="02040503050406030204" pitchFamily="18" charset="0"/>
+              <a:ea typeface="Cambria" panose="02040503050406030204" pitchFamily="18" charset="0"/>
+            </a:endParaRPr>
+          </a:p>
+        </p:txBody>
+      </p:sp>
+      <p:sp>
+        <p:nvSpPr>
+          <p:cNvPr id="7" name="Rectángulo 6"/>
+          <p:cNvSpPr/>
+          <p:nvPr/>
+        </p:nvSpPr>
+        <p:spPr bwMode="auto">
+          <a:xfrm>
+            <a:off x="6588224" y="1906317"/>
+            <a:ext cx="2537974" cy="2458787"/>
+          </a:xfrm>
+          <a:prstGeom prst="rect">
+            <a:avLst/>
+          </a:prstGeom>
+          <a:ln>
+            <a:headEnd type="none" w="med" len="med"/>
+            <a:tailEnd type="none" w="med" len="med"/>
+          </a:ln>
+          <a:extLst/>
+        </p:spPr>
+        <p:style>
+          <a:lnRef idx="2">
+            <a:schemeClr val="accent1"/>
+          </a:lnRef>
+          <a:fillRef idx="1">
+            <a:schemeClr val="lt1"/>
+          </a:fillRef>
+          <a:effectRef idx="0">
+            <a:schemeClr val="accent1"/>
+          </a:effectRef>
+          <a:fontRef idx="minor">
+            <a:schemeClr val="dk1"/>
+          </a:fontRef>
+        </p:style>
+        <p:txBody>
+          <a:bodyPr vert="horz" wrap="square" lIns="91440" tIns="45720" rIns="91440" bIns="45720" numCol="1" rtlCol="0" anchor="t" anchorCtr="0" compatLnSpc="1">
+            <a:prstTxWarp prst="textNoShape">
+              <a:avLst/>
+            </a:prstTxWarp>
+          </a:bodyPr>
+          <a:lstStyle/>
+          <a:p>
+            <a:pPr marL="0" marR="0" indent="0" algn="l" defTabSz="914400" rtl="0" eaLnBrk="1" fontAlgn="base" latinLnBrk="0" hangingPunct="1">
+              <a:lnSpc>
+                <a:spcPct val="100000"/>
+              </a:lnSpc>
+              <a:spcBef>
+                <a:spcPct val="0"/>
+              </a:spcBef>
+              <a:spcAft>
+                <a:spcPct val="0"/>
+              </a:spcAft>
+              <a:buClrTx/>
+              <a:buSzTx/>
+              <a:buFontTx/>
+              <a:buNone/>
+              <a:tabLst/>
+            </a:pPr>
+            <a:endParaRPr kumimoji="0" lang="es-ES" sz="1800" b="1" i="0" u="none" strike="noStrike" cap="none" normalizeH="0" baseline="0" smtClean="0">
+              <a:ln>
+                <a:noFill/>
+              </a:ln>
+              <a:solidFill>
+                <a:schemeClr val="tx1"/>
+              </a:solidFill>
+              <a:effectLst/>
+              <a:latin typeface="Arial" charset="0"/>
+            </a:endParaRPr>
+          </a:p>
+        </p:txBody>
+      </p:sp>
+      <p:sp>
+        <p:nvSpPr>
+          <p:cNvPr id="8" name="CuadroTexto 7"/>
+          <p:cNvSpPr txBox="1"/>
+          <p:nvPr/>
+        </p:nvSpPr>
+        <p:spPr>
+          <a:xfrm>
+            <a:off x="6588224" y="1949925"/>
+            <a:ext cx="2376389" cy="2308324"/>
+          </a:xfrm>
+          <a:prstGeom prst="rect">
+            <a:avLst/>
+          </a:prstGeom>
+          <a:noFill/>
+        </p:spPr>
+        <p:txBody>
+          <a:bodyPr wrap="square" rtlCol="0">
+            <a:spAutoFit/>
+          </a:bodyPr>
+          <a:lstStyle/>
+          <a:p>
+            <a:r>
+              <a:rPr lang="es-ES" sz="1400" b="0" dirty="0" smtClean="0">
+                <a:latin typeface="Cambria" panose="02040503050406030204" pitchFamily="18" charset="0"/>
+                <a:ea typeface="Cambria" panose="02040503050406030204" pitchFamily="18" charset="0"/>
+                <a:cs typeface="Calibri" panose="020F0502020204030204" pitchFamily="34" charset="0"/>
+              </a:rPr>
+              <a:t>Al 95% de confianza, las variables significativas son:</a:t>
+            </a:r>
+          </a:p>
+          <a:p>
+            <a:endParaRPr lang="es-ES" b="0" dirty="0"/>
+          </a:p>
+          <a:p>
+            <a:pPr marL="285750" indent="-285750">
+              <a:buFont typeface="Arial" panose="020B0604020202020204" pitchFamily="34" charset="0"/>
+              <a:buChar char="•"/>
+            </a:pPr>
+            <a:r>
+              <a:rPr lang="es-ES" sz="1400" b="0" dirty="0" err="1" smtClean="0">
+                <a:latin typeface="Cambria" panose="02040503050406030204" pitchFamily="18" charset="0"/>
+                <a:ea typeface="Cambria" panose="02040503050406030204" pitchFamily="18" charset="0"/>
+              </a:rPr>
+              <a:t>accommodates</a:t>
+            </a:r>
+            <a:r>
+              <a:rPr lang="es-ES" sz="1400" b="0" dirty="0" smtClean="0">
+                <a:latin typeface="Cambria" panose="02040503050406030204" pitchFamily="18" charset="0"/>
+                <a:ea typeface="Cambria" panose="02040503050406030204" pitchFamily="18" charset="0"/>
+              </a:rPr>
+              <a:t> </a:t>
+            </a:r>
+            <a:endParaRPr lang="es-ES" sz="1400" b="0" dirty="0">
+              <a:latin typeface="Cambria" panose="02040503050406030204" pitchFamily="18" charset="0"/>
+              <a:ea typeface="Cambria" panose="02040503050406030204" pitchFamily="18" charset="0"/>
+            </a:endParaRPr>
+          </a:p>
+          <a:p>
+            <a:pPr marL="285750" indent="-285750">
+              <a:buFont typeface="Arial" panose="020B0604020202020204" pitchFamily="34" charset="0"/>
+              <a:buChar char="•"/>
+            </a:pPr>
+            <a:r>
+              <a:rPr lang="es-ES" sz="1400" b="0" dirty="0" err="1" smtClean="0">
+                <a:latin typeface="Cambria" panose="02040503050406030204" pitchFamily="18" charset="0"/>
+                <a:ea typeface="Cambria" panose="02040503050406030204" pitchFamily="18" charset="0"/>
+              </a:rPr>
+              <a:t>bathrooms</a:t>
+            </a:r>
+            <a:r>
+              <a:rPr lang="es-ES" sz="1400" b="0" dirty="0" smtClean="0">
+                <a:latin typeface="Cambria" panose="02040503050406030204" pitchFamily="18" charset="0"/>
+                <a:ea typeface="Cambria" panose="02040503050406030204" pitchFamily="18" charset="0"/>
+              </a:rPr>
+              <a:t> </a:t>
+            </a:r>
+            <a:endParaRPr lang="es-ES" sz="1400" b="0" dirty="0">
+              <a:latin typeface="Cambria" panose="02040503050406030204" pitchFamily="18" charset="0"/>
+              <a:ea typeface="Cambria" panose="02040503050406030204" pitchFamily="18" charset="0"/>
+            </a:endParaRPr>
+          </a:p>
+          <a:p>
+            <a:pPr marL="285750" indent="-285750">
+              <a:buFont typeface="Arial" panose="020B0604020202020204" pitchFamily="34" charset="0"/>
+              <a:buChar char="•"/>
+            </a:pPr>
+            <a:r>
+              <a:rPr lang="es-ES" sz="1400" b="0" dirty="0" err="1" smtClean="0">
+                <a:latin typeface="Cambria" panose="02040503050406030204" pitchFamily="18" charset="0"/>
+                <a:ea typeface="Cambria" panose="02040503050406030204" pitchFamily="18" charset="0"/>
+              </a:rPr>
+              <a:t>property_type</a:t>
+            </a:r>
+            <a:r>
+              <a:rPr lang="es-ES" sz="1400" b="0" dirty="0" smtClean="0">
+                <a:latin typeface="Cambria" panose="02040503050406030204" pitchFamily="18" charset="0"/>
+                <a:ea typeface="Cambria" panose="02040503050406030204" pitchFamily="18" charset="0"/>
+              </a:rPr>
+              <a:t> </a:t>
+            </a:r>
+            <a:endParaRPr lang="es-ES" sz="1400" b="0" dirty="0">
+              <a:latin typeface="Cambria" panose="02040503050406030204" pitchFamily="18" charset="0"/>
+              <a:ea typeface="Cambria" panose="02040503050406030204" pitchFamily="18" charset="0"/>
+            </a:endParaRPr>
+          </a:p>
+          <a:p>
+            <a:pPr marL="285750" indent="-285750">
+              <a:buFont typeface="Arial" panose="020B0604020202020204" pitchFamily="34" charset="0"/>
+              <a:buChar char="•"/>
+            </a:pPr>
+            <a:r>
+              <a:rPr lang="es-ES" sz="1400" b="0" dirty="0" err="1" smtClean="0">
+                <a:latin typeface="Cambria" panose="02040503050406030204" pitchFamily="18" charset="0"/>
+                <a:ea typeface="Cambria" panose="02040503050406030204" pitchFamily="18" charset="0"/>
+              </a:rPr>
+              <a:t>host_identity_verified</a:t>
+            </a:r>
+            <a:r>
+              <a:rPr lang="es-ES" sz="1400" b="0" dirty="0" smtClean="0">
+                <a:latin typeface="Cambria" panose="02040503050406030204" pitchFamily="18" charset="0"/>
+                <a:ea typeface="Cambria" panose="02040503050406030204" pitchFamily="18" charset="0"/>
+              </a:rPr>
+              <a:t> </a:t>
+            </a:r>
+            <a:endParaRPr lang="es-ES" sz="1400" b="0" dirty="0">
+              <a:latin typeface="Cambria" panose="02040503050406030204" pitchFamily="18" charset="0"/>
+              <a:ea typeface="Cambria" panose="02040503050406030204" pitchFamily="18" charset="0"/>
+            </a:endParaRPr>
+          </a:p>
+          <a:p>
+            <a:pPr marL="285750" indent="-285750">
+              <a:buFont typeface="Arial" panose="020B0604020202020204" pitchFamily="34" charset="0"/>
+              <a:buChar char="•"/>
+            </a:pPr>
+            <a:r>
+              <a:rPr lang="es-ES" sz="1400" b="0" dirty="0" err="1" smtClean="0">
+                <a:latin typeface="Cambria" panose="02040503050406030204" pitchFamily="18" charset="0"/>
+                <a:ea typeface="Cambria" panose="02040503050406030204" pitchFamily="18" charset="0"/>
+              </a:rPr>
+              <a:t>room_type</a:t>
+            </a:r>
+            <a:r>
+              <a:rPr lang="es-ES" sz="1400" b="0" dirty="0" smtClean="0">
+                <a:latin typeface="Cambria" panose="02040503050406030204" pitchFamily="18" charset="0"/>
+                <a:ea typeface="Cambria" panose="02040503050406030204" pitchFamily="18" charset="0"/>
+              </a:rPr>
+              <a:t> </a:t>
+            </a:r>
+            <a:endParaRPr lang="es-ES" sz="1400" b="0" dirty="0">
+              <a:latin typeface="Cambria" panose="02040503050406030204" pitchFamily="18" charset="0"/>
+              <a:ea typeface="Cambria" panose="02040503050406030204" pitchFamily="18" charset="0"/>
+            </a:endParaRPr>
+          </a:p>
+          <a:p>
+            <a:pPr marL="285750" indent="-285750">
+              <a:buFont typeface="Arial" panose="020B0604020202020204" pitchFamily="34" charset="0"/>
+              <a:buChar char="•"/>
+            </a:pPr>
+            <a:r>
+              <a:rPr lang="es-ES" sz="1400" b="0" dirty="0" err="1" smtClean="0">
+                <a:latin typeface="Cambria" panose="02040503050406030204" pitchFamily="18" charset="0"/>
+                <a:ea typeface="Cambria" panose="02040503050406030204" pitchFamily="18" charset="0"/>
+              </a:rPr>
+              <a:t>minimum_nights</a:t>
+            </a:r>
+            <a:r>
+              <a:rPr lang="es-ES" sz="1400" b="0" dirty="0" smtClean="0">
+                <a:latin typeface="Cambria" panose="02040503050406030204" pitchFamily="18" charset="0"/>
+                <a:ea typeface="Cambria" panose="02040503050406030204" pitchFamily="18" charset="0"/>
+              </a:rPr>
+              <a:t> </a:t>
+            </a:r>
+            <a:endParaRPr lang="es-ES" sz="1400" b="0" dirty="0">
+              <a:latin typeface="Cambria" panose="02040503050406030204" pitchFamily="18" charset="0"/>
+              <a:ea typeface="Cambria" panose="02040503050406030204" pitchFamily="18" charset="0"/>
+            </a:endParaRPr>
+          </a:p>
+          <a:p>
+            <a:pPr marL="285750" indent="-285750">
+              <a:buFont typeface="Arial" panose="020B0604020202020204" pitchFamily="34" charset="0"/>
+              <a:buChar char="•"/>
+            </a:pPr>
+            <a:r>
+              <a:rPr lang="es-ES" sz="1400" b="0" dirty="0" err="1" smtClean="0">
+                <a:latin typeface="Cambria" panose="02040503050406030204" pitchFamily="18" charset="0"/>
+                <a:ea typeface="Cambria" panose="02040503050406030204" pitchFamily="18" charset="0"/>
+              </a:rPr>
+              <a:t>neighbourhood_cleansed</a:t>
+            </a:r>
+            <a:r>
+              <a:rPr lang="es-ES" sz="1400" b="0" dirty="0" smtClean="0">
+                <a:latin typeface="Cambria" panose="02040503050406030204" pitchFamily="18" charset="0"/>
+                <a:ea typeface="Cambria" panose="02040503050406030204" pitchFamily="18" charset="0"/>
+              </a:rPr>
+              <a:t> </a:t>
+            </a:r>
+            <a:endParaRPr lang="es-ES" sz="1400" b="0" dirty="0">
+              <a:latin typeface="Cambria" panose="02040503050406030204" pitchFamily="18" charset="0"/>
+              <a:ea typeface="Cambria" panose="02040503050406030204" pitchFamily="18" charset="0"/>
+            </a:endParaRPr>
+          </a:p>
+        </p:txBody>
+      </p:sp>
+      <p:sp>
+        <p:nvSpPr>
+          <p:cNvPr id="9" name="Rectángulo 8"/>
+          <p:cNvSpPr/>
+          <p:nvPr/>
+        </p:nvSpPr>
+        <p:spPr bwMode="auto">
+          <a:xfrm>
+            <a:off x="35496" y="1124744"/>
+            <a:ext cx="9073008" cy="718339"/>
+          </a:xfrm>
+          <a:prstGeom prst="rect">
+            <a:avLst/>
+          </a:prstGeom>
+          <a:ln>
+            <a:headEnd type="none" w="med" len="med"/>
+            <a:tailEnd type="none" w="med" len="med"/>
+          </a:ln>
+          <a:extLst/>
+        </p:spPr>
+        <p:style>
+          <a:lnRef idx="2">
+            <a:schemeClr val="accent1"/>
+          </a:lnRef>
+          <a:fillRef idx="1">
+            <a:schemeClr val="lt1"/>
+          </a:fillRef>
+          <a:effectRef idx="0">
+            <a:schemeClr val="accent1"/>
+          </a:effectRef>
+          <a:fontRef idx="minor">
+            <a:schemeClr val="dk1"/>
+          </a:fontRef>
+        </p:style>
+        <p:txBody>
+          <a:bodyPr vert="horz" wrap="square" lIns="91440" tIns="45720" rIns="91440" bIns="45720" numCol="1" rtlCol="0" anchor="t" anchorCtr="0" compatLnSpc="1">
+            <a:prstTxWarp prst="textNoShape">
+              <a:avLst/>
+            </a:prstTxWarp>
+          </a:bodyPr>
+          <a:lstStyle/>
+          <a:p>
+            <a:pPr marL="0" marR="0" indent="0" algn="l" defTabSz="914400" rtl="0" eaLnBrk="1" fontAlgn="base" latinLnBrk="0" hangingPunct="1">
+              <a:lnSpc>
+                <a:spcPct val="100000"/>
+              </a:lnSpc>
+              <a:spcBef>
+                <a:spcPct val="0"/>
+              </a:spcBef>
+              <a:spcAft>
+                <a:spcPct val="0"/>
+              </a:spcAft>
+              <a:buClrTx/>
+              <a:buSzTx/>
+              <a:buFontTx/>
+              <a:buNone/>
+              <a:tabLst/>
+            </a:pPr>
+            <a:endParaRPr kumimoji="0" lang="es-ES" sz="1800" b="1" i="0" u="none" strike="noStrike" cap="none" normalizeH="0" baseline="0" smtClean="0">
+              <a:ln>
+                <a:noFill/>
+              </a:ln>
+              <a:solidFill>
+                <a:schemeClr val="tx1"/>
+              </a:solidFill>
+              <a:effectLst/>
+              <a:latin typeface="Arial" charset="0"/>
+            </a:endParaRPr>
+          </a:p>
+        </p:txBody>
+      </p:sp>
+      <p:sp>
+        <p:nvSpPr>
+          <p:cNvPr id="10" name="CuadroTexto 9"/>
+          <p:cNvSpPr txBox="1"/>
+          <p:nvPr/>
+        </p:nvSpPr>
+        <p:spPr>
+          <a:xfrm>
+            <a:off x="0" y="1196752"/>
+            <a:ext cx="9108504" cy="646331"/>
+          </a:xfrm>
+          <a:prstGeom prst="rect">
+            <a:avLst/>
+          </a:prstGeom>
+          <a:noFill/>
+        </p:spPr>
+        <p:txBody>
+          <a:bodyPr wrap="square" rtlCol="0">
+            <a:spAutoFit/>
+          </a:bodyPr>
+          <a:lstStyle/>
+          <a:p>
+            <a:r>
+              <a:rPr lang="es-ES" dirty="0">
+                <a:latin typeface="Cambria" panose="02040503050406030204" pitchFamily="18" charset="0"/>
+                <a:ea typeface="Cambria" panose="02040503050406030204" pitchFamily="18" charset="0"/>
+              </a:rPr>
+              <a:t>Se busca responder a la pregunta “¿Es el precio de un determinado anuncio adecuado o excesivo?”</a:t>
+            </a:r>
+          </a:p>
+        </p:txBody>
+      </p:sp>
+      <p:pic>
+        <p:nvPicPr>
+          <p:cNvPr id="4" name="Marcador de contenido 3"/>
+          <p:cNvPicPr>
+            <a:picLocks noGrp="1" noChangeAspect="1"/>
+          </p:cNvPicPr>
+          <p:nvPr>
+            <p:ph idx="1"/>
+          </p:nvPr>
+        </p:nvPicPr>
+        <p:blipFill>
+          <a:blip r:embed="rId2">
+            <a:extLst>
+              <a:ext uri="{28A0092B-C50C-407E-A947-70E740481C1C}">
+                <a14:useLocalDpi xmlns:a14="http://schemas.microsoft.com/office/drawing/2010/main" val="0"/>
+              </a:ext>
+            </a:extLst>
+          </a:blip>
+          <a:stretch>
+            <a:fillRect/>
+          </a:stretch>
+        </p:blipFill>
+        <p:spPr>
+          <a:xfrm>
+            <a:off x="35496" y="1927576"/>
+            <a:ext cx="6501193" cy="4061893"/>
+          </a:xfrm>
+        </p:spPr>
+      </p:pic>
+      <p:sp>
+        <p:nvSpPr>
+          <p:cNvPr id="11" name="Llamada ovalada 10"/>
+          <p:cNvSpPr/>
+          <p:nvPr/>
+        </p:nvSpPr>
+        <p:spPr bwMode="auto">
+          <a:xfrm>
+            <a:off x="4664480" y="4581128"/>
+            <a:ext cx="3939967" cy="2016224"/>
+          </a:xfrm>
+          <a:prstGeom prst="wedgeEllipseCallout">
+            <a:avLst>
+              <a:gd name="adj1" fmla="val -87050"/>
+              <a:gd name="adj2" fmla="val -9784"/>
+            </a:avLst>
+          </a:prstGeom>
+          <a:ln>
+            <a:headEnd type="none" w="med" len="med"/>
+            <a:tailEnd type="none" w="med" len="med"/>
+          </a:ln>
+          <a:extLst/>
+        </p:spPr>
+        <p:style>
+          <a:lnRef idx="2">
+            <a:schemeClr val="accent1"/>
+          </a:lnRef>
+          <a:fillRef idx="1">
+            <a:schemeClr val="lt1"/>
+          </a:fillRef>
+          <a:effectRef idx="0">
+            <a:schemeClr val="accent1"/>
+          </a:effectRef>
+          <a:fontRef idx="minor">
+            <a:schemeClr val="dk1"/>
+          </a:fontRef>
+        </p:style>
+        <p:txBody>
+          <a:bodyPr vert="horz" wrap="square" lIns="91440" tIns="45720" rIns="91440" bIns="45720" numCol="1" rtlCol="0" anchor="t" anchorCtr="0" compatLnSpc="1">
+            <a:prstTxWarp prst="textNoShape">
+              <a:avLst/>
+            </a:prstTxWarp>
+          </a:bodyPr>
+          <a:lstStyle/>
+          <a:p>
+            <a:r>
+              <a:rPr lang="es-ES" sz="1600" b="0" dirty="0" smtClean="0">
+                <a:solidFill>
+                  <a:schemeClr val="tx1"/>
+                </a:solidFill>
+                <a:latin typeface="Cambria" panose="02040503050406030204" pitchFamily="18" charset="0"/>
+                <a:ea typeface="Cambria" panose="02040503050406030204" pitchFamily="18" charset="0"/>
+              </a:rPr>
+              <a:t>El área bajo la curva ROC es de 0,77, encontrándose en el rango entre Rendimiento aceptable a Bueno </a:t>
+            </a:r>
+            <a:r>
+              <a:rPr lang="es-ES" sz="1600" b="0" dirty="0">
+                <a:latin typeface="Cambria" panose="02040503050406030204" pitchFamily="18" charset="0"/>
+                <a:ea typeface="Cambria" panose="02040503050406030204" pitchFamily="18" charset="0"/>
+              </a:rPr>
+              <a:t>(</a:t>
+            </a:r>
+            <a:r>
+              <a:rPr lang="es-ES" sz="1600" b="0" dirty="0" err="1">
+                <a:latin typeface="Cambria" panose="02040503050406030204" pitchFamily="18" charset="0"/>
+                <a:ea typeface="Cambria" panose="02040503050406030204" pitchFamily="18" charset="0"/>
+              </a:rPr>
+              <a:t>Fawcett</a:t>
+            </a:r>
+            <a:r>
+              <a:rPr lang="es-ES" sz="1600" b="0" dirty="0">
+                <a:latin typeface="Cambria" panose="02040503050406030204" pitchFamily="18" charset="0"/>
+                <a:ea typeface="Cambria" panose="02040503050406030204" pitchFamily="18" charset="0"/>
+              </a:rPr>
+              <a:t>, 2006</a:t>
+            </a:r>
+            <a:r>
+              <a:rPr lang="es-ES" sz="1600" b="0" dirty="0" smtClean="0">
+                <a:latin typeface="Cambria" panose="02040503050406030204" pitchFamily="18" charset="0"/>
+                <a:ea typeface="Cambria" panose="02040503050406030204" pitchFamily="18" charset="0"/>
+              </a:rPr>
+              <a:t>).</a:t>
+            </a:r>
+            <a:endParaRPr kumimoji="0" lang="es-ES" sz="1600" b="0" i="0" u="none" strike="noStrike" cap="none" normalizeH="0" baseline="0" dirty="0" smtClean="0">
+              <a:ln>
+                <a:noFill/>
+              </a:ln>
+              <a:solidFill>
+                <a:schemeClr val="tx1"/>
+              </a:solidFill>
+              <a:effectLst/>
+              <a:latin typeface="Cambria" panose="02040503050406030204" pitchFamily="18" charset="0"/>
+              <a:ea typeface="Cambria" panose="02040503050406030204" pitchFamily="18" charset="0"/>
+            </a:endParaRPr>
+          </a:p>
+        </p:txBody>
+      </p:sp>
+    </p:spTree>
+    <p:extLst>
+      <p:ext uri="{BB962C8B-B14F-4D97-AF65-F5344CB8AC3E}">
+        <p14:creationId xmlns:p14="http://schemas.microsoft.com/office/powerpoint/2010/main" val="3557368865"/>
+      </p:ext>
+    </p:extLst>
+  </p:cSld>
+  <p:clrMapOvr>
+    <a:masterClrMapping/>
+  </p:clrMapOvr>
+  <p:timing>
+    <p:tnLst>
+      <p:par>
+        <p:cTn id="1" dur="indefinite" restart="never" nodeType="tmRoot"/>
+      </p:par>
+    </p:tnLst>
+  </p:timing>
+</p:sld>
+</file>
+
+<file path=ppt/slides/slide13.xml><?xml version="1.0" encoding="utf-8"?>
+<p:sld xmlns:a="http://schemas.openxmlformats.org/drawingml/2006/main" xmlns:r="http://schemas.openxmlformats.org/officeDocument/2006/relationships" xmlns:p="http://schemas.openxmlformats.org/presentationml/2006/main">
+  <p:cSld>
+    <p:spTree>
+      <p:nvGrpSpPr>
+        <p:cNvPr id="1" name=""/>
+        <p:cNvGrpSpPr/>
+        <p:nvPr/>
+      </p:nvGrpSpPr>
+      <p:grpSpPr>
+        <a:xfrm>
+          <a:off x="0" y="0"/>
+          <a:ext cx="0" cy="0"/>
+          <a:chOff x="0" y="0"/>
+          <a:chExt cx="0" cy="0"/>
+        </a:xfrm>
+      </p:grpSpPr>
+      <p:sp>
+        <p:nvSpPr>
+          <p:cNvPr id="11" name="Rectángulo 10"/>
+          <p:cNvSpPr/>
+          <p:nvPr/>
+        </p:nvSpPr>
+        <p:spPr bwMode="auto">
+          <a:xfrm>
+            <a:off x="4354261" y="1844824"/>
+            <a:ext cx="4320481" cy="4680520"/>
+          </a:xfrm>
+          <a:prstGeom prst="rect">
+            <a:avLst/>
+          </a:prstGeom>
+          <a:ln>
+            <a:headEnd type="none" w="med" len="med"/>
+            <a:tailEnd type="none" w="med" len="med"/>
+          </a:ln>
+          <a:extLst/>
+        </p:spPr>
+        <p:style>
+          <a:lnRef idx="2">
+            <a:schemeClr val="accent1"/>
+          </a:lnRef>
+          <a:fillRef idx="1">
+            <a:schemeClr val="lt1"/>
+          </a:fillRef>
+          <a:effectRef idx="0">
+            <a:schemeClr val="accent1"/>
+          </a:effectRef>
+          <a:fontRef idx="minor">
+            <a:schemeClr val="dk1"/>
+          </a:fontRef>
+        </p:style>
+        <p:txBody>
+          <a:bodyPr vert="horz" wrap="square" lIns="91440" tIns="45720" rIns="91440" bIns="45720" numCol="1" rtlCol="0" anchor="t" anchorCtr="0" compatLnSpc="1">
+            <a:prstTxWarp prst="textNoShape">
+              <a:avLst/>
+            </a:prstTxWarp>
+          </a:bodyPr>
+          <a:lstStyle/>
+          <a:p>
+            <a:pPr marL="0" marR="0" indent="0" algn="l" defTabSz="914400" rtl="0" eaLnBrk="1" fontAlgn="base" latinLnBrk="0" hangingPunct="1">
+              <a:lnSpc>
+                <a:spcPct val="100000"/>
+              </a:lnSpc>
+              <a:spcBef>
+                <a:spcPct val="0"/>
+              </a:spcBef>
+              <a:spcAft>
+                <a:spcPct val="0"/>
+              </a:spcAft>
+              <a:buClrTx/>
+              <a:buSzTx/>
+              <a:buFontTx/>
+              <a:buNone/>
+              <a:tabLst/>
+            </a:pPr>
+            <a:endParaRPr kumimoji="0" lang="es-ES" sz="1800" b="1" i="0" u="none" strike="noStrike" cap="none" normalizeH="0" baseline="0" smtClean="0">
+              <a:ln>
+                <a:noFill/>
+              </a:ln>
+              <a:solidFill>
+                <a:schemeClr val="tx1"/>
+              </a:solidFill>
+              <a:effectLst/>
+              <a:latin typeface="Arial" charset="0"/>
+            </a:endParaRPr>
+          </a:p>
+        </p:txBody>
+      </p:sp>
+      <p:sp>
+        <p:nvSpPr>
+          <p:cNvPr id="7" name="Rectángulo 6"/>
+          <p:cNvSpPr/>
+          <p:nvPr/>
+        </p:nvSpPr>
+        <p:spPr bwMode="auto">
+          <a:xfrm>
+            <a:off x="0" y="1844824"/>
+            <a:ext cx="4283968" cy="4104456"/>
+          </a:xfrm>
+          <a:prstGeom prst="rect">
+            <a:avLst/>
+          </a:prstGeom>
+          <a:ln>
+            <a:headEnd type="none" w="med" len="med"/>
+            <a:tailEnd type="none" w="med" len="med"/>
+          </a:ln>
+          <a:extLst/>
+        </p:spPr>
+        <p:style>
+          <a:lnRef idx="2">
+            <a:schemeClr val="accent1"/>
+          </a:lnRef>
+          <a:fillRef idx="1">
+            <a:schemeClr val="lt1"/>
+          </a:fillRef>
+          <a:effectRef idx="0">
+            <a:schemeClr val="accent1"/>
+          </a:effectRef>
+          <a:fontRef idx="minor">
+            <a:schemeClr val="dk1"/>
+          </a:fontRef>
+        </p:style>
+        <p:txBody>
+          <a:bodyPr vert="horz" wrap="square" lIns="91440" tIns="45720" rIns="91440" bIns="45720" numCol="1" rtlCol="0" anchor="t" anchorCtr="0" compatLnSpc="1">
+            <a:prstTxWarp prst="textNoShape">
+              <a:avLst/>
+            </a:prstTxWarp>
+          </a:bodyPr>
+          <a:lstStyle/>
+          <a:p>
+            <a:pPr marL="0" marR="0" indent="0" algn="l" defTabSz="914400" rtl="0" eaLnBrk="1" fontAlgn="base" latinLnBrk="0" hangingPunct="1">
+              <a:lnSpc>
+                <a:spcPct val="100000"/>
+              </a:lnSpc>
+              <a:spcBef>
+                <a:spcPct val="0"/>
+              </a:spcBef>
+              <a:spcAft>
+                <a:spcPct val="0"/>
+              </a:spcAft>
+              <a:buClrTx/>
+              <a:buSzTx/>
+              <a:buFontTx/>
+              <a:buNone/>
+              <a:tabLst/>
+            </a:pPr>
+            <a:endParaRPr kumimoji="0" lang="es-ES" sz="1800" b="1" i="0" u="none" strike="noStrike" cap="none" normalizeH="0" baseline="0" dirty="0" smtClean="0">
+              <a:ln>
+                <a:noFill/>
+              </a:ln>
+              <a:solidFill>
+                <a:schemeClr val="tx1"/>
+              </a:solidFill>
+              <a:effectLst/>
+              <a:latin typeface="Arial" charset="0"/>
+            </a:endParaRPr>
+          </a:p>
+        </p:txBody>
+      </p:sp>
+      <p:sp>
+        <p:nvSpPr>
+          <p:cNvPr id="2" name="Título 1"/>
+          <p:cNvSpPr>
+            <a:spLocks noGrp="1"/>
+          </p:cNvSpPr>
+          <p:nvPr>
+            <p:ph type="title"/>
+          </p:nvPr>
+        </p:nvSpPr>
+        <p:spPr/>
+        <p:txBody>
+          <a:bodyPr/>
+          <a:lstStyle/>
+          <a:p>
+            <a:r>
+              <a:rPr lang="es-ES" dirty="0" smtClean="0">
+                <a:latin typeface="Cambria" panose="02040503050406030204" pitchFamily="18" charset="0"/>
+                <a:ea typeface="Cambria" panose="02040503050406030204" pitchFamily="18" charset="0"/>
+              </a:rPr>
+              <a:t>Conclusiones</a:t>
+            </a:r>
+            <a:endParaRPr lang="es-ES" dirty="0">
+              <a:latin typeface="Cambria" panose="02040503050406030204" pitchFamily="18" charset="0"/>
+              <a:ea typeface="Cambria" panose="02040503050406030204" pitchFamily="18" charset="0"/>
+            </a:endParaRPr>
+          </a:p>
+        </p:txBody>
+      </p:sp>
+      <p:sp>
+        <p:nvSpPr>
+          <p:cNvPr id="3" name="Marcador de contenido 2"/>
+          <p:cNvSpPr>
+            <a:spLocks noGrp="1"/>
+          </p:cNvSpPr>
+          <p:nvPr>
+            <p:ph sz="half" idx="1"/>
+          </p:nvPr>
+        </p:nvSpPr>
+        <p:spPr>
+          <a:xfrm>
+            <a:off x="0" y="1844824"/>
+            <a:ext cx="4283968" cy="5111750"/>
+          </a:xfrm>
+        </p:spPr>
+        <p:txBody>
+          <a:bodyPr/>
+          <a:lstStyle/>
+          <a:p>
+            <a:r>
+              <a:rPr lang="es-ES" sz="1600" dirty="0" smtClean="0">
+                <a:latin typeface="Cambria" panose="02040503050406030204" pitchFamily="18" charset="0"/>
+                <a:ea typeface="Cambria" panose="02040503050406030204" pitchFamily="18" charset="0"/>
+              </a:rPr>
+              <a:t>El mayor número de anuncios se da en </a:t>
+            </a:r>
+            <a:r>
+              <a:rPr lang="es-ES" sz="1600" b="1" dirty="0" smtClean="0">
+                <a:latin typeface="Cambria" panose="02040503050406030204" pitchFamily="18" charset="0"/>
+                <a:ea typeface="Cambria" panose="02040503050406030204" pitchFamily="18" charset="0"/>
+              </a:rPr>
+              <a:t>Centro</a:t>
+            </a:r>
+            <a:r>
+              <a:rPr lang="es-ES" sz="1600" dirty="0" smtClean="0">
+                <a:latin typeface="Cambria" panose="02040503050406030204" pitchFamily="18" charset="0"/>
+                <a:ea typeface="Cambria" panose="02040503050406030204" pitchFamily="18" charset="0"/>
+              </a:rPr>
+              <a:t>, barrio que acumula la mayor parte de la oferta.</a:t>
+            </a:r>
+          </a:p>
+          <a:p>
+            <a:r>
+              <a:rPr lang="es-ES" sz="1600" dirty="0" smtClean="0">
+                <a:latin typeface="Cambria" panose="02040503050406030204" pitchFamily="18" charset="0"/>
+                <a:ea typeface="Cambria" panose="02040503050406030204" pitchFamily="18" charset="0"/>
+              </a:rPr>
+              <a:t>El rango más común de precios por noche es </a:t>
+            </a:r>
+            <a:r>
+              <a:rPr lang="es-ES" sz="1600" b="1" dirty="0" smtClean="0">
+                <a:latin typeface="Cambria" panose="02040503050406030204" pitchFamily="18" charset="0"/>
+                <a:ea typeface="Cambria" panose="02040503050406030204" pitchFamily="18" charset="0"/>
+              </a:rPr>
+              <a:t>]0, 250]</a:t>
+            </a:r>
+            <a:r>
+              <a:rPr lang="es-ES" sz="1600" dirty="0" smtClean="0">
+                <a:latin typeface="Cambria" panose="02040503050406030204" pitchFamily="18" charset="0"/>
+                <a:ea typeface="Cambria" panose="02040503050406030204" pitchFamily="18" charset="0"/>
+              </a:rPr>
+              <a:t>.</a:t>
+            </a:r>
+          </a:p>
+          <a:p>
+            <a:r>
+              <a:rPr lang="es-ES" sz="1600" dirty="0" smtClean="0">
+                <a:latin typeface="Cambria" panose="02040503050406030204" pitchFamily="18" charset="0"/>
+                <a:ea typeface="Cambria" panose="02040503050406030204" pitchFamily="18" charset="0"/>
+              </a:rPr>
+              <a:t>De las variables que determinan el precio de los anuncios, </a:t>
+            </a:r>
+            <a:r>
+              <a:rPr lang="es-ES" sz="1600" b="1" i="1" dirty="0" err="1" smtClean="0">
+                <a:latin typeface="Cambria" panose="02040503050406030204" pitchFamily="18" charset="0"/>
+                <a:ea typeface="Cambria" panose="02040503050406030204" pitchFamily="18" charset="0"/>
+              </a:rPr>
+              <a:t>bathroom</a:t>
+            </a:r>
+            <a:r>
+              <a:rPr lang="es-ES" sz="1600" b="1" i="1" dirty="0" smtClean="0">
+                <a:latin typeface="Cambria" panose="02040503050406030204" pitchFamily="18" charset="0"/>
+                <a:ea typeface="Cambria" panose="02040503050406030204" pitchFamily="18" charset="0"/>
+              </a:rPr>
+              <a:t> </a:t>
+            </a:r>
+            <a:r>
+              <a:rPr lang="es-ES" sz="1600" dirty="0" smtClean="0">
+                <a:latin typeface="Cambria" panose="02040503050406030204" pitchFamily="18" charset="0"/>
+                <a:ea typeface="Cambria" panose="02040503050406030204" pitchFamily="18" charset="0"/>
+              </a:rPr>
+              <a:t>y </a:t>
+            </a:r>
+            <a:r>
+              <a:rPr lang="es-ES" sz="1600" b="1" i="1" dirty="0" err="1" smtClean="0">
+                <a:latin typeface="Cambria" panose="02040503050406030204" pitchFamily="18" charset="0"/>
+                <a:ea typeface="Cambria" panose="02040503050406030204" pitchFamily="18" charset="0"/>
+              </a:rPr>
+              <a:t>room_type</a:t>
+            </a:r>
+            <a:r>
+              <a:rPr lang="es-ES" sz="1600" dirty="0" smtClean="0">
+                <a:latin typeface="Cambria" panose="02040503050406030204" pitchFamily="18" charset="0"/>
+                <a:ea typeface="Cambria" panose="02040503050406030204" pitchFamily="18" charset="0"/>
+              </a:rPr>
+              <a:t> son las dos con más peso.</a:t>
+            </a:r>
+          </a:p>
+          <a:p>
+            <a:r>
+              <a:rPr lang="es-ES" sz="1600" dirty="0" smtClean="0">
+                <a:latin typeface="Cambria" panose="02040503050406030204" pitchFamily="18" charset="0"/>
+                <a:ea typeface="Cambria" panose="02040503050406030204" pitchFamily="18" charset="0"/>
+              </a:rPr>
+              <a:t>Por tanto, los tres principales factores que determinan el precio por noche de un alojamiento turístico no hostelero son: </a:t>
+            </a:r>
+            <a:r>
+              <a:rPr lang="es-ES" sz="1600" b="1" dirty="0" smtClean="0">
+                <a:latin typeface="Cambria" panose="02040503050406030204" pitchFamily="18" charset="0"/>
+                <a:ea typeface="Cambria" panose="02040503050406030204" pitchFamily="18" charset="0"/>
+              </a:rPr>
+              <a:t>El barrio en que se encuentra, el número de baños y el tipo de habitación que se oferta.</a:t>
+            </a:r>
+          </a:p>
+          <a:p>
+            <a:pPr marL="0" indent="0">
+              <a:buNone/>
+            </a:pPr>
+            <a:endParaRPr lang="es-ES" sz="1400" dirty="0">
+              <a:latin typeface="Cambria" panose="02040503050406030204" pitchFamily="18" charset="0"/>
+              <a:ea typeface="Cambria" panose="02040503050406030204" pitchFamily="18" charset="0"/>
+            </a:endParaRPr>
+          </a:p>
+        </p:txBody>
+      </p:sp>
+      <p:sp>
+        <p:nvSpPr>
+          <p:cNvPr id="4" name="Marcador de contenido 3"/>
+          <p:cNvSpPr>
+            <a:spLocks noGrp="1"/>
+          </p:cNvSpPr>
+          <p:nvPr>
+            <p:ph sz="half" idx="2"/>
+          </p:nvPr>
+        </p:nvSpPr>
+        <p:spPr>
+          <a:xfrm>
+            <a:off x="4354261" y="1844824"/>
+            <a:ext cx="4320480" cy="5111750"/>
+          </a:xfrm>
+        </p:spPr>
+        <p:txBody>
+          <a:bodyPr/>
+          <a:lstStyle/>
+          <a:p>
+            <a:r>
+              <a:rPr lang="es-ES" sz="1600" dirty="0" smtClean="0">
+                <a:latin typeface="Cambria" panose="02040503050406030204" pitchFamily="18" charset="0"/>
+                <a:ea typeface="Cambria" panose="02040503050406030204" pitchFamily="18" charset="0"/>
+              </a:rPr>
+              <a:t>El efecto de </a:t>
+            </a:r>
+            <a:r>
+              <a:rPr lang="es-ES" sz="1600" b="1" dirty="0" smtClean="0">
+                <a:latin typeface="Cambria" panose="02040503050406030204" pitchFamily="18" charset="0"/>
+                <a:ea typeface="Cambria" panose="02040503050406030204" pitchFamily="18" charset="0"/>
+              </a:rPr>
+              <a:t>Centro</a:t>
+            </a:r>
+            <a:r>
+              <a:rPr lang="es-ES" sz="1600" dirty="0" smtClean="0">
+                <a:latin typeface="Cambria" panose="02040503050406030204" pitchFamily="18" charset="0"/>
+                <a:ea typeface="Cambria" panose="02040503050406030204" pitchFamily="18" charset="0"/>
+              </a:rPr>
+              <a:t> eclipsa el efecto del resto de los barrios, haciendo que el número óptimo de </a:t>
+            </a:r>
+            <a:r>
+              <a:rPr lang="es-ES" sz="1600" dirty="0" err="1" smtClean="0">
+                <a:latin typeface="Cambria" panose="02040503050406030204" pitchFamily="18" charset="0"/>
+                <a:ea typeface="Cambria" panose="02040503050406030204" pitchFamily="18" charset="0"/>
+              </a:rPr>
+              <a:t>clusters</a:t>
+            </a:r>
+            <a:r>
+              <a:rPr lang="es-ES" sz="1600" dirty="0" smtClean="0">
+                <a:latin typeface="Cambria" panose="02040503050406030204" pitchFamily="18" charset="0"/>
+                <a:ea typeface="Cambria" panose="02040503050406030204" pitchFamily="18" charset="0"/>
+              </a:rPr>
+              <a:t> sea 1 pese a que se calculen 4.</a:t>
+            </a:r>
+          </a:p>
+          <a:p>
+            <a:r>
+              <a:rPr lang="es-ES" sz="1600" dirty="0" smtClean="0">
+                <a:latin typeface="Cambria" panose="02040503050406030204" pitchFamily="18" charset="0"/>
+                <a:ea typeface="Cambria" panose="02040503050406030204" pitchFamily="18" charset="0"/>
+              </a:rPr>
+              <a:t>La primera componente principal</a:t>
+            </a:r>
+            <a:r>
+              <a:rPr lang="es-ES" sz="1600" dirty="0">
+                <a:latin typeface="Cambria" panose="02040503050406030204" pitchFamily="18" charset="0"/>
+                <a:ea typeface="Cambria" panose="02040503050406030204" pitchFamily="18" charset="0"/>
+              </a:rPr>
+              <a:t>,</a:t>
+            </a:r>
+            <a:r>
+              <a:rPr lang="es-ES" sz="1600" dirty="0" smtClean="0">
+                <a:latin typeface="Cambria" panose="02040503050406030204" pitchFamily="18" charset="0"/>
+                <a:ea typeface="Cambria" panose="02040503050406030204" pitchFamily="18" charset="0"/>
+              </a:rPr>
+              <a:t> </a:t>
+            </a:r>
+            <a:r>
+              <a:rPr lang="es-ES" sz="1600" b="1" dirty="0" smtClean="0">
+                <a:latin typeface="Cambria" panose="02040503050406030204" pitchFamily="18" charset="0"/>
+                <a:ea typeface="Cambria" panose="02040503050406030204" pitchFamily="18" charset="0"/>
+              </a:rPr>
+              <a:t>CP1</a:t>
+            </a:r>
+            <a:r>
+              <a:rPr lang="es-ES" sz="1600" dirty="0" smtClean="0">
+                <a:latin typeface="Cambria" panose="02040503050406030204" pitchFamily="18" charset="0"/>
+                <a:ea typeface="Cambria" panose="02040503050406030204" pitchFamily="18" charset="0"/>
+              </a:rPr>
+              <a:t>, relacionada con la capacidad y el costo del alojamiento, muestra que la variedad en el tipo de alojamiento, así como su capacidad de alojamiento y camas disponibles son factores claves en las preferencias de los usuarios.</a:t>
+            </a:r>
+          </a:p>
+          <a:p>
+            <a:r>
+              <a:rPr lang="es-ES" sz="1600" dirty="0" smtClean="0">
+                <a:latin typeface="Cambria" panose="02040503050406030204" pitchFamily="18" charset="0"/>
+                <a:ea typeface="Cambria" panose="02040503050406030204" pitchFamily="18" charset="0"/>
+              </a:rPr>
+              <a:t>La segunda componente principal, </a:t>
+            </a:r>
+            <a:r>
+              <a:rPr lang="es-ES" sz="1600" b="1" dirty="0" smtClean="0">
+                <a:latin typeface="Cambria" panose="02040503050406030204" pitchFamily="18" charset="0"/>
+                <a:ea typeface="Cambria" panose="02040503050406030204" pitchFamily="18" charset="0"/>
+              </a:rPr>
+              <a:t>CP2</a:t>
+            </a:r>
+            <a:r>
+              <a:rPr lang="es-ES" sz="1600" dirty="0" smtClean="0">
+                <a:latin typeface="Cambria" panose="02040503050406030204" pitchFamily="18" charset="0"/>
+                <a:ea typeface="Cambria" panose="02040503050406030204" pitchFamily="18" charset="0"/>
+              </a:rPr>
+              <a:t>, relacionada con la calidad de los alojamientos y su ubicación, muestra que el número de baños, los tipos de habitaciones de los alojamientos y el barrio en que se encuentra el alojamiento influyen a su vez también las preferencias de los usuarios.</a:t>
+            </a:r>
+          </a:p>
+          <a:p>
+            <a:endParaRPr lang="es-ES" sz="1400" dirty="0" smtClean="0">
+              <a:latin typeface="Cambria" panose="02040503050406030204" pitchFamily="18" charset="0"/>
+              <a:ea typeface="Cambria" panose="02040503050406030204" pitchFamily="18" charset="0"/>
+            </a:endParaRPr>
+          </a:p>
+        </p:txBody>
+      </p:sp>
+      <p:sp>
+        <p:nvSpPr>
+          <p:cNvPr id="5" name="Rectángulo 4"/>
+          <p:cNvSpPr/>
+          <p:nvPr/>
+        </p:nvSpPr>
+        <p:spPr bwMode="auto">
+          <a:xfrm>
+            <a:off x="6006" y="980728"/>
+            <a:ext cx="4277961" cy="759842"/>
+          </a:xfrm>
+          <a:prstGeom prst="rect">
+            <a:avLst/>
+          </a:prstGeom>
+          <a:ln>
+            <a:headEnd type="none" w="med" len="med"/>
+            <a:tailEnd type="none" w="med" len="med"/>
+          </a:ln>
+          <a:extLst/>
+        </p:spPr>
+        <p:style>
+          <a:lnRef idx="2">
+            <a:schemeClr val="accent1"/>
+          </a:lnRef>
+          <a:fillRef idx="1">
+            <a:schemeClr val="lt1"/>
+          </a:fillRef>
+          <a:effectRef idx="0">
+            <a:schemeClr val="accent1"/>
+          </a:effectRef>
+          <a:fontRef idx="minor">
+            <a:schemeClr val="dk1"/>
+          </a:fontRef>
+        </p:style>
+        <p:txBody>
+          <a:bodyPr vert="horz" wrap="square" lIns="91440" tIns="45720" rIns="91440" bIns="45720" numCol="1" rtlCol="0" anchor="t" anchorCtr="0" compatLnSpc="1">
+            <a:prstTxWarp prst="textNoShape">
+              <a:avLst/>
+            </a:prstTxWarp>
+          </a:bodyPr>
+          <a:lstStyle/>
+          <a:p>
+            <a:pPr marL="0" marR="0" indent="0" algn="l" defTabSz="914400" rtl="0" eaLnBrk="1" fontAlgn="base" latinLnBrk="0" hangingPunct="1">
+              <a:lnSpc>
+                <a:spcPct val="100000"/>
+              </a:lnSpc>
+              <a:spcBef>
+                <a:spcPct val="0"/>
+              </a:spcBef>
+              <a:spcAft>
+                <a:spcPct val="0"/>
+              </a:spcAft>
+              <a:buClrTx/>
+              <a:buSzTx/>
+              <a:buFontTx/>
+              <a:buNone/>
+              <a:tabLst/>
+            </a:pPr>
+            <a:r>
+              <a:rPr lang="es-ES" dirty="0" smtClean="0">
+                <a:solidFill>
+                  <a:schemeClr val="tx1"/>
+                </a:solidFill>
+                <a:effectLst>
+                  <a:outerShdw blurRad="38100" dist="38100" dir="2700000" algn="tl">
+                    <a:srgbClr val="000000">
+                      <a:alpha val="43137"/>
+                    </a:srgbClr>
+                  </a:outerShdw>
+                </a:effectLst>
+                <a:latin typeface="Arial" charset="0"/>
+              </a:rPr>
+              <a:t>Relativas al análisis descriptivo</a:t>
+            </a:r>
+            <a:endParaRPr kumimoji="0" lang="es-ES" sz="1800" b="1" i="0" u="none" strike="noStrike" cap="none" normalizeH="0" baseline="0" dirty="0" smtClean="0">
+              <a:ln>
+                <a:noFill/>
+              </a:ln>
+              <a:solidFill>
+                <a:schemeClr val="tx1"/>
+              </a:solidFill>
+              <a:effectLst>
+                <a:outerShdw blurRad="38100" dist="38100" dir="2700000" algn="tl">
+                  <a:srgbClr val="000000">
+                    <a:alpha val="43137"/>
+                  </a:srgbClr>
+                </a:outerShdw>
+              </a:effectLst>
+              <a:latin typeface="Arial" charset="0"/>
+            </a:endParaRPr>
+          </a:p>
+        </p:txBody>
+      </p:sp>
+      <p:sp>
+        <p:nvSpPr>
+          <p:cNvPr id="8" name="Rectángulo 7"/>
+          <p:cNvSpPr/>
+          <p:nvPr/>
+        </p:nvSpPr>
+        <p:spPr bwMode="auto">
+          <a:xfrm>
+            <a:off x="4354260" y="980728"/>
+            <a:ext cx="4320481" cy="759842"/>
+          </a:xfrm>
+          <a:prstGeom prst="rect">
+            <a:avLst/>
+          </a:prstGeom>
+          <a:ln>
+            <a:headEnd type="none" w="med" len="med"/>
+            <a:tailEnd type="none" w="med" len="med"/>
+          </a:ln>
+          <a:extLst/>
+        </p:spPr>
+        <p:style>
+          <a:lnRef idx="2">
+            <a:schemeClr val="accent1"/>
+          </a:lnRef>
+          <a:fillRef idx="1">
+            <a:schemeClr val="lt1"/>
+          </a:fillRef>
+          <a:effectRef idx="0">
+            <a:schemeClr val="accent1"/>
+          </a:effectRef>
+          <a:fontRef idx="minor">
+            <a:schemeClr val="dk1"/>
+          </a:fontRef>
+        </p:style>
+        <p:txBody>
+          <a:bodyPr vert="horz" wrap="square" lIns="91440" tIns="45720" rIns="91440" bIns="45720" numCol="1" rtlCol="0" anchor="t" anchorCtr="0" compatLnSpc="1">
+            <a:prstTxWarp prst="textNoShape">
+              <a:avLst/>
+            </a:prstTxWarp>
+          </a:bodyPr>
+          <a:lstStyle/>
+          <a:p>
+            <a:pPr marL="0" marR="0" indent="0" algn="l" defTabSz="914400" rtl="0" eaLnBrk="1" fontAlgn="base" latinLnBrk="0" hangingPunct="1">
+              <a:lnSpc>
+                <a:spcPct val="100000"/>
+              </a:lnSpc>
+              <a:spcBef>
+                <a:spcPct val="0"/>
+              </a:spcBef>
+              <a:spcAft>
+                <a:spcPct val="0"/>
+              </a:spcAft>
+              <a:buClrTx/>
+              <a:buSzTx/>
+              <a:buFontTx/>
+              <a:buNone/>
+              <a:tabLst/>
+            </a:pPr>
+            <a:r>
+              <a:rPr lang="es-ES" dirty="0" smtClean="0">
+                <a:solidFill>
+                  <a:schemeClr val="tx1"/>
+                </a:solidFill>
+                <a:effectLst>
+                  <a:outerShdw blurRad="38100" dist="38100" dir="2700000" algn="tl">
+                    <a:srgbClr val="000000">
+                      <a:alpha val="43137"/>
+                    </a:srgbClr>
+                  </a:outerShdw>
+                </a:effectLst>
+                <a:latin typeface="Arial" charset="0"/>
+              </a:rPr>
+              <a:t>Relativas al análisis clúster</a:t>
+            </a:r>
+            <a:endParaRPr kumimoji="0" lang="es-ES" sz="1800" b="1" i="0" u="none" strike="noStrike" cap="none" normalizeH="0" baseline="0" dirty="0" smtClean="0">
+              <a:ln>
+                <a:noFill/>
+              </a:ln>
+              <a:solidFill>
+                <a:schemeClr val="tx1"/>
+              </a:solidFill>
+              <a:effectLst>
+                <a:outerShdw blurRad="38100" dist="38100" dir="2700000" algn="tl">
+                  <a:srgbClr val="000000">
+                    <a:alpha val="43137"/>
+                  </a:srgbClr>
+                </a:outerShdw>
+              </a:effectLst>
+              <a:latin typeface="Arial" charset="0"/>
+            </a:endParaRPr>
+          </a:p>
+        </p:txBody>
+      </p:sp>
+    </p:spTree>
+    <p:extLst>
+      <p:ext uri="{BB962C8B-B14F-4D97-AF65-F5344CB8AC3E}">
+        <p14:creationId xmlns:p14="http://schemas.microsoft.com/office/powerpoint/2010/main" val="1336642926"/>
+      </p:ext>
+    </p:extLst>
+  </p:cSld>
+  <p:clrMapOvr>
+    <a:masterClrMapping/>
+  </p:clrMapOvr>
+  <p:timing>
+    <p:tnLst>
+      <p:par>
+        <p:cTn id="1" dur="indefinite" restart="never" nodeType="tmRoot"/>
+      </p:par>
+    </p:tnLst>
+  </p:timing>
+</p:sld>
+</file>
+
+<file path=ppt/slides/slide14.xml><?xml version="1.0" encoding="utf-8"?>
+<p:sld xmlns:a="http://schemas.openxmlformats.org/drawingml/2006/main" xmlns:r="http://schemas.openxmlformats.org/officeDocument/2006/relationships" xmlns:p="http://schemas.openxmlformats.org/presentationml/2006/main">
+  <p:cSld>
+    <p:spTree>
+      <p:nvGrpSpPr>
+        <p:cNvPr id="1" name=""/>
+        <p:cNvGrpSpPr/>
+        <p:nvPr/>
+      </p:nvGrpSpPr>
+      <p:grpSpPr>
+        <a:xfrm>
+          <a:off x="0" y="0"/>
+          <a:ext cx="0" cy="0"/>
+          <a:chOff x="0" y="0"/>
+          <a:chExt cx="0" cy="0"/>
+        </a:xfrm>
+      </p:grpSpPr>
+      <p:sp>
+        <p:nvSpPr>
+          <p:cNvPr id="7" name="Rectángulo 6"/>
+          <p:cNvSpPr/>
+          <p:nvPr/>
+        </p:nvSpPr>
+        <p:spPr bwMode="auto">
+          <a:xfrm>
+            <a:off x="0" y="1975121"/>
+            <a:ext cx="9144000" cy="2696542"/>
+          </a:xfrm>
+          <a:prstGeom prst="rect">
+            <a:avLst/>
+          </a:prstGeom>
+          <a:ln>
+            <a:headEnd type="none" w="med" len="med"/>
+            <a:tailEnd type="none" w="med" len="med"/>
+          </a:ln>
+          <a:extLst/>
+        </p:spPr>
+        <p:style>
+          <a:lnRef idx="2">
+            <a:schemeClr val="accent1"/>
+          </a:lnRef>
+          <a:fillRef idx="1">
+            <a:schemeClr val="lt1"/>
+          </a:fillRef>
+          <a:effectRef idx="0">
+            <a:schemeClr val="accent1"/>
+          </a:effectRef>
+          <a:fontRef idx="minor">
+            <a:schemeClr val="dk1"/>
+          </a:fontRef>
+        </p:style>
+        <p:txBody>
+          <a:bodyPr vert="horz" wrap="square" lIns="91440" tIns="45720" rIns="91440" bIns="45720" numCol="1" rtlCol="0" anchor="t" anchorCtr="0" compatLnSpc="1">
+            <a:prstTxWarp prst="textNoShape">
+              <a:avLst/>
+            </a:prstTxWarp>
+          </a:bodyPr>
+          <a:lstStyle/>
+          <a:p>
+            <a:pPr marL="0" marR="0" indent="0" algn="l" defTabSz="914400" rtl="0" eaLnBrk="1" fontAlgn="base" latinLnBrk="0" hangingPunct="1">
+              <a:lnSpc>
+                <a:spcPct val="100000"/>
+              </a:lnSpc>
+              <a:spcBef>
+                <a:spcPct val="0"/>
+              </a:spcBef>
+              <a:spcAft>
+                <a:spcPct val="0"/>
+              </a:spcAft>
+              <a:buClrTx/>
+              <a:buSzTx/>
+              <a:buFontTx/>
+              <a:buNone/>
+              <a:tabLst/>
+            </a:pPr>
+            <a:endParaRPr kumimoji="0" lang="es-ES" sz="1800" b="1" i="0" u="none" strike="noStrike" cap="none" normalizeH="0" baseline="0" dirty="0" smtClean="0">
+              <a:ln>
+                <a:noFill/>
+              </a:ln>
+              <a:solidFill>
+                <a:schemeClr val="tx1"/>
+              </a:solidFill>
+              <a:effectLst/>
+              <a:latin typeface="Arial" charset="0"/>
+            </a:endParaRPr>
+          </a:p>
+        </p:txBody>
+      </p:sp>
+      <p:sp>
+        <p:nvSpPr>
+          <p:cNvPr id="2" name="Título 1"/>
+          <p:cNvSpPr>
+            <a:spLocks noGrp="1"/>
+          </p:cNvSpPr>
+          <p:nvPr>
+            <p:ph type="title"/>
+          </p:nvPr>
+        </p:nvSpPr>
+        <p:spPr/>
+        <p:txBody>
+          <a:bodyPr/>
+          <a:lstStyle/>
+          <a:p>
+            <a:r>
+              <a:rPr lang="es-ES" dirty="0" smtClean="0">
+                <a:latin typeface="Cambria" panose="02040503050406030204" pitchFamily="18" charset="0"/>
+                <a:ea typeface="Cambria" panose="02040503050406030204" pitchFamily="18" charset="0"/>
+              </a:rPr>
+              <a:t>Conclusiones</a:t>
+            </a:r>
+            <a:endParaRPr lang="es-ES" dirty="0">
+              <a:latin typeface="Cambria" panose="02040503050406030204" pitchFamily="18" charset="0"/>
+              <a:ea typeface="Cambria" panose="02040503050406030204" pitchFamily="18" charset="0"/>
+            </a:endParaRPr>
+          </a:p>
+        </p:txBody>
+      </p:sp>
+      <p:sp>
+        <p:nvSpPr>
+          <p:cNvPr id="3" name="Marcador de contenido 2"/>
+          <p:cNvSpPr>
+            <a:spLocks noGrp="1"/>
+          </p:cNvSpPr>
+          <p:nvPr>
+            <p:ph sz="half" idx="1"/>
+          </p:nvPr>
+        </p:nvSpPr>
+        <p:spPr>
+          <a:xfrm>
+            <a:off x="0" y="2117249"/>
+            <a:ext cx="9144000" cy="2690862"/>
+          </a:xfrm>
+        </p:spPr>
+        <p:txBody>
+          <a:bodyPr/>
+          <a:lstStyle/>
+          <a:p>
+            <a:pPr marL="0" indent="0">
+              <a:buNone/>
+            </a:pPr>
+            <a:r>
+              <a:rPr lang="es-ES" sz="1400" dirty="0" smtClean="0">
+                <a:latin typeface="Cambria" panose="02040503050406030204" pitchFamily="18" charset="0"/>
+                <a:ea typeface="Cambria" panose="02040503050406030204" pitchFamily="18" charset="0"/>
+              </a:rPr>
+              <a:t>El modelo generado es bueno para identificar alojamientos con precios excesivos.</a:t>
+            </a:r>
+          </a:p>
+          <a:p>
+            <a:pPr marL="0" indent="0">
+              <a:buNone/>
+            </a:pPr>
+            <a:r>
+              <a:rPr lang="es-ES" sz="1400" dirty="0" smtClean="0">
+                <a:latin typeface="Cambria" panose="02040503050406030204" pitchFamily="18" charset="0"/>
+                <a:ea typeface="Cambria" panose="02040503050406030204" pitchFamily="18" charset="0"/>
+              </a:rPr>
+              <a:t>El análisis de las variables muestra que:</a:t>
+            </a:r>
+          </a:p>
+          <a:p>
+            <a:pPr>
+              <a:buFont typeface="Arial" panose="020B0604020202020204" pitchFamily="34" charset="0"/>
+              <a:buChar char="•"/>
+            </a:pPr>
+            <a:r>
+              <a:rPr lang="es-ES_tradnl" sz="1400" dirty="0" smtClean="0">
+                <a:latin typeface="Cambria" panose="02040503050406030204" pitchFamily="18" charset="0"/>
+                <a:ea typeface="Cambria" panose="02040503050406030204" pitchFamily="18" charset="0"/>
+              </a:rPr>
+              <a:t>Las </a:t>
+            </a:r>
+            <a:r>
+              <a:rPr lang="es-ES_tradnl" sz="1400" dirty="0">
+                <a:latin typeface="Cambria" panose="02040503050406030204" pitchFamily="18" charset="0"/>
+                <a:ea typeface="Cambria" panose="02040503050406030204" pitchFamily="18" charset="0"/>
+              </a:rPr>
+              <a:t>variables como el número de plazas disponibles ("</a:t>
+            </a:r>
+            <a:r>
+              <a:rPr lang="es-ES_tradnl" sz="1400" i="1" dirty="0" err="1">
+                <a:latin typeface="Cambria" panose="02040503050406030204" pitchFamily="18" charset="0"/>
+                <a:ea typeface="Cambria" panose="02040503050406030204" pitchFamily="18" charset="0"/>
+              </a:rPr>
+              <a:t>accommodates</a:t>
+            </a:r>
+            <a:r>
+              <a:rPr lang="es-ES_tradnl" sz="1400" dirty="0">
+                <a:latin typeface="Cambria" panose="02040503050406030204" pitchFamily="18" charset="0"/>
+                <a:ea typeface="Cambria" panose="02040503050406030204" pitchFamily="18" charset="0"/>
+              </a:rPr>
+              <a:t>"), el número de baños ("</a:t>
+            </a:r>
+            <a:r>
+              <a:rPr lang="es-ES_tradnl" sz="1400" i="1" dirty="0" err="1">
+                <a:latin typeface="Cambria" panose="02040503050406030204" pitchFamily="18" charset="0"/>
+                <a:ea typeface="Cambria" panose="02040503050406030204" pitchFamily="18" charset="0"/>
+              </a:rPr>
+              <a:t>bathrooms</a:t>
+            </a:r>
+            <a:r>
+              <a:rPr lang="es-ES_tradnl" sz="1400" dirty="0">
+                <a:latin typeface="Cambria" panose="02040503050406030204" pitchFamily="18" charset="0"/>
+                <a:ea typeface="Cambria" panose="02040503050406030204" pitchFamily="18" charset="0"/>
+              </a:rPr>
+              <a:t>") y el tipo de propiedad ("</a:t>
+            </a:r>
+            <a:r>
+              <a:rPr lang="es-ES_tradnl" sz="1400" i="1" dirty="0" err="1">
+                <a:latin typeface="Cambria" panose="02040503050406030204" pitchFamily="18" charset="0"/>
+                <a:ea typeface="Cambria" panose="02040503050406030204" pitchFamily="18" charset="0"/>
+              </a:rPr>
+              <a:t>property_type</a:t>
+            </a:r>
+            <a:r>
+              <a:rPr lang="es-ES_tradnl" sz="1400" dirty="0">
+                <a:latin typeface="Cambria" panose="02040503050406030204" pitchFamily="18" charset="0"/>
+                <a:ea typeface="Cambria" panose="02040503050406030204" pitchFamily="18" charset="0"/>
+              </a:rPr>
+              <a:t>") están asociadas con un aumento en la probabilidad de precios </a:t>
+            </a:r>
+            <a:r>
+              <a:rPr lang="es-ES_tradnl" sz="1400" dirty="0" smtClean="0">
+                <a:latin typeface="Cambria" panose="02040503050406030204" pitchFamily="18" charset="0"/>
+                <a:ea typeface="Cambria" panose="02040503050406030204" pitchFamily="18" charset="0"/>
+              </a:rPr>
+              <a:t>altos, siendo el número de baños la más importante, implicando que </a:t>
+            </a:r>
+            <a:r>
+              <a:rPr lang="es-ES_tradnl" sz="1400" dirty="0">
+                <a:latin typeface="Cambria" panose="02040503050406030204" pitchFamily="18" charset="0"/>
+                <a:ea typeface="Cambria" panose="02040503050406030204" pitchFamily="18" charset="0"/>
+              </a:rPr>
+              <a:t>el número de baños de un alojamiento es el factor más importante en el mercado de alquiler de alojamientos turísticos no hosteleros de Málaga de la </a:t>
+            </a:r>
+            <a:r>
+              <a:rPr lang="es-ES_tradnl" sz="1400" dirty="0" smtClean="0">
+                <a:latin typeface="Cambria" panose="02040503050406030204" pitchFamily="18" charset="0"/>
+                <a:ea typeface="Cambria" panose="02040503050406030204" pitchFamily="18" charset="0"/>
+              </a:rPr>
+              <a:t>plataforma </a:t>
+            </a:r>
+            <a:r>
+              <a:rPr lang="es-ES_tradnl" sz="1400" dirty="0" err="1">
+                <a:latin typeface="Cambria" panose="02040503050406030204" pitchFamily="18" charset="0"/>
+                <a:ea typeface="Cambria" panose="02040503050406030204" pitchFamily="18" charset="0"/>
+              </a:rPr>
+              <a:t>Airbnb</a:t>
+            </a:r>
+            <a:r>
+              <a:rPr lang="es-ES_tradnl" sz="1400" dirty="0" smtClean="0">
+                <a:latin typeface="Cambria" panose="02040503050406030204" pitchFamily="18" charset="0"/>
+                <a:ea typeface="Cambria" panose="02040503050406030204" pitchFamily="18" charset="0"/>
+              </a:rPr>
+              <a:t>.</a:t>
+            </a:r>
+          </a:p>
+          <a:p>
+            <a:pPr>
+              <a:buFont typeface="Arial" panose="020B0604020202020204" pitchFamily="34" charset="0"/>
+              <a:buChar char="•"/>
+            </a:pPr>
+            <a:r>
+              <a:rPr lang="es-ES_tradnl" sz="1400" dirty="0" smtClean="0">
+                <a:latin typeface="Cambria" panose="02040503050406030204" pitchFamily="18" charset="0"/>
+                <a:ea typeface="Cambria" panose="02040503050406030204" pitchFamily="18" charset="0"/>
+              </a:rPr>
+              <a:t>Las variables </a:t>
+            </a:r>
+            <a:r>
+              <a:rPr lang="es-ES_tradnl" sz="1400" dirty="0">
+                <a:latin typeface="Cambria" panose="02040503050406030204" pitchFamily="18" charset="0"/>
+                <a:ea typeface="Cambria" panose="02040503050406030204" pitchFamily="18" charset="0"/>
+              </a:rPr>
+              <a:t>como la verificación de identidad del anfitrión ("</a:t>
+            </a:r>
+            <a:r>
+              <a:rPr lang="es-ES_tradnl" sz="1400" i="1" dirty="0" err="1">
+                <a:latin typeface="Cambria" panose="02040503050406030204" pitchFamily="18" charset="0"/>
+                <a:ea typeface="Cambria" panose="02040503050406030204" pitchFamily="18" charset="0"/>
+              </a:rPr>
+              <a:t>host_identity_verified</a:t>
+            </a:r>
+            <a:r>
+              <a:rPr lang="es-ES_tradnl" sz="1400" dirty="0">
+                <a:latin typeface="Cambria" panose="02040503050406030204" pitchFamily="18" charset="0"/>
+                <a:ea typeface="Cambria" panose="02040503050406030204" pitchFamily="18" charset="0"/>
+              </a:rPr>
+              <a:t>"), el tipo de habitación ("</a:t>
+            </a:r>
+            <a:r>
+              <a:rPr lang="es-ES_tradnl" sz="1400" i="1" dirty="0" err="1">
+                <a:latin typeface="Cambria" panose="02040503050406030204" pitchFamily="18" charset="0"/>
+                <a:ea typeface="Cambria" panose="02040503050406030204" pitchFamily="18" charset="0"/>
+              </a:rPr>
+              <a:t>room_type</a:t>
+            </a:r>
+            <a:r>
+              <a:rPr lang="es-ES_tradnl" sz="1400" dirty="0">
+                <a:latin typeface="Cambria" panose="02040503050406030204" pitchFamily="18" charset="0"/>
+                <a:ea typeface="Cambria" panose="02040503050406030204" pitchFamily="18" charset="0"/>
+              </a:rPr>
+              <a:t>") y el número mínimo de noches ("</a:t>
+            </a:r>
+            <a:r>
+              <a:rPr lang="es-ES_tradnl" sz="1400" i="1" dirty="0" err="1">
+                <a:latin typeface="Cambria" panose="02040503050406030204" pitchFamily="18" charset="0"/>
+                <a:ea typeface="Cambria" panose="02040503050406030204" pitchFamily="18" charset="0"/>
+              </a:rPr>
+              <a:t>minimum_nights</a:t>
+            </a:r>
+            <a:r>
+              <a:rPr lang="es-ES_tradnl" sz="1400" dirty="0">
+                <a:latin typeface="Cambria" panose="02040503050406030204" pitchFamily="18" charset="0"/>
+                <a:ea typeface="Cambria" panose="02040503050406030204" pitchFamily="18" charset="0"/>
+              </a:rPr>
+              <a:t>") tienen coeficientes </a:t>
+            </a:r>
+            <a:r>
+              <a:rPr lang="es-ES_tradnl" sz="1400" dirty="0" smtClean="0">
+                <a:latin typeface="Cambria" panose="02040503050406030204" pitchFamily="18" charset="0"/>
+                <a:ea typeface="Cambria" panose="02040503050406030204" pitchFamily="18" charset="0"/>
+              </a:rPr>
+              <a:t>negativos, por lo que </a:t>
+            </a:r>
+            <a:r>
+              <a:rPr lang="es-ES_tradnl" sz="1400" dirty="0">
+                <a:latin typeface="Cambria" panose="02040503050406030204" pitchFamily="18" charset="0"/>
+                <a:ea typeface="Cambria" panose="02040503050406030204" pitchFamily="18" charset="0"/>
+              </a:rPr>
+              <a:t>tienden a estar asociadas con una menor probabilidad de que el precio del alojamiento sea </a:t>
+            </a:r>
+            <a:r>
+              <a:rPr lang="es-ES_tradnl" sz="1400" dirty="0" smtClean="0">
+                <a:latin typeface="Cambria" panose="02040503050406030204" pitchFamily="18" charset="0"/>
+                <a:ea typeface="Cambria" panose="02040503050406030204" pitchFamily="18" charset="0"/>
+              </a:rPr>
+              <a:t>alto. En particular, el tipo de habitación tiene el mayor impacto negativo, por lo que se infiere que el tipo de habitación que se oferta en los anuncios es también muy determinante para determinar si el precio es excesivo o no.</a:t>
+            </a:r>
+          </a:p>
+          <a:p>
+            <a:pPr marL="0" indent="0">
+              <a:buNone/>
+            </a:pPr>
+            <a:endParaRPr lang="es-ES" sz="1400" dirty="0">
+              <a:latin typeface="Cambria" panose="02040503050406030204" pitchFamily="18" charset="0"/>
+              <a:ea typeface="Cambria" panose="02040503050406030204" pitchFamily="18" charset="0"/>
+            </a:endParaRPr>
+          </a:p>
+        </p:txBody>
+      </p:sp>
+      <p:sp>
+        <p:nvSpPr>
+          <p:cNvPr id="5" name="Rectángulo 4"/>
+          <p:cNvSpPr/>
+          <p:nvPr/>
+        </p:nvSpPr>
+        <p:spPr bwMode="auto">
+          <a:xfrm>
+            <a:off x="0" y="1103607"/>
+            <a:ext cx="4277961" cy="759842"/>
+          </a:xfrm>
+          <a:prstGeom prst="rect">
+            <a:avLst/>
+          </a:prstGeom>
+          <a:ln>
+            <a:headEnd type="none" w="med" len="med"/>
+            <a:tailEnd type="none" w="med" len="med"/>
+          </a:ln>
+          <a:extLst/>
+        </p:spPr>
+        <p:style>
+          <a:lnRef idx="2">
+            <a:schemeClr val="accent1"/>
+          </a:lnRef>
+          <a:fillRef idx="1">
+            <a:schemeClr val="lt1"/>
+          </a:fillRef>
+          <a:effectRef idx="0">
+            <a:schemeClr val="accent1"/>
+          </a:effectRef>
+          <a:fontRef idx="minor">
+            <a:schemeClr val="dk1"/>
+          </a:fontRef>
+        </p:style>
+        <p:txBody>
+          <a:bodyPr vert="horz" wrap="square" lIns="91440" tIns="45720" rIns="91440" bIns="45720" numCol="1" rtlCol="0" anchor="t" anchorCtr="0" compatLnSpc="1">
+            <a:prstTxWarp prst="textNoShape">
+              <a:avLst/>
+            </a:prstTxWarp>
+          </a:bodyPr>
+          <a:lstStyle/>
+          <a:p>
+            <a:pPr marL="0" marR="0" indent="0" algn="l" defTabSz="914400" rtl="0" eaLnBrk="1" fontAlgn="base" latinLnBrk="0" hangingPunct="1">
+              <a:lnSpc>
+                <a:spcPct val="100000"/>
+              </a:lnSpc>
+              <a:spcBef>
+                <a:spcPct val="0"/>
+              </a:spcBef>
+              <a:spcAft>
+                <a:spcPct val="0"/>
+              </a:spcAft>
+              <a:buClrTx/>
+              <a:buSzTx/>
+              <a:buFontTx/>
+              <a:buNone/>
+              <a:tabLst/>
+            </a:pPr>
+            <a:r>
+              <a:rPr lang="es-ES" dirty="0" smtClean="0">
+                <a:solidFill>
+                  <a:schemeClr val="tx1"/>
+                </a:solidFill>
+                <a:effectLst>
+                  <a:outerShdw blurRad="38100" dist="38100" dir="2700000" algn="tl">
+                    <a:srgbClr val="000000">
+                      <a:alpha val="43137"/>
+                    </a:srgbClr>
+                  </a:outerShdw>
+                </a:effectLst>
+                <a:latin typeface="Arial" charset="0"/>
+              </a:rPr>
+              <a:t>Relativas al análisis modelo </a:t>
+            </a:r>
+            <a:r>
+              <a:rPr lang="es-ES" dirty="0" err="1" smtClean="0">
+                <a:solidFill>
+                  <a:schemeClr val="tx1"/>
+                </a:solidFill>
+                <a:effectLst>
+                  <a:outerShdw blurRad="38100" dist="38100" dir="2700000" algn="tl">
+                    <a:srgbClr val="000000">
+                      <a:alpha val="43137"/>
+                    </a:srgbClr>
+                  </a:outerShdw>
+                </a:effectLst>
+                <a:latin typeface="Arial" charset="0"/>
+              </a:rPr>
+              <a:t>Logit</a:t>
+            </a:r>
+            <a:endParaRPr kumimoji="0" lang="es-ES" sz="1800" b="1" i="0" u="none" strike="noStrike" cap="none" normalizeH="0" baseline="0" dirty="0" smtClean="0">
+              <a:ln>
+                <a:noFill/>
+              </a:ln>
+              <a:solidFill>
+                <a:schemeClr val="tx1"/>
+              </a:solidFill>
+              <a:effectLst>
+                <a:outerShdw blurRad="38100" dist="38100" dir="2700000" algn="tl">
+                  <a:srgbClr val="000000">
+                    <a:alpha val="43137"/>
+                  </a:srgbClr>
+                </a:outerShdw>
+              </a:effectLst>
+              <a:latin typeface="Arial" charset="0"/>
+            </a:endParaRPr>
+          </a:p>
+        </p:txBody>
+      </p:sp>
+      <p:sp>
+        <p:nvSpPr>
+          <p:cNvPr id="6" name="Rectángulo 5"/>
+          <p:cNvSpPr/>
+          <p:nvPr/>
+        </p:nvSpPr>
+        <p:spPr bwMode="auto">
+          <a:xfrm>
+            <a:off x="0" y="4725144"/>
+            <a:ext cx="9144000" cy="1152128"/>
+          </a:xfrm>
+          <a:prstGeom prst="rect">
+            <a:avLst/>
+          </a:prstGeom>
+          <a:ln>
+            <a:headEnd type="none" w="med" len="med"/>
+            <a:tailEnd type="none" w="med" len="med"/>
+          </a:ln>
+          <a:extLst/>
+        </p:spPr>
+        <p:style>
+          <a:lnRef idx="2">
+            <a:schemeClr val="accent1"/>
+          </a:lnRef>
+          <a:fillRef idx="1">
+            <a:schemeClr val="lt1"/>
+          </a:fillRef>
+          <a:effectRef idx="0">
+            <a:schemeClr val="accent1"/>
+          </a:effectRef>
+          <a:fontRef idx="minor">
+            <a:schemeClr val="dk1"/>
+          </a:fontRef>
+        </p:style>
+        <p:txBody>
+          <a:bodyPr vert="horz" wrap="square" lIns="91440" tIns="45720" rIns="91440" bIns="45720" numCol="1" rtlCol="0" anchor="t" anchorCtr="0" compatLnSpc="1">
+            <a:prstTxWarp prst="textNoShape">
+              <a:avLst/>
+            </a:prstTxWarp>
+          </a:bodyPr>
+          <a:lstStyle/>
+          <a:p>
+            <a:pPr marL="0" marR="0" indent="0" algn="l" defTabSz="914400" rtl="0" eaLnBrk="1" fontAlgn="base" latinLnBrk="0" hangingPunct="1">
+              <a:lnSpc>
+                <a:spcPct val="100000"/>
+              </a:lnSpc>
+              <a:spcBef>
+                <a:spcPct val="0"/>
+              </a:spcBef>
+              <a:spcAft>
+                <a:spcPct val="0"/>
+              </a:spcAft>
+              <a:buClrTx/>
+              <a:buSzTx/>
+              <a:buFontTx/>
+              <a:buNone/>
+              <a:tabLst/>
+            </a:pPr>
+            <a:endParaRPr kumimoji="0" lang="es-ES" sz="1800" b="1" i="0" u="none" strike="noStrike" cap="none" normalizeH="0" baseline="0" smtClean="0">
+              <a:ln>
+                <a:noFill/>
+              </a:ln>
+              <a:solidFill>
+                <a:schemeClr val="tx1"/>
+              </a:solidFill>
+              <a:effectLst/>
+              <a:latin typeface="Arial" charset="0"/>
+            </a:endParaRPr>
+          </a:p>
+        </p:txBody>
+      </p:sp>
+      <p:sp>
+        <p:nvSpPr>
+          <p:cNvPr id="12" name="CuadroTexto 11"/>
+          <p:cNvSpPr txBox="1"/>
+          <p:nvPr/>
+        </p:nvSpPr>
+        <p:spPr>
+          <a:xfrm>
+            <a:off x="0" y="4753947"/>
+            <a:ext cx="9144000" cy="1015663"/>
+          </a:xfrm>
+          <a:prstGeom prst="rect">
+            <a:avLst/>
+          </a:prstGeom>
+          <a:noFill/>
+        </p:spPr>
+        <p:txBody>
+          <a:bodyPr wrap="square" rtlCol="0">
+            <a:spAutoFit/>
+          </a:bodyPr>
+          <a:lstStyle/>
+          <a:p>
+            <a:r>
+              <a:rPr lang="es-ES" dirty="0" smtClean="0">
+                <a:effectLst>
+                  <a:outerShdw blurRad="38100" dist="38100" dir="2700000" algn="tl">
+                    <a:srgbClr val="000000">
+                      <a:alpha val="43137"/>
+                    </a:srgbClr>
+                  </a:outerShdw>
+                </a:effectLst>
+                <a:latin typeface="Cambria" panose="02040503050406030204" pitchFamily="18" charset="0"/>
+                <a:ea typeface="Cambria" panose="02040503050406030204" pitchFamily="18" charset="0"/>
+              </a:rPr>
+              <a:t>Limitaciones del modelo</a:t>
+            </a:r>
+          </a:p>
+          <a:p>
+            <a:pPr marL="285750" indent="-285750">
+              <a:buFont typeface="Arial" panose="020B0604020202020204" pitchFamily="34" charset="0"/>
+              <a:buChar char="•"/>
+            </a:pPr>
+            <a:r>
+              <a:rPr lang="es-ES" sz="1400" b="0" dirty="0" smtClean="0">
+                <a:latin typeface="Cambria" panose="02040503050406030204" pitchFamily="18" charset="0"/>
+                <a:ea typeface="Cambria" panose="02040503050406030204" pitchFamily="18" charset="0"/>
+              </a:rPr>
+              <a:t>Sensibilidad baja      El modelo tiene dificultades para identificar correctamente todos los casos positivos.    </a:t>
+            </a:r>
+          </a:p>
+          <a:p>
+            <a:pPr marL="285750" indent="-285750">
+              <a:buFont typeface="Arial" panose="020B0604020202020204" pitchFamily="34" charset="0"/>
+              <a:buChar char="•"/>
+            </a:pPr>
+            <a:r>
+              <a:rPr lang="es-ES" sz="1400" b="0" dirty="0" smtClean="0">
+                <a:latin typeface="Cambria" panose="02040503050406030204" pitchFamily="18" charset="0"/>
+                <a:ea typeface="Cambria" panose="02040503050406030204" pitchFamily="18" charset="0"/>
+              </a:rPr>
+              <a:t>Alta especificada      El modelo es muy bueno para identificar los casos negativos.</a:t>
+            </a:r>
+            <a:endParaRPr lang="es-ES" sz="1400" b="0" dirty="0">
+              <a:latin typeface="Cambria" panose="02040503050406030204" pitchFamily="18" charset="0"/>
+              <a:ea typeface="Cambria" panose="02040503050406030204" pitchFamily="18" charset="0"/>
+            </a:endParaRPr>
+          </a:p>
+          <a:p>
+            <a:r>
+              <a:rPr lang="es-ES" sz="1400" b="0" dirty="0" smtClean="0">
+                <a:latin typeface="Cambria" panose="02040503050406030204" pitchFamily="18" charset="0"/>
+                <a:ea typeface="Cambria" panose="02040503050406030204" pitchFamily="18" charset="0"/>
+              </a:rPr>
+              <a:t>    </a:t>
+            </a:r>
+            <a:endParaRPr lang="es-ES" sz="1400" b="0" dirty="0">
+              <a:latin typeface="Cambria" panose="02040503050406030204" pitchFamily="18" charset="0"/>
+              <a:ea typeface="Cambria" panose="02040503050406030204" pitchFamily="18" charset="0"/>
+            </a:endParaRPr>
+          </a:p>
+        </p:txBody>
+      </p:sp>
+      <p:sp>
+        <p:nvSpPr>
+          <p:cNvPr id="14" name="Flecha derecha 13"/>
+          <p:cNvSpPr/>
+          <p:nvPr/>
+        </p:nvSpPr>
+        <p:spPr bwMode="auto">
+          <a:xfrm>
+            <a:off x="1691680" y="5124946"/>
+            <a:ext cx="144165" cy="144016"/>
+          </a:xfrm>
+          <a:prstGeom prst="rightArrow">
+            <a:avLst/>
+          </a:prstGeom>
+          <a:solidFill>
+            <a:schemeClr val="accent1"/>
+          </a:solidFill>
+          <a:ln w="9525" cap="flat" cmpd="sng" algn="ctr">
+            <a:solidFill>
+              <a:schemeClr val="tx1"/>
+            </a:solidFill>
+            <a:prstDash val="solid"/>
+            <a:round/>
+            <a:headEnd type="none" w="med" len="med"/>
+            <a:tailEnd type="none" w="med" len="med"/>
+          </a:ln>
+          <a:effectLst/>
+          <a:extLst>
+            <a:ext uri="{AF507438-7753-43E0-B8FC-AC1667EBCBE1}">
+              <a14:hiddenEffects xmlns:a14="http://schemas.microsoft.com/office/drawing/2010/main">
+                <a:effectLst>
+                  <a:outerShdw dist="35921" dir="2700000" algn="ctr" rotWithShape="0">
+                    <a:schemeClr val="bg2"/>
+                  </a:outerShdw>
+                </a:effectLst>
+              </a14:hiddenEffects>
+            </a:ext>
+          </a:extLst>
+        </p:spPr>
+        <p:txBody>
+          <a:bodyPr vert="horz" wrap="square" lIns="91440" tIns="45720" rIns="91440" bIns="45720" numCol="1" rtlCol="0" anchor="t" anchorCtr="0" compatLnSpc="1">
+            <a:prstTxWarp prst="textNoShape">
+              <a:avLst/>
+            </a:prstTxWarp>
+          </a:bodyPr>
+          <a:lstStyle/>
+          <a:p>
+            <a:pPr marL="0" marR="0" indent="0" algn="l" defTabSz="914400" rtl="0" eaLnBrk="1" fontAlgn="base" latinLnBrk="0" hangingPunct="1">
+              <a:lnSpc>
+                <a:spcPct val="100000"/>
+              </a:lnSpc>
+              <a:spcBef>
+                <a:spcPct val="0"/>
+              </a:spcBef>
+              <a:spcAft>
+                <a:spcPct val="0"/>
+              </a:spcAft>
+              <a:buClrTx/>
+              <a:buSzTx/>
+              <a:buFontTx/>
+              <a:buNone/>
+              <a:tabLst/>
+            </a:pPr>
+            <a:endParaRPr kumimoji="0" lang="es-ES" sz="1800" b="1" i="0" u="none" strike="noStrike" cap="none" normalizeH="0" baseline="0" smtClean="0">
+              <a:ln>
+                <a:noFill/>
+              </a:ln>
+              <a:solidFill>
+                <a:schemeClr val="tx1"/>
+              </a:solidFill>
+              <a:effectLst/>
+              <a:latin typeface="Arial" charset="0"/>
+            </a:endParaRPr>
+          </a:p>
+        </p:txBody>
+      </p:sp>
+      <p:sp>
+        <p:nvSpPr>
+          <p:cNvPr id="15" name="Flecha derecha 14"/>
+          <p:cNvSpPr/>
+          <p:nvPr/>
+        </p:nvSpPr>
+        <p:spPr bwMode="auto">
+          <a:xfrm>
+            <a:off x="1691679" y="5320587"/>
+            <a:ext cx="144165" cy="144716"/>
+          </a:xfrm>
+          <a:prstGeom prst="rightArrow">
+            <a:avLst/>
+          </a:prstGeom>
+          <a:solidFill>
+            <a:schemeClr val="accent1"/>
+          </a:solidFill>
+          <a:ln w="9525" cap="flat" cmpd="sng" algn="ctr">
+            <a:solidFill>
+              <a:schemeClr val="tx1"/>
+            </a:solidFill>
+            <a:prstDash val="solid"/>
+            <a:round/>
+            <a:headEnd type="none" w="med" len="med"/>
+            <a:tailEnd type="none" w="med" len="med"/>
+          </a:ln>
+          <a:effectLst/>
+          <a:extLst>
+            <a:ext uri="{AF507438-7753-43E0-B8FC-AC1667EBCBE1}">
+              <a14:hiddenEffects xmlns:a14="http://schemas.microsoft.com/office/drawing/2010/main">
+                <a:effectLst>
+                  <a:outerShdw dist="35921" dir="2700000" algn="ctr" rotWithShape="0">
+                    <a:schemeClr val="bg2"/>
+                  </a:outerShdw>
+                </a:effectLst>
+              </a14:hiddenEffects>
+            </a:ext>
+          </a:extLst>
+        </p:spPr>
+        <p:txBody>
+          <a:bodyPr vert="horz" wrap="square" lIns="91440" tIns="45720" rIns="91440" bIns="45720" numCol="1" rtlCol="0" anchor="t" anchorCtr="0" compatLnSpc="1">
+            <a:prstTxWarp prst="textNoShape">
+              <a:avLst/>
+            </a:prstTxWarp>
+          </a:bodyPr>
+          <a:lstStyle/>
+          <a:p>
+            <a:pPr marL="0" marR="0" indent="0" algn="l" defTabSz="914400" rtl="0" eaLnBrk="1" fontAlgn="base" latinLnBrk="0" hangingPunct="1">
+              <a:lnSpc>
+                <a:spcPct val="100000"/>
+              </a:lnSpc>
+              <a:spcBef>
+                <a:spcPct val="0"/>
+              </a:spcBef>
+              <a:spcAft>
+                <a:spcPct val="0"/>
+              </a:spcAft>
+              <a:buClrTx/>
+              <a:buSzTx/>
+              <a:buFontTx/>
+              <a:buNone/>
+              <a:tabLst/>
+            </a:pPr>
+            <a:endParaRPr kumimoji="0" lang="es-ES" sz="1800" b="1" i="0" u="none" strike="noStrike" cap="none" normalizeH="0" baseline="0" smtClean="0">
+              <a:ln>
+                <a:noFill/>
+              </a:ln>
+              <a:solidFill>
+                <a:schemeClr val="tx1"/>
+              </a:solidFill>
+              <a:effectLst/>
+              <a:latin typeface="Arial" charset="0"/>
+            </a:endParaRPr>
+          </a:p>
+        </p:txBody>
+      </p:sp>
+    </p:spTree>
+    <p:extLst>
+      <p:ext uri="{BB962C8B-B14F-4D97-AF65-F5344CB8AC3E}">
+        <p14:creationId xmlns:p14="http://schemas.microsoft.com/office/powerpoint/2010/main" val="2432682922"/>
+      </p:ext>
+    </p:extLst>
+  </p:cSld>
+  <p:clrMapOvr>
+    <a:masterClrMapping/>
+  </p:clrMapOvr>
+  <p:timing>
+    <p:tnLst>
+      <p:par>
+        <p:cTn id="1" dur="indefinite" restart="never" nodeType="tmRoot"/>
+      </p:par>
+    </p:tnLst>
+  </p:timing>
+</p:sld>
+</file>
+
+<file path=ppt/slides/slide15.xml><?xml version="1.0" encoding="utf-8"?>
+<p:sld xmlns:a="http://schemas.openxmlformats.org/drawingml/2006/main" xmlns:r="http://schemas.openxmlformats.org/officeDocument/2006/relationships" xmlns:p="http://schemas.openxmlformats.org/presentationml/2006/main">
+  <p:cSld>
+    <p:spTree>
+      <p:nvGrpSpPr>
+        <p:cNvPr id="1" name=""/>
+        <p:cNvGrpSpPr/>
+        <p:nvPr/>
+      </p:nvGrpSpPr>
+      <p:grpSpPr>
+        <a:xfrm>
+          <a:off x="0" y="0"/>
+          <a:ext cx="0" cy="0"/>
+          <a:chOff x="0" y="0"/>
+          <a:chExt cx="0" cy="0"/>
+        </a:xfrm>
+      </p:grpSpPr>
+      <p:sp>
+        <p:nvSpPr>
+          <p:cNvPr id="13" name="Rectángulo 12"/>
+          <p:cNvSpPr/>
+          <p:nvPr/>
+        </p:nvSpPr>
+        <p:spPr bwMode="auto">
+          <a:xfrm>
+            <a:off x="38733" y="1124744"/>
+            <a:ext cx="8928992" cy="5544616"/>
+          </a:xfrm>
+          <a:prstGeom prst="rect">
+            <a:avLst/>
+          </a:prstGeom>
+          <a:ln>
+            <a:headEnd type="none" w="med" len="med"/>
+            <a:tailEnd type="none" w="med" len="med"/>
+          </a:ln>
+          <a:extLst/>
+        </p:spPr>
+        <p:style>
+          <a:lnRef idx="2">
+            <a:schemeClr val="accent1"/>
+          </a:lnRef>
+          <a:fillRef idx="1">
+            <a:schemeClr val="lt1"/>
+          </a:fillRef>
+          <a:effectRef idx="0">
+            <a:schemeClr val="accent1"/>
+          </a:effectRef>
+          <a:fontRef idx="minor">
+            <a:schemeClr val="dk1"/>
+          </a:fontRef>
+        </p:style>
+        <p:txBody>
+          <a:bodyPr vert="horz" wrap="square" lIns="91440" tIns="45720" rIns="91440" bIns="45720" numCol="1" rtlCol="0" anchor="t" anchorCtr="0" compatLnSpc="1">
+            <a:prstTxWarp prst="textNoShape">
+              <a:avLst/>
+            </a:prstTxWarp>
+          </a:bodyPr>
+          <a:lstStyle/>
+          <a:p>
+            <a:pPr marL="0" marR="0" indent="0" algn="l" defTabSz="914400" rtl="0" eaLnBrk="1" fontAlgn="base" latinLnBrk="0" hangingPunct="1">
+              <a:lnSpc>
+                <a:spcPct val="100000"/>
+              </a:lnSpc>
+              <a:spcBef>
+                <a:spcPct val="0"/>
+              </a:spcBef>
+              <a:spcAft>
+                <a:spcPct val="0"/>
+              </a:spcAft>
+              <a:buClrTx/>
+              <a:buSzTx/>
+              <a:buFontTx/>
+              <a:buNone/>
+              <a:tabLst/>
+            </a:pPr>
+            <a:endParaRPr kumimoji="0" lang="es-ES" sz="1800" b="1" i="0" u="none" strike="noStrike" cap="none" normalizeH="0" baseline="0" smtClean="0">
+              <a:ln>
+                <a:noFill/>
+              </a:ln>
+              <a:solidFill>
+                <a:schemeClr val="tx1"/>
+              </a:solidFill>
+              <a:effectLst/>
+              <a:latin typeface="Arial" charset="0"/>
+            </a:endParaRPr>
+          </a:p>
+        </p:txBody>
+      </p:sp>
+      <p:sp>
+        <p:nvSpPr>
+          <p:cNvPr id="2" name="Título 1"/>
+          <p:cNvSpPr>
+            <a:spLocks noGrp="1"/>
+          </p:cNvSpPr>
+          <p:nvPr>
+            <p:ph type="title"/>
+          </p:nvPr>
+        </p:nvSpPr>
+        <p:spPr/>
+        <p:txBody>
+          <a:bodyPr/>
+          <a:lstStyle/>
+          <a:p>
+            <a:r>
+              <a:rPr lang="es-ES" dirty="0" smtClean="0">
+                <a:latin typeface="Cambria" panose="02040503050406030204" pitchFamily="18" charset="0"/>
+                <a:ea typeface="Cambria" panose="02040503050406030204" pitchFamily="18" charset="0"/>
+              </a:rPr>
+              <a:t>Posibles usos del modelo</a:t>
+            </a:r>
+            <a:endParaRPr lang="es-ES" dirty="0">
+              <a:latin typeface="Cambria" panose="02040503050406030204" pitchFamily="18" charset="0"/>
+              <a:ea typeface="Cambria" panose="02040503050406030204" pitchFamily="18" charset="0"/>
+            </a:endParaRPr>
+          </a:p>
+        </p:txBody>
+      </p:sp>
+      <p:sp>
+        <p:nvSpPr>
+          <p:cNvPr id="8" name="Marcador de contenido 7"/>
+          <p:cNvSpPr>
+            <a:spLocks noGrp="1"/>
+          </p:cNvSpPr>
+          <p:nvPr>
+            <p:ph idx="1"/>
+          </p:nvPr>
+        </p:nvSpPr>
+        <p:spPr>
+          <a:xfrm>
+            <a:off x="179512" y="2138320"/>
+            <a:ext cx="7704856" cy="432718"/>
+          </a:xfrm>
+        </p:spPr>
+        <p:txBody>
+          <a:bodyPr/>
+          <a:lstStyle/>
+          <a:p>
+            <a:r>
+              <a:rPr lang="es-ES" sz="2400" dirty="0" smtClean="0">
+                <a:latin typeface="Cambria" panose="02040503050406030204" pitchFamily="18" charset="0"/>
+                <a:ea typeface="Cambria" panose="02040503050406030204" pitchFamily="18" charset="0"/>
+              </a:rPr>
+              <a:t>Evaluación por parte de los clientes </a:t>
+            </a:r>
+            <a:endParaRPr lang="es-ES" sz="2400" dirty="0">
+              <a:latin typeface="Cambria" panose="02040503050406030204" pitchFamily="18" charset="0"/>
+              <a:ea typeface="Cambria" panose="02040503050406030204" pitchFamily="18" charset="0"/>
+            </a:endParaRPr>
+          </a:p>
+        </p:txBody>
+      </p:sp>
+      <p:sp>
+        <p:nvSpPr>
+          <p:cNvPr id="9" name="Marcador de contenido 7"/>
+          <p:cNvSpPr txBox="1">
+            <a:spLocks/>
+          </p:cNvSpPr>
+          <p:nvPr/>
+        </p:nvSpPr>
+        <p:spPr bwMode="auto">
+          <a:xfrm>
+            <a:off x="179512" y="2835415"/>
+            <a:ext cx="7704856" cy="432718"/>
+          </a:xfrm>
+          <a:prstGeom prst="rect">
+            <a:avLst/>
+          </a:prstGeom>
+          <a:noFill/>
+          <a:ln w="9525">
+            <a:noFill/>
+            <a:miter lim="800000"/>
+            <a:headEnd/>
+            <a:tailEnd/>
+          </a:ln>
+          <a:effectLst/>
+        </p:spPr>
+        <p:txBody>
+          <a:bodyPr vert="horz" wrap="square" lIns="91440" tIns="45720" rIns="91440" bIns="45720" numCol="1" anchor="t" anchorCtr="0" compatLnSpc="1">
+            <a:prstTxWarp prst="textNoShape">
+              <a:avLst/>
+            </a:prstTxWarp>
+          </a:bodyPr>
+          <a:lstStyle>
+            <a:lvl1pPr marL="342900" indent="-342900" algn="l" rtl="0" eaLnBrk="1" fontAlgn="base" hangingPunct="1">
+              <a:spcBef>
+                <a:spcPct val="20000"/>
+              </a:spcBef>
+              <a:spcAft>
+                <a:spcPct val="0"/>
+              </a:spcAft>
+              <a:buChar char="•"/>
+              <a:defRPr sz="2800">
+                <a:solidFill>
+                  <a:schemeClr val="tx2"/>
+                </a:solidFill>
+                <a:latin typeface="+mn-lt"/>
+                <a:ea typeface="+mn-ea"/>
+                <a:cs typeface="+mn-cs"/>
+              </a:defRPr>
+            </a:lvl1pPr>
+            <a:lvl2pPr marL="742950" indent="-285750" algn="l" rtl="0" eaLnBrk="1" fontAlgn="base" hangingPunct="1">
+              <a:spcBef>
+                <a:spcPct val="20000"/>
+              </a:spcBef>
+              <a:spcAft>
+                <a:spcPct val="0"/>
+              </a:spcAft>
+              <a:buChar char="–"/>
+              <a:defRPr sz="2400" b="1">
+                <a:solidFill>
+                  <a:schemeClr val="tx2"/>
+                </a:solidFill>
+                <a:latin typeface="+mn-lt"/>
+              </a:defRPr>
+            </a:lvl2pPr>
+            <a:lvl3pPr marL="1143000" indent="-228600" algn="l" rtl="0" eaLnBrk="1" fontAlgn="base" hangingPunct="1">
+              <a:spcBef>
+                <a:spcPct val="20000"/>
+              </a:spcBef>
+              <a:spcAft>
+                <a:spcPct val="0"/>
+              </a:spcAft>
+              <a:buChar char="•"/>
+              <a:defRPr sz="2400">
+                <a:solidFill>
+                  <a:schemeClr val="tx2"/>
+                </a:solidFill>
+                <a:latin typeface="+mn-lt"/>
+              </a:defRPr>
+            </a:lvl3pPr>
+            <a:lvl4pPr marL="1600200" indent="-228600" algn="l" rtl="0" eaLnBrk="1" fontAlgn="base" hangingPunct="1">
+              <a:spcBef>
+                <a:spcPct val="20000"/>
+              </a:spcBef>
+              <a:spcAft>
+                <a:spcPct val="0"/>
+              </a:spcAft>
+              <a:buChar char="–"/>
+              <a:defRPr sz="2000">
+                <a:solidFill>
+                  <a:schemeClr val="tx2"/>
+                </a:solidFill>
+                <a:latin typeface="+mn-lt"/>
+              </a:defRPr>
+            </a:lvl4pPr>
+            <a:lvl5pPr marL="2057400" indent="-228600" algn="l" rtl="0" eaLnBrk="1" fontAlgn="base" hangingPunct="1">
+              <a:spcBef>
+                <a:spcPct val="20000"/>
+              </a:spcBef>
+              <a:spcAft>
+                <a:spcPct val="0"/>
+              </a:spcAft>
+              <a:buChar char="»"/>
+              <a:defRPr sz="2000">
+                <a:solidFill>
+                  <a:schemeClr val="tx2"/>
+                </a:solidFill>
+                <a:latin typeface="+mn-lt"/>
+              </a:defRPr>
+            </a:lvl5pPr>
+            <a:lvl6pPr marL="2514600" indent="-228600" algn="l" rtl="0" eaLnBrk="1" fontAlgn="base" hangingPunct="1">
+              <a:spcBef>
+                <a:spcPct val="20000"/>
+              </a:spcBef>
+              <a:spcAft>
+                <a:spcPct val="0"/>
+              </a:spcAft>
+              <a:buChar char="»"/>
+              <a:defRPr sz="2000">
+                <a:solidFill>
+                  <a:schemeClr val="tx2"/>
+                </a:solidFill>
+                <a:latin typeface="+mn-lt"/>
+              </a:defRPr>
+            </a:lvl6pPr>
+            <a:lvl7pPr marL="2971800" indent="-228600" algn="l" rtl="0" eaLnBrk="1" fontAlgn="base" hangingPunct="1">
+              <a:spcBef>
+                <a:spcPct val="20000"/>
+              </a:spcBef>
+              <a:spcAft>
+                <a:spcPct val="0"/>
+              </a:spcAft>
+              <a:buChar char="»"/>
+              <a:defRPr sz="2000">
+                <a:solidFill>
+                  <a:schemeClr val="tx2"/>
+                </a:solidFill>
+                <a:latin typeface="+mn-lt"/>
+              </a:defRPr>
+            </a:lvl7pPr>
+            <a:lvl8pPr marL="3429000" indent="-228600" algn="l" rtl="0" eaLnBrk="1" fontAlgn="base" hangingPunct="1">
+              <a:spcBef>
+                <a:spcPct val="20000"/>
+              </a:spcBef>
+              <a:spcAft>
+                <a:spcPct val="0"/>
+              </a:spcAft>
+              <a:buChar char="»"/>
+              <a:defRPr sz="2000">
+                <a:solidFill>
+                  <a:schemeClr val="tx2"/>
+                </a:solidFill>
+                <a:latin typeface="+mn-lt"/>
+              </a:defRPr>
+            </a:lvl8pPr>
+            <a:lvl9pPr marL="3886200" indent="-228600" algn="l" rtl="0" eaLnBrk="1" fontAlgn="base" hangingPunct="1">
+              <a:spcBef>
+                <a:spcPct val="20000"/>
+              </a:spcBef>
+              <a:spcAft>
+                <a:spcPct val="0"/>
+              </a:spcAft>
+              <a:buChar char="»"/>
+              <a:defRPr sz="2000">
+                <a:solidFill>
+                  <a:schemeClr val="tx2"/>
+                </a:solidFill>
+                <a:latin typeface="+mn-lt"/>
+              </a:defRPr>
+            </a:lvl9pPr>
+          </a:lstStyle>
+          <a:p>
+            <a:r>
+              <a:rPr lang="es-ES" sz="2400" b="0" kern="0" dirty="0" smtClean="0">
+                <a:latin typeface="Cambria" panose="02040503050406030204" pitchFamily="18" charset="0"/>
+                <a:ea typeface="Cambria" panose="02040503050406030204" pitchFamily="18" charset="0"/>
+              </a:rPr>
+              <a:t>Optimización de Estrategias de Precios</a:t>
+            </a:r>
+            <a:endParaRPr lang="es-ES" sz="2400" b="0" kern="0" dirty="0">
+              <a:latin typeface="Cambria" panose="02040503050406030204" pitchFamily="18" charset="0"/>
+              <a:ea typeface="Cambria" panose="02040503050406030204" pitchFamily="18" charset="0"/>
+            </a:endParaRPr>
+          </a:p>
+        </p:txBody>
+      </p:sp>
+      <p:sp>
+        <p:nvSpPr>
+          <p:cNvPr id="10" name="Marcador de contenido 7"/>
+          <p:cNvSpPr txBox="1">
+            <a:spLocks/>
+          </p:cNvSpPr>
+          <p:nvPr/>
+        </p:nvSpPr>
+        <p:spPr bwMode="auto">
+          <a:xfrm>
+            <a:off x="179512" y="3548731"/>
+            <a:ext cx="7704856" cy="432718"/>
+          </a:xfrm>
+          <a:prstGeom prst="rect">
+            <a:avLst/>
+          </a:prstGeom>
+          <a:noFill/>
+          <a:ln w="9525">
+            <a:noFill/>
+            <a:miter lim="800000"/>
+            <a:headEnd/>
+            <a:tailEnd/>
+          </a:ln>
+          <a:effectLst/>
+        </p:spPr>
+        <p:txBody>
+          <a:bodyPr vert="horz" wrap="square" lIns="91440" tIns="45720" rIns="91440" bIns="45720" numCol="1" anchor="t" anchorCtr="0" compatLnSpc="1">
+            <a:prstTxWarp prst="textNoShape">
+              <a:avLst/>
+            </a:prstTxWarp>
+          </a:bodyPr>
+          <a:lstStyle>
+            <a:lvl1pPr marL="342900" indent="-342900" algn="l" rtl="0" eaLnBrk="1" fontAlgn="base" hangingPunct="1">
+              <a:spcBef>
+                <a:spcPct val="20000"/>
+              </a:spcBef>
+              <a:spcAft>
+                <a:spcPct val="0"/>
+              </a:spcAft>
+              <a:buChar char="•"/>
+              <a:defRPr sz="2800">
+                <a:solidFill>
+                  <a:schemeClr val="tx2"/>
+                </a:solidFill>
+                <a:latin typeface="+mn-lt"/>
+                <a:ea typeface="+mn-ea"/>
+                <a:cs typeface="+mn-cs"/>
+              </a:defRPr>
+            </a:lvl1pPr>
+            <a:lvl2pPr marL="742950" indent="-285750" algn="l" rtl="0" eaLnBrk="1" fontAlgn="base" hangingPunct="1">
+              <a:spcBef>
+                <a:spcPct val="20000"/>
+              </a:spcBef>
+              <a:spcAft>
+                <a:spcPct val="0"/>
+              </a:spcAft>
+              <a:buChar char="–"/>
+              <a:defRPr sz="2400" b="1">
+                <a:solidFill>
+                  <a:schemeClr val="tx2"/>
+                </a:solidFill>
+                <a:latin typeface="+mn-lt"/>
+              </a:defRPr>
+            </a:lvl2pPr>
+            <a:lvl3pPr marL="1143000" indent="-228600" algn="l" rtl="0" eaLnBrk="1" fontAlgn="base" hangingPunct="1">
+              <a:spcBef>
+                <a:spcPct val="20000"/>
+              </a:spcBef>
+              <a:spcAft>
+                <a:spcPct val="0"/>
+              </a:spcAft>
+              <a:buChar char="•"/>
+              <a:defRPr sz="2400">
+                <a:solidFill>
+                  <a:schemeClr val="tx2"/>
+                </a:solidFill>
+                <a:latin typeface="+mn-lt"/>
+              </a:defRPr>
+            </a:lvl3pPr>
+            <a:lvl4pPr marL="1600200" indent="-228600" algn="l" rtl="0" eaLnBrk="1" fontAlgn="base" hangingPunct="1">
+              <a:spcBef>
+                <a:spcPct val="20000"/>
+              </a:spcBef>
+              <a:spcAft>
+                <a:spcPct val="0"/>
+              </a:spcAft>
+              <a:buChar char="–"/>
+              <a:defRPr sz="2000">
+                <a:solidFill>
+                  <a:schemeClr val="tx2"/>
+                </a:solidFill>
+                <a:latin typeface="+mn-lt"/>
+              </a:defRPr>
+            </a:lvl4pPr>
+            <a:lvl5pPr marL="2057400" indent="-228600" algn="l" rtl="0" eaLnBrk="1" fontAlgn="base" hangingPunct="1">
+              <a:spcBef>
+                <a:spcPct val="20000"/>
+              </a:spcBef>
+              <a:spcAft>
+                <a:spcPct val="0"/>
+              </a:spcAft>
+              <a:buChar char="»"/>
+              <a:defRPr sz="2000">
+                <a:solidFill>
+                  <a:schemeClr val="tx2"/>
+                </a:solidFill>
+                <a:latin typeface="+mn-lt"/>
+              </a:defRPr>
+            </a:lvl5pPr>
+            <a:lvl6pPr marL="2514600" indent="-228600" algn="l" rtl="0" eaLnBrk="1" fontAlgn="base" hangingPunct="1">
+              <a:spcBef>
+                <a:spcPct val="20000"/>
+              </a:spcBef>
+              <a:spcAft>
+                <a:spcPct val="0"/>
+              </a:spcAft>
+              <a:buChar char="»"/>
+              <a:defRPr sz="2000">
+                <a:solidFill>
+                  <a:schemeClr val="tx2"/>
+                </a:solidFill>
+                <a:latin typeface="+mn-lt"/>
+              </a:defRPr>
+            </a:lvl6pPr>
+            <a:lvl7pPr marL="2971800" indent="-228600" algn="l" rtl="0" eaLnBrk="1" fontAlgn="base" hangingPunct="1">
+              <a:spcBef>
+                <a:spcPct val="20000"/>
+              </a:spcBef>
+              <a:spcAft>
+                <a:spcPct val="0"/>
+              </a:spcAft>
+              <a:buChar char="»"/>
+              <a:defRPr sz="2000">
+                <a:solidFill>
+                  <a:schemeClr val="tx2"/>
+                </a:solidFill>
+                <a:latin typeface="+mn-lt"/>
+              </a:defRPr>
+            </a:lvl7pPr>
+            <a:lvl8pPr marL="3429000" indent="-228600" algn="l" rtl="0" eaLnBrk="1" fontAlgn="base" hangingPunct="1">
+              <a:spcBef>
+                <a:spcPct val="20000"/>
+              </a:spcBef>
+              <a:spcAft>
+                <a:spcPct val="0"/>
+              </a:spcAft>
+              <a:buChar char="»"/>
+              <a:defRPr sz="2000">
+                <a:solidFill>
+                  <a:schemeClr val="tx2"/>
+                </a:solidFill>
+                <a:latin typeface="+mn-lt"/>
+              </a:defRPr>
+            </a:lvl8pPr>
+            <a:lvl9pPr marL="3886200" indent="-228600" algn="l" rtl="0" eaLnBrk="1" fontAlgn="base" hangingPunct="1">
+              <a:spcBef>
+                <a:spcPct val="20000"/>
+              </a:spcBef>
+              <a:spcAft>
+                <a:spcPct val="0"/>
+              </a:spcAft>
+              <a:buChar char="»"/>
+              <a:defRPr sz="2000">
+                <a:solidFill>
+                  <a:schemeClr val="tx2"/>
+                </a:solidFill>
+                <a:latin typeface="+mn-lt"/>
+              </a:defRPr>
+            </a:lvl9pPr>
+          </a:lstStyle>
+          <a:p>
+            <a:r>
+              <a:rPr lang="es-ES" sz="2400" b="0" kern="0" dirty="0" smtClean="0">
+                <a:latin typeface="Cambria" panose="02040503050406030204" pitchFamily="18" charset="0"/>
+                <a:ea typeface="Cambria" panose="02040503050406030204" pitchFamily="18" charset="0"/>
+              </a:rPr>
+              <a:t>Segmentación de Mercado </a:t>
+            </a:r>
+            <a:endParaRPr lang="es-ES" sz="2400" b="0" kern="0" dirty="0">
+              <a:latin typeface="Cambria" panose="02040503050406030204" pitchFamily="18" charset="0"/>
+              <a:ea typeface="Cambria" panose="02040503050406030204" pitchFamily="18" charset="0"/>
+            </a:endParaRPr>
+          </a:p>
+        </p:txBody>
+      </p:sp>
+      <p:sp>
+        <p:nvSpPr>
+          <p:cNvPr id="11" name="Marcador de contenido 7"/>
+          <p:cNvSpPr txBox="1">
+            <a:spLocks/>
+          </p:cNvSpPr>
+          <p:nvPr/>
+        </p:nvSpPr>
+        <p:spPr bwMode="auto">
+          <a:xfrm>
+            <a:off x="179512" y="4244073"/>
+            <a:ext cx="7704856" cy="432718"/>
+          </a:xfrm>
+          <a:prstGeom prst="rect">
+            <a:avLst/>
+          </a:prstGeom>
+          <a:noFill/>
+          <a:ln w="9525">
+            <a:noFill/>
+            <a:miter lim="800000"/>
+            <a:headEnd/>
+            <a:tailEnd/>
+          </a:ln>
+          <a:effectLst/>
+        </p:spPr>
+        <p:txBody>
+          <a:bodyPr vert="horz" wrap="square" lIns="91440" tIns="45720" rIns="91440" bIns="45720" numCol="1" anchor="t" anchorCtr="0" compatLnSpc="1">
+            <a:prstTxWarp prst="textNoShape">
+              <a:avLst/>
+            </a:prstTxWarp>
+          </a:bodyPr>
+          <a:lstStyle>
+            <a:lvl1pPr marL="342900" indent="-342900" algn="l" rtl="0" eaLnBrk="1" fontAlgn="base" hangingPunct="1">
+              <a:spcBef>
+                <a:spcPct val="20000"/>
+              </a:spcBef>
+              <a:spcAft>
+                <a:spcPct val="0"/>
+              </a:spcAft>
+              <a:buChar char="•"/>
+              <a:defRPr sz="2800">
+                <a:solidFill>
+                  <a:schemeClr val="tx2"/>
+                </a:solidFill>
+                <a:latin typeface="+mn-lt"/>
+                <a:ea typeface="+mn-ea"/>
+                <a:cs typeface="+mn-cs"/>
+              </a:defRPr>
+            </a:lvl1pPr>
+            <a:lvl2pPr marL="742950" indent="-285750" algn="l" rtl="0" eaLnBrk="1" fontAlgn="base" hangingPunct="1">
+              <a:spcBef>
+                <a:spcPct val="20000"/>
+              </a:spcBef>
+              <a:spcAft>
+                <a:spcPct val="0"/>
+              </a:spcAft>
+              <a:buChar char="–"/>
+              <a:defRPr sz="2400" b="1">
+                <a:solidFill>
+                  <a:schemeClr val="tx2"/>
+                </a:solidFill>
+                <a:latin typeface="+mn-lt"/>
+              </a:defRPr>
+            </a:lvl2pPr>
+            <a:lvl3pPr marL="1143000" indent="-228600" algn="l" rtl="0" eaLnBrk="1" fontAlgn="base" hangingPunct="1">
+              <a:spcBef>
+                <a:spcPct val="20000"/>
+              </a:spcBef>
+              <a:spcAft>
+                <a:spcPct val="0"/>
+              </a:spcAft>
+              <a:buChar char="•"/>
+              <a:defRPr sz="2400">
+                <a:solidFill>
+                  <a:schemeClr val="tx2"/>
+                </a:solidFill>
+                <a:latin typeface="+mn-lt"/>
+              </a:defRPr>
+            </a:lvl3pPr>
+            <a:lvl4pPr marL="1600200" indent="-228600" algn="l" rtl="0" eaLnBrk="1" fontAlgn="base" hangingPunct="1">
+              <a:spcBef>
+                <a:spcPct val="20000"/>
+              </a:spcBef>
+              <a:spcAft>
+                <a:spcPct val="0"/>
+              </a:spcAft>
+              <a:buChar char="–"/>
+              <a:defRPr sz="2000">
+                <a:solidFill>
+                  <a:schemeClr val="tx2"/>
+                </a:solidFill>
+                <a:latin typeface="+mn-lt"/>
+              </a:defRPr>
+            </a:lvl4pPr>
+            <a:lvl5pPr marL="2057400" indent="-228600" algn="l" rtl="0" eaLnBrk="1" fontAlgn="base" hangingPunct="1">
+              <a:spcBef>
+                <a:spcPct val="20000"/>
+              </a:spcBef>
+              <a:spcAft>
+                <a:spcPct val="0"/>
+              </a:spcAft>
+              <a:buChar char="»"/>
+              <a:defRPr sz="2000">
+                <a:solidFill>
+                  <a:schemeClr val="tx2"/>
+                </a:solidFill>
+                <a:latin typeface="+mn-lt"/>
+              </a:defRPr>
+            </a:lvl5pPr>
+            <a:lvl6pPr marL="2514600" indent="-228600" algn="l" rtl="0" eaLnBrk="1" fontAlgn="base" hangingPunct="1">
+              <a:spcBef>
+                <a:spcPct val="20000"/>
+              </a:spcBef>
+              <a:spcAft>
+                <a:spcPct val="0"/>
+              </a:spcAft>
+              <a:buChar char="»"/>
+              <a:defRPr sz="2000">
+                <a:solidFill>
+                  <a:schemeClr val="tx2"/>
+                </a:solidFill>
+                <a:latin typeface="+mn-lt"/>
+              </a:defRPr>
+            </a:lvl6pPr>
+            <a:lvl7pPr marL="2971800" indent="-228600" algn="l" rtl="0" eaLnBrk="1" fontAlgn="base" hangingPunct="1">
+              <a:spcBef>
+                <a:spcPct val="20000"/>
+              </a:spcBef>
+              <a:spcAft>
+                <a:spcPct val="0"/>
+              </a:spcAft>
+              <a:buChar char="»"/>
+              <a:defRPr sz="2000">
+                <a:solidFill>
+                  <a:schemeClr val="tx2"/>
+                </a:solidFill>
+                <a:latin typeface="+mn-lt"/>
+              </a:defRPr>
+            </a:lvl7pPr>
+            <a:lvl8pPr marL="3429000" indent="-228600" algn="l" rtl="0" eaLnBrk="1" fontAlgn="base" hangingPunct="1">
+              <a:spcBef>
+                <a:spcPct val="20000"/>
+              </a:spcBef>
+              <a:spcAft>
+                <a:spcPct val="0"/>
+              </a:spcAft>
+              <a:buChar char="»"/>
+              <a:defRPr sz="2000">
+                <a:solidFill>
+                  <a:schemeClr val="tx2"/>
+                </a:solidFill>
+                <a:latin typeface="+mn-lt"/>
+              </a:defRPr>
+            </a:lvl8pPr>
+            <a:lvl9pPr marL="3886200" indent="-228600" algn="l" rtl="0" eaLnBrk="1" fontAlgn="base" hangingPunct="1">
+              <a:spcBef>
+                <a:spcPct val="20000"/>
+              </a:spcBef>
+              <a:spcAft>
+                <a:spcPct val="0"/>
+              </a:spcAft>
+              <a:buChar char="»"/>
+              <a:defRPr sz="2000">
+                <a:solidFill>
+                  <a:schemeClr val="tx2"/>
+                </a:solidFill>
+                <a:latin typeface="+mn-lt"/>
+              </a:defRPr>
+            </a:lvl9pPr>
+          </a:lstStyle>
+          <a:p>
+            <a:r>
+              <a:rPr lang="es-ES" sz="2400" b="0" kern="0" dirty="0" smtClean="0">
+                <a:latin typeface="Cambria" panose="02040503050406030204" pitchFamily="18" charset="0"/>
+                <a:ea typeface="Cambria" panose="02040503050406030204" pitchFamily="18" charset="0"/>
+              </a:rPr>
+              <a:t>Evaluación de Nuevas Propiedades </a:t>
+            </a:r>
+            <a:endParaRPr lang="es-ES" sz="2400" b="0" kern="0" dirty="0">
+              <a:latin typeface="Cambria" panose="02040503050406030204" pitchFamily="18" charset="0"/>
+              <a:ea typeface="Cambria" panose="02040503050406030204" pitchFamily="18" charset="0"/>
+            </a:endParaRPr>
+          </a:p>
+        </p:txBody>
+      </p:sp>
+      <p:sp>
+        <p:nvSpPr>
+          <p:cNvPr id="12" name="Marcador de contenido 7"/>
+          <p:cNvSpPr txBox="1">
+            <a:spLocks/>
+          </p:cNvSpPr>
+          <p:nvPr/>
+        </p:nvSpPr>
+        <p:spPr bwMode="auto">
+          <a:xfrm>
+            <a:off x="179512" y="4941168"/>
+            <a:ext cx="7704856" cy="432718"/>
+          </a:xfrm>
+          <a:prstGeom prst="rect">
+            <a:avLst/>
+          </a:prstGeom>
+          <a:noFill/>
+          <a:ln w="9525">
+            <a:noFill/>
+            <a:miter lim="800000"/>
+            <a:headEnd/>
+            <a:tailEnd/>
+          </a:ln>
+          <a:effectLst/>
+        </p:spPr>
+        <p:txBody>
+          <a:bodyPr vert="horz" wrap="square" lIns="91440" tIns="45720" rIns="91440" bIns="45720" numCol="1" anchor="t" anchorCtr="0" compatLnSpc="1">
+            <a:prstTxWarp prst="textNoShape">
+              <a:avLst/>
+            </a:prstTxWarp>
+          </a:bodyPr>
+          <a:lstStyle>
+            <a:lvl1pPr marL="342900" indent="-342900" algn="l" rtl="0" eaLnBrk="1" fontAlgn="base" hangingPunct="1">
+              <a:spcBef>
+                <a:spcPct val="20000"/>
+              </a:spcBef>
+              <a:spcAft>
+                <a:spcPct val="0"/>
+              </a:spcAft>
+              <a:buChar char="•"/>
+              <a:defRPr sz="2800">
+                <a:solidFill>
+                  <a:schemeClr val="tx2"/>
+                </a:solidFill>
+                <a:latin typeface="+mn-lt"/>
+                <a:ea typeface="+mn-ea"/>
+                <a:cs typeface="+mn-cs"/>
+              </a:defRPr>
+            </a:lvl1pPr>
+            <a:lvl2pPr marL="742950" indent="-285750" algn="l" rtl="0" eaLnBrk="1" fontAlgn="base" hangingPunct="1">
+              <a:spcBef>
+                <a:spcPct val="20000"/>
+              </a:spcBef>
+              <a:spcAft>
+                <a:spcPct val="0"/>
+              </a:spcAft>
+              <a:buChar char="–"/>
+              <a:defRPr sz="2400" b="1">
+                <a:solidFill>
+                  <a:schemeClr val="tx2"/>
+                </a:solidFill>
+                <a:latin typeface="+mn-lt"/>
+              </a:defRPr>
+            </a:lvl2pPr>
+            <a:lvl3pPr marL="1143000" indent="-228600" algn="l" rtl="0" eaLnBrk="1" fontAlgn="base" hangingPunct="1">
+              <a:spcBef>
+                <a:spcPct val="20000"/>
+              </a:spcBef>
+              <a:spcAft>
+                <a:spcPct val="0"/>
+              </a:spcAft>
+              <a:buChar char="•"/>
+              <a:defRPr sz="2400">
+                <a:solidFill>
+                  <a:schemeClr val="tx2"/>
+                </a:solidFill>
+                <a:latin typeface="+mn-lt"/>
+              </a:defRPr>
+            </a:lvl3pPr>
+            <a:lvl4pPr marL="1600200" indent="-228600" algn="l" rtl="0" eaLnBrk="1" fontAlgn="base" hangingPunct="1">
+              <a:spcBef>
+                <a:spcPct val="20000"/>
+              </a:spcBef>
+              <a:spcAft>
+                <a:spcPct val="0"/>
+              </a:spcAft>
+              <a:buChar char="–"/>
+              <a:defRPr sz="2000">
+                <a:solidFill>
+                  <a:schemeClr val="tx2"/>
+                </a:solidFill>
+                <a:latin typeface="+mn-lt"/>
+              </a:defRPr>
+            </a:lvl4pPr>
+            <a:lvl5pPr marL="2057400" indent="-228600" algn="l" rtl="0" eaLnBrk="1" fontAlgn="base" hangingPunct="1">
+              <a:spcBef>
+                <a:spcPct val="20000"/>
+              </a:spcBef>
+              <a:spcAft>
+                <a:spcPct val="0"/>
+              </a:spcAft>
+              <a:buChar char="»"/>
+              <a:defRPr sz="2000">
+                <a:solidFill>
+                  <a:schemeClr val="tx2"/>
+                </a:solidFill>
+                <a:latin typeface="+mn-lt"/>
+              </a:defRPr>
+            </a:lvl5pPr>
+            <a:lvl6pPr marL="2514600" indent="-228600" algn="l" rtl="0" eaLnBrk="1" fontAlgn="base" hangingPunct="1">
+              <a:spcBef>
+                <a:spcPct val="20000"/>
+              </a:spcBef>
+              <a:spcAft>
+                <a:spcPct val="0"/>
+              </a:spcAft>
+              <a:buChar char="»"/>
+              <a:defRPr sz="2000">
+                <a:solidFill>
+                  <a:schemeClr val="tx2"/>
+                </a:solidFill>
+                <a:latin typeface="+mn-lt"/>
+              </a:defRPr>
+            </a:lvl6pPr>
+            <a:lvl7pPr marL="2971800" indent="-228600" algn="l" rtl="0" eaLnBrk="1" fontAlgn="base" hangingPunct="1">
+              <a:spcBef>
+                <a:spcPct val="20000"/>
+              </a:spcBef>
+              <a:spcAft>
+                <a:spcPct val="0"/>
+              </a:spcAft>
+              <a:buChar char="»"/>
+              <a:defRPr sz="2000">
+                <a:solidFill>
+                  <a:schemeClr val="tx2"/>
+                </a:solidFill>
+                <a:latin typeface="+mn-lt"/>
+              </a:defRPr>
+            </a:lvl7pPr>
+            <a:lvl8pPr marL="3429000" indent="-228600" algn="l" rtl="0" eaLnBrk="1" fontAlgn="base" hangingPunct="1">
+              <a:spcBef>
+                <a:spcPct val="20000"/>
+              </a:spcBef>
+              <a:spcAft>
+                <a:spcPct val="0"/>
+              </a:spcAft>
+              <a:buChar char="»"/>
+              <a:defRPr sz="2000">
+                <a:solidFill>
+                  <a:schemeClr val="tx2"/>
+                </a:solidFill>
+                <a:latin typeface="+mn-lt"/>
+              </a:defRPr>
+            </a:lvl8pPr>
+            <a:lvl9pPr marL="3886200" indent="-228600" algn="l" rtl="0" eaLnBrk="1" fontAlgn="base" hangingPunct="1">
+              <a:spcBef>
+                <a:spcPct val="20000"/>
+              </a:spcBef>
+              <a:spcAft>
+                <a:spcPct val="0"/>
+              </a:spcAft>
+              <a:buChar char="»"/>
+              <a:defRPr sz="2000">
+                <a:solidFill>
+                  <a:schemeClr val="tx2"/>
+                </a:solidFill>
+                <a:latin typeface="+mn-lt"/>
+              </a:defRPr>
+            </a:lvl9pPr>
+          </a:lstStyle>
+          <a:p>
+            <a:r>
+              <a:rPr lang="es-ES" sz="2400" b="0" kern="0" dirty="0" smtClean="0">
+                <a:latin typeface="Cambria" panose="02040503050406030204" pitchFamily="18" charset="0"/>
+                <a:ea typeface="Cambria" panose="02040503050406030204" pitchFamily="18" charset="0"/>
+              </a:rPr>
+              <a:t>Mejoras en la plataforma </a:t>
+            </a:r>
+            <a:endParaRPr lang="es-ES" sz="2400" b="0" kern="0" dirty="0">
+              <a:latin typeface="Cambria" panose="02040503050406030204" pitchFamily="18" charset="0"/>
+              <a:ea typeface="Cambria" panose="02040503050406030204" pitchFamily="18" charset="0"/>
+            </a:endParaRPr>
+          </a:p>
+        </p:txBody>
+      </p:sp>
+      <p:pic>
+        <p:nvPicPr>
+          <p:cNvPr id="14" name="Imagen 13"/>
+          <p:cNvPicPr>
+            <a:picLocks noChangeAspect="1"/>
+          </p:cNvPicPr>
+          <p:nvPr/>
+        </p:nvPicPr>
+        <p:blipFill>
+          <a:blip r:embed="rId2">
+            <a:extLst>
+              <a:ext uri="{28A0092B-C50C-407E-A947-70E740481C1C}">
+                <a14:useLocalDpi xmlns:a14="http://schemas.microsoft.com/office/drawing/2010/main" val="0"/>
+              </a:ext>
+            </a:extLst>
+          </a:blip>
+          <a:stretch>
+            <a:fillRect/>
+          </a:stretch>
+        </p:blipFill>
+        <p:spPr>
+          <a:xfrm>
+            <a:off x="5868064" y="1572102"/>
+            <a:ext cx="2916863" cy="1976629"/>
+          </a:xfrm>
+          <a:prstGeom prst="rect">
+            <a:avLst/>
+          </a:prstGeom>
+        </p:spPr>
+      </p:pic>
+      <p:pic>
+        <p:nvPicPr>
+          <p:cNvPr id="17" name="Imagen 16"/>
+          <p:cNvPicPr>
+            <a:picLocks noChangeAspect="1"/>
+          </p:cNvPicPr>
+          <p:nvPr/>
+        </p:nvPicPr>
+        <p:blipFill>
+          <a:blip r:embed="rId3" cstate="print">
+            <a:extLst>
+              <a:ext uri="{28A0092B-C50C-407E-A947-70E740481C1C}">
+                <a14:useLocalDpi xmlns:a14="http://schemas.microsoft.com/office/drawing/2010/main" val="0"/>
+              </a:ext>
+            </a:extLst>
+          </a:blip>
+          <a:stretch>
+            <a:fillRect/>
+          </a:stretch>
+        </p:blipFill>
+        <p:spPr>
+          <a:xfrm>
+            <a:off x="5796136" y="3591183"/>
+            <a:ext cx="2893140" cy="2872889"/>
+          </a:xfrm>
+          <a:prstGeom prst="rect">
+            <a:avLst/>
+          </a:prstGeom>
+        </p:spPr>
+      </p:pic>
+    </p:spTree>
+    <p:extLst>
+      <p:ext uri="{BB962C8B-B14F-4D97-AF65-F5344CB8AC3E}">
+        <p14:creationId xmlns:p14="http://schemas.microsoft.com/office/powerpoint/2010/main" val="1549907983"/>
+      </p:ext>
+    </p:extLst>
+  </p:cSld>
+  <p:clrMapOvr>
+    <a:masterClrMapping/>
+  </p:clrMapOvr>
+  <p:timing>
+    <p:tnLst>
+      <p:par>
+        <p:cTn id="1" dur="indefinite" restart="never" nodeType="tmRoot"/>
+      </p:par>
+    </p:tnLst>
+  </p:timing>
+</p:sld>
+</file>
+
+<file path=ppt/slides/slide16.xml><?xml version="1.0" encoding="utf-8"?>
+<p:sld xmlns:a="http://schemas.openxmlformats.org/drawingml/2006/main" xmlns:r="http://schemas.openxmlformats.org/officeDocument/2006/relationships" xmlns:p="http://schemas.openxmlformats.org/presentationml/2006/main">
+  <p:cSld>
+    <p:spTree>
+      <p:nvGrpSpPr>
+        <p:cNvPr id="1" name=""/>
+        <p:cNvGrpSpPr/>
+        <p:nvPr/>
+      </p:nvGrpSpPr>
+      <p:grpSpPr>
+        <a:xfrm>
+          <a:off x="0" y="0"/>
+          <a:ext cx="0" cy="0"/>
+          <a:chOff x="0" y="0"/>
+          <a:chExt cx="0" cy="0"/>
+        </a:xfrm>
+      </p:grpSpPr>
+      <p:sp>
+        <p:nvSpPr>
+          <p:cNvPr id="13" name="Rectángulo 12"/>
+          <p:cNvSpPr/>
+          <p:nvPr/>
+        </p:nvSpPr>
+        <p:spPr bwMode="auto">
+          <a:xfrm>
+            <a:off x="35621" y="1009328"/>
+            <a:ext cx="8928992" cy="5848672"/>
+          </a:xfrm>
+          <a:prstGeom prst="rect">
+            <a:avLst/>
+          </a:prstGeom>
+          <a:ln>
+            <a:headEnd type="none" w="med" len="med"/>
+            <a:tailEnd type="none" w="med" len="med"/>
+          </a:ln>
+          <a:extLst/>
+        </p:spPr>
+        <p:style>
+          <a:lnRef idx="2">
+            <a:schemeClr val="accent1"/>
+          </a:lnRef>
+          <a:fillRef idx="1">
+            <a:schemeClr val="lt1"/>
+          </a:fillRef>
+          <a:effectRef idx="0">
+            <a:schemeClr val="accent1"/>
+          </a:effectRef>
+          <a:fontRef idx="minor">
+            <a:schemeClr val="dk1"/>
+          </a:fontRef>
+        </p:style>
+        <p:txBody>
+          <a:bodyPr vert="horz" wrap="square" lIns="91440" tIns="45720" rIns="91440" bIns="45720" numCol="1" rtlCol="0" anchor="t" anchorCtr="0" compatLnSpc="1">
+            <a:prstTxWarp prst="textNoShape">
+              <a:avLst/>
+            </a:prstTxWarp>
+          </a:bodyPr>
+          <a:lstStyle/>
+          <a:p>
+            <a:pPr marL="0" marR="0" indent="0" algn="l" defTabSz="914400" rtl="0" eaLnBrk="1" fontAlgn="base" latinLnBrk="0" hangingPunct="1">
+              <a:lnSpc>
+                <a:spcPct val="100000"/>
+              </a:lnSpc>
+              <a:spcBef>
+                <a:spcPct val="0"/>
+              </a:spcBef>
+              <a:spcAft>
+                <a:spcPct val="0"/>
+              </a:spcAft>
+              <a:buClrTx/>
+              <a:buSzTx/>
+              <a:buFontTx/>
+              <a:buNone/>
+              <a:tabLst/>
+            </a:pPr>
+            <a:endParaRPr kumimoji="0" lang="es-ES" sz="1800" b="1" i="0" u="none" strike="noStrike" cap="none" normalizeH="0" baseline="0" smtClean="0">
+              <a:ln>
+                <a:noFill/>
+              </a:ln>
+              <a:solidFill>
+                <a:schemeClr val="tx1"/>
+              </a:solidFill>
+              <a:effectLst/>
+              <a:latin typeface="Arial" charset="0"/>
+            </a:endParaRPr>
+          </a:p>
+        </p:txBody>
+      </p:sp>
+      <p:sp>
+        <p:nvSpPr>
+          <p:cNvPr id="2" name="Título 1"/>
+          <p:cNvSpPr>
+            <a:spLocks noGrp="1"/>
+          </p:cNvSpPr>
+          <p:nvPr>
+            <p:ph type="title"/>
+          </p:nvPr>
+        </p:nvSpPr>
+        <p:spPr/>
+        <p:txBody>
+          <a:bodyPr/>
+          <a:lstStyle/>
+          <a:p>
+            <a:r>
+              <a:rPr lang="es-ES" dirty="0" smtClean="0">
+                <a:latin typeface="Cambria" panose="02040503050406030204" pitchFamily="18" charset="0"/>
+                <a:ea typeface="Cambria" panose="02040503050406030204" pitchFamily="18" charset="0"/>
+              </a:rPr>
+              <a:t>Bibliografía</a:t>
+            </a:r>
+            <a:endParaRPr lang="es-ES" dirty="0">
+              <a:latin typeface="Cambria" panose="02040503050406030204" pitchFamily="18" charset="0"/>
+              <a:ea typeface="Cambria" panose="02040503050406030204" pitchFamily="18" charset="0"/>
+            </a:endParaRPr>
+          </a:p>
+        </p:txBody>
+      </p:sp>
+      <p:sp>
+        <p:nvSpPr>
+          <p:cNvPr id="8" name="Marcador de contenido 7"/>
+          <p:cNvSpPr>
+            <a:spLocks noGrp="1"/>
+          </p:cNvSpPr>
+          <p:nvPr>
+            <p:ph idx="1"/>
+          </p:nvPr>
+        </p:nvSpPr>
+        <p:spPr>
+          <a:xfrm>
+            <a:off x="35622" y="980728"/>
+            <a:ext cx="8928991" cy="5877272"/>
+          </a:xfrm>
+        </p:spPr>
+        <p:txBody>
+          <a:bodyPr/>
+          <a:lstStyle/>
+          <a:p>
+            <a:r>
+              <a:rPr lang="es-ES_tradnl" sz="1100" dirty="0">
+                <a:latin typeface="Cambria" panose="02040503050406030204" pitchFamily="18" charset="0"/>
+                <a:ea typeface="Cambria" panose="02040503050406030204" pitchFamily="18" charset="0"/>
+              </a:rPr>
+              <a:t>Pellejero Martínez, C. (s.f.). </a:t>
+            </a:r>
+            <a:r>
+              <a:rPr lang="es-ES_tradnl" sz="1100" i="1" dirty="0">
+                <a:latin typeface="Cambria" panose="02040503050406030204" pitchFamily="18" charset="0"/>
+                <a:ea typeface="Cambria" panose="02040503050406030204" pitchFamily="18" charset="0"/>
+              </a:rPr>
+              <a:t>Turismo y Economía en la Málaga del siglo XX</a:t>
+            </a:r>
+            <a:r>
+              <a:rPr lang="es-ES_tradnl" sz="1100" dirty="0">
+                <a:latin typeface="Cambria" panose="02040503050406030204" pitchFamily="18" charset="0"/>
+                <a:ea typeface="Cambria" panose="02040503050406030204" pitchFamily="18" charset="0"/>
+              </a:rPr>
+              <a:t>. Universidad de Málaga. </a:t>
+            </a:r>
+          </a:p>
+          <a:p>
+            <a:r>
+              <a:rPr lang="es-ES_tradnl" sz="1100" dirty="0" smtClean="0">
+                <a:latin typeface="Cambria" panose="02040503050406030204" pitchFamily="18" charset="0"/>
+                <a:ea typeface="Cambria" panose="02040503050406030204" pitchFamily="18" charset="0"/>
+              </a:rPr>
+              <a:t> </a:t>
+            </a:r>
+            <a:r>
+              <a:rPr lang="es-ES_tradnl" sz="1100" dirty="0" err="1">
+                <a:latin typeface="Cambria" panose="02040503050406030204" pitchFamily="18" charset="0"/>
+                <a:ea typeface="Cambria" panose="02040503050406030204" pitchFamily="18" charset="0"/>
+              </a:rPr>
+              <a:t>Euronews</a:t>
+            </a:r>
+            <a:r>
+              <a:rPr lang="es-ES_tradnl" sz="1100" dirty="0">
+                <a:latin typeface="Cambria" panose="02040503050406030204" pitchFamily="18" charset="0"/>
+                <a:ea typeface="Cambria" panose="02040503050406030204" pitchFamily="18" charset="0"/>
+              </a:rPr>
+              <a:t>. (2024, 7 de julio). </a:t>
+            </a:r>
+            <a:r>
+              <a:rPr lang="es-ES_tradnl" sz="1100" i="1" dirty="0">
+                <a:latin typeface="Cambria" panose="02040503050406030204" pitchFamily="18" charset="0"/>
+                <a:ea typeface="Cambria" panose="02040503050406030204" pitchFamily="18" charset="0"/>
+              </a:rPr>
+              <a:t>Málaga para vivir, no para sobrevivir: Los malagueños protestan contra el turismo en medio de</a:t>
+            </a:r>
+            <a:r>
+              <a:rPr lang="es-ES_tradnl" sz="1100" dirty="0">
+                <a:latin typeface="Cambria" panose="02040503050406030204" pitchFamily="18" charset="0"/>
+                <a:ea typeface="Cambria" panose="02040503050406030204" pitchFamily="18" charset="0"/>
+              </a:rPr>
+              <a:t>. </a:t>
+            </a:r>
+            <a:r>
+              <a:rPr lang="es-ES_tradnl" sz="1100" dirty="0" err="1">
+                <a:latin typeface="Cambria" panose="02040503050406030204" pitchFamily="18" charset="0"/>
+                <a:ea typeface="Cambria" panose="02040503050406030204" pitchFamily="18" charset="0"/>
+              </a:rPr>
+              <a:t>Euronews</a:t>
+            </a:r>
+            <a:r>
+              <a:rPr lang="es-ES_tradnl" sz="1100" dirty="0">
+                <a:latin typeface="Cambria" panose="02040503050406030204" pitchFamily="18" charset="0"/>
+                <a:ea typeface="Cambria" panose="02040503050406030204" pitchFamily="18" charset="0"/>
+              </a:rPr>
+              <a:t>. https://es.euronews.com/viajes/2024/07/07/malaga-para-vivir-no-para-sobrevivir-los-malaguenos-protestan-contra-el-turismo-en-medio-d </a:t>
+            </a:r>
+          </a:p>
+          <a:p>
+            <a:r>
+              <a:rPr lang="es-ES_tradnl" sz="1100" dirty="0" smtClean="0">
+                <a:latin typeface="Cambria" panose="02040503050406030204" pitchFamily="18" charset="0"/>
+                <a:ea typeface="Cambria" panose="02040503050406030204" pitchFamily="18" charset="0"/>
+              </a:rPr>
+              <a:t>Diputación </a:t>
+            </a:r>
+            <a:r>
+              <a:rPr lang="es-ES_tradnl" sz="1100" dirty="0">
+                <a:latin typeface="Cambria" panose="02040503050406030204" pitchFamily="18" charset="0"/>
+                <a:ea typeface="Cambria" panose="02040503050406030204" pitchFamily="18" charset="0"/>
+              </a:rPr>
+              <a:t>de Málaga. (2023, 20 de septiembre). </a:t>
+            </a:r>
+            <a:r>
+              <a:rPr lang="es-ES_tradnl" sz="1100" i="1" dirty="0">
+                <a:latin typeface="Cambria" panose="02040503050406030204" pitchFamily="18" charset="0"/>
+                <a:ea typeface="Cambria" panose="02040503050406030204" pitchFamily="18" charset="0"/>
+              </a:rPr>
+              <a:t>El sector turístico de la Costa del Sol evidencia el peso del turismo sobre otros sectores y lanza un potente mensaje contra la </a:t>
+            </a:r>
+            <a:r>
+              <a:rPr lang="es-ES_tradnl" sz="1100" i="1" dirty="0" err="1">
+                <a:latin typeface="Cambria" panose="02040503050406030204" pitchFamily="18" charset="0"/>
+                <a:ea typeface="Cambria" panose="02040503050406030204" pitchFamily="18" charset="0"/>
+              </a:rPr>
+              <a:t>turismofobia</a:t>
+            </a:r>
+            <a:r>
+              <a:rPr lang="es-ES_tradnl" sz="1100" dirty="0">
+                <a:latin typeface="Cambria" panose="02040503050406030204" pitchFamily="18" charset="0"/>
+                <a:ea typeface="Cambria" panose="02040503050406030204" pitchFamily="18" charset="0"/>
+              </a:rPr>
+              <a:t>. Diputación de Málaga. https://www.malaga.es/noticias/com1_md-3/com1_ct-0/com1_fb-0/com1_cb-0/com1_md3_cd-50341/el-sector-turistico-de-la-costa-del-sol-evidencia-el-peso-del-turismo-sobre-otros-sectores-y-lanza-un-potente-mensaje-contra-la-turismofobia </a:t>
+            </a:r>
+          </a:p>
+          <a:p>
+            <a:r>
+              <a:rPr lang="es-ES_tradnl" sz="1100" dirty="0" smtClean="0">
+                <a:latin typeface="Cambria" panose="02040503050406030204" pitchFamily="18" charset="0"/>
+                <a:ea typeface="Cambria" panose="02040503050406030204" pitchFamily="18" charset="0"/>
+              </a:rPr>
+              <a:t>Cadena </a:t>
+            </a:r>
+            <a:r>
+              <a:rPr lang="es-ES_tradnl" sz="1100" dirty="0">
+                <a:latin typeface="Cambria" panose="02040503050406030204" pitchFamily="18" charset="0"/>
+                <a:ea typeface="Cambria" panose="02040503050406030204" pitchFamily="18" charset="0"/>
+              </a:rPr>
+              <a:t>SER. (2024, 8 de mayo). </a:t>
+            </a:r>
+            <a:r>
+              <a:rPr lang="es-ES_tradnl" sz="1100" i="1" dirty="0">
+                <a:latin typeface="Cambria" panose="02040503050406030204" pitchFamily="18" charset="0"/>
+                <a:ea typeface="Cambria" panose="02040503050406030204" pitchFamily="18" charset="0"/>
+              </a:rPr>
+              <a:t>El empleo del sector turístico crece casi un 8% en Málaga, con 125.000 ocupados en la hostelería, alojamientos y agencias</a:t>
+            </a:r>
+            <a:r>
+              <a:rPr lang="es-ES_tradnl" sz="1100" dirty="0">
+                <a:latin typeface="Cambria" panose="02040503050406030204" pitchFamily="18" charset="0"/>
+                <a:ea typeface="Cambria" panose="02040503050406030204" pitchFamily="18" charset="0"/>
+              </a:rPr>
+              <a:t>. Cadena SER. https://cadenaser.com/andalucia/2024/05/08/el-empleo-del-sector-turistico-crece-casi-un-8-en-malaga-con-125000-ocupados-en-la-hosteleria-alojamientos-y-agencias-ser-malaga/ </a:t>
+            </a:r>
+          </a:p>
+          <a:p>
+            <a:r>
+              <a:rPr lang="en-GB" sz="1100" dirty="0" smtClean="0">
+                <a:latin typeface="Cambria" panose="02040503050406030204" pitchFamily="18" charset="0"/>
+                <a:ea typeface="Cambria" panose="02040503050406030204" pitchFamily="18" charset="0"/>
+              </a:rPr>
+              <a:t>Inside </a:t>
+            </a:r>
+            <a:r>
+              <a:rPr lang="en-GB" sz="1100" dirty="0">
+                <a:latin typeface="Cambria" panose="02040503050406030204" pitchFamily="18" charset="0"/>
+                <a:ea typeface="Cambria" panose="02040503050406030204" pitchFamily="18" charset="0"/>
+              </a:rPr>
+              <a:t>Airbnb. (</a:t>
+            </a:r>
+            <a:r>
+              <a:rPr lang="en-GB" sz="1100" dirty="0" err="1">
+                <a:latin typeface="Cambria" panose="02040503050406030204" pitchFamily="18" charset="0"/>
+                <a:ea typeface="Cambria" panose="02040503050406030204" pitchFamily="18" charset="0"/>
+              </a:rPr>
+              <a:t>n.d.</a:t>
+            </a:r>
+            <a:r>
+              <a:rPr lang="en-GB" sz="1100" dirty="0">
+                <a:latin typeface="Cambria" panose="02040503050406030204" pitchFamily="18" charset="0"/>
+                <a:ea typeface="Cambria" panose="02040503050406030204" pitchFamily="18" charset="0"/>
+              </a:rPr>
+              <a:t>). Get the data. Inside Airbnb. Retrieved June 23, 2024, from https://insideairbnb.com/get-the-data/ </a:t>
+            </a:r>
+          </a:p>
+          <a:p>
+            <a:r>
+              <a:rPr lang="es-ES_tradnl" sz="1100" dirty="0" err="1" smtClean="0">
+                <a:latin typeface="Cambria" panose="02040503050406030204" pitchFamily="18" charset="0"/>
+                <a:ea typeface="Cambria" panose="02040503050406030204" pitchFamily="18" charset="0"/>
+              </a:rPr>
+              <a:t>Tarancón</a:t>
+            </a:r>
+            <a:r>
+              <a:rPr lang="es-ES_tradnl" sz="1100" dirty="0" smtClean="0">
+                <a:latin typeface="Cambria" panose="02040503050406030204" pitchFamily="18" charset="0"/>
+                <a:ea typeface="Cambria" panose="02040503050406030204" pitchFamily="18" charset="0"/>
+              </a:rPr>
+              <a:t> </a:t>
+            </a:r>
+            <a:r>
+              <a:rPr lang="es-ES_tradnl" sz="1100" dirty="0">
+                <a:latin typeface="Cambria" panose="02040503050406030204" pitchFamily="18" charset="0"/>
+                <a:ea typeface="Cambria" panose="02040503050406030204" pitchFamily="18" charset="0"/>
+              </a:rPr>
+              <a:t>Morán, M. Á. &amp; Quintana Rojo, C., (2023-2024). </a:t>
+            </a:r>
+            <a:r>
+              <a:rPr lang="es-ES_tradnl" sz="1100" i="1" dirty="0">
+                <a:latin typeface="Cambria" panose="02040503050406030204" pitchFamily="18" charset="0"/>
+                <a:ea typeface="Cambria" panose="02040503050406030204" pitchFamily="18" charset="0"/>
+              </a:rPr>
+              <a:t>Técnicas </a:t>
+            </a:r>
+            <a:r>
+              <a:rPr lang="es-ES_tradnl" sz="1100" i="1" dirty="0" err="1">
+                <a:latin typeface="Cambria" panose="02040503050406030204" pitchFamily="18" charset="0"/>
+                <a:ea typeface="Cambria" panose="02040503050406030204" pitchFamily="18" charset="0"/>
+              </a:rPr>
+              <a:t>Multivariantes</a:t>
+            </a:r>
+            <a:r>
+              <a:rPr lang="es-ES_tradnl" sz="1100" i="1" dirty="0">
+                <a:latin typeface="Cambria" panose="02040503050406030204" pitchFamily="18" charset="0"/>
+                <a:ea typeface="Cambria" panose="02040503050406030204" pitchFamily="18" charset="0"/>
+              </a:rPr>
+              <a:t> Aplicadas Al Análisis Sectorial</a:t>
+            </a:r>
+            <a:r>
+              <a:rPr lang="es-ES_tradnl" sz="1100" dirty="0">
+                <a:latin typeface="Cambria" panose="02040503050406030204" pitchFamily="18" charset="0"/>
+                <a:ea typeface="Cambria" panose="02040503050406030204" pitchFamily="18" charset="0"/>
+              </a:rPr>
+              <a:t>. Máster de Análisis y Modelización de Datos Económicos, Universidad de Castilla-La Mancha. </a:t>
+            </a:r>
+          </a:p>
+          <a:p>
+            <a:r>
+              <a:rPr lang="en-GB" sz="1100" dirty="0" smtClean="0">
+                <a:latin typeface="Cambria" panose="02040503050406030204" pitchFamily="18" charset="0"/>
+                <a:ea typeface="Cambria" panose="02040503050406030204" pitchFamily="18" charset="0"/>
+              </a:rPr>
+              <a:t>Cameron</a:t>
+            </a:r>
+            <a:r>
+              <a:rPr lang="en-GB" sz="1100" dirty="0">
+                <a:latin typeface="Cambria" panose="02040503050406030204" pitchFamily="18" charset="0"/>
+                <a:ea typeface="Cambria" panose="02040503050406030204" pitchFamily="18" charset="0"/>
+              </a:rPr>
+              <a:t>, A. C., &amp; Trivedi, P. K. (2005). In </a:t>
+            </a:r>
+            <a:r>
+              <a:rPr lang="en-GB" sz="1100" b="1" dirty="0" err="1">
+                <a:latin typeface="Cambria" panose="02040503050406030204" pitchFamily="18" charset="0"/>
+                <a:ea typeface="Cambria" panose="02040503050406030204" pitchFamily="18" charset="0"/>
+              </a:rPr>
+              <a:t>Microeconometrics</a:t>
+            </a:r>
+            <a:r>
+              <a:rPr lang="en-GB" sz="1100" b="1" dirty="0">
+                <a:latin typeface="Cambria" panose="02040503050406030204" pitchFamily="18" charset="0"/>
+                <a:ea typeface="Cambria" panose="02040503050406030204" pitchFamily="18" charset="0"/>
+              </a:rPr>
+              <a:t>: Methods and Applications </a:t>
+            </a:r>
+            <a:r>
+              <a:rPr lang="en-GB" sz="1100" dirty="0">
+                <a:latin typeface="Cambria" panose="02040503050406030204" pitchFamily="18" charset="0"/>
+                <a:ea typeface="Cambria" panose="02040503050406030204" pitchFamily="18" charset="0"/>
+              </a:rPr>
+              <a:t>(pp. 487-554). Cambridge University Press. </a:t>
+            </a:r>
+          </a:p>
+          <a:p>
+            <a:r>
+              <a:rPr lang="es-ES_tradnl" sz="1100" dirty="0" smtClean="0">
+                <a:latin typeface="Cambria" panose="02040503050406030204" pitchFamily="18" charset="0"/>
+                <a:ea typeface="Cambria" panose="02040503050406030204" pitchFamily="18" charset="0"/>
+              </a:rPr>
+              <a:t> </a:t>
+            </a:r>
+            <a:r>
+              <a:rPr lang="es-ES_tradnl" sz="1100" dirty="0">
+                <a:latin typeface="Cambria" panose="02040503050406030204" pitchFamily="18" charset="0"/>
+                <a:ea typeface="Cambria" panose="02040503050406030204" pitchFamily="18" charset="0"/>
+              </a:rPr>
+              <a:t>del Corral, J. (2023-2024). </a:t>
+            </a:r>
+            <a:r>
+              <a:rPr lang="es-ES_tradnl" sz="1100" i="1" dirty="0" err="1">
+                <a:latin typeface="Cambria" panose="02040503050406030204" pitchFamily="18" charset="0"/>
+                <a:ea typeface="Cambria" panose="02040503050406030204" pitchFamily="18" charset="0"/>
+              </a:rPr>
+              <a:t>Microeconometría</a:t>
+            </a:r>
+            <a:r>
+              <a:rPr lang="es-ES_tradnl" sz="1100" i="1" dirty="0">
+                <a:latin typeface="Cambria" panose="02040503050406030204" pitchFamily="18" charset="0"/>
+                <a:ea typeface="Cambria" panose="02040503050406030204" pitchFamily="18" charset="0"/>
+              </a:rPr>
+              <a:t> aplicada</a:t>
+            </a:r>
+            <a:r>
+              <a:rPr lang="es-ES_tradnl" sz="1100" dirty="0">
+                <a:latin typeface="Cambria" panose="02040503050406030204" pitchFamily="18" charset="0"/>
+                <a:ea typeface="Cambria" panose="02040503050406030204" pitchFamily="18" charset="0"/>
+              </a:rPr>
+              <a:t>. Tema 3: Modelos de variable dependiente cualitativa: </a:t>
+            </a:r>
+            <a:r>
+              <a:rPr lang="es-ES_tradnl" sz="1100" dirty="0" err="1">
+                <a:latin typeface="Cambria" panose="02040503050406030204" pitchFamily="18" charset="0"/>
+                <a:ea typeface="Cambria" panose="02040503050406030204" pitchFamily="18" charset="0"/>
+              </a:rPr>
+              <a:t>probit</a:t>
+            </a:r>
+            <a:r>
+              <a:rPr lang="es-ES_tradnl" sz="1100" dirty="0">
+                <a:latin typeface="Cambria" panose="02040503050406030204" pitchFamily="18" charset="0"/>
+                <a:ea typeface="Cambria" panose="02040503050406030204" pitchFamily="18" charset="0"/>
+              </a:rPr>
+              <a:t>/</a:t>
+            </a:r>
+            <a:r>
+              <a:rPr lang="es-ES_tradnl" sz="1100" dirty="0" err="1">
+                <a:latin typeface="Cambria" panose="02040503050406030204" pitchFamily="18" charset="0"/>
+                <a:ea typeface="Cambria" panose="02040503050406030204" pitchFamily="18" charset="0"/>
+              </a:rPr>
+              <a:t>logit</a:t>
+            </a:r>
+            <a:r>
+              <a:rPr lang="es-ES_tradnl" sz="1100" dirty="0">
+                <a:latin typeface="Cambria" panose="02040503050406030204" pitchFamily="18" charset="0"/>
+                <a:ea typeface="Cambria" panose="02040503050406030204" pitchFamily="18" charset="0"/>
+              </a:rPr>
+              <a:t>. Máster de Análisis y Modelización de Datos Económicos, Universidad de Castilla-La Mancha. </a:t>
+            </a:r>
+          </a:p>
+          <a:p>
+            <a:r>
+              <a:rPr lang="en-GB" sz="1100" dirty="0" smtClean="0">
+                <a:latin typeface="Cambria" panose="02040503050406030204" pitchFamily="18" charset="0"/>
+                <a:ea typeface="Cambria" panose="02040503050406030204" pitchFamily="18" charset="0"/>
+              </a:rPr>
+              <a:t> </a:t>
+            </a:r>
+            <a:r>
+              <a:rPr lang="en-GB" sz="1100" dirty="0" err="1">
+                <a:latin typeface="Cambria" panose="02040503050406030204" pitchFamily="18" charset="0"/>
+                <a:ea typeface="Cambria" panose="02040503050406030204" pitchFamily="18" charset="0"/>
+              </a:rPr>
+              <a:t>Kimes</a:t>
+            </a:r>
+            <a:r>
+              <a:rPr lang="en-GB" sz="1100" dirty="0">
+                <a:latin typeface="Cambria" panose="02040503050406030204" pitchFamily="18" charset="0"/>
+                <a:ea typeface="Cambria" panose="02040503050406030204" pitchFamily="18" charset="0"/>
+              </a:rPr>
+              <a:t>, S. E., &amp; </a:t>
+            </a:r>
+            <a:r>
+              <a:rPr lang="en-GB" sz="1100" dirty="0" err="1">
+                <a:latin typeface="Cambria" panose="02040503050406030204" pitchFamily="18" charset="0"/>
+                <a:ea typeface="Cambria" panose="02040503050406030204" pitchFamily="18" charset="0"/>
+              </a:rPr>
+              <a:t>Wirtz</a:t>
+            </a:r>
+            <a:r>
+              <a:rPr lang="en-GB" sz="1100" dirty="0">
+                <a:latin typeface="Cambria" panose="02040503050406030204" pitchFamily="18" charset="0"/>
+                <a:ea typeface="Cambria" panose="02040503050406030204" pitchFamily="18" charset="0"/>
+              </a:rPr>
+              <a:t>, J. (2015). </a:t>
+            </a:r>
+            <a:r>
+              <a:rPr lang="en-GB" sz="1100" i="1" dirty="0">
+                <a:latin typeface="Cambria" panose="02040503050406030204" pitchFamily="18" charset="0"/>
+                <a:ea typeface="Cambria" panose="02040503050406030204" pitchFamily="18" charset="0"/>
+              </a:rPr>
+              <a:t>Revenue management: Advanced strategies and tools to enhance firm profitability</a:t>
+            </a:r>
+            <a:r>
+              <a:rPr lang="en-GB" sz="1100" dirty="0">
+                <a:latin typeface="Cambria" panose="02040503050406030204" pitchFamily="18" charset="0"/>
+                <a:ea typeface="Cambria" panose="02040503050406030204" pitchFamily="18" charset="0"/>
+              </a:rPr>
+              <a:t>. World Scientific. </a:t>
+            </a:r>
+          </a:p>
+          <a:p>
+            <a:r>
+              <a:rPr lang="en-GB" sz="1100" dirty="0" err="1" smtClean="0">
+                <a:latin typeface="Cambria" panose="02040503050406030204" pitchFamily="18" charset="0"/>
+                <a:ea typeface="Cambria" panose="02040503050406030204" pitchFamily="18" charset="0"/>
+              </a:rPr>
+              <a:t>Wachsmuth</a:t>
+            </a:r>
+            <a:r>
+              <a:rPr lang="en-GB" sz="1100" dirty="0">
+                <a:latin typeface="Cambria" panose="02040503050406030204" pitchFamily="18" charset="0"/>
+                <a:ea typeface="Cambria" panose="02040503050406030204" pitchFamily="18" charset="0"/>
+              </a:rPr>
+              <a:t>, D., &amp; </a:t>
+            </a:r>
+            <a:r>
+              <a:rPr lang="en-GB" sz="1100" dirty="0" err="1">
+                <a:latin typeface="Cambria" panose="02040503050406030204" pitchFamily="18" charset="0"/>
+                <a:ea typeface="Cambria" panose="02040503050406030204" pitchFamily="18" charset="0"/>
+              </a:rPr>
+              <a:t>Weisler</a:t>
+            </a:r>
+            <a:r>
+              <a:rPr lang="en-GB" sz="1100" dirty="0">
+                <a:latin typeface="Cambria" panose="02040503050406030204" pitchFamily="18" charset="0"/>
+                <a:ea typeface="Cambria" panose="02040503050406030204" pitchFamily="18" charset="0"/>
+              </a:rPr>
+              <a:t>, A. (2018). Airbnb and the Rent Gap: Gentrification through the Sharing Economy. </a:t>
+            </a:r>
+            <a:r>
+              <a:rPr lang="en-GB" sz="1100" i="1" dirty="0">
+                <a:latin typeface="Cambria" panose="02040503050406030204" pitchFamily="18" charset="0"/>
+                <a:ea typeface="Cambria" panose="02040503050406030204" pitchFamily="18" charset="0"/>
+              </a:rPr>
+              <a:t>Environment and Planning A: Economy and Space</a:t>
+            </a:r>
+            <a:r>
+              <a:rPr lang="en-GB" sz="1100" dirty="0">
+                <a:latin typeface="Cambria" panose="02040503050406030204" pitchFamily="18" charset="0"/>
+                <a:ea typeface="Cambria" panose="02040503050406030204" pitchFamily="18" charset="0"/>
+              </a:rPr>
+              <a:t>, 50(6), 1147-1170. </a:t>
+            </a:r>
+          </a:p>
+          <a:p>
+            <a:r>
+              <a:rPr lang="es-ES" sz="1100" dirty="0">
+                <a:latin typeface="Cambria" panose="02040503050406030204" pitchFamily="18" charset="0"/>
+                <a:ea typeface="Cambria" panose="02040503050406030204" pitchFamily="18" charset="0"/>
+              </a:rPr>
+              <a:t>43 </a:t>
+            </a:r>
+          </a:p>
+          <a:p>
+            <a:r>
+              <a:rPr lang="es-ES_tradnl" sz="1100" dirty="0" smtClean="0">
+                <a:latin typeface="Cambria" panose="02040503050406030204" pitchFamily="18" charset="0"/>
+                <a:ea typeface="Cambria" panose="02040503050406030204" pitchFamily="18" charset="0"/>
+              </a:rPr>
+              <a:t>Fu</a:t>
+            </a:r>
+            <a:r>
+              <a:rPr lang="es-ES_tradnl" sz="1100" dirty="0">
+                <a:latin typeface="Cambria" panose="02040503050406030204" pitchFamily="18" charset="0"/>
+                <a:ea typeface="Cambria" panose="02040503050406030204" pitchFamily="18" charset="0"/>
+              </a:rPr>
+              <a:t>, Y. (2023). </a:t>
+            </a:r>
+            <a:r>
+              <a:rPr lang="es-ES_tradnl" sz="1100" i="1" dirty="0">
+                <a:latin typeface="Cambria" panose="02040503050406030204" pitchFamily="18" charset="0"/>
+                <a:ea typeface="Cambria" panose="02040503050406030204" pitchFamily="18" charset="0"/>
+              </a:rPr>
+              <a:t>Nuevas estrategias frente a la intensificación turística en destinos </a:t>
+            </a:r>
+            <a:r>
+              <a:rPr lang="es-ES_tradnl" sz="1100" dirty="0">
+                <a:latin typeface="Cambria" panose="02040503050406030204" pitchFamily="18" charset="0"/>
+                <a:ea typeface="Cambria" panose="02040503050406030204" pitchFamily="18" charset="0"/>
+              </a:rPr>
+              <a:t>(Trabajo de Fin de Máster, Universidad de Málaga, Máster Universitario en Dirección y Planificación del Turismo). Universidad de Málaga. </a:t>
+            </a:r>
+          </a:p>
+          <a:p>
+            <a:r>
+              <a:rPr lang="es-ES_tradnl" sz="1100" dirty="0" smtClean="0">
+                <a:latin typeface="Cambria" panose="02040503050406030204" pitchFamily="18" charset="0"/>
+                <a:ea typeface="Cambria" panose="02040503050406030204" pitchFamily="18" charset="0"/>
+              </a:rPr>
+              <a:t>Cano</a:t>
+            </a:r>
+            <a:r>
+              <a:rPr lang="es-ES_tradnl" sz="1100" dirty="0">
+                <a:latin typeface="Cambria" panose="02040503050406030204" pitchFamily="18" charset="0"/>
+                <a:ea typeface="Cambria" panose="02040503050406030204" pitchFamily="18" charset="0"/>
+              </a:rPr>
+              <a:t>, E. L. (2024). </a:t>
+            </a:r>
+            <a:r>
+              <a:rPr lang="es-ES_tradnl" sz="1100" i="1" dirty="0">
+                <a:latin typeface="Cambria" panose="02040503050406030204" pitchFamily="18" charset="0"/>
+                <a:ea typeface="Cambria" panose="02040503050406030204" pitchFamily="18" charset="0"/>
+              </a:rPr>
+              <a:t>Introducción al software estadístico R </a:t>
+            </a:r>
+            <a:r>
+              <a:rPr lang="es-ES_tradnl" sz="1100" dirty="0">
+                <a:latin typeface="Cambria" panose="02040503050406030204" pitchFamily="18" charset="0"/>
+                <a:ea typeface="Cambria" panose="02040503050406030204" pitchFamily="18" charset="0"/>
+              </a:rPr>
+              <a:t>([capítulos 9 y 10]). </a:t>
+            </a:r>
+          </a:p>
+          <a:p>
+            <a:r>
+              <a:rPr lang="es-ES_tradnl" sz="1100" dirty="0" smtClean="0">
+                <a:latin typeface="Cambria" panose="02040503050406030204" pitchFamily="18" charset="0"/>
+                <a:ea typeface="Cambria" panose="02040503050406030204" pitchFamily="18" charset="0"/>
+              </a:rPr>
+              <a:t>Delgado</a:t>
+            </a:r>
+            <a:r>
+              <a:rPr lang="es-ES_tradnl" sz="1100" dirty="0">
+                <a:latin typeface="Cambria" panose="02040503050406030204" pitchFamily="18" charset="0"/>
+                <a:ea typeface="Cambria" panose="02040503050406030204" pitchFamily="18" charset="0"/>
+              </a:rPr>
+              <a:t>, R. (2018, junio 23). </a:t>
+            </a:r>
+            <a:r>
+              <a:rPr lang="es-ES_tradnl" sz="1100" i="1" dirty="0">
+                <a:latin typeface="Cambria" panose="02040503050406030204" pitchFamily="18" charset="0"/>
+                <a:ea typeface="Cambria" panose="02040503050406030204" pitchFamily="18" charset="0"/>
+              </a:rPr>
+              <a:t>Introducción a los modelos de agrupamiento (</a:t>
+            </a:r>
+            <a:r>
+              <a:rPr lang="es-ES_tradnl" sz="1100" i="1" dirty="0" err="1">
+                <a:latin typeface="Cambria" panose="02040503050406030204" pitchFamily="18" charset="0"/>
+                <a:ea typeface="Cambria" panose="02040503050406030204" pitchFamily="18" charset="0"/>
+              </a:rPr>
+              <a:t>Clustering</a:t>
+            </a:r>
+            <a:r>
+              <a:rPr lang="es-ES_tradnl" sz="1100" i="1" dirty="0">
+                <a:latin typeface="Cambria" panose="02040503050406030204" pitchFamily="18" charset="0"/>
+                <a:ea typeface="Cambria" panose="02040503050406030204" pitchFamily="18" charset="0"/>
+              </a:rPr>
+              <a:t>) en R</a:t>
+            </a:r>
+            <a:r>
+              <a:rPr lang="es-ES_tradnl" sz="1100" dirty="0">
+                <a:latin typeface="Cambria" panose="02040503050406030204" pitchFamily="18" charset="0"/>
+                <a:ea typeface="Cambria" panose="02040503050406030204" pitchFamily="18" charset="0"/>
+              </a:rPr>
+              <a:t>. </a:t>
+            </a:r>
+            <a:r>
+              <a:rPr lang="es-ES_tradnl" sz="1100" dirty="0" err="1">
+                <a:latin typeface="Cambria" panose="02040503050406030204" pitchFamily="18" charset="0"/>
+                <a:ea typeface="Cambria" panose="02040503050406030204" pitchFamily="18" charset="0"/>
+              </a:rPr>
+              <a:t>RPubs</a:t>
+            </a:r>
+            <a:r>
+              <a:rPr lang="es-ES_tradnl" sz="1100" dirty="0">
+                <a:latin typeface="Cambria" panose="02040503050406030204" pitchFamily="18" charset="0"/>
+                <a:ea typeface="Cambria" panose="02040503050406030204" pitchFamily="18" charset="0"/>
+              </a:rPr>
+              <a:t>. https://rpubs.com/rdelgado/399475 </a:t>
+            </a:r>
+          </a:p>
+          <a:p>
+            <a:r>
+              <a:rPr lang="es-ES" sz="1100" dirty="0" err="1" smtClean="0">
+                <a:latin typeface="Cambria" panose="02040503050406030204" pitchFamily="18" charset="0"/>
+                <a:ea typeface="Cambria" panose="02040503050406030204" pitchFamily="18" charset="0"/>
+              </a:rPr>
+              <a:t>Provost</a:t>
+            </a:r>
+            <a:r>
+              <a:rPr lang="es-ES" sz="1100" dirty="0">
+                <a:latin typeface="Cambria" panose="02040503050406030204" pitchFamily="18" charset="0"/>
+                <a:ea typeface="Cambria" panose="02040503050406030204" pitchFamily="18" charset="0"/>
+              </a:rPr>
+              <a:t>, F., &amp; </a:t>
+            </a:r>
+            <a:r>
+              <a:rPr lang="es-ES" sz="1100" dirty="0" err="1">
+                <a:latin typeface="Cambria" panose="02040503050406030204" pitchFamily="18" charset="0"/>
+                <a:ea typeface="Cambria" panose="02040503050406030204" pitchFamily="18" charset="0"/>
+              </a:rPr>
+              <a:t>Fawcett</a:t>
+            </a:r>
+            <a:r>
+              <a:rPr lang="es-ES" sz="1100" dirty="0">
+                <a:latin typeface="Cambria" panose="02040503050406030204" pitchFamily="18" charset="0"/>
+                <a:ea typeface="Cambria" panose="02040503050406030204" pitchFamily="18" charset="0"/>
+              </a:rPr>
+              <a:t>, T. (2001). </a:t>
+            </a:r>
+            <a:r>
+              <a:rPr lang="es-ES" sz="1100" dirty="0" err="1">
+                <a:latin typeface="Cambria" panose="02040503050406030204" pitchFamily="18" charset="0"/>
+                <a:ea typeface="Cambria" panose="02040503050406030204" pitchFamily="18" charset="0"/>
+              </a:rPr>
+              <a:t>Robust</a:t>
+            </a:r>
+            <a:r>
+              <a:rPr lang="es-ES" sz="1100" dirty="0">
+                <a:latin typeface="Cambria" panose="02040503050406030204" pitchFamily="18" charset="0"/>
+                <a:ea typeface="Cambria" panose="02040503050406030204" pitchFamily="18" charset="0"/>
+              </a:rPr>
+              <a:t> </a:t>
+            </a:r>
+            <a:r>
+              <a:rPr lang="es-ES" sz="1100" dirty="0" err="1">
+                <a:latin typeface="Cambria" panose="02040503050406030204" pitchFamily="18" charset="0"/>
+                <a:ea typeface="Cambria" panose="02040503050406030204" pitchFamily="18" charset="0"/>
+              </a:rPr>
+              <a:t>classification</a:t>
+            </a:r>
+            <a:r>
+              <a:rPr lang="es-ES" sz="1100" dirty="0">
+                <a:latin typeface="Cambria" panose="02040503050406030204" pitchFamily="18" charset="0"/>
+                <a:ea typeface="Cambria" panose="02040503050406030204" pitchFamily="18" charset="0"/>
+              </a:rPr>
+              <a:t> </a:t>
+            </a:r>
+            <a:r>
+              <a:rPr lang="es-ES" sz="1100" dirty="0" err="1">
+                <a:latin typeface="Cambria" panose="02040503050406030204" pitchFamily="18" charset="0"/>
+                <a:ea typeface="Cambria" panose="02040503050406030204" pitchFamily="18" charset="0"/>
+              </a:rPr>
+              <a:t>for</a:t>
+            </a:r>
+            <a:r>
+              <a:rPr lang="es-ES" sz="1100" dirty="0">
+                <a:latin typeface="Cambria" panose="02040503050406030204" pitchFamily="18" charset="0"/>
+                <a:ea typeface="Cambria" panose="02040503050406030204" pitchFamily="18" charset="0"/>
+              </a:rPr>
+              <a:t> imprecise </a:t>
+            </a:r>
+            <a:r>
+              <a:rPr lang="es-ES" sz="1100" dirty="0" err="1">
+                <a:latin typeface="Cambria" panose="02040503050406030204" pitchFamily="18" charset="0"/>
+                <a:ea typeface="Cambria" panose="02040503050406030204" pitchFamily="18" charset="0"/>
+              </a:rPr>
+              <a:t>environments</a:t>
+            </a:r>
+            <a:r>
+              <a:rPr lang="es-ES" sz="1100" dirty="0">
+                <a:latin typeface="Cambria" panose="02040503050406030204" pitchFamily="18" charset="0"/>
+                <a:ea typeface="Cambria" panose="02040503050406030204" pitchFamily="18" charset="0"/>
+              </a:rPr>
+              <a:t>. Machine </a:t>
+            </a:r>
+            <a:r>
+              <a:rPr lang="es-ES" sz="1100" dirty="0" err="1">
+                <a:latin typeface="Cambria" panose="02040503050406030204" pitchFamily="18" charset="0"/>
+                <a:ea typeface="Cambria" panose="02040503050406030204" pitchFamily="18" charset="0"/>
+              </a:rPr>
+              <a:t>Learning</a:t>
+            </a:r>
+            <a:r>
+              <a:rPr lang="es-ES" sz="1100" dirty="0">
+                <a:latin typeface="Cambria" panose="02040503050406030204" pitchFamily="18" charset="0"/>
+                <a:ea typeface="Cambria" panose="02040503050406030204" pitchFamily="18" charset="0"/>
+              </a:rPr>
+              <a:t>, 42(3), 203-231. doi:10.1023/A:1007601015857 </a:t>
+            </a:r>
+          </a:p>
+          <a:p>
+            <a:r>
+              <a:rPr lang="es-ES" sz="1100" dirty="0" err="1" smtClean="0">
+                <a:latin typeface="Cambria" panose="02040503050406030204" pitchFamily="18" charset="0"/>
+                <a:ea typeface="Cambria" panose="02040503050406030204" pitchFamily="18" charset="0"/>
+              </a:rPr>
+              <a:t>Chawla</a:t>
+            </a:r>
+            <a:r>
+              <a:rPr lang="es-ES" sz="1100" dirty="0">
+                <a:latin typeface="Cambria" panose="02040503050406030204" pitchFamily="18" charset="0"/>
+                <a:ea typeface="Cambria" panose="02040503050406030204" pitchFamily="18" charset="0"/>
+              </a:rPr>
+              <a:t>, N. V., </a:t>
+            </a:r>
+            <a:r>
+              <a:rPr lang="es-ES" sz="1100" dirty="0" err="1">
+                <a:latin typeface="Cambria" panose="02040503050406030204" pitchFamily="18" charset="0"/>
+                <a:ea typeface="Cambria" panose="02040503050406030204" pitchFamily="18" charset="0"/>
+              </a:rPr>
+              <a:t>Japkowicz</a:t>
+            </a:r>
+            <a:r>
+              <a:rPr lang="es-ES" sz="1100" dirty="0">
+                <a:latin typeface="Cambria" panose="02040503050406030204" pitchFamily="18" charset="0"/>
+                <a:ea typeface="Cambria" panose="02040503050406030204" pitchFamily="18" charset="0"/>
+              </a:rPr>
+              <a:t>, N., &amp; </a:t>
+            </a:r>
+            <a:r>
+              <a:rPr lang="es-ES" sz="1100" dirty="0" err="1">
+                <a:latin typeface="Cambria" panose="02040503050406030204" pitchFamily="18" charset="0"/>
+                <a:ea typeface="Cambria" panose="02040503050406030204" pitchFamily="18" charset="0"/>
+              </a:rPr>
+              <a:t>Kotcz</a:t>
+            </a:r>
+            <a:r>
+              <a:rPr lang="es-ES" sz="1100" dirty="0">
+                <a:latin typeface="Cambria" panose="02040503050406030204" pitchFamily="18" charset="0"/>
+                <a:ea typeface="Cambria" panose="02040503050406030204" pitchFamily="18" charset="0"/>
+              </a:rPr>
+              <a:t>, A. (2004). Editorial: </a:t>
+            </a:r>
+            <a:r>
+              <a:rPr lang="es-ES" sz="1100" dirty="0" err="1">
+                <a:latin typeface="Cambria" panose="02040503050406030204" pitchFamily="18" charset="0"/>
+                <a:ea typeface="Cambria" panose="02040503050406030204" pitchFamily="18" charset="0"/>
+              </a:rPr>
+              <a:t>Special</a:t>
+            </a:r>
+            <a:r>
+              <a:rPr lang="es-ES" sz="1100" dirty="0">
+                <a:latin typeface="Cambria" panose="02040503050406030204" pitchFamily="18" charset="0"/>
+                <a:ea typeface="Cambria" panose="02040503050406030204" pitchFamily="18" charset="0"/>
+              </a:rPr>
+              <a:t> </a:t>
+            </a:r>
+            <a:r>
+              <a:rPr lang="es-ES" sz="1100" dirty="0" err="1">
+                <a:latin typeface="Cambria" panose="02040503050406030204" pitchFamily="18" charset="0"/>
+                <a:ea typeface="Cambria" panose="02040503050406030204" pitchFamily="18" charset="0"/>
+              </a:rPr>
+              <a:t>issue</a:t>
+            </a:r>
+            <a:r>
+              <a:rPr lang="es-ES" sz="1100" dirty="0">
+                <a:latin typeface="Cambria" panose="02040503050406030204" pitchFamily="18" charset="0"/>
+                <a:ea typeface="Cambria" panose="02040503050406030204" pitchFamily="18" charset="0"/>
+              </a:rPr>
+              <a:t> </a:t>
+            </a:r>
+            <a:r>
+              <a:rPr lang="es-ES" sz="1100" dirty="0" err="1">
+                <a:latin typeface="Cambria" panose="02040503050406030204" pitchFamily="18" charset="0"/>
+                <a:ea typeface="Cambria" panose="02040503050406030204" pitchFamily="18" charset="0"/>
+              </a:rPr>
+              <a:t>on</a:t>
+            </a:r>
+            <a:r>
+              <a:rPr lang="es-ES" sz="1100" dirty="0">
+                <a:latin typeface="Cambria" panose="02040503050406030204" pitchFamily="18" charset="0"/>
+                <a:ea typeface="Cambria" panose="02040503050406030204" pitchFamily="18" charset="0"/>
+              </a:rPr>
+              <a:t> </a:t>
+            </a:r>
+            <a:r>
+              <a:rPr lang="es-ES" sz="1100" dirty="0" err="1">
+                <a:latin typeface="Cambria" panose="02040503050406030204" pitchFamily="18" charset="0"/>
+                <a:ea typeface="Cambria" panose="02040503050406030204" pitchFamily="18" charset="0"/>
+              </a:rPr>
+              <a:t>learning</a:t>
+            </a:r>
+            <a:r>
+              <a:rPr lang="es-ES" sz="1100" dirty="0">
+                <a:latin typeface="Cambria" panose="02040503050406030204" pitchFamily="18" charset="0"/>
+                <a:ea typeface="Cambria" panose="02040503050406030204" pitchFamily="18" charset="0"/>
+              </a:rPr>
+              <a:t> </a:t>
+            </a:r>
+            <a:r>
+              <a:rPr lang="es-ES" sz="1100" dirty="0" err="1">
+                <a:latin typeface="Cambria" panose="02040503050406030204" pitchFamily="18" charset="0"/>
+                <a:ea typeface="Cambria" panose="02040503050406030204" pitchFamily="18" charset="0"/>
+              </a:rPr>
+              <a:t>from</a:t>
+            </a:r>
+            <a:r>
+              <a:rPr lang="es-ES" sz="1100" dirty="0">
+                <a:latin typeface="Cambria" panose="02040503050406030204" pitchFamily="18" charset="0"/>
+                <a:ea typeface="Cambria" panose="02040503050406030204" pitchFamily="18" charset="0"/>
+              </a:rPr>
+              <a:t> </a:t>
+            </a:r>
+            <a:r>
+              <a:rPr lang="es-ES" sz="1100" dirty="0" err="1">
+                <a:latin typeface="Cambria" panose="02040503050406030204" pitchFamily="18" charset="0"/>
+                <a:ea typeface="Cambria" panose="02040503050406030204" pitchFamily="18" charset="0"/>
+              </a:rPr>
+              <a:t>imbalanced</a:t>
+            </a:r>
+            <a:r>
+              <a:rPr lang="es-ES" sz="1100" dirty="0">
+                <a:latin typeface="Cambria" panose="02040503050406030204" pitchFamily="18" charset="0"/>
+                <a:ea typeface="Cambria" panose="02040503050406030204" pitchFamily="18" charset="0"/>
+              </a:rPr>
+              <a:t> data sets. ACM SIGKDD </a:t>
+            </a:r>
+            <a:r>
+              <a:rPr lang="es-ES" sz="1100" dirty="0" err="1">
+                <a:latin typeface="Cambria" panose="02040503050406030204" pitchFamily="18" charset="0"/>
+                <a:ea typeface="Cambria" panose="02040503050406030204" pitchFamily="18" charset="0"/>
+              </a:rPr>
+              <a:t>Explorations</a:t>
+            </a:r>
+            <a:r>
+              <a:rPr lang="es-ES" sz="1100" dirty="0">
+                <a:latin typeface="Cambria" panose="02040503050406030204" pitchFamily="18" charset="0"/>
+                <a:ea typeface="Cambria" panose="02040503050406030204" pitchFamily="18" charset="0"/>
+              </a:rPr>
+              <a:t> </a:t>
+            </a:r>
+            <a:r>
+              <a:rPr lang="es-ES" sz="1100" dirty="0" err="1">
+                <a:latin typeface="Cambria" panose="02040503050406030204" pitchFamily="18" charset="0"/>
+                <a:ea typeface="Cambria" panose="02040503050406030204" pitchFamily="18" charset="0"/>
+              </a:rPr>
+              <a:t>Newsletter</a:t>
+            </a:r>
+            <a:r>
+              <a:rPr lang="es-ES" sz="1100" dirty="0">
+                <a:latin typeface="Cambria" panose="02040503050406030204" pitchFamily="18" charset="0"/>
+                <a:ea typeface="Cambria" panose="02040503050406030204" pitchFamily="18" charset="0"/>
+              </a:rPr>
+              <a:t>, 6(1), 1-6. doi:10.1145/1007730.1007733 </a:t>
+            </a:r>
+          </a:p>
+          <a:p>
+            <a:r>
+              <a:rPr lang="en-GB" sz="1100" dirty="0" smtClean="0">
+                <a:latin typeface="Cambria" panose="02040503050406030204" pitchFamily="18" charset="0"/>
+                <a:ea typeface="Cambria" panose="02040503050406030204" pitchFamily="18" charset="0"/>
+              </a:rPr>
+              <a:t>Fawcett</a:t>
+            </a:r>
+            <a:r>
+              <a:rPr lang="en-GB" sz="1100" dirty="0">
+                <a:latin typeface="Cambria" panose="02040503050406030204" pitchFamily="18" charset="0"/>
+                <a:ea typeface="Cambria" panose="02040503050406030204" pitchFamily="18" charset="0"/>
+              </a:rPr>
+              <a:t>, T. (2006). An introduction to ROC analysis. </a:t>
+            </a:r>
+            <a:r>
+              <a:rPr lang="en-GB" sz="1100" i="1" dirty="0">
+                <a:latin typeface="Cambria" panose="02040503050406030204" pitchFamily="18" charset="0"/>
+                <a:ea typeface="Cambria" panose="02040503050406030204" pitchFamily="18" charset="0"/>
+              </a:rPr>
+              <a:t>Pattern Recognition Letters</a:t>
+            </a:r>
+            <a:r>
+              <a:rPr lang="en-GB" sz="1100" dirty="0">
+                <a:latin typeface="Cambria" panose="02040503050406030204" pitchFamily="18" charset="0"/>
+                <a:ea typeface="Cambria" panose="02040503050406030204" pitchFamily="18" charset="0"/>
+              </a:rPr>
+              <a:t>, 27(8), 861-874. https://doi.org/10.1016/j.patrec.2005.10.010 </a:t>
+            </a:r>
+          </a:p>
+          <a:p>
+            <a:endParaRPr lang="es-ES" dirty="0"/>
+          </a:p>
+          <a:p>
+            <a:r>
+              <a:rPr lang="es-ES_tradnl" dirty="0" smtClean="0"/>
+              <a:t>-</a:t>
+            </a:r>
+            <a:endParaRPr lang="es-ES" sz="2400" dirty="0">
+              <a:latin typeface="Cambria" panose="02040503050406030204" pitchFamily="18" charset="0"/>
+              <a:ea typeface="Cambria" panose="02040503050406030204" pitchFamily="18" charset="0"/>
+            </a:endParaRPr>
+          </a:p>
+        </p:txBody>
+      </p:sp>
+    </p:spTree>
+    <p:extLst>
+      <p:ext uri="{BB962C8B-B14F-4D97-AF65-F5344CB8AC3E}">
+        <p14:creationId xmlns:p14="http://schemas.microsoft.com/office/powerpoint/2010/main" val="3968928595"/>
+      </p:ext>
+    </p:extLst>
+  </p:cSld>
+  <p:clrMapOvr>
+    <a:masterClrMapping/>
+  </p:clrMapOvr>
+  <p:timing>
+    <p:tnLst>
+      <p:par>
+        <p:cTn id="1" dur="indefinite" restart="never" nodeType="tmRoot"/>
+      </p:par>
+    </p:tnLst>
+  </p:timing>
+</p:sld>
+</file>
+
+<file path=ppt/slides/slide17.xml><?xml version="1.0" encoding="utf-8"?>
 <p:sld xmlns:a="http://schemas.openxmlformats.org/drawingml/2006/main" xmlns:r="http://schemas.openxmlformats.org/officeDocument/2006/relationships" xmlns:p="http://schemas.openxmlformats.org/presentationml/2006/main">
   <p:cSld>
     <p:bg>
@@ -3116,34 +7838,6 @@
       </p:grpSpPr>
       <p:sp>
         <p:nvSpPr>
-          <p:cNvPr id="5122" name="Rectangle 2"/>
-          <p:cNvSpPr>
-            <a:spLocks noGrp="1" noChangeArrowheads="1"/>
-          </p:cNvSpPr>
-          <p:nvPr>
-            <p:ph type="title"/>
-          </p:nvPr>
-        </p:nvSpPr>
-        <p:spPr>
-          <a:xfrm>
-            <a:off x="1908175" y="188913"/>
-            <a:ext cx="7127875" cy="723900"/>
-          </a:xfrm>
-        </p:spPr>
-        <p:txBody>
-          <a:bodyPr/>
-          <a:lstStyle/>
-          <a:p>
-            <a:pPr eaLnBrk="1" hangingPunct="1"/>
-            <a:r>
-              <a:rPr lang="en-US" dirty="0" smtClean="0"/>
-              <a:t>Print Slide Master</a:t>
-            </a:r>
-          </a:p>
-        </p:txBody>
-      </p:sp>
-      <p:sp>
-        <p:nvSpPr>
           <p:cNvPr id="5123" name="Rectangle 3"/>
           <p:cNvSpPr>
             <a:spLocks noGrp="1" noChangeArrowheads="1"/>
@@ -3163,10 +7857,11 @@
           <a:lstStyle/>
           <a:p>
             <a:pPr eaLnBrk="1" hangingPunct="1"/>
-            <a:r>
-              <a:rPr lang="en-US" sz="2000" dirty="0" smtClean="0"/>
-              <a:t>Our PowerPoint templates and backgrounds are «pre-made» presentation shells («pre-made» slides). All design backgrounds, graphics, typefaces, and colors have been created and are pre-set by an expert graphic designers which are working with some of the most prominent businesses in the world.</a:t>
-            </a:r>
+            <a:endParaRPr lang="en-US" sz="2000" dirty="0" smtClean="0"/>
+          </a:p>
+          <a:p>
+            <a:pPr eaLnBrk="1" hangingPunct="1"/>
+            <a:endParaRPr lang="en-US" sz="2000" dirty="0"/>
           </a:p>
           <a:p>
             <a:pPr eaLnBrk="1" hangingPunct="1"/>
@@ -3174,10 +7869,7 @@
           </a:p>
           <a:p>
             <a:pPr eaLnBrk="1" hangingPunct="1"/>
-            <a:r>
-              <a:rPr lang="en-US" sz="2000" dirty="0" smtClean="0"/>
-              <a:t>You simply insert your text. That's it! You just can't go wrong with these templates and backgrounds!</a:t>
-            </a:r>
+            <a:endParaRPr lang="en-US" sz="2000" dirty="0"/>
           </a:p>
           <a:p>
             <a:pPr eaLnBrk="1" hangingPunct="1"/>
@@ -3185,10 +7877,95 @@
           </a:p>
           <a:p>
             <a:pPr eaLnBrk="1" hangingPunct="1"/>
-            <a:r>
-              <a:rPr lang="en-US" sz="2000" dirty="0" smtClean="0"/>
-              <a:t>Download this template as well as our others at http://poweredtemplate.com/consulting-ppt-powerpoint-templates.html </a:t>
-            </a:r>
+            <a:endParaRPr lang="en-US" sz="2000" dirty="0"/>
+          </a:p>
+          <a:p>
+            <a:pPr marL="0" indent="0" eaLnBrk="1" hangingPunct="1">
+              <a:buNone/>
+            </a:pPr>
+            <a:r>
+              <a:rPr lang="en-US" sz="3600" dirty="0" smtClean="0">
+                <a:latin typeface="Cambria" panose="02040503050406030204" pitchFamily="18" charset="0"/>
+                <a:ea typeface="Cambria" panose="02040503050406030204" pitchFamily="18" charset="0"/>
+              </a:rPr>
+              <a:t>¡</a:t>
+            </a:r>
+            <a:r>
+              <a:rPr lang="en-US" sz="3600" dirty="0" err="1" smtClean="0">
+                <a:latin typeface="Cambria" panose="02040503050406030204" pitchFamily="18" charset="0"/>
+                <a:ea typeface="Cambria" panose="02040503050406030204" pitchFamily="18" charset="0"/>
+              </a:rPr>
+              <a:t>Muchas</a:t>
+            </a:r>
+            <a:r>
+              <a:rPr lang="en-US" sz="3600" dirty="0" smtClean="0">
+                <a:latin typeface="Cambria" panose="02040503050406030204" pitchFamily="18" charset="0"/>
+                <a:ea typeface="Cambria" panose="02040503050406030204" pitchFamily="18" charset="0"/>
+              </a:rPr>
+              <a:t> gracias </a:t>
+            </a:r>
+            <a:r>
+              <a:rPr lang="en-US" sz="3600" dirty="0" err="1" smtClean="0">
+                <a:latin typeface="Cambria" panose="02040503050406030204" pitchFamily="18" charset="0"/>
+                <a:ea typeface="Cambria" panose="02040503050406030204" pitchFamily="18" charset="0"/>
+              </a:rPr>
+              <a:t>por</a:t>
+            </a:r>
+            <a:r>
+              <a:rPr lang="en-US" sz="3600" dirty="0" smtClean="0">
+                <a:latin typeface="Cambria" panose="02040503050406030204" pitchFamily="18" charset="0"/>
+                <a:ea typeface="Cambria" panose="02040503050406030204" pitchFamily="18" charset="0"/>
+              </a:rPr>
+              <a:t> </a:t>
+            </a:r>
+            <a:r>
+              <a:rPr lang="en-US" sz="3600" dirty="0" err="1" smtClean="0">
+                <a:latin typeface="Cambria" panose="02040503050406030204" pitchFamily="18" charset="0"/>
+                <a:ea typeface="Cambria" panose="02040503050406030204" pitchFamily="18" charset="0"/>
+              </a:rPr>
+              <a:t>su</a:t>
+            </a:r>
+            <a:r>
+              <a:rPr lang="en-US" sz="3600" dirty="0" smtClean="0">
+                <a:latin typeface="Cambria" panose="02040503050406030204" pitchFamily="18" charset="0"/>
+                <a:ea typeface="Cambria" panose="02040503050406030204" pitchFamily="18" charset="0"/>
+              </a:rPr>
+              <a:t> </a:t>
+            </a:r>
+            <a:r>
+              <a:rPr lang="en-US" sz="3600" dirty="0" err="1" smtClean="0">
+                <a:latin typeface="Cambria" panose="02040503050406030204" pitchFamily="18" charset="0"/>
+                <a:ea typeface="Cambria" panose="02040503050406030204" pitchFamily="18" charset="0"/>
+              </a:rPr>
+              <a:t>atención</a:t>
+            </a:r>
+            <a:r>
+              <a:rPr lang="en-US" sz="3600" dirty="0" smtClean="0">
+                <a:latin typeface="Cambria" panose="02040503050406030204" pitchFamily="18" charset="0"/>
+                <a:ea typeface="Cambria" panose="02040503050406030204" pitchFamily="18" charset="0"/>
+              </a:rPr>
+              <a:t>!</a:t>
+            </a:r>
+            <a:endParaRPr lang="en-US" sz="2000" dirty="0" smtClean="0"/>
+          </a:p>
+        </p:txBody>
+      </p:sp>
+      <p:sp>
+        <p:nvSpPr>
+          <p:cNvPr id="2" name="Título 1"/>
+          <p:cNvSpPr>
+            <a:spLocks noGrp="1"/>
+          </p:cNvSpPr>
+          <p:nvPr>
+            <p:ph type="title"/>
+          </p:nvPr>
+        </p:nvSpPr>
+        <p:spPr/>
+        <p:txBody>
+          <a:bodyPr/>
+          <a:lstStyle/>
+          <a:p>
+            <a:endParaRPr lang="es-ES" dirty="0"/>
           </a:p>
         </p:txBody>
       </p:sp>
@@ -3226,6 +8003,77 @@
       </p:grpSpPr>
       <p:sp>
         <p:nvSpPr>
+          <p:cNvPr id="3" name="Rectángulo 2"/>
+          <p:cNvSpPr/>
+          <p:nvPr/>
+        </p:nvSpPr>
+        <p:spPr bwMode="auto">
+          <a:xfrm>
+            <a:off x="1" y="980728"/>
+            <a:ext cx="9108503" cy="5877272"/>
+          </a:xfrm>
+          <a:prstGeom prst="rect">
+            <a:avLst/>
+          </a:prstGeom>
+          <a:ln>
+            <a:headEnd type="none" w="med" len="med"/>
+            <a:tailEnd type="none" w="med" len="med"/>
+          </a:ln>
+          <a:extLst/>
+        </p:spPr>
+        <p:style>
+          <a:lnRef idx="2">
+            <a:schemeClr val="accent1"/>
+          </a:lnRef>
+          <a:fillRef idx="1">
+            <a:schemeClr val="lt1"/>
+          </a:fillRef>
+          <a:effectRef idx="0">
+            <a:schemeClr val="accent1"/>
+          </a:effectRef>
+          <a:fontRef idx="minor">
+            <a:schemeClr val="dk1"/>
+          </a:fontRef>
+        </p:style>
+        <p:txBody>
+          <a:bodyPr vert="horz" wrap="square" lIns="91440" tIns="45720" rIns="91440" bIns="45720" numCol="1" rtlCol="0" anchor="t" anchorCtr="0" compatLnSpc="1">
+            <a:prstTxWarp prst="textNoShape">
+              <a:avLst/>
+            </a:prstTxWarp>
+          </a:bodyPr>
+          <a:lstStyle/>
+          <a:p>
+            <a:pPr marL="0" marR="0" indent="0" algn="l" defTabSz="914400" rtl="0" eaLnBrk="1" fontAlgn="base" latinLnBrk="0" hangingPunct="1">
+              <a:lnSpc>
+                <a:spcPct val="100000"/>
+              </a:lnSpc>
+              <a:spcBef>
+                <a:spcPct val="0"/>
+              </a:spcBef>
+              <a:spcAft>
+                <a:spcPct val="0"/>
+              </a:spcAft>
+              <a:buClrTx/>
+              <a:buSzTx/>
+              <a:buFontTx/>
+              <a:buNone/>
+              <a:tabLst/>
+            </a:pPr>
+            <a:endParaRPr kumimoji="0" lang="es-ES" sz="1800" b="1" i="0" u="none" strike="noStrike" cap="none" normalizeH="0" baseline="0" smtClean="0">
+              <a:ln>
+                <a:noFill/>
+              </a:ln>
+              <a:solidFill>
+                <a:schemeClr val="tx1"/>
+              </a:solidFill>
+              <a:effectLst/>
+              <a:latin typeface="Arial" charset="0"/>
+            </a:endParaRPr>
+          </a:p>
+        </p:txBody>
+      </p:sp>
+      <p:sp>
+        <p:nvSpPr>
           <p:cNvPr id="4098" name="Rectangle 2"/>
           <p:cNvSpPr>
             <a:spLocks noGrp="1" noChangeArrowheads="1"/>
@@ -3250,6 +8098,8 @@
                 <a:solidFill>
                   <a:schemeClr val="accent2"/>
                 </a:solidFill>
+                <a:latin typeface="Cambria" panose="02040503050406030204" pitchFamily="18" charset="0"/>
+                <a:ea typeface="Cambria" panose="02040503050406030204" pitchFamily="18" charset="0"/>
               </a:rPr>
               <a:t>Objetivos del trabajo</a:t>
             </a:r>
@@ -3257,6 +8107,8 @@
               <a:solidFill>
                 <a:schemeClr val="accent2"/>
               </a:solidFill>
+              <a:latin typeface="Cambria" panose="02040503050406030204" pitchFamily="18" charset="0"/>
+              <a:ea typeface="Cambria" panose="02040503050406030204" pitchFamily="18" charset="0"/>
             </a:endParaRPr>
           </a:p>
         </p:txBody>
@@ -3273,8 +8125,8 @@
         </p:nvSpPr>
         <p:spPr>
           <a:xfrm>
-            <a:off x="1116013" y="1125538"/>
-            <a:ext cx="6454775" cy="4202112"/>
+            <a:off x="1" y="1340768"/>
+            <a:ext cx="4283968" cy="4202112"/>
           </a:xfrm>
         </p:spPr>
         <p:txBody>
@@ -3288,8 +8140,9 @@
               <a:defRPr/>
             </a:pPr>
             <a:r>
-              <a:rPr lang="es-ES" sz="2000" dirty="0" smtClean="0">
-                <a:latin typeface="+mj-lt"/>
+              <a:rPr lang="es-ES" sz="2400" dirty="0" smtClean="0">
+                <a:latin typeface="Cambria" panose="02040503050406030204" pitchFamily="18" charset="0"/>
+                <a:ea typeface="Cambria" panose="02040503050406030204" pitchFamily="18" charset="0"/>
               </a:rPr>
               <a:t>Identificación de los factores determinantes del precio de los alojamientos turísticos no hosteleros de la ciudad de Málaga.</a:t>
             </a:r>
@@ -3302,8 +8155,9 @@
               <a:defRPr/>
             </a:pPr>
             <a:r>
-              <a:rPr lang="es-ES" sz="2000" dirty="0" smtClean="0">
-                <a:latin typeface="+mj-lt"/>
+              <a:rPr lang="es-ES" sz="2400" dirty="0" smtClean="0">
+                <a:latin typeface="Cambria" panose="02040503050406030204" pitchFamily="18" charset="0"/>
+                <a:ea typeface="Cambria" panose="02040503050406030204" pitchFamily="18" charset="0"/>
               </a:rPr>
               <a:t>Identificación de los barrios con mayor interés desde el punto de vista económico.</a:t>
             </a:r>
@@ -3316,8 +8170,9 @@
               <a:defRPr/>
             </a:pPr>
             <a:r>
-              <a:rPr lang="es-ES" sz="2000" dirty="0" smtClean="0">
-                <a:latin typeface="+mj-lt"/>
+              <a:rPr lang="es-ES" sz="2400" dirty="0" smtClean="0">
+                <a:latin typeface="Cambria" panose="02040503050406030204" pitchFamily="18" charset="0"/>
+                <a:ea typeface="Cambria" panose="02040503050406030204" pitchFamily="18" charset="0"/>
               </a:rPr>
               <a:t>Estudio del efecto de la localización del alojamiento.</a:t>
             </a:r>
@@ -3330,23 +8185,45 @@
               <a:defRPr/>
             </a:pPr>
             <a:r>
-              <a:rPr lang="es-ES" sz="2000" dirty="0" smtClean="0">
-                <a:latin typeface="+mj-lt"/>
-              </a:rPr>
-              <a:t>Creación de un modelo que permita, en base a las características del alojamiento, discriminar si el precio del mismo </a:t>
-            </a:r>
-            <a:r>
-              <a:rPr lang="es-ES" sz="2000" smtClean="0">
-                <a:latin typeface="+mj-lt"/>
-              </a:rPr>
-              <a:t>es excesivo o no.</a:t>
-            </a:r>
-            <a:endParaRPr lang="es-ES" sz="2000" dirty="0" smtClean="0">
-              <a:latin typeface="+mj-lt"/>
-            </a:endParaRPr>
+              <a:rPr lang="es-ES" sz="2400" dirty="0" smtClean="0">
+                <a:latin typeface="Cambria" panose="02040503050406030204" pitchFamily="18" charset="0"/>
+                <a:ea typeface="Cambria" panose="02040503050406030204" pitchFamily="18" charset="0"/>
+              </a:rPr>
+              <a:t>Creación de un modelo que permita, en base a las características del alojamiento, discriminar si el precio del mismo es excesivo o no.</a:t>
+            </a:r>
           </a:p>
         </p:txBody>
       </p:sp>
+      <p:pic>
+        <p:nvPicPr>
+          <p:cNvPr id="2" name="Imagen 1"/>
+          <p:cNvPicPr>
+            <a:picLocks noChangeAspect="1"/>
+          </p:cNvPicPr>
+          <p:nvPr/>
+        </p:nvPicPr>
+        <p:blipFill>
+          <a:blip r:embed="rId2">
+            <a:extLst>
+              <a:ext uri="{28A0092B-C50C-407E-A947-70E740481C1C}">
+                <a14:useLocalDpi xmlns:a14="http://schemas.microsoft.com/office/drawing/2010/main" val="0"/>
+              </a:ext>
+            </a:extLst>
+          </a:blip>
+          <a:stretch>
+            <a:fillRect/>
+          </a:stretch>
+        </p:blipFill>
+        <p:spPr>
+          <a:xfrm>
+            <a:off x="4266167" y="1325436"/>
+            <a:ext cx="4698321" cy="4569117"/>
+          </a:xfrm>
+          <a:prstGeom prst="rect">
+            <a:avLst/>
+          </a:prstGeom>
+        </p:spPr>
+      </p:pic>
     </p:spTree>
   </p:cSld>
   <p:clrMapOvr>
@@ -3381,6 +8258,77 @@
       </p:grpSpPr>
       <p:sp>
         <p:nvSpPr>
+          <p:cNvPr id="5" name="Rectángulo 4"/>
+          <p:cNvSpPr/>
+          <p:nvPr/>
+        </p:nvSpPr>
+        <p:spPr bwMode="auto">
+          <a:xfrm>
+            <a:off x="0" y="980728"/>
+            <a:ext cx="9108504" cy="5877272"/>
+          </a:xfrm>
+          <a:prstGeom prst="rect">
+            <a:avLst/>
+          </a:prstGeom>
+          <a:ln>
+            <a:headEnd type="none" w="med" len="med"/>
+            <a:tailEnd type="none" w="med" len="med"/>
+          </a:ln>
+          <a:extLst/>
+        </p:spPr>
+        <p:style>
+          <a:lnRef idx="2">
+            <a:schemeClr val="accent1"/>
+          </a:lnRef>
+          <a:fillRef idx="1">
+            <a:schemeClr val="lt1"/>
+          </a:fillRef>
+          <a:effectRef idx="0">
+            <a:schemeClr val="accent1"/>
+          </a:effectRef>
+          <a:fontRef idx="minor">
+            <a:schemeClr val="dk1"/>
+          </a:fontRef>
+        </p:style>
+        <p:txBody>
+          <a:bodyPr vert="horz" wrap="square" lIns="91440" tIns="45720" rIns="91440" bIns="45720" numCol="1" rtlCol="0" anchor="t" anchorCtr="0" compatLnSpc="1">
+            <a:prstTxWarp prst="textNoShape">
+              <a:avLst/>
+            </a:prstTxWarp>
+          </a:bodyPr>
+          <a:lstStyle/>
+          <a:p>
+            <a:pPr marL="0" marR="0" indent="0" algn="l" defTabSz="914400" rtl="0" eaLnBrk="1" fontAlgn="base" latinLnBrk="0" hangingPunct="1">
+              <a:lnSpc>
+                <a:spcPct val="100000"/>
+              </a:lnSpc>
+              <a:spcBef>
+                <a:spcPct val="0"/>
+              </a:spcBef>
+              <a:spcAft>
+                <a:spcPct val="0"/>
+              </a:spcAft>
+              <a:buClrTx/>
+              <a:buSzTx/>
+              <a:buFontTx/>
+              <a:buNone/>
+              <a:tabLst/>
+            </a:pPr>
+            <a:endParaRPr kumimoji="0" lang="es-ES" sz="1800" b="1" i="0" u="none" strike="noStrike" cap="none" normalizeH="0" baseline="0" smtClean="0">
+              <a:ln>
+                <a:noFill/>
+              </a:ln>
+              <a:solidFill>
+                <a:schemeClr val="tx1"/>
+              </a:solidFill>
+              <a:effectLst/>
+              <a:latin typeface="Arial" charset="0"/>
+            </a:endParaRPr>
+          </a:p>
+        </p:txBody>
+      </p:sp>
+      <p:sp>
+        <p:nvSpPr>
           <p:cNvPr id="2" name="Título 1"/>
           <p:cNvSpPr>
             <a:spLocks noGrp="1"/>
@@ -3395,10 +8343,16 @@
           <a:lstStyle/>
           <a:p>
             <a:r>
-              <a:rPr lang="es-ES" sz="2800" dirty="0" smtClean="0"/>
-              <a:t>MARCO Y JUSTIFICACIÓN</a:t>
-            </a:r>
-            <a:endParaRPr lang="es-ES" sz="2800" dirty="0"/>
+              <a:rPr lang="es-ES" sz="2800" dirty="0" smtClean="0">
+                <a:latin typeface="Cambria" panose="02040503050406030204" pitchFamily="18" charset="0"/>
+                <a:ea typeface="Cambria" panose="02040503050406030204" pitchFamily="18" charset="0"/>
+              </a:rPr>
+              <a:t>Marco y justificación</a:t>
+            </a:r>
+            <a:endParaRPr lang="es-ES" sz="2800" dirty="0">
+              <a:latin typeface="Cambria" panose="02040503050406030204" pitchFamily="18" charset="0"/>
+              <a:ea typeface="Cambria" panose="02040503050406030204" pitchFamily="18" charset="0"/>
+            </a:endParaRPr>
           </a:p>
         </p:txBody>
       </p:sp>
@@ -3423,56 +8377,89 @@
           <a:lstStyle/>
           <a:p>
             <a:r>
-              <a:rPr lang="es-ES" sz="1600" dirty="0" smtClean="0"/>
+              <a:rPr lang="es-ES" sz="1600" dirty="0" smtClean="0">
+                <a:latin typeface="Cambria" panose="02040503050406030204" pitchFamily="18" charset="0"/>
+                <a:ea typeface="Cambria" panose="02040503050406030204" pitchFamily="18" charset="0"/>
+              </a:rPr>
               <a:t>El sector turístico es un pilar de la economía de Málaga</a:t>
             </a:r>
           </a:p>
           <a:p>
             <a:r>
-              <a:rPr lang="es-ES" sz="1600" dirty="0" smtClean="0"/>
+              <a:rPr lang="es-ES" sz="1600" dirty="0" smtClean="0">
+                <a:latin typeface="Cambria" panose="02040503050406030204" pitchFamily="18" charset="0"/>
+                <a:ea typeface="Cambria" panose="02040503050406030204" pitchFamily="18" charset="0"/>
+              </a:rPr>
               <a:t>La estancia en alojamientos turísticos no reglados no para de aumentar. Su mercado es el que se analiza en este trabajo.</a:t>
             </a:r>
           </a:p>
           <a:p>
             <a:r>
-              <a:rPr lang="es-ES" sz="1600" dirty="0" smtClean="0"/>
+              <a:rPr lang="es-ES" sz="1600" dirty="0" smtClean="0">
+                <a:latin typeface="Cambria" panose="02040503050406030204" pitchFamily="18" charset="0"/>
+                <a:ea typeface="Cambria" panose="02040503050406030204" pitchFamily="18" charset="0"/>
+              </a:rPr>
               <a:t>Estos alojamientos suelen ser anunciados en la plataforma </a:t>
             </a:r>
             <a:r>
-              <a:rPr lang="es-ES" sz="1600" dirty="0" err="1" smtClean="0"/>
+              <a:rPr lang="es-ES" sz="1600" dirty="0" err="1" smtClean="0">
+                <a:latin typeface="Cambria" panose="02040503050406030204" pitchFamily="18" charset="0"/>
+                <a:ea typeface="Cambria" panose="02040503050406030204" pitchFamily="18" charset="0"/>
+              </a:rPr>
               <a:t>AirBNB</a:t>
             </a:r>
             <a:r>
-              <a:rPr lang="es-ES" sz="1600" dirty="0" smtClean="0"/>
+              <a:rPr lang="es-ES" sz="1600" dirty="0" smtClean="0">
+                <a:latin typeface="Cambria" panose="02040503050406030204" pitchFamily="18" charset="0"/>
+                <a:ea typeface="Cambria" panose="02040503050406030204" pitchFamily="18" charset="0"/>
+              </a:rPr>
               <a:t>.</a:t>
             </a:r>
           </a:p>
           <a:p>
             <a:r>
-              <a:rPr lang="es-ES" sz="1600" dirty="0" smtClean="0"/>
+              <a:rPr lang="es-ES" sz="1600" dirty="0" smtClean="0">
+                <a:latin typeface="Cambria" panose="02040503050406030204" pitchFamily="18" charset="0"/>
+                <a:ea typeface="Cambria" panose="02040503050406030204" pitchFamily="18" charset="0"/>
+              </a:rPr>
               <a:t>El crecimiento de este tipo de alojamientos trae una gran controversia.</a:t>
             </a:r>
           </a:p>
           <a:p>
             <a:r>
-              <a:rPr lang="es-ES" sz="1600" dirty="0" smtClean="0"/>
+              <a:rPr lang="es-ES" sz="1600" dirty="0" smtClean="0">
+                <a:latin typeface="Cambria" panose="02040503050406030204" pitchFamily="18" charset="0"/>
+                <a:ea typeface="Cambria" panose="02040503050406030204" pitchFamily="18" charset="0"/>
+              </a:rPr>
               <a:t>El crecimiento de los alojamientos turísticos no hosteleros ha venido acompañado de un crecimiento del precio de los mismos.</a:t>
             </a:r>
           </a:p>
           <a:p>
             <a:r>
-              <a:rPr lang="es-ES" sz="1600" dirty="0" smtClean="0"/>
+              <a:rPr lang="es-ES" sz="1600" dirty="0" smtClean="0">
+                <a:latin typeface="Cambria" panose="02040503050406030204" pitchFamily="18" charset="0"/>
+                <a:ea typeface="Cambria" panose="02040503050406030204" pitchFamily="18" charset="0"/>
+              </a:rPr>
               <a:t>Desde el punto de vista de los clientes, no hay forma de saber, más allá de la intuición, si un alojamiento es bueno o malo. (Los hoteles disponen de estrellas pero, como mucho, en </a:t>
             </a:r>
             <a:r>
-              <a:rPr lang="es-ES" sz="1600" dirty="0" err="1" smtClean="0"/>
+              <a:rPr lang="es-ES" sz="1600" dirty="0" err="1" smtClean="0">
+                <a:latin typeface="Cambria" panose="02040503050406030204" pitchFamily="18" charset="0"/>
+                <a:ea typeface="Cambria" panose="02040503050406030204" pitchFamily="18" charset="0"/>
+              </a:rPr>
               <a:t>airbnb</a:t>
             </a:r>
             <a:r>
-              <a:rPr lang="es-ES" sz="1600" dirty="0" smtClean="0"/>
+              <a:rPr lang="es-ES" sz="1600" dirty="0" smtClean="0">
+                <a:latin typeface="Cambria" panose="02040503050406030204" pitchFamily="18" charset="0"/>
+                <a:ea typeface="Cambria" panose="02040503050406030204" pitchFamily="18" charset="0"/>
+              </a:rPr>
               <a:t> hay reseñas). </a:t>
             </a:r>
-            <a:endParaRPr lang="es-ES" sz="1600" dirty="0"/>
+            <a:endParaRPr lang="es-ES" sz="1600" dirty="0">
+              <a:latin typeface="Cambria" panose="02040503050406030204" pitchFamily="18" charset="0"/>
+              <a:ea typeface="Cambria" panose="02040503050406030204" pitchFamily="18" charset="0"/>
+            </a:endParaRPr>
           </a:p>
           <a:p>
             <a:pPr marL="0" indent="0">
@@ -3594,6 +8581,13 @@
   <p:clrMapOvr>
     <a:masterClrMapping/>
   </p:clrMapOvr>
+  <p:timing>
+    <p:tnLst>
+      <p:par>
+        <p:cTn id="1" dur="indefinite" restart="never" nodeType="tmRoot"/>
+      </p:par>
+    </p:tnLst>
+  </p:timing>
 </p:sld>
 </file>
 
@@ -3616,6 +8610,138 @@
       </p:grpSpPr>
       <p:sp>
         <p:nvSpPr>
+          <p:cNvPr id="12" name="Llamada de flecha hacia abajo 11"/>
+          <p:cNvSpPr/>
+          <p:nvPr/>
+        </p:nvSpPr>
+        <p:spPr bwMode="auto">
+          <a:xfrm>
+            <a:off x="179512" y="1309291"/>
+            <a:ext cx="8767070" cy="1471637"/>
+          </a:xfrm>
+          <a:prstGeom prst="downArrowCallout">
+            <a:avLst>
+              <a:gd name="adj1" fmla="val 17706"/>
+              <a:gd name="adj2" fmla="val 25000"/>
+              <a:gd name="adj3" fmla="val 25000"/>
+              <a:gd name="adj4" fmla="val 64977"/>
+            </a:avLst>
+          </a:prstGeom>
+          <a:ln>
+            <a:headEnd type="none" w="med" len="med"/>
+            <a:tailEnd type="none" w="med" len="med"/>
+          </a:ln>
+          <a:extLst/>
+        </p:spPr>
+        <p:style>
+          <a:lnRef idx="2">
+            <a:schemeClr val="accent1"/>
+          </a:lnRef>
+          <a:fillRef idx="1">
+            <a:schemeClr val="lt1"/>
+          </a:fillRef>
+          <a:effectRef idx="0">
+            <a:schemeClr val="accent1"/>
+          </a:effectRef>
+          <a:fontRef idx="minor">
+            <a:schemeClr val="dk1"/>
+          </a:fontRef>
+        </p:style>
+        <p:txBody>
+          <a:bodyPr vert="horz" wrap="square" lIns="91440" tIns="45720" rIns="91440" bIns="45720" numCol="1" rtlCol="0" anchor="t" anchorCtr="0" compatLnSpc="1">
+            <a:prstTxWarp prst="textNoShape">
+              <a:avLst/>
+            </a:prstTxWarp>
+          </a:bodyPr>
+          <a:lstStyle/>
+          <a:p>
+            <a:r>
+              <a:rPr lang="es-ES_tradnl" dirty="0">
+                <a:latin typeface="Cambria" panose="02040503050406030204" pitchFamily="18" charset="0"/>
+                <a:ea typeface="Cambria" panose="02040503050406030204" pitchFamily="18" charset="0"/>
+              </a:rPr>
+              <a:t>Visión integral del mercado de alquiler de alojamientos turísticos no hoteleros en Málaga </a:t>
+            </a:r>
+            <a:endParaRPr lang="es-ES" dirty="0">
+              <a:latin typeface="Cambria" panose="02040503050406030204" pitchFamily="18" charset="0"/>
+              <a:ea typeface="Cambria" panose="02040503050406030204" pitchFamily="18" charset="0"/>
+            </a:endParaRPr>
+          </a:p>
+        </p:txBody>
+      </p:sp>
+      <p:sp>
+        <p:nvSpPr>
+          <p:cNvPr id="11" name="Rectángulo 10"/>
+          <p:cNvSpPr/>
+          <p:nvPr/>
+        </p:nvSpPr>
+        <p:spPr bwMode="auto">
+          <a:xfrm>
+            <a:off x="190637" y="2780929"/>
+            <a:ext cx="8785100" cy="1584176"/>
+          </a:xfrm>
+          <a:prstGeom prst="rect">
+            <a:avLst/>
+          </a:prstGeom>
+          <a:ln>
+            <a:headEnd type="none" w="med" len="med"/>
+            <a:tailEnd type="none" w="med" len="med"/>
+          </a:ln>
+          <a:extLst/>
+        </p:spPr>
+        <p:style>
+          <a:lnRef idx="2">
+            <a:schemeClr val="accent1"/>
+          </a:lnRef>
+          <a:fillRef idx="1">
+            <a:schemeClr val="lt1"/>
+          </a:fillRef>
+          <a:effectRef idx="0">
+            <a:schemeClr val="accent1"/>
+          </a:effectRef>
+          <a:fontRef idx="minor">
+            <a:schemeClr val="dk1"/>
+          </a:fontRef>
+        </p:style>
+        <p:txBody>
+          <a:bodyPr vert="horz" wrap="square" lIns="91440" tIns="45720" rIns="91440" bIns="45720" numCol="1" rtlCol="0" anchor="t" anchorCtr="0" compatLnSpc="1">
+            <a:prstTxWarp prst="textNoShape">
+              <a:avLst/>
+            </a:prstTxWarp>
+          </a:bodyPr>
+          <a:lstStyle/>
+          <a:p>
+            <a:pPr marL="0" marR="0" indent="0" algn="l" defTabSz="914400" rtl="0" eaLnBrk="1" fontAlgn="base" latinLnBrk="0" hangingPunct="1">
+              <a:lnSpc>
+                <a:spcPct val="100000"/>
+              </a:lnSpc>
+              <a:spcBef>
+                <a:spcPct val="0"/>
+              </a:spcBef>
+              <a:spcAft>
+                <a:spcPct val="0"/>
+              </a:spcAft>
+              <a:buClrTx/>
+              <a:buSzTx/>
+              <a:buFontTx/>
+              <a:buNone/>
+              <a:tabLst/>
+            </a:pPr>
+            <a:endParaRPr kumimoji="0" lang="es-ES" sz="1800" b="1" i="0" u="none" strike="noStrike" cap="none" normalizeH="0" baseline="0" smtClean="0">
+              <a:ln>
+                <a:noFill/>
+              </a:ln>
+              <a:solidFill>
+                <a:schemeClr val="tx1"/>
+              </a:solidFill>
+              <a:effectLst/>
+              <a:latin typeface="Arial" charset="0"/>
+            </a:endParaRPr>
+          </a:p>
+        </p:txBody>
+      </p:sp>
+      <p:sp>
+        <p:nvSpPr>
           <p:cNvPr id="2" name="Título 1"/>
           <p:cNvSpPr>
             <a:spLocks noGrp="1"/>
@@ -3630,10 +8756,16 @@
           <a:lstStyle/>
           <a:p>
             <a:r>
-              <a:rPr lang="es-ES" dirty="0" smtClean="0"/>
-              <a:t>OBJETIVO DEL TRABAJO</a:t>
-            </a:r>
-            <a:endParaRPr lang="es-ES" dirty="0"/>
+              <a:rPr lang="es-ES" dirty="0" smtClean="0">
+                <a:latin typeface="Cambria" panose="02040503050406030204" pitchFamily="18" charset="0"/>
+                <a:ea typeface="Cambria" panose="02040503050406030204" pitchFamily="18" charset="0"/>
+              </a:rPr>
+              <a:t>Objetivo y metodología</a:t>
+            </a:r>
+            <a:endParaRPr lang="es-ES" dirty="0">
+              <a:latin typeface="Cambria" panose="02040503050406030204" pitchFamily="18" charset="0"/>
+              <a:ea typeface="Cambria" panose="02040503050406030204" pitchFamily="18" charset="0"/>
+            </a:endParaRPr>
           </a:p>
         </p:txBody>
       </p:sp>
@@ -3649,8 +8781,8 @@
         </p:nvSpPr>
         <p:spPr>
           <a:xfrm>
-            <a:off x="251520" y="1052736"/>
-            <a:ext cx="3632200" cy="5111750"/>
+            <a:off x="395536" y="2924944"/>
+            <a:ext cx="7776864" cy="5111750"/>
           </a:xfrm>
         </p:spPr>
         <p:txBody>
@@ -3658,73 +8790,839 @@
           <a:lstStyle/>
           <a:p>
             <a:r>
-              <a:rPr lang="es-ES" sz="1800" dirty="0" smtClean="0"/>
+              <a:rPr lang="es-ES" sz="1800" dirty="0" smtClean="0">
+                <a:latin typeface="Cambria" panose="02040503050406030204" pitchFamily="18" charset="0"/>
+                <a:ea typeface="Cambria" panose="02040503050406030204" pitchFamily="18" charset="0"/>
+              </a:rPr>
               <a:t>Análisis del mercado de alquileres turísticos no hosteleros en Málaga</a:t>
             </a:r>
           </a:p>
           <a:p>
             <a:r>
-              <a:rPr lang="es-ES" sz="1800" dirty="0" smtClean="0"/>
-              <a:t>Hallar los determinantes del precio de los anuncios.</a:t>
-            </a:r>
-          </a:p>
-          <a:p>
-            <a:r>
-              <a:rPr lang="es-ES" sz="1800" dirty="0" smtClean="0"/>
+              <a:rPr lang="es-ES" sz="1800" dirty="0" smtClean="0">
+                <a:latin typeface="Cambria" panose="02040503050406030204" pitchFamily="18" charset="0"/>
+                <a:ea typeface="Cambria" panose="02040503050406030204" pitchFamily="18" charset="0"/>
+              </a:rPr>
+              <a:t>Hallazgo de </a:t>
+            </a:r>
+            <a:r>
+              <a:rPr lang="es-ES" sz="1800" dirty="0" smtClean="0">
+                <a:latin typeface="Cambria" panose="02040503050406030204" pitchFamily="18" charset="0"/>
+                <a:ea typeface="Cambria" panose="02040503050406030204" pitchFamily="18" charset="0"/>
+              </a:rPr>
+              <a:t>los determinantes del precio de los anuncios.</a:t>
+            </a:r>
+          </a:p>
+          <a:p>
+            <a:r>
+              <a:rPr lang="es-ES" sz="1800" dirty="0" smtClean="0">
+                <a:latin typeface="Cambria" panose="02040503050406030204" pitchFamily="18" charset="0"/>
+                <a:ea typeface="Cambria" panose="02040503050406030204" pitchFamily="18" charset="0"/>
+              </a:rPr>
               <a:t>Desarrollo de un modelo que responda a la pregunta: </a:t>
             </a:r>
             <a:r>
-              <a:rPr lang="es-ES_tradnl" sz="1800" dirty="0" smtClean="0"/>
+              <a:rPr lang="es-ES_tradnl" sz="1800" dirty="0" smtClean="0">
+                <a:latin typeface="Cambria" panose="02040503050406030204" pitchFamily="18" charset="0"/>
+                <a:ea typeface="Cambria" panose="02040503050406030204" pitchFamily="18" charset="0"/>
+              </a:rPr>
               <a:t>¿</a:t>
             </a:r>
             <a:r>
-              <a:rPr lang="es-ES_tradnl" sz="1800" dirty="0"/>
-              <a:t>Es el precio de un determinado anuncio adecuado o excesivo? </a:t>
-            </a:r>
-            <a:endParaRPr lang="es-ES_tradnl" sz="1800" dirty="0" smtClean="0"/>
-          </a:p>
-          <a:p>
-            <a:r>
-              <a:rPr lang="es-ES_tradnl" sz="1800" b="1" dirty="0"/>
-              <a:t>V</a:t>
-            </a:r>
-            <a:r>
-              <a:rPr lang="es-ES_tradnl" sz="1800" b="1" dirty="0" smtClean="0"/>
-              <a:t>isión </a:t>
-            </a:r>
-            <a:r>
-              <a:rPr lang="es-ES_tradnl" sz="1800" b="1" dirty="0"/>
-              <a:t>integral del mercado de alquiler de alojamientos turísticos no hoteleros en </a:t>
-            </a:r>
-            <a:r>
-              <a:rPr lang="es-ES_tradnl" sz="1800" b="1" dirty="0" smtClean="0"/>
-              <a:t>Málaga </a:t>
-            </a:r>
-            <a:endParaRPr lang="es-ES" sz="1800" b="1" dirty="0" smtClean="0"/>
+              <a:rPr lang="es-ES_tradnl" sz="1800" dirty="0">
+                <a:latin typeface="Cambria" panose="02040503050406030204" pitchFamily="18" charset="0"/>
+                <a:ea typeface="Cambria" panose="02040503050406030204" pitchFamily="18" charset="0"/>
+              </a:rPr>
+              <a:t>Es el precio de un determinado anuncio adecuado o </a:t>
+            </a:r>
+            <a:r>
+              <a:rPr lang="es-ES_tradnl" sz="1800" dirty="0" smtClean="0">
+                <a:latin typeface="Cambria" panose="02040503050406030204" pitchFamily="18" charset="0"/>
+                <a:ea typeface="Cambria" panose="02040503050406030204" pitchFamily="18" charset="0"/>
+              </a:rPr>
+              <a:t>excesivo</a:t>
+            </a:r>
+            <a:r>
+              <a:rPr lang="es-ES_tradnl" sz="1800" dirty="0">
+                <a:latin typeface="Cambria" panose="02040503050406030204" pitchFamily="18" charset="0"/>
+                <a:ea typeface="Cambria" panose="02040503050406030204" pitchFamily="18" charset="0"/>
+              </a:rPr>
+              <a:t>? </a:t>
+            </a:r>
+            <a:endParaRPr lang="es-ES_tradnl" sz="1800" dirty="0" smtClean="0">
+              <a:latin typeface="Cambria" panose="02040503050406030204" pitchFamily="18" charset="0"/>
+              <a:ea typeface="Cambria" panose="02040503050406030204" pitchFamily="18" charset="0"/>
+            </a:endParaRPr>
           </a:p>
         </p:txBody>
       </p:sp>
       <p:sp>
         <p:nvSpPr>
-          <p:cNvPr id="4" name="Marcador de contenido 3"/>
-          <p:cNvSpPr>
-            <a:spLocks noGrp="1"/>
-          </p:cNvSpPr>
-          <p:nvPr>
-            <p:ph sz="half" idx="2"/>
-          </p:nvPr>
+          <p:cNvPr id="14" name="Rectángulo 13"/>
+          <p:cNvSpPr/>
+          <p:nvPr/>
         </p:nvSpPr>
-        <p:spPr>
+        <p:spPr bwMode="auto">
           <a:xfrm>
-            <a:off x="4427984" y="1196752"/>
-            <a:ext cx="3632200" cy="5111750"/>
+            <a:off x="150858" y="4580658"/>
+            <a:ext cx="2304256" cy="432048"/>
           </a:xfrm>
+          <a:prstGeom prst="rect">
+            <a:avLst/>
+          </a:prstGeom>
+          <a:ln>
+            <a:headEnd type="none" w="med" len="med"/>
+            <a:tailEnd type="none" w="med" len="med"/>
+          </a:ln>
+          <a:extLst/>
+        </p:spPr>
+        <p:style>
+          <a:lnRef idx="2">
+            <a:schemeClr val="accent6">
+              <a:shade val="50000"/>
+            </a:schemeClr>
+          </a:lnRef>
+          <a:fillRef idx="1">
+            <a:schemeClr val="accent6"/>
+          </a:fillRef>
+          <a:effectRef idx="0">
+            <a:schemeClr val="accent6"/>
+          </a:effectRef>
+          <a:fontRef idx="minor">
+            <a:schemeClr val="lt1"/>
+          </a:fontRef>
+        </p:style>
+        <p:txBody>
+          <a:bodyPr vert="horz" wrap="square" lIns="91440" tIns="45720" rIns="91440" bIns="45720" numCol="1" rtlCol="0" anchor="t" anchorCtr="0" compatLnSpc="1">
+            <a:prstTxWarp prst="textNoShape">
+              <a:avLst/>
+            </a:prstTxWarp>
+          </a:bodyPr>
+          <a:lstStyle/>
+          <a:p>
+            <a:pPr marL="0" marR="0" indent="0" defTabSz="914400" rtl="0" eaLnBrk="1" fontAlgn="base" latinLnBrk="0" hangingPunct="1">
+              <a:lnSpc>
+                <a:spcPct val="100000"/>
+              </a:lnSpc>
+              <a:spcBef>
+                <a:spcPct val="0"/>
+              </a:spcBef>
+              <a:spcAft>
+                <a:spcPct val="0"/>
+              </a:spcAft>
+              <a:buClrTx/>
+              <a:buSzTx/>
+              <a:buFontTx/>
+              <a:buNone/>
+              <a:tabLst/>
+            </a:pPr>
+            <a:r>
+              <a:rPr lang="es-ES" sz="1600" dirty="0" smtClean="0">
+                <a:solidFill>
+                  <a:schemeClr val="tx1"/>
+                </a:solidFill>
+                <a:latin typeface="Cambria" panose="02040503050406030204" pitchFamily="18" charset="0"/>
+                <a:ea typeface="Cambria" panose="02040503050406030204" pitchFamily="18" charset="0"/>
+              </a:rPr>
+              <a:t>Análisis de la oferta</a:t>
+            </a:r>
+            <a:endParaRPr kumimoji="0" lang="es-ES" sz="1600" b="1" i="0" u="none" strike="noStrike" cap="none" normalizeH="0" baseline="0" dirty="0" smtClean="0">
+              <a:ln>
+                <a:noFill/>
+              </a:ln>
+              <a:solidFill>
+                <a:schemeClr val="tx1"/>
+              </a:solidFill>
+              <a:effectLst/>
+              <a:latin typeface="Cambria" panose="02040503050406030204" pitchFamily="18" charset="0"/>
+              <a:ea typeface="Cambria" panose="02040503050406030204" pitchFamily="18" charset="0"/>
+            </a:endParaRPr>
+          </a:p>
+        </p:txBody>
+      </p:sp>
+      <p:sp>
+        <p:nvSpPr>
+          <p:cNvPr id="15" name="Rectángulo 14"/>
+          <p:cNvSpPr/>
+          <p:nvPr/>
+        </p:nvSpPr>
+        <p:spPr bwMode="auto">
+          <a:xfrm>
+            <a:off x="1657981" y="5069558"/>
+            <a:ext cx="2135088" cy="392097"/>
+          </a:xfrm>
+          <a:prstGeom prst="rect">
+            <a:avLst/>
+          </a:prstGeom>
+          <a:ln>
+            <a:headEnd type="none" w="med" len="med"/>
+            <a:tailEnd type="none" w="med" len="med"/>
+          </a:ln>
+          <a:extLst/>
+        </p:spPr>
+        <p:style>
+          <a:lnRef idx="2">
+            <a:schemeClr val="accent6">
+              <a:shade val="50000"/>
+            </a:schemeClr>
+          </a:lnRef>
+          <a:fillRef idx="1">
+            <a:schemeClr val="accent6"/>
+          </a:fillRef>
+          <a:effectRef idx="0">
+            <a:schemeClr val="accent6"/>
+          </a:effectRef>
+          <a:fontRef idx="minor">
+            <a:schemeClr val="lt1"/>
+          </a:fontRef>
+        </p:style>
+        <p:txBody>
+          <a:bodyPr vert="horz" wrap="square" lIns="91440" tIns="45720" rIns="91440" bIns="45720" numCol="1" rtlCol="0" anchor="t" anchorCtr="0" compatLnSpc="1">
+            <a:prstTxWarp prst="textNoShape">
+              <a:avLst/>
+            </a:prstTxWarp>
+          </a:bodyPr>
+          <a:lstStyle/>
+          <a:p>
+            <a:pPr marL="0" marR="0" indent="0" defTabSz="914400" rtl="0" eaLnBrk="1" fontAlgn="base" latinLnBrk="0" hangingPunct="1">
+              <a:lnSpc>
+                <a:spcPct val="100000"/>
+              </a:lnSpc>
+              <a:spcBef>
+                <a:spcPct val="0"/>
+              </a:spcBef>
+              <a:spcAft>
+                <a:spcPct val="0"/>
+              </a:spcAft>
+              <a:buClrTx/>
+              <a:buSzTx/>
+              <a:buFontTx/>
+              <a:buNone/>
+              <a:tabLst/>
+            </a:pPr>
+            <a:r>
+              <a:rPr kumimoji="0" lang="es-ES" sz="1600" b="1" i="0" u="none" strike="noStrike" cap="none" normalizeH="0" baseline="0" dirty="0" smtClean="0">
+                <a:ln>
+                  <a:noFill/>
+                </a:ln>
+                <a:solidFill>
+                  <a:schemeClr val="tx1"/>
+                </a:solidFill>
+                <a:effectLst/>
+                <a:latin typeface="Cambria" panose="02040503050406030204" pitchFamily="18" charset="0"/>
+                <a:ea typeface="Cambria" panose="02040503050406030204" pitchFamily="18" charset="0"/>
+              </a:rPr>
+              <a:t>Análisis</a:t>
+            </a:r>
+            <a:r>
+              <a:rPr kumimoji="0" lang="es-ES" sz="1600" b="1" i="0" u="none" strike="noStrike" cap="none" normalizeH="0" dirty="0" smtClean="0">
+                <a:ln>
+                  <a:noFill/>
+                </a:ln>
+                <a:solidFill>
+                  <a:schemeClr val="tx1"/>
+                </a:solidFill>
+                <a:effectLst/>
+                <a:latin typeface="Cambria" panose="02040503050406030204" pitchFamily="18" charset="0"/>
+                <a:ea typeface="Cambria" panose="02040503050406030204" pitchFamily="18" charset="0"/>
+              </a:rPr>
+              <a:t> descriptivo</a:t>
+            </a:r>
+            <a:endParaRPr kumimoji="0" lang="es-ES" sz="1600" b="1" i="0" u="none" strike="noStrike" cap="none" normalizeH="0" baseline="0" dirty="0" smtClean="0">
+              <a:ln>
+                <a:noFill/>
+              </a:ln>
+              <a:solidFill>
+                <a:schemeClr val="tx1"/>
+              </a:solidFill>
+              <a:effectLst/>
+              <a:latin typeface="Cambria" panose="02040503050406030204" pitchFamily="18" charset="0"/>
+              <a:ea typeface="Cambria" panose="02040503050406030204" pitchFamily="18" charset="0"/>
+            </a:endParaRPr>
+          </a:p>
+        </p:txBody>
+      </p:sp>
+      <p:sp>
+        <p:nvSpPr>
+          <p:cNvPr id="16" name="Rectángulo 15"/>
+          <p:cNvSpPr/>
+          <p:nvPr/>
+        </p:nvSpPr>
+        <p:spPr bwMode="auto">
+          <a:xfrm>
+            <a:off x="4519366" y="5998289"/>
+            <a:ext cx="1800200" cy="365949"/>
+          </a:xfrm>
+          <a:prstGeom prst="rect">
+            <a:avLst/>
+          </a:prstGeom>
+          <a:ln>
+            <a:headEnd type="none" w="med" len="med"/>
+            <a:tailEnd type="none" w="med" len="med"/>
+          </a:ln>
+          <a:extLst/>
+        </p:spPr>
+        <p:style>
+          <a:lnRef idx="2">
+            <a:schemeClr val="accent6">
+              <a:shade val="50000"/>
+            </a:schemeClr>
+          </a:lnRef>
+          <a:fillRef idx="1">
+            <a:schemeClr val="accent6"/>
+          </a:fillRef>
+          <a:effectRef idx="0">
+            <a:schemeClr val="accent6"/>
+          </a:effectRef>
+          <a:fontRef idx="minor">
+            <a:schemeClr val="lt1"/>
+          </a:fontRef>
+        </p:style>
+        <p:txBody>
+          <a:bodyPr vert="horz" wrap="square" lIns="91440" tIns="45720" rIns="91440" bIns="45720" numCol="1" rtlCol="0" anchor="t" anchorCtr="0" compatLnSpc="1">
+            <a:prstTxWarp prst="textNoShape">
+              <a:avLst/>
+            </a:prstTxWarp>
+          </a:bodyPr>
+          <a:lstStyle/>
+          <a:p>
+            <a:pPr marL="0" marR="0" indent="0" defTabSz="914400" rtl="0" eaLnBrk="1" fontAlgn="base" latinLnBrk="0" hangingPunct="1">
+              <a:lnSpc>
+                <a:spcPct val="100000"/>
+              </a:lnSpc>
+              <a:spcBef>
+                <a:spcPct val="0"/>
+              </a:spcBef>
+              <a:spcAft>
+                <a:spcPct val="0"/>
+              </a:spcAft>
+              <a:buClrTx/>
+              <a:buSzTx/>
+              <a:buFontTx/>
+              <a:buNone/>
+              <a:tabLst/>
+            </a:pPr>
+            <a:r>
+              <a:rPr lang="es-ES" sz="1600" dirty="0" smtClean="0">
+                <a:solidFill>
+                  <a:schemeClr val="tx1"/>
+                </a:solidFill>
+                <a:latin typeface="Cambria" panose="02040503050406030204" pitchFamily="18" charset="0"/>
+                <a:ea typeface="Cambria" panose="02040503050406030204" pitchFamily="18" charset="0"/>
+              </a:rPr>
+              <a:t>Análisis Clúster</a:t>
+            </a:r>
+            <a:endParaRPr kumimoji="0" lang="es-ES" sz="1600" b="1" i="0" u="none" strike="noStrike" cap="none" normalizeH="0" baseline="0" dirty="0" smtClean="0">
+              <a:ln>
+                <a:noFill/>
+              </a:ln>
+              <a:solidFill>
+                <a:schemeClr val="tx1"/>
+              </a:solidFill>
+              <a:effectLst/>
+              <a:latin typeface="Cambria" panose="02040503050406030204" pitchFamily="18" charset="0"/>
+              <a:ea typeface="Cambria" panose="02040503050406030204" pitchFamily="18" charset="0"/>
+            </a:endParaRPr>
+          </a:p>
+        </p:txBody>
+      </p:sp>
+      <p:sp>
+        <p:nvSpPr>
+          <p:cNvPr id="17" name="Rectángulo 16"/>
+          <p:cNvSpPr/>
+          <p:nvPr/>
+        </p:nvSpPr>
+        <p:spPr bwMode="auto">
+          <a:xfrm>
+            <a:off x="3043935" y="5502597"/>
+            <a:ext cx="2269531" cy="454750"/>
+          </a:xfrm>
+          <a:prstGeom prst="rect">
+            <a:avLst/>
+          </a:prstGeom>
+          <a:ln>
+            <a:headEnd type="none" w="med" len="med"/>
+            <a:tailEnd type="none" w="med" len="med"/>
+          </a:ln>
+          <a:extLst/>
+        </p:spPr>
+        <p:style>
+          <a:lnRef idx="2">
+            <a:schemeClr val="accent6">
+              <a:shade val="50000"/>
+            </a:schemeClr>
+          </a:lnRef>
+          <a:fillRef idx="1">
+            <a:schemeClr val="accent6"/>
+          </a:fillRef>
+          <a:effectRef idx="0">
+            <a:schemeClr val="accent6"/>
+          </a:effectRef>
+          <a:fontRef idx="minor">
+            <a:schemeClr val="lt1"/>
+          </a:fontRef>
+        </p:style>
+        <p:txBody>
+          <a:bodyPr vert="horz" wrap="square" lIns="91440" tIns="45720" rIns="91440" bIns="45720" numCol="1" rtlCol="0" anchor="t" anchorCtr="0" compatLnSpc="1">
+            <a:prstTxWarp prst="textNoShape">
+              <a:avLst/>
+            </a:prstTxWarp>
+          </a:bodyPr>
+          <a:lstStyle/>
+          <a:p>
+            <a:pPr marL="0" marR="0" indent="0" defTabSz="914400" rtl="0" eaLnBrk="1" fontAlgn="base" latinLnBrk="0" hangingPunct="1">
+              <a:lnSpc>
+                <a:spcPct val="100000"/>
+              </a:lnSpc>
+              <a:spcBef>
+                <a:spcPct val="0"/>
+              </a:spcBef>
+              <a:spcAft>
+                <a:spcPct val="0"/>
+              </a:spcAft>
+              <a:buClrTx/>
+              <a:buSzTx/>
+              <a:buFontTx/>
+              <a:buNone/>
+              <a:tabLst/>
+            </a:pPr>
+            <a:r>
+              <a:rPr kumimoji="0" lang="es-ES" sz="1600" b="1" i="0" u="none" strike="noStrike" cap="none" normalizeH="0" baseline="0" dirty="0" smtClean="0">
+                <a:ln>
+                  <a:noFill/>
+                </a:ln>
+                <a:solidFill>
+                  <a:schemeClr val="tx1"/>
+                </a:solidFill>
+                <a:effectLst/>
+                <a:latin typeface="Cambria" panose="02040503050406030204" pitchFamily="18" charset="0"/>
+                <a:ea typeface="Cambria" panose="02040503050406030204" pitchFamily="18" charset="0"/>
+              </a:rPr>
+              <a:t>Modelo</a:t>
+            </a:r>
+            <a:r>
+              <a:rPr kumimoji="0" lang="es-ES" sz="1600" b="1" i="0" u="none" strike="noStrike" cap="none" normalizeH="0" dirty="0" smtClean="0">
+                <a:ln>
+                  <a:noFill/>
+                </a:ln>
+                <a:solidFill>
+                  <a:schemeClr val="tx1"/>
+                </a:solidFill>
+                <a:effectLst/>
+                <a:latin typeface="Cambria" panose="02040503050406030204" pitchFamily="18" charset="0"/>
+                <a:ea typeface="Cambria" panose="02040503050406030204" pitchFamily="18" charset="0"/>
+              </a:rPr>
+              <a:t> de Regresión</a:t>
+            </a:r>
+            <a:endParaRPr kumimoji="0" lang="es-ES" sz="1600" b="1" i="0" u="none" strike="noStrike" cap="none" normalizeH="0" baseline="0" dirty="0" smtClean="0">
+              <a:ln>
+                <a:noFill/>
+              </a:ln>
+              <a:solidFill>
+                <a:schemeClr val="tx1"/>
+              </a:solidFill>
+              <a:effectLst/>
+              <a:latin typeface="Cambria" panose="02040503050406030204" pitchFamily="18" charset="0"/>
+              <a:ea typeface="Cambria" panose="02040503050406030204" pitchFamily="18" charset="0"/>
+            </a:endParaRPr>
+          </a:p>
+        </p:txBody>
+      </p:sp>
+      <p:sp>
+        <p:nvSpPr>
+          <p:cNvPr id="18" name="Rectángulo 17"/>
+          <p:cNvSpPr/>
+          <p:nvPr/>
+        </p:nvSpPr>
+        <p:spPr bwMode="auto">
+          <a:xfrm>
+            <a:off x="5823180" y="6412694"/>
+            <a:ext cx="1833926" cy="392097"/>
+          </a:xfrm>
+          <a:prstGeom prst="rect">
+            <a:avLst/>
+          </a:prstGeom>
+          <a:ln>
+            <a:headEnd type="none" w="med" len="med"/>
+            <a:tailEnd type="none" w="med" len="med"/>
+          </a:ln>
+          <a:extLst/>
+        </p:spPr>
+        <p:style>
+          <a:lnRef idx="2">
+            <a:schemeClr val="accent6">
+              <a:shade val="50000"/>
+            </a:schemeClr>
+          </a:lnRef>
+          <a:fillRef idx="1">
+            <a:schemeClr val="accent6"/>
+          </a:fillRef>
+          <a:effectRef idx="0">
+            <a:schemeClr val="accent6"/>
+          </a:effectRef>
+          <a:fontRef idx="minor">
+            <a:schemeClr val="lt1"/>
+          </a:fontRef>
+        </p:style>
+        <p:txBody>
+          <a:bodyPr vert="horz" wrap="square" lIns="91440" tIns="45720" rIns="91440" bIns="45720" numCol="1" rtlCol="0" anchor="t" anchorCtr="0" compatLnSpc="1">
+            <a:prstTxWarp prst="textNoShape">
+              <a:avLst/>
+            </a:prstTxWarp>
+          </a:bodyPr>
+          <a:lstStyle/>
+          <a:p>
+            <a:pPr marL="0" marR="0" indent="0" defTabSz="914400" rtl="0" eaLnBrk="1" fontAlgn="base" latinLnBrk="0" hangingPunct="1">
+              <a:lnSpc>
+                <a:spcPct val="100000"/>
+              </a:lnSpc>
+              <a:spcBef>
+                <a:spcPct val="0"/>
+              </a:spcBef>
+              <a:spcAft>
+                <a:spcPct val="0"/>
+              </a:spcAft>
+              <a:buClrTx/>
+              <a:buSzTx/>
+              <a:buFontTx/>
+              <a:buNone/>
+              <a:tabLst/>
+            </a:pPr>
+            <a:r>
+              <a:rPr lang="es-ES" sz="1600" dirty="0" smtClean="0">
+                <a:solidFill>
+                  <a:schemeClr val="tx1"/>
+                </a:solidFill>
+                <a:latin typeface="Cambria" panose="02040503050406030204" pitchFamily="18" charset="0"/>
+                <a:ea typeface="Cambria" panose="02040503050406030204" pitchFamily="18" charset="0"/>
+              </a:rPr>
+              <a:t>Modelo </a:t>
+            </a:r>
+            <a:r>
+              <a:rPr lang="es-ES" sz="1600" dirty="0" err="1" smtClean="0">
+                <a:solidFill>
+                  <a:schemeClr val="tx1"/>
+                </a:solidFill>
+                <a:latin typeface="Cambria" panose="02040503050406030204" pitchFamily="18" charset="0"/>
+                <a:ea typeface="Cambria" panose="02040503050406030204" pitchFamily="18" charset="0"/>
+              </a:rPr>
+              <a:t>Logit</a:t>
+            </a:r>
+            <a:endParaRPr kumimoji="0" lang="es-ES" sz="1600" b="1" i="0" u="none" strike="noStrike" cap="none" normalizeH="0" baseline="0" dirty="0" smtClean="0">
+              <a:ln>
+                <a:noFill/>
+              </a:ln>
+              <a:solidFill>
+                <a:schemeClr val="tx1"/>
+              </a:solidFill>
+              <a:effectLst/>
+              <a:latin typeface="Cambria" panose="02040503050406030204" pitchFamily="18" charset="0"/>
+              <a:ea typeface="Cambria" panose="02040503050406030204" pitchFamily="18" charset="0"/>
+            </a:endParaRPr>
+          </a:p>
+        </p:txBody>
+      </p:sp>
+      <p:sp>
+        <p:nvSpPr>
+          <p:cNvPr id="21" name="Flecha doblada 20"/>
+          <p:cNvSpPr/>
+          <p:nvPr/>
+        </p:nvSpPr>
+        <p:spPr bwMode="auto">
+          <a:xfrm flipV="1">
+            <a:off x="1043608" y="5005904"/>
+            <a:ext cx="576064" cy="292889"/>
+          </a:xfrm>
+          <a:prstGeom prst="bentArrow">
+            <a:avLst/>
+          </a:prstGeom>
+          <a:solidFill>
+            <a:schemeClr val="accent1"/>
+          </a:solidFill>
+          <a:ln w="9525" cap="flat" cmpd="sng" algn="ctr">
+            <a:solidFill>
+              <a:schemeClr val="tx1"/>
+            </a:solidFill>
+            <a:prstDash val="solid"/>
+            <a:round/>
+            <a:headEnd type="none" w="med" len="med"/>
+            <a:tailEnd type="none" w="med" len="med"/>
+          </a:ln>
+          <a:effectLst/>
+          <a:extLst>
+            <a:ext uri="{AF507438-7753-43E0-B8FC-AC1667EBCBE1}">
+              <a14:hiddenEffects xmlns:a14="http://schemas.microsoft.com/office/drawing/2010/main">
+                <a:effectLst>
+                  <a:outerShdw dist="35921" dir="2700000" algn="ctr" rotWithShape="0">
+                    <a:schemeClr val="bg2"/>
+                  </a:outerShdw>
+                </a:effectLst>
+              </a14:hiddenEffects>
+            </a:ext>
+          </a:extLst>
         </p:spPr>
         <p:txBody>
-          <a:bodyPr/>
+          <a:bodyPr vert="horz" wrap="square" lIns="91440" tIns="45720" rIns="91440" bIns="45720" numCol="1" rtlCol="0" anchor="t" anchorCtr="0" compatLnSpc="1">
+            <a:prstTxWarp prst="textNoShape">
+              <a:avLst/>
+            </a:prstTxWarp>
+          </a:bodyPr>
           <a:lstStyle/>
           <a:p>
-            <a:endParaRPr lang="es-ES"/>
+            <a:pPr marL="0" marR="0" indent="0" algn="l" defTabSz="914400" rtl="0" eaLnBrk="1" fontAlgn="base" latinLnBrk="0" hangingPunct="1">
+              <a:lnSpc>
+                <a:spcPct val="100000"/>
+              </a:lnSpc>
+              <a:spcBef>
+                <a:spcPct val="0"/>
+              </a:spcBef>
+              <a:spcAft>
+                <a:spcPct val="0"/>
+              </a:spcAft>
+              <a:buClrTx/>
+              <a:buSzTx/>
+              <a:buFontTx/>
+              <a:buNone/>
+              <a:tabLst/>
+            </a:pPr>
+            <a:endParaRPr kumimoji="0" lang="es-ES" sz="1800" b="1" i="0" u="none" strike="noStrike" cap="none" normalizeH="0" baseline="0" smtClean="0">
+              <a:ln>
+                <a:noFill/>
+              </a:ln>
+              <a:solidFill>
+                <a:schemeClr val="tx1"/>
+              </a:solidFill>
+              <a:effectLst/>
+              <a:latin typeface="Arial" charset="0"/>
+            </a:endParaRPr>
+          </a:p>
+        </p:txBody>
+      </p:sp>
+      <p:sp>
+        <p:nvSpPr>
+          <p:cNvPr id="23" name="Flecha doblada 22"/>
+          <p:cNvSpPr/>
+          <p:nvPr/>
+        </p:nvSpPr>
+        <p:spPr bwMode="auto">
+          <a:xfrm flipV="1">
+            <a:off x="2455114" y="5437083"/>
+            <a:ext cx="576064" cy="292889"/>
+          </a:xfrm>
+          <a:prstGeom prst="bentArrow">
+            <a:avLst/>
+          </a:prstGeom>
+          <a:solidFill>
+            <a:schemeClr val="accent1"/>
+          </a:solidFill>
+          <a:ln w="9525" cap="flat" cmpd="sng" algn="ctr">
+            <a:solidFill>
+              <a:schemeClr val="tx1"/>
+            </a:solidFill>
+            <a:prstDash val="solid"/>
+            <a:round/>
+            <a:headEnd type="none" w="med" len="med"/>
+            <a:tailEnd type="none" w="med" len="med"/>
+          </a:ln>
+          <a:effectLst/>
+          <a:extLst>
+            <a:ext uri="{AF507438-7753-43E0-B8FC-AC1667EBCBE1}">
+              <a14:hiddenEffects xmlns:a14="http://schemas.microsoft.com/office/drawing/2010/main">
+                <a:effectLst>
+                  <a:outerShdw dist="35921" dir="2700000" algn="ctr" rotWithShape="0">
+                    <a:schemeClr val="bg2"/>
+                  </a:outerShdw>
+                </a:effectLst>
+              </a14:hiddenEffects>
+            </a:ext>
+          </a:extLst>
+        </p:spPr>
+        <p:txBody>
+          <a:bodyPr vert="horz" wrap="square" lIns="91440" tIns="45720" rIns="91440" bIns="45720" numCol="1" rtlCol="0" anchor="t" anchorCtr="0" compatLnSpc="1">
+            <a:prstTxWarp prst="textNoShape">
+              <a:avLst/>
+            </a:prstTxWarp>
+          </a:bodyPr>
+          <a:lstStyle/>
+          <a:p>
+            <a:pPr marL="0" marR="0" indent="0" algn="l" defTabSz="914400" rtl="0" eaLnBrk="1" fontAlgn="base" latinLnBrk="0" hangingPunct="1">
+              <a:lnSpc>
+                <a:spcPct val="100000"/>
+              </a:lnSpc>
+              <a:spcBef>
+                <a:spcPct val="0"/>
+              </a:spcBef>
+              <a:spcAft>
+                <a:spcPct val="0"/>
+              </a:spcAft>
+              <a:buClrTx/>
+              <a:buSzTx/>
+              <a:buFontTx/>
+              <a:buNone/>
+              <a:tabLst/>
+            </a:pPr>
+            <a:endParaRPr kumimoji="0" lang="es-ES" sz="1800" b="1" i="0" u="none" strike="noStrike" cap="none" normalizeH="0" baseline="0" smtClean="0">
+              <a:ln>
+                <a:noFill/>
+              </a:ln>
+              <a:solidFill>
+                <a:schemeClr val="tx1"/>
+              </a:solidFill>
+              <a:effectLst/>
+              <a:latin typeface="Arial" charset="0"/>
+            </a:endParaRPr>
+          </a:p>
+        </p:txBody>
+      </p:sp>
+      <p:sp>
+        <p:nvSpPr>
+          <p:cNvPr id="24" name="Flecha doblada 23"/>
+          <p:cNvSpPr/>
+          <p:nvPr/>
+        </p:nvSpPr>
+        <p:spPr bwMode="auto">
+          <a:xfrm flipV="1">
+            <a:off x="5236306" y="6369510"/>
+            <a:ext cx="576064" cy="292889"/>
+          </a:xfrm>
+          <a:prstGeom prst="bentArrow">
+            <a:avLst/>
+          </a:prstGeom>
+          <a:solidFill>
+            <a:schemeClr val="accent1"/>
+          </a:solidFill>
+          <a:ln w="9525" cap="flat" cmpd="sng" algn="ctr">
+            <a:solidFill>
+              <a:schemeClr val="tx1"/>
+            </a:solidFill>
+            <a:prstDash val="solid"/>
+            <a:round/>
+            <a:headEnd type="none" w="med" len="med"/>
+            <a:tailEnd type="none" w="med" len="med"/>
+          </a:ln>
+          <a:effectLst/>
+          <a:extLst>
+            <a:ext uri="{AF507438-7753-43E0-B8FC-AC1667EBCBE1}">
+              <a14:hiddenEffects xmlns:a14="http://schemas.microsoft.com/office/drawing/2010/main">
+                <a:effectLst>
+                  <a:outerShdw dist="35921" dir="2700000" algn="ctr" rotWithShape="0">
+                    <a:schemeClr val="bg2"/>
+                  </a:outerShdw>
+                </a:effectLst>
+              </a14:hiddenEffects>
+            </a:ext>
+          </a:extLst>
+        </p:spPr>
+        <p:txBody>
+          <a:bodyPr vert="horz" wrap="square" lIns="91440" tIns="45720" rIns="91440" bIns="45720" numCol="1" rtlCol="0" anchor="t" anchorCtr="0" compatLnSpc="1">
+            <a:prstTxWarp prst="textNoShape">
+              <a:avLst/>
+            </a:prstTxWarp>
+          </a:bodyPr>
+          <a:lstStyle/>
+          <a:p>
+            <a:pPr marL="0" marR="0" indent="0" algn="l" defTabSz="914400" rtl="0" eaLnBrk="1" fontAlgn="base" latinLnBrk="0" hangingPunct="1">
+              <a:lnSpc>
+                <a:spcPct val="100000"/>
+              </a:lnSpc>
+              <a:spcBef>
+                <a:spcPct val="0"/>
+              </a:spcBef>
+              <a:spcAft>
+                <a:spcPct val="0"/>
+              </a:spcAft>
+              <a:buClrTx/>
+              <a:buSzTx/>
+              <a:buFontTx/>
+              <a:buNone/>
+              <a:tabLst/>
+            </a:pPr>
+            <a:endParaRPr kumimoji="0" lang="es-ES" sz="1800" b="1" i="0" u="none" strike="noStrike" cap="none" normalizeH="0" baseline="0" smtClean="0">
+              <a:ln>
+                <a:noFill/>
+              </a:ln>
+              <a:solidFill>
+                <a:schemeClr val="tx1"/>
+              </a:solidFill>
+              <a:effectLst/>
+              <a:latin typeface="Arial" charset="0"/>
+            </a:endParaRPr>
+          </a:p>
+        </p:txBody>
+      </p:sp>
+      <p:sp>
+        <p:nvSpPr>
+          <p:cNvPr id="25" name="Flecha doblada 24"/>
+          <p:cNvSpPr/>
+          <p:nvPr/>
+        </p:nvSpPr>
+        <p:spPr bwMode="auto">
+          <a:xfrm flipV="1">
+            <a:off x="3890668" y="5958221"/>
+            <a:ext cx="576064" cy="292889"/>
+          </a:xfrm>
+          <a:prstGeom prst="bentArrow">
+            <a:avLst/>
+          </a:prstGeom>
+          <a:solidFill>
+            <a:schemeClr val="accent1"/>
+          </a:solidFill>
+          <a:ln w="9525" cap="flat" cmpd="sng" algn="ctr">
+            <a:solidFill>
+              <a:schemeClr val="tx1"/>
+            </a:solidFill>
+            <a:prstDash val="solid"/>
+            <a:round/>
+            <a:headEnd type="none" w="med" len="med"/>
+            <a:tailEnd type="none" w="med" len="med"/>
+          </a:ln>
+          <a:effectLst/>
+          <a:extLst>
+            <a:ext uri="{AF507438-7753-43E0-B8FC-AC1667EBCBE1}">
+              <a14:hiddenEffects xmlns:a14="http://schemas.microsoft.com/office/drawing/2010/main">
+                <a:effectLst>
+                  <a:outerShdw dist="35921" dir="2700000" algn="ctr" rotWithShape="0">
+                    <a:schemeClr val="bg2"/>
+                  </a:outerShdw>
+                </a:effectLst>
+              </a14:hiddenEffects>
+            </a:ext>
+          </a:extLst>
+        </p:spPr>
+        <p:txBody>
+          <a:bodyPr vert="horz" wrap="square" lIns="91440" tIns="45720" rIns="91440" bIns="45720" numCol="1" rtlCol="0" anchor="t" anchorCtr="0" compatLnSpc="1">
+            <a:prstTxWarp prst="textNoShape">
+              <a:avLst/>
+            </a:prstTxWarp>
+          </a:bodyPr>
+          <a:lstStyle/>
+          <a:p>
+            <a:pPr marL="0" marR="0" indent="0" algn="l" defTabSz="914400" rtl="0" eaLnBrk="1" fontAlgn="base" latinLnBrk="0" hangingPunct="1">
+              <a:lnSpc>
+                <a:spcPct val="100000"/>
+              </a:lnSpc>
+              <a:spcBef>
+                <a:spcPct val="0"/>
+              </a:spcBef>
+              <a:spcAft>
+                <a:spcPct val="0"/>
+              </a:spcAft>
+              <a:buClrTx/>
+              <a:buSzTx/>
+              <a:buFontTx/>
+              <a:buNone/>
+              <a:tabLst/>
+            </a:pPr>
+            <a:endParaRPr kumimoji="0" lang="es-ES" sz="1800" b="1" i="0" u="none" strike="noStrike" cap="none" normalizeH="0" baseline="0" smtClean="0">
+              <a:ln>
+                <a:noFill/>
+              </a:ln>
+              <a:solidFill>
+                <a:schemeClr val="tx1"/>
+              </a:solidFill>
+              <a:effectLst/>
+              <a:latin typeface="Arial" charset="0"/>
+            </a:endParaRPr>
           </a:p>
         </p:txBody>
       </p:sp>
@@ -3767,42 +9665,14 @@
       </p:grpSpPr>
       <p:sp>
         <p:nvSpPr>
-          <p:cNvPr id="5" name="Título 4"/>
-          <p:cNvSpPr>
-            <a:spLocks noGrp="1"/>
-          </p:cNvSpPr>
-          <p:nvPr>
-            <p:ph type="title" idx="4294967295"/>
-          </p:nvPr>
-        </p:nvSpPr>
-        <p:spPr>
-          <a:xfrm>
-            <a:off x="1331640" y="-26049"/>
-            <a:ext cx="8136904" cy="1296144"/>
-          </a:xfrm>
-        </p:spPr>
-        <p:txBody>
-          <a:bodyPr/>
-          <a:lstStyle/>
-          <a:p>
-            <a:r>
-              <a:rPr lang="es-ES" dirty="0" smtClean="0"/>
-              <a:t>Desarrollo y resultados</a:t>
-            </a:r>
-            <a:endParaRPr lang="es-ES" dirty="0"/>
-          </a:p>
-        </p:txBody>
-      </p:sp>
-      <p:sp>
-        <p:nvSpPr>
-          <p:cNvPr id="14" name="Rectángulo 13"/>
+          <p:cNvPr id="4" name="Rectángulo 3"/>
           <p:cNvSpPr/>
           <p:nvPr/>
         </p:nvSpPr>
         <p:spPr bwMode="auto">
           <a:xfrm>
-            <a:off x="323528" y="1370138"/>
-            <a:ext cx="2304256" cy="432048"/>
+            <a:off x="0" y="1052736"/>
+            <a:ext cx="9108504" cy="5760640"/>
           </a:xfrm>
           <a:prstGeom prst="rect">
             <a:avLst/>
@@ -3815,476 +9685,18 @@
         </p:spPr>
         <p:style>
           <a:lnRef idx="2">
-            <a:schemeClr val="accent6">
-              <a:shade val="50000"/>
-            </a:schemeClr>
+            <a:schemeClr val="accent1"/>
           </a:lnRef>
           <a:fillRef idx="1">
-            <a:schemeClr val="accent6"/>
+            <a:schemeClr val="lt1"/>
           </a:fillRef>
           <a:effectRef idx="0">
-            <a:schemeClr val="accent6"/>
+            <a:schemeClr val="accent1"/>
           </a:effectRef>
           <a:fontRef idx="minor">
-            <a:schemeClr val="lt1"/>
+            <a:schemeClr val="dk1"/>
           </a:fontRef>
         </p:style>
-        <p:txBody>
-          <a:bodyPr vert="horz" wrap="square" lIns="91440" tIns="45720" rIns="91440" bIns="45720" numCol="1" rtlCol="0" anchor="t" anchorCtr="0" compatLnSpc="1">
-            <a:prstTxWarp prst="textNoShape">
-              <a:avLst/>
-            </a:prstTxWarp>
-          </a:bodyPr>
-          <a:lstStyle/>
-          <a:p>
-            <a:pPr marL="0" marR="0" indent="0" defTabSz="914400" rtl="0" eaLnBrk="1" fontAlgn="base" latinLnBrk="0" hangingPunct="1">
-              <a:lnSpc>
-                <a:spcPct val="100000"/>
-              </a:lnSpc>
-              <a:spcBef>
-                <a:spcPct val="0"/>
-              </a:spcBef>
-              <a:spcAft>
-                <a:spcPct val="0"/>
-              </a:spcAft>
-              <a:buClrTx/>
-              <a:buSzTx/>
-              <a:buFontTx/>
-              <a:buNone/>
-              <a:tabLst/>
-            </a:pPr>
-            <a:r>
-              <a:rPr lang="es-ES" sz="1600" dirty="0" smtClean="0">
-                <a:solidFill>
-                  <a:schemeClr val="tx1"/>
-                </a:solidFill>
-                <a:latin typeface="Arial" charset="0"/>
-              </a:rPr>
-              <a:t>Análisis de la oferta</a:t>
-            </a:r>
-            <a:endParaRPr kumimoji="0" lang="es-ES" sz="1600" b="1" i="0" u="none" strike="noStrike" cap="none" normalizeH="0" baseline="0" dirty="0" smtClean="0">
-              <a:ln>
-                <a:noFill/>
-              </a:ln>
-              <a:solidFill>
-                <a:schemeClr val="tx1"/>
-              </a:solidFill>
-              <a:effectLst/>
-              <a:latin typeface="Arial" charset="0"/>
-            </a:endParaRPr>
-          </a:p>
-        </p:txBody>
-      </p:sp>
-      <p:sp>
-        <p:nvSpPr>
-          <p:cNvPr id="17" name="Rectángulo 16"/>
-          <p:cNvSpPr/>
-          <p:nvPr/>
-        </p:nvSpPr>
-        <p:spPr bwMode="auto">
-          <a:xfrm>
-            <a:off x="2036387" y="2104263"/>
-            <a:ext cx="2135088" cy="392097"/>
-          </a:xfrm>
-          <a:prstGeom prst="rect">
-            <a:avLst/>
-          </a:prstGeom>
-          <a:ln>
-            <a:headEnd type="none" w="med" len="med"/>
-            <a:tailEnd type="none" w="med" len="med"/>
-          </a:ln>
-          <a:extLst/>
-        </p:spPr>
-        <p:style>
-          <a:lnRef idx="2">
-            <a:schemeClr val="accent6">
-              <a:shade val="50000"/>
-            </a:schemeClr>
-          </a:lnRef>
-          <a:fillRef idx="1">
-            <a:schemeClr val="accent6"/>
-          </a:fillRef>
-          <a:effectRef idx="0">
-            <a:schemeClr val="accent6"/>
-          </a:effectRef>
-          <a:fontRef idx="minor">
-            <a:schemeClr val="lt1"/>
-          </a:fontRef>
-        </p:style>
-        <p:txBody>
-          <a:bodyPr vert="horz" wrap="square" lIns="91440" tIns="45720" rIns="91440" bIns="45720" numCol="1" rtlCol="0" anchor="t" anchorCtr="0" compatLnSpc="1">
-            <a:prstTxWarp prst="textNoShape">
-              <a:avLst/>
-            </a:prstTxWarp>
-          </a:bodyPr>
-          <a:lstStyle/>
-          <a:p>
-            <a:pPr marL="0" marR="0" indent="0" defTabSz="914400" rtl="0" eaLnBrk="1" fontAlgn="base" latinLnBrk="0" hangingPunct="1">
-              <a:lnSpc>
-                <a:spcPct val="100000"/>
-              </a:lnSpc>
-              <a:spcBef>
-                <a:spcPct val="0"/>
-              </a:spcBef>
-              <a:spcAft>
-                <a:spcPct val="0"/>
-              </a:spcAft>
-              <a:buClrTx/>
-              <a:buSzTx/>
-              <a:buFontTx/>
-              <a:buNone/>
-              <a:tabLst/>
-            </a:pPr>
-            <a:r>
-              <a:rPr kumimoji="0" lang="es-ES" sz="1600" b="1" i="0" u="none" strike="noStrike" cap="none" normalizeH="0" baseline="0" dirty="0" smtClean="0">
-                <a:ln>
-                  <a:noFill/>
-                </a:ln>
-                <a:solidFill>
-                  <a:schemeClr val="tx1"/>
-                </a:solidFill>
-                <a:effectLst/>
-                <a:latin typeface="Arial" charset="0"/>
-              </a:rPr>
-              <a:t>Análisis</a:t>
-            </a:r>
-            <a:r>
-              <a:rPr kumimoji="0" lang="es-ES" sz="1600" b="1" i="0" u="none" strike="noStrike" cap="none" normalizeH="0" dirty="0" smtClean="0">
-                <a:ln>
-                  <a:noFill/>
-                </a:ln>
-                <a:solidFill>
-                  <a:schemeClr val="tx1"/>
-                </a:solidFill>
-                <a:effectLst/>
-                <a:latin typeface="Arial" charset="0"/>
-              </a:rPr>
-              <a:t> descriptivo</a:t>
-            </a:r>
-            <a:endParaRPr kumimoji="0" lang="es-ES" sz="1600" b="1" i="0" u="none" strike="noStrike" cap="none" normalizeH="0" baseline="0" dirty="0" smtClean="0">
-              <a:ln>
-                <a:noFill/>
-              </a:ln>
-              <a:solidFill>
-                <a:schemeClr val="tx1"/>
-              </a:solidFill>
-              <a:effectLst/>
-              <a:latin typeface="Arial" charset="0"/>
-            </a:endParaRPr>
-          </a:p>
-        </p:txBody>
-      </p:sp>
-      <p:sp>
-        <p:nvSpPr>
-          <p:cNvPr id="18" name="Rectángulo 17"/>
-          <p:cNvSpPr/>
-          <p:nvPr/>
-        </p:nvSpPr>
-        <p:spPr bwMode="auto">
-          <a:xfrm>
-            <a:off x="5397363" y="3421475"/>
-            <a:ext cx="1800200" cy="365949"/>
-          </a:xfrm>
-          <a:prstGeom prst="rect">
-            <a:avLst/>
-          </a:prstGeom>
-          <a:ln>
-            <a:headEnd type="none" w="med" len="med"/>
-            <a:tailEnd type="none" w="med" len="med"/>
-          </a:ln>
-          <a:extLst/>
-        </p:spPr>
-        <p:style>
-          <a:lnRef idx="2">
-            <a:schemeClr val="accent6">
-              <a:shade val="50000"/>
-            </a:schemeClr>
-          </a:lnRef>
-          <a:fillRef idx="1">
-            <a:schemeClr val="accent6"/>
-          </a:fillRef>
-          <a:effectRef idx="0">
-            <a:schemeClr val="accent6"/>
-          </a:effectRef>
-          <a:fontRef idx="minor">
-            <a:schemeClr val="lt1"/>
-          </a:fontRef>
-        </p:style>
-        <p:txBody>
-          <a:bodyPr vert="horz" wrap="square" lIns="91440" tIns="45720" rIns="91440" bIns="45720" numCol="1" rtlCol="0" anchor="t" anchorCtr="0" compatLnSpc="1">
-            <a:prstTxWarp prst="textNoShape">
-              <a:avLst/>
-            </a:prstTxWarp>
-          </a:bodyPr>
-          <a:lstStyle/>
-          <a:p>
-            <a:pPr marL="0" marR="0" indent="0" defTabSz="914400" rtl="0" eaLnBrk="1" fontAlgn="base" latinLnBrk="0" hangingPunct="1">
-              <a:lnSpc>
-                <a:spcPct val="100000"/>
-              </a:lnSpc>
-              <a:spcBef>
-                <a:spcPct val="0"/>
-              </a:spcBef>
-              <a:spcAft>
-                <a:spcPct val="0"/>
-              </a:spcAft>
-              <a:buClrTx/>
-              <a:buSzTx/>
-              <a:buFontTx/>
-              <a:buNone/>
-              <a:tabLst/>
-            </a:pPr>
-            <a:r>
-              <a:rPr lang="es-ES" sz="1600" dirty="0" smtClean="0">
-                <a:solidFill>
-                  <a:schemeClr val="tx1"/>
-                </a:solidFill>
-                <a:latin typeface="Arial" charset="0"/>
-              </a:rPr>
-              <a:t>Análisis Clúster</a:t>
-            </a:r>
-            <a:endParaRPr kumimoji="0" lang="es-ES" sz="1600" b="1" i="0" u="none" strike="noStrike" cap="none" normalizeH="0" baseline="0" dirty="0" smtClean="0">
-              <a:ln>
-                <a:noFill/>
-              </a:ln>
-              <a:solidFill>
-                <a:schemeClr val="tx1"/>
-              </a:solidFill>
-              <a:effectLst/>
-              <a:latin typeface="Arial" charset="0"/>
-            </a:endParaRPr>
-          </a:p>
-        </p:txBody>
-      </p:sp>
-      <p:sp>
-        <p:nvSpPr>
-          <p:cNvPr id="19" name="Rectángulo 18"/>
-          <p:cNvSpPr/>
-          <p:nvPr/>
-        </p:nvSpPr>
-        <p:spPr bwMode="auto">
-          <a:xfrm>
-            <a:off x="3657624" y="2696243"/>
-            <a:ext cx="2269531" cy="454750"/>
-          </a:xfrm>
-          <a:prstGeom prst="rect">
-            <a:avLst/>
-          </a:prstGeom>
-          <a:ln>
-            <a:headEnd type="none" w="med" len="med"/>
-            <a:tailEnd type="none" w="med" len="med"/>
-          </a:ln>
-          <a:extLst/>
-        </p:spPr>
-        <p:style>
-          <a:lnRef idx="2">
-            <a:schemeClr val="accent6">
-              <a:shade val="50000"/>
-            </a:schemeClr>
-          </a:lnRef>
-          <a:fillRef idx="1">
-            <a:schemeClr val="accent6"/>
-          </a:fillRef>
-          <a:effectRef idx="0">
-            <a:schemeClr val="accent6"/>
-          </a:effectRef>
-          <a:fontRef idx="minor">
-            <a:schemeClr val="lt1"/>
-          </a:fontRef>
-        </p:style>
-        <p:txBody>
-          <a:bodyPr vert="horz" wrap="square" lIns="91440" tIns="45720" rIns="91440" bIns="45720" numCol="1" rtlCol="0" anchor="t" anchorCtr="0" compatLnSpc="1">
-            <a:prstTxWarp prst="textNoShape">
-              <a:avLst/>
-            </a:prstTxWarp>
-          </a:bodyPr>
-          <a:lstStyle/>
-          <a:p>
-            <a:pPr marL="0" marR="0" indent="0" defTabSz="914400" rtl="0" eaLnBrk="1" fontAlgn="base" latinLnBrk="0" hangingPunct="1">
-              <a:lnSpc>
-                <a:spcPct val="100000"/>
-              </a:lnSpc>
-              <a:spcBef>
-                <a:spcPct val="0"/>
-              </a:spcBef>
-              <a:spcAft>
-                <a:spcPct val="0"/>
-              </a:spcAft>
-              <a:buClrTx/>
-              <a:buSzTx/>
-              <a:buFontTx/>
-              <a:buNone/>
-              <a:tabLst/>
-            </a:pPr>
-            <a:r>
-              <a:rPr kumimoji="0" lang="es-ES" sz="1600" b="1" i="0" u="none" strike="noStrike" cap="none" normalizeH="0" baseline="0" dirty="0" smtClean="0">
-                <a:ln>
-                  <a:noFill/>
-                </a:ln>
-                <a:solidFill>
-                  <a:schemeClr val="tx1"/>
-                </a:solidFill>
-                <a:effectLst/>
-                <a:latin typeface="Arial" charset="0"/>
-              </a:rPr>
-              <a:t>Modelo</a:t>
-            </a:r>
-            <a:r>
-              <a:rPr kumimoji="0" lang="es-ES" sz="1600" b="1" i="0" u="none" strike="noStrike" cap="none" normalizeH="0" dirty="0" smtClean="0">
-                <a:ln>
-                  <a:noFill/>
-                </a:ln>
-                <a:solidFill>
-                  <a:schemeClr val="tx1"/>
-                </a:solidFill>
-                <a:effectLst/>
-                <a:latin typeface="Arial" charset="0"/>
-              </a:rPr>
-              <a:t> de Regresión</a:t>
-            </a:r>
-            <a:endParaRPr kumimoji="0" lang="es-ES" sz="1600" b="1" i="0" u="none" strike="noStrike" cap="none" normalizeH="0" baseline="0" dirty="0" smtClean="0">
-              <a:ln>
-                <a:noFill/>
-              </a:ln>
-              <a:solidFill>
-                <a:schemeClr val="tx1"/>
-              </a:solidFill>
-              <a:effectLst/>
-              <a:latin typeface="Arial" charset="0"/>
-            </a:endParaRPr>
-          </a:p>
-        </p:txBody>
-      </p:sp>
-      <p:sp>
-        <p:nvSpPr>
-          <p:cNvPr id="23" name="Rectángulo 22"/>
-          <p:cNvSpPr/>
-          <p:nvPr/>
-        </p:nvSpPr>
-        <p:spPr bwMode="auto">
-          <a:xfrm>
-            <a:off x="6969992" y="4086219"/>
-            <a:ext cx="1833926" cy="392097"/>
-          </a:xfrm>
-          <a:prstGeom prst="rect">
-            <a:avLst/>
-          </a:prstGeom>
-          <a:ln>
-            <a:headEnd type="none" w="med" len="med"/>
-            <a:tailEnd type="none" w="med" len="med"/>
-          </a:ln>
-          <a:extLst/>
-        </p:spPr>
-        <p:style>
-          <a:lnRef idx="2">
-            <a:schemeClr val="accent6">
-              <a:shade val="50000"/>
-            </a:schemeClr>
-          </a:lnRef>
-          <a:fillRef idx="1">
-            <a:schemeClr val="accent6"/>
-          </a:fillRef>
-          <a:effectRef idx="0">
-            <a:schemeClr val="accent6"/>
-          </a:effectRef>
-          <a:fontRef idx="minor">
-            <a:schemeClr val="lt1"/>
-          </a:fontRef>
-        </p:style>
-        <p:txBody>
-          <a:bodyPr vert="horz" wrap="square" lIns="91440" tIns="45720" rIns="91440" bIns="45720" numCol="1" rtlCol="0" anchor="t" anchorCtr="0" compatLnSpc="1">
-            <a:prstTxWarp prst="textNoShape">
-              <a:avLst/>
-            </a:prstTxWarp>
-          </a:bodyPr>
-          <a:lstStyle/>
-          <a:p>
-            <a:pPr marL="0" marR="0" indent="0" defTabSz="914400" rtl="0" eaLnBrk="1" fontAlgn="base" latinLnBrk="0" hangingPunct="1">
-              <a:lnSpc>
-                <a:spcPct val="100000"/>
-              </a:lnSpc>
-              <a:spcBef>
-                <a:spcPct val="0"/>
-              </a:spcBef>
-              <a:spcAft>
-                <a:spcPct val="0"/>
-              </a:spcAft>
-              <a:buClrTx/>
-              <a:buSzTx/>
-              <a:buFontTx/>
-              <a:buNone/>
-              <a:tabLst/>
-            </a:pPr>
-            <a:r>
-              <a:rPr lang="es-ES" sz="1600" dirty="0" smtClean="0">
-                <a:solidFill>
-                  <a:schemeClr val="tx1"/>
-                </a:solidFill>
-                <a:latin typeface="Arial" charset="0"/>
-              </a:rPr>
-              <a:t>Modelo </a:t>
-            </a:r>
-            <a:r>
-              <a:rPr lang="es-ES" sz="1600" dirty="0" err="1" smtClean="0">
-                <a:solidFill>
-                  <a:schemeClr val="tx1"/>
-                </a:solidFill>
-                <a:latin typeface="Arial" charset="0"/>
-              </a:rPr>
-              <a:t>Logit</a:t>
-            </a:r>
-            <a:endParaRPr kumimoji="0" lang="es-ES" sz="1600" b="1" i="0" u="none" strike="noStrike" cap="none" normalizeH="0" baseline="0" dirty="0" smtClean="0">
-              <a:ln>
-                <a:noFill/>
-              </a:ln>
-              <a:solidFill>
-                <a:schemeClr val="tx1"/>
-              </a:solidFill>
-              <a:effectLst/>
-              <a:latin typeface="Arial" charset="0"/>
-            </a:endParaRPr>
-          </a:p>
-        </p:txBody>
-      </p:sp>
-      <p:sp>
-        <p:nvSpPr>
-          <p:cNvPr id="37" name="Flecha doblada 36"/>
-          <p:cNvSpPr/>
-          <p:nvPr/>
-        </p:nvSpPr>
-        <p:spPr bwMode="auto">
-          <a:xfrm flipV="1">
-            <a:off x="2843808" y="2496360"/>
-            <a:ext cx="813816" cy="636431"/>
-          </a:xfrm>
-          <a:prstGeom prst="bentArrow">
-            <a:avLst/>
-          </a:prstGeom>
-          <a:solidFill>
-            <a:schemeClr val="accent1"/>
-          </a:solidFill>
-          <a:ln w="9525" cap="flat" cmpd="sng" algn="ctr">
-            <a:solidFill>
-              <a:schemeClr val="tx1"/>
-            </a:solidFill>
-            <a:prstDash val="solid"/>
-            <a:round/>
-            <a:headEnd type="none" w="med" len="med"/>
-            <a:tailEnd type="none" w="med" len="med"/>
-          </a:ln>
-          <a:effectLst/>
-          <a:extLst>
-            <a:ext uri="{AF507438-7753-43E0-B8FC-AC1667EBCBE1}">
-              <a14:hiddenEffects xmlns:a14="http://schemas.microsoft.com/office/drawing/2010/main">
-                <a:effectLst>
-                  <a:outerShdw dist="35921" dir="2700000" algn="ctr" rotWithShape="0">
-                    <a:schemeClr val="bg2"/>
-                  </a:outerShdw>
-                </a:effectLst>
-              </a14:hiddenEffects>
-            </a:ext>
-          </a:extLst>
-        </p:spPr>
         <p:txBody>
           <a:bodyPr vert="horz" wrap="square" lIns="91440" tIns="45720" rIns="91440" bIns="45720" numCol="1" rtlCol="0" anchor="t" anchorCtr="0" compatLnSpc="1">
             <a:prstTxWarp prst="textNoShape">
@@ -4324,271 +9736,6 @@
       </p:sp>
       <p:sp>
         <p:nvSpPr>
-          <p:cNvPr id="38" name="Flecha doblada 37"/>
-          <p:cNvSpPr/>
-          <p:nvPr/>
-        </p:nvSpPr>
-        <p:spPr bwMode="auto">
-          <a:xfrm flipV="1">
-            <a:off x="4586276" y="3150993"/>
-            <a:ext cx="813816" cy="636431"/>
-          </a:xfrm>
-          <a:prstGeom prst="bentArrow">
-            <a:avLst/>
-          </a:prstGeom>
-          <a:solidFill>
-            <a:schemeClr val="accent1"/>
-          </a:solidFill>
-          <a:ln w="9525" cap="flat" cmpd="sng" algn="ctr">
-            <a:solidFill>
-              <a:schemeClr val="tx1"/>
-            </a:solidFill>
-            <a:prstDash val="solid"/>
-            <a:round/>
-            <a:headEnd type="none" w="med" len="med"/>
-            <a:tailEnd type="none" w="med" len="med"/>
-          </a:ln>
-          <a:effectLst/>
-          <a:extLst>
-            <a:ext uri="{AF507438-7753-43E0-B8FC-AC1667EBCBE1}">
-              <a14:hiddenEffects xmlns:a14="http://schemas.microsoft.com/office/drawing/2010/main">
-                <a:effectLst>
-                  <a:outerShdw dist="35921" dir="2700000" algn="ctr" rotWithShape="0">
-                    <a:schemeClr val="bg2"/>
-                  </a:outerShdw>
-                </a:effectLst>
-              </a14:hiddenEffects>
-            </a:ext>
-          </a:extLst>
-        </p:spPr>
-        <p:txBody>
-          <a:bodyPr vert="horz" wrap="square" lIns="91440" tIns="45720" rIns="91440" bIns="45720" numCol="1" rtlCol="0" anchor="t" anchorCtr="0" compatLnSpc="1">
-            <a:prstTxWarp prst="textNoShape">
-              <a:avLst/>
-            </a:prstTxWarp>
-          </a:bodyPr>
-          <a:lstStyle/>
-          <a:p>
-            <a:pPr marL="0" marR="0" indent="0" algn="l" defTabSz="914400" rtl="0" eaLnBrk="1" fontAlgn="base" latinLnBrk="0" hangingPunct="1">
-              <a:lnSpc>
-                <a:spcPct val="100000"/>
-              </a:lnSpc>
-              <a:spcBef>
-                <a:spcPct val="0"/>
-              </a:spcBef>
-              <a:spcAft>
-                <a:spcPct val="0"/>
-              </a:spcAft>
-              <a:buClrTx/>
-              <a:buSzTx/>
-              <a:buFontTx/>
-              <a:buNone/>
-              <a:tabLst/>
-            </a:pPr>
-            <a:endParaRPr kumimoji="0" lang="es-ES" sz="1800" b="1" i="0" u="none" strike="noStrike" cap="none" normalizeH="0" baseline="0" smtClean="0">
-              <a:ln>
-                <a:noFill/>
-              </a:ln>
-              <a:solidFill>
-                <a:schemeClr val="tx1"/>
-              </a:solidFill>
-              <a:effectLst/>
-              <a:latin typeface="Arial" charset="0"/>
-            </a:endParaRPr>
-          </a:p>
-        </p:txBody>
-      </p:sp>
-      <p:sp>
-        <p:nvSpPr>
-          <p:cNvPr id="39" name="Flecha doblada 38"/>
-          <p:cNvSpPr/>
-          <p:nvPr/>
-        </p:nvSpPr>
-        <p:spPr bwMode="auto">
-          <a:xfrm flipV="1">
-            <a:off x="1187624" y="1802186"/>
-            <a:ext cx="813816" cy="636431"/>
-          </a:xfrm>
-          <a:prstGeom prst="bentArrow">
-            <a:avLst/>
-          </a:prstGeom>
-          <a:solidFill>
-            <a:schemeClr val="accent1"/>
-          </a:solidFill>
-          <a:ln w="9525" cap="flat" cmpd="sng" algn="ctr">
-            <a:solidFill>
-              <a:schemeClr val="tx1"/>
-            </a:solidFill>
-            <a:prstDash val="solid"/>
-            <a:round/>
-            <a:headEnd type="none" w="med" len="med"/>
-            <a:tailEnd type="none" w="med" len="med"/>
-          </a:ln>
-          <a:effectLst/>
-          <a:extLst>
-            <a:ext uri="{AF507438-7753-43E0-B8FC-AC1667EBCBE1}">
-              <a14:hiddenEffects xmlns:a14="http://schemas.microsoft.com/office/drawing/2010/main">
-                <a:effectLst>
-                  <a:outerShdw dist="35921" dir="2700000" algn="ctr" rotWithShape="0">
-                    <a:schemeClr val="bg2"/>
-                  </a:outerShdw>
-                </a:effectLst>
-              </a14:hiddenEffects>
-            </a:ext>
-          </a:extLst>
-        </p:spPr>
-        <p:txBody>
-          <a:bodyPr vert="horz" wrap="square" lIns="91440" tIns="45720" rIns="91440" bIns="45720" numCol="1" rtlCol="0" anchor="t" anchorCtr="0" compatLnSpc="1">
-            <a:prstTxWarp prst="textNoShape">
-              <a:avLst/>
-            </a:prstTxWarp>
-          </a:bodyPr>
-          <a:lstStyle/>
-          <a:p>
-            <a:pPr marL="0" marR="0" indent="0" algn="l" defTabSz="914400" rtl="0" eaLnBrk="1" fontAlgn="base" latinLnBrk="0" hangingPunct="1">
-              <a:lnSpc>
-                <a:spcPct val="100000"/>
-              </a:lnSpc>
-              <a:spcBef>
-                <a:spcPct val="0"/>
-              </a:spcBef>
-              <a:spcAft>
-                <a:spcPct val="0"/>
-              </a:spcAft>
-              <a:buClrTx/>
-              <a:buSzTx/>
-              <a:buFontTx/>
-              <a:buNone/>
-              <a:tabLst/>
-            </a:pPr>
-            <a:endParaRPr kumimoji="0" lang="es-ES" sz="1800" b="1" i="0" u="none" strike="noStrike" cap="none" normalizeH="0" baseline="0" smtClean="0">
-              <a:ln>
-                <a:noFill/>
-              </a:ln>
-              <a:solidFill>
-                <a:schemeClr val="tx1"/>
-              </a:solidFill>
-              <a:effectLst/>
-              <a:latin typeface="Arial" charset="0"/>
-            </a:endParaRPr>
-          </a:p>
-        </p:txBody>
-      </p:sp>
-      <p:sp>
-        <p:nvSpPr>
-          <p:cNvPr id="40" name="Flecha doblada 39"/>
-          <p:cNvSpPr/>
-          <p:nvPr/>
-        </p:nvSpPr>
-        <p:spPr bwMode="auto">
-          <a:xfrm flipV="1">
-            <a:off x="6156176" y="3798329"/>
-            <a:ext cx="813816" cy="636431"/>
-          </a:xfrm>
-          <a:prstGeom prst="bentArrow">
-            <a:avLst/>
-          </a:prstGeom>
-          <a:solidFill>
-            <a:schemeClr val="accent1"/>
-          </a:solidFill>
-          <a:ln w="9525" cap="flat" cmpd="sng" algn="ctr">
-            <a:solidFill>
-              <a:schemeClr val="tx1"/>
-            </a:solidFill>
-            <a:prstDash val="solid"/>
-            <a:round/>
-            <a:headEnd type="none" w="med" len="med"/>
-            <a:tailEnd type="none" w="med" len="med"/>
-          </a:ln>
-          <a:effectLst/>
-          <a:extLst>
-            <a:ext uri="{AF507438-7753-43E0-B8FC-AC1667EBCBE1}">
-              <a14:hiddenEffects xmlns:a14="http://schemas.microsoft.com/office/drawing/2010/main">
-                <a:effectLst>
-                  <a:outerShdw dist="35921" dir="2700000" algn="ctr" rotWithShape="0">
-                    <a:schemeClr val="bg2"/>
-                  </a:outerShdw>
-                </a:effectLst>
-              </a14:hiddenEffects>
-            </a:ext>
-          </a:extLst>
-        </p:spPr>
-        <p:txBody>
-          <a:bodyPr vert="horz" wrap="square" lIns="91440" tIns="45720" rIns="91440" bIns="45720" numCol="1" rtlCol="0" anchor="t" anchorCtr="0" compatLnSpc="1">
-            <a:prstTxWarp prst="textNoShape">
-              <a:avLst/>
-            </a:prstTxWarp>
-          </a:bodyPr>
-          <a:lstStyle/>
-          <a:p>
-            <a:pPr marL="0" marR="0" indent="0" algn="l" defTabSz="914400" rtl="0" eaLnBrk="1" fontAlgn="base" latinLnBrk="0" hangingPunct="1">
-              <a:lnSpc>
-                <a:spcPct val="100000"/>
-              </a:lnSpc>
-              <a:spcBef>
-                <a:spcPct val="0"/>
-              </a:spcBef>
-              <a:spcAft>
-                <a:spcPct val="0"/>
-              </a:spcAft>
-              <a:buClrTx/>
-              <a:buSzTx/>
-              <a:buFontTx/>
-              <a:buNone/>
-              <a:tabLst/>
-            </a:pPr>
-            <a:endParaRPr kumimoji="0" lang="es-ES" sz="1800" b="1" i="0" u="none" strike="noStrike" cap="none" normalizeH="0" baseline="0" smtClean="0">
-              <a:ln>
-                <a:noFill/>
-              </a:ln>
-              <a:solidFill>
-                <a:schemeClr val="tx1"/>
-              </a:solidFill>
-              <a:effectLst/>
-              <a:latin typeface="Arial" charset="0"/>
-            </a:endParaRPr>
-          </a:p>
-        </p:txBody>
-      </p:sp>
-    </p:spTree>
-    <p:extLst>
-      <p:ext uri="{BB962C8B-B14F-4D97-AF65-F5344CB8AC3E}">
-        <p14:creationId xmlns:p14="http://schemas.microsoft.com/office/powerpoint/2010/main" val="3857600572"/>
-      </p:ext>
-    </p:extLst>
-  </p:cSld>
-  <p:clrMapOvr>
-    <a:masterClrMapping/>
-  </p:clrMapOvr>
-  <p:timing>
-    <p:tnLst>
-      <p:par>
-        <p:cTn id="1" dur="indefinite" restart="never" nodeType="tmRoot"/>
-      </p:par>
-    </p:tnLst>
-  </p:timing>
-</p:sld>
-</file>
-
-<file path=ppt/slides/slide6.xml><?xml version="1.0" encoding="utf-8"?>
-<p:sld xmlns:a="http://schemas.openxmlformats.org/drawingml/2006/main" xmlns:r="http://schemas.openxmlformats.org/officeDocument/2006/relationships" xmlns:p="http://schemas.openxmlformats.org/presentationml/2006/main">
-  <p:cSld>
-    <p:spTree>
-      <p:nvGrpSpPr>
-        <p:cNvPr id="1" name=""/>
-        <p:cNvGrpSpPr/>
-        <p:nvPr/>
-      </p:nvGrpSpPr>
-      <p:grpSpPr>
-        <a:xfrm>
-          <a:off x="0" y="0"/>
-          <a:ext cx="0" cy="0"/>
-          <a:chOff x="0" y="0"/>
-          <a:chExt cx="0" cy="0"/>
-        </a:xfrm>
-      </p:grpSpPr>
-      <p:sp>
-        <p:nvSpPr>
           <p:cNvPr id="2" name="Título 1"/>
           <p:cNvSpPr>
             <a:spLocks noGrp="1"/>
@@ -4597,16 +9744,27 @@
             <p:ph type="title"/>
           </p:nvPr>
         </p:nvSpPr>
-        <p:spPr/>
+        <p:spPr>
+          <a:xfrm>
+            <a:off x="1259632" y="110398"/>
+            <a:ext cx="8229600" cy="809947"/>
+          </a:xfrm>
+        </p:spPr>
         <p:txBody>
           <a:bodyPr/>
           <a:lstStyle/>
           <a:p>
             <a:r>
-              <a:rPr lang="es-ES" dirty="0" smtClean="0"/>
+              <a:rPr lang="es-ES" dirty="0" smtClean="0">
+                <a:latin typeface="Cambria" panose="02040503050406030204" pitchFamily="18" charset="0"/>
+                <a:ea typeface="Cambria" panose="02040503050406030204" pitchFamily="18" charset="0"/>
+              </a:rPr>
               <a:t>Análisis de la oferta</a:t>
             </a:r>
-            <a:endParaRPr lang="es-ES" dirty="0"/>
+            <a:endParaRPr lang="es-ES" dirty="0">
+              <a:latin typeface="Cambria" panose="02040503050406030204" pitchFamily="18" charset="0"/>
+              <a:ea typeface="Cambria" panose="02040503050406030204" pitchFamily="18" charset="0"/>
+            </a:endParaRPr>
           </a:p>
         </p:txBody>
       </p:sp>
@@ -4631,10 +9789,16 @@
           <a:lstStyle/>
           <a:p>
             <a:r>
-              <a:rPr lang="es-ES_tradnl" b="0" i="1" dirty="0"/>
+              <a:rPr lang="es-ES_tradnl" b="0" i="1" dirty="0">
+                <a:latin typeface="Cambria" panose="02040503050406030204" pitchFamily="18" charset="0"/>
+                <a:ea typeface="Cambria" panose="02040503050406030204" pitchFamily="18" charset="0"/>
+              </a:rPr>
               <a:t>¿Qué barrios son más atractivos turísticamente? </a:t>
             </a:r>
-            <a:endParaRPr lang="es-ES" dirty="0"/>
+            <a:endParaRPr lang="es-ES" dirty="0">
+              <a:latin typeface="Cambria" panose="02040503050406030204" pitchFamily="18" charset="0"/>
+              <a:ea typeface="Cambria" panose="02040503050406030204" pitchFamily="18" charset="0"/>
+            </a:endParaRPr>
           </a:p>
         </p:txBody>
       </p:sp>
@@ -4676,7 +9840,7 @@
         </p:nvSpPr>
         <p:spPr bwMode="auto">
           <a:xfrm>
-            <a:off x="7164288" y="1084585"/>
+            <a:off x="7020272" y="1140813"/>
             <a:ext cx="1979712" cy="1368152"/>
           </a:xfrm>
           <a:prstGeom prst="wedgeEllipseCallout">
@@ -4727,7 +9891,10 @@
               <a:tabLst/>
             </a:pPr>
             <a:r>
-              <a:rPr lang="es-ES" sz="1100" dirty="0" smtClean="0"/>
+              <a:rPr lang="es-ES" sz="1100" dirty="0" smtClean="0">
+                <a:latin typeface="Cambria" panose="02040503050406030204" pitchFamily="18" charset="0"/>
+                <a:ea typeface="Cambria" panose="02040503050406030204" pitchFamily="18" charset="0"/>
+              </a:rPr>
               <a:t>Centro supera los 5000 anuncios mientras los demás tienen menos de 1000</a:t>
             </a:r>
             <a:endParaRPr kumimoji="0" lang="es-ES" sz="1100" b="1" i="0" u="none" strike="noStrike" cap="none" normalizeH="0" baseline="0" dirty="0" smtClean="0">
@@ -4738,7 +9905,8 @@
                 <a:schemeClr val="tx1"/>
               </a:solidFill>
               <a:effectLst/>
-              <a:latin typeface="Arial" charset="0"/>
+              <a:latin typeface="Cambria" panose="02040503050406030204" pitchFamily="18" charset="0"/>
+              <a:ea typeface="Cambria" panose="02040503050406030204" pitchFamily="18" charset="0"/>
             </a:endParaRPr>
           </a:p>
         </p:txBody>
@@ -4763,7 +9931,7 @@
 </p:sld>
 </file>
 
-<file path=ppt/slides/slide7.xml><?xml version="1.0" encoding="utf-8"?>
+<file path=ppt/slides/slide6.xml><?xml version="1.0" encoding="utf-8"?>
 <p:sld xmlns:a="http://schemas.openxmlformats.org/drawingml/2006/main" xmlns:r="http://schemas.openxmlformats.org/officeDocument/2006/relationships" xmlns:p="http://schemas.openxmlformats.org/presentationml/2006/main">
   <p:cSld>
     <p:spTree>
@@ -4782,6 +9950,77 @@
       </p:grpSpPr>
       <p:sp>
         <p:nvSpPr>
+          <p:cNvPr id="2" name="Rectángulo 1"/>
+          <p:cNvSpPr/>
+          <p:nvPr/>
+        </p:nvSpPr>
+        <p:spPr bwMode="auto">
+          <a:xfrm>
+            <a:off x="35496" y="980728"/>
+            <a:ext cx="9073008" cy="5877272"/>
+          </a:xfrm>
+          <a:prstGeom prst="rect">
+            <a:avLst/>
+          </a:prstGeom>
+          <a:ln>
+            <a:headEnd type="none" w="med" len="med"/>
+            <a:tailEnd type="none" w="med" len="med"/>
+          </a:ln>
+          <a:extLst/>
+        </p:spPr>
+        <p:style>
+          <a:lnRef idx="2">
+            <a:schemeClr val="accent1"/>
+          </a:lnRef>
+          <a:fillRef idx="1">
+            <a:schemeClr val="lt1"/>
+          </a:fillRef>
+          <a:effectRef idx="0">
+            <a:schemeClr val="accent1"/>
+          </a:effectRef>
+          <a:fontRef idx="minor">
+            <a:schemeClr val="dk1"/>
+          </a:fontRef>
+        </p:style>
+        <p:txBody>
+          <a:bodyPr vert="horz" wrap="square" lIns="91440" tIns="45720" rIns="91440" bIns="45720" numCol="1" rtlCol="0" anchor="t" anchorCtr="0" compatLnSpc="1">
+            <a:prstTxWarp prst="textNoShape">
+              <a:avLst/>
+            </a:prstTxWarp>
+          </a:bodyPr>
+          <a:lstStyle/>
+          <a:p>
+            <a:pPr marL="0" marR="0" indent="0" algn="l" defTabSz="914400" rtl="0" eaLnBrk="1" fontAlgn="base" latinLnBrk="0" hangingPunct="1">
+              <a:lnSpc>
+                <a:spcPct val="100000"/>
+              </a:lnSpc>
+              <a:spcBef>
+                <a:spcPct val="0"/>
+              </a:spcBef>
+              <a:spcAft>
+                <a:spcPct val="0"/>
+              </a:spcAft>
+              <a:buClrTx/>
+              <a:buSzTx/>
+              <a:buFontTx/>
+              <a:buNone/>
+              <a:tabLst/>
+            </a:pPr>
+            <a:endParaRPr kumimoji="0" lang="es-ES" sz="1800" b="1" i="0" u="none" strike="noStrike" cap="none" normalizeH="0" baseline="0" smtClean="0">
+              <a:ln>
+                <a:noFill/>
+              </a:ln>
+              <a:solidFill>
+                <a:schemeClr val="tx1"/>
+              </a:solidFill>
+              <a:effectLst/>
+              <a:latin typeface="Arial" charset="0"/>
+            </a:endParaRPr>
+          </a:p>
+        </p:txBody>
+      </p:sp>
+      <p:sp>
+        <p:nvSpPr>
           <p:cNvPr id="7" name="Título 6"/>
           <p:cNvSpPr>
             <a:spLocks noGrp="1"/>
@@ -4796,10 +10035,16 @@
           <a:lstStyle/>
           <a:p>
             <a:r>
-              <a:rPr lang="es-ES" dirty="0" smtClean="0"/>
+              <a:rPr lang="es-ES" dirty="0" smtClean="0">
+                <a:latin typeface="Cambria" panose="02040503050406030204" pitchFamily="18" charset="0"/>
+                <a:ea typeface="Cambria" panose="02040503050406030204" pitchFamily="18" charset="0"/>
+              </a:rPr>
               <a:t>Análisis descriptivo</a:t>
             </a:r>
-            <a:endParaRPr lang="es-ES" dirty="0"/>
+            <a:endParaRPr lang="es-ES" dirty="0">
+              <a:latin typeface="Cambria" panose="02040503050406030204" pitchFamily="18" charset="0"/>
+              <a:ea typeface="Cambria" panose="02040503050406030204" pitchFamily="18" charset="0"/>
+            </a:endParaRPr>
           </a:p>
         </p:txBody>
       </p:sp>
@@ -4902,7 +10147,8 @@
                   <a:schemeClr val="bg1"/>
                 </a:solidFill>
                 <a:effectLst/>
-                <a:latin typeface="Arial" charset="0"/>
+                <a:latin typeface="Cambria" panose="02040503050406030204" pitchFamily="18" charset="0"/>
+                <a:ea typeface="Cambria" panose="02040503050406030204" pitchFamily="18" charset="0"/>
               </a:rPr>
               <a:t>A partir de los 250 euros por noche comienzan</a:t>
             </a:r>
@@ -4915,7 +10161,8 @@
                   <a:schemeClr val="bg1"/>
                 </a:solidFill>
                 <a:effectLst/>
-                <a:latin typeface="Arial" charset="0"/>
+                <a:latin typeface="Cambria" panose="02040503050406030204" pitchFamily="18" charset="0"/>
+                <a:ea typeface="Cambria" panose="02040503050406030204" pitchFamily="18" charset="0"/>
               </a:rPr>
               <a:t> los </a:t>
             </a:r>
@@ -4928,7 +10175,8 @@
                   <a:schemeClr val="bg1"/>
                 </a:solidFill>
                 <a:effectLst/>
-                <a:latin typeface="Arial" charset="0"/>
+                <a:latin typeface="Cambria" panose="02040503050406030204" pitchFamily="18" charset="0"/>
+                <a:ea typeface="Cambria" panose="02040503050406030204" pitchFamily="18" charset="0"/>
               </a:rPr>
               <a:t>outliers</a:t>
             </a:r>
@@ -4941,7 +10189,8 @@
                   <a:schemeClr val="bg1"/>
                 </a:solidFill>
                 <a:effectLst/>
-                <a:latin typeface="Arial" charset="0"/>
+                <a:latin typeface="Cambria" panose="02040503050406030204" pitchFamily="18" charset="0"/>
+                <a:ea typeface="Cambria" panose="02040503050406030204" pitchFamily="18" charset="0"/>
               </a:rPr>
               <a:t>.</a:t>
             </a:r>
@@ -4953,7 +10202,8 @@
                 <a:schemeClr val="bg1"/>
               </a:solidFill>
               <a:effectLst/>
-              <a:latin typeface="Arial" charset="0"/>
+              <a:latin typeface="Cambria" panose="02040503050406030204" pitchFamily="18" charset="0"/>
+              <a:ea typeface="Cambria" panose="02040503050406030204" pitchFamily="18" charset="0"/>
             </a:endParaRPr>
           </a:p>
         </p:txBody>
@@ -5028,7 +10278,8 @@
                   <a:schemeClr val="bg1"/>
                 </a:solidFill>
                 <a:effectLst/>
-                <a:latin typeface="Arial" charset="0"/>
+                <a:latin typeface="Cambria" panose="02040503050406030204" pitchFamily="18" charset="0"/>
+                <a:ea typeface="Cambria" panose="02040503050406030204" pitchFamily="18" charset="0"/>
               </a:rPr>
               <a:t>La</a:t>
             </a:r>
@@ -5041,9 +10292,38 @@
                   <a:schemeClr val="bg1"/>
                 </a:solidFill>
                 <a:effectLst/>
-                <a:latin typeface="Arial" charset="0"/>
-              </a:rPr>
-              <a:t> mayor parte de los anuncios se acumulan en el intervalo [0, 250] euros por noche.</a:t>
+                <a:latin typeface="Cambria" panose="02040503050406030204" pitchFamily="18" charset="0"/>
+                <a:ea typeface="Cambria" panose="02040503050406030204" pitchFamily="18" charset="0"/>
+              </a:rPr>
+              <a:t> mayor parte de los anuncios se acumulan en el intervalo [0, </a:t>
+            </a:r>
+            <a:r>
+              <a:rPr kumimoji="0" lang="es-ES" sz="1100" b="1" i="0" u="none" strike="noStrike" cap="none" normalizeH="0" dirty="0" smtClean="0">
+                <a:ln>
+                  <a:noFill/>
+                </a:ln>
+                <a:solidFill>
+                  <a:schemeClr val="bg1"/>
+                </a:solidFill>
+                <a:effectLst/>
+                <a:latin typeface="Cambria" panose="02040503050406030204" pitchFamily="18" charset="0"/>
+                <a:ea typeface="Cambria" panose="02040503050406030204" pitchFamily="18" charset="0"/>
+              </a:rPr>
+              <a:t>250] </a:t>
+            </a:r>
+            <a:r>
+              <a:rPr kumimoji="0" lang="es-ES" sz="1100" b="1" i="0" u="none" strike="noStrike" cap="none" normalizeH="0" dirty="0" smtClean="0">
+                <a:ln>
+                  <a:noFill/>
+                </a:ln>
+                <a:solidFill>
+                  <a:schemeClr val="bg1"/>
+                </a:solidFill>
+                <a:effectLst/>
+                <a:latin typeface="Cambria" panose="02040503050406030204" pitchFamily="18" charset="0"/>
+                <a:ea typeface="Cambria" panose="02040503050406030204" pitchFamily="18" charset="0"/>
+              </a:rPr>
+              <a:t>euros por noche.</a:t>
             </a:r>
             <a:endParaRPr kumimoji="0" lang="es-ES" sz="1100" b="1" i="0" u="none" strike="noStrike" cap="none" normalizeH="0" baseline="0" dirty="0" smtClean="0">
               <a:ln>
@@ -5053,7 +10333,8 @@
                 <a:schemeClr val="bg1"/>
               </a:solidFill>
               <a:effectLst/>
-              <a:latin typeface="Arial" charset="0"/>
+              <a:latin typeface="Cambria" panose="02040503050406030204" pitchFamily="18" charset="0"/>
+              <a:ea typeface="Cambria" panose="02040503050406030204" pitchFamily="18" charset="0"/>
             </a:endParaRPr>
           </a:p>
         </p:txBody>
@@ -5078,7 +10359,7 @@
 </p:sld>
 </file>
 
-<file path=ppt/slides/slide8.xml><?xml version="1.0" encoding="utf-8"?>
+<file path=ppt/slides/slide7.xml><?xml version="1.0" encoding="utf-8"?>
 <p:sld xmlns:a="http://schemas.openxmlformats.org/drawingml/2006/main" xmlns:r="http://schemas.openxmlformats.org/officeDocument/2006/relationships" xmlns:p="http://schemas.openxmlformats.org/presentationml/2006/main">
   <p:cSld>
     <p:spTree>
@@ -5097,6 +10378,77 @@
       </p:grpSpPr>
       <p:sp>
         <p:nvSpPr>
+          <p:cNvPr id="5" name="Rectángulo 4"/>
+          <p:cNvSpPr/>
+          <p:nvPr/>
+        </p:nvSpPr>
+        <p:spPr bwMode="auto">
+          <a:xfrm>
+            <a:off x="0" y="999343"/>
+            <a:ext cx="9144000" cy="5858657"/>
+          </a:xfrm>
+          <a:prstGeom prst="rect">
+            <a:avLst/>
+          </a:prstGeom>
+          <a:ln>
+            <a:headEnd type="none" w="med" len="med"/>
+            <a:tailEnd type="none" w="med" len="med"/>
+          </a:ln>
+          <a:extLst/>
+        </p:spPr>
+        <p:style>
+          <a:lnRef idx="2">
+            <a:schemeClr val="accent1"/>
+          </a:lnRef>
+          <a:fillRef idx="1">
+            <a:schemeClr val="lt1"/>
+          </a:fillRef>
+          <a:effectRef idx="0">
+            <a:schemeClr val="accent1"/>
+          </a:effectRef>
+          <a:fontRef idx="minor">
+            <a:schemeClr val="dk1"/>
+          </a:fontRef>
+        </p:style>
+        <p:txBody>
+          <a:bodyPr vert="horz" wrap="square" lIns="91440" tIns="45720" rIns="91440" bIns="45720" numCol="1" rtlCol="0" anchor="t" anchorCtr="0" compatLnSpc="1">
+            <a:prstTxWarp prst="textNoShape">
+              <a:avLst/>
+            </a:prstTxWarp>
+          </a:bodyPr>
+          <a:lstStyle/>
+          <a:p>
+            <a:pPr marL="0" marR="0" indent="0" algn="l" defTabSz="914400" rtl="0" eaLnBrk="1" fontAlgn="base" latinLnBrk="0" hangingPunct="1">
+              <a:lnSpc>
+                <a:spcPct val="100000"/>
+              </a:lnSpc>
+              <a:spcBef>
+                <a:spcPct val="0"/>
+              </a:spcBef>
+              <a:spcAft>
+                <a:spcPct val="0"/>
+              </a:spcAft>
+              <a:buClrTx/>
+              <a:buSzTx/>
+              <a:buFontTx/>
+              <a:buNone/>
+              <a:tabLst/>
+            </a:pPr>
+            <a:endParaRPr kumimoji="0" lang="es-ES" sz="1800" b="1" i="0" u="none" strike="noStrike" cap="none" normalizeH="0" baseline="0" smtClean="0">
+              <a:ln>
+                <a:noFill/>
+              </a:ln>
+              <a:solidFill>
+                <a:schemeClr val="tx1"/>
+              </a:solidFill>
+              <a:effectLst/>
+              <a:latin typeface="Arial" charset="0"/>
+            </a:endParaRPr>
+          </a:p>
+        </p:txBody>
+      </p:sp>
+      <p:sp>
+        <p:nvSpPr>
           <p:cNvPr id="2" name="Título 1"/>
           <p:cNvSpPr>
             <a:spLocks noGrp="1"/>
@@ -5105,16 +10457,27 @@
             <p:ph type="title"/>
           </p:nvPr>
         </p:nvSpPr>
-        <p:spPr/>
+        <p:spPr>
+          <a:xfrm>
+            <a:off x="1403648" y="97309"/>
+            <a:ext cx="8229600" cy="778098"/>
+          </a:xfrm>
+        </p:spPr>
         <p:txBody>
           <a:bodyPr/>
           <a:lstStyle/>
           <a:p>
             <a:r>
-              <a:rPr lang="es-ES" dirty="0" smtClean="0"/>
-              <a:t>Análisis de la oferta</a:t>
-            </a:r>
-            <a:endParaRPr lang="es-ES" dirty="0"/>
+              <a:rPr lang="es-ES" dirty="0" smtClean="0">
+                <a:latin typeface="Cambria" panose="02040503050406030204" pitchFamily="18" charset="0"/>
+                <a:ea typeface="Cambria" panose="02040503050406030204" pitchFamily="18" charset="0"/>
+              </a:rPr>
+              <a:t>Análisis descriptivo</a:t>
+            </a:r>
+            <a:endParaRPr lang="es-ES" dirty="0">
+              <a:latin typeface="Cambria" panose="02040503050406030204" pitchFamily="18" charset="0"/>
+              <a:ea typeface="Cambria" panose="02040503050406030204" pitchFamily="18" charset="0"/>
+            </a:endParaRPr>
           </a:p>
         </p:txBody>
       </p:sp>
@@ -5139,10 +10502,16 @@
           <a:lstStyle/>
           <a:p>
             <a:r>
-              <a:rPr lang="es-ES_tradnl" b="0" i="1" dirty="0" smtClean="0"/>
+              <a:rPr lang="es-ES_tradnl" b="0" i="1" dirty="0" smtClean="0">
+                <a:latin typeface="Cambria" panose="02040503050406030204" pitchFamily="18" charset="0"/>
+                <a:ea typeface="Cambria" panose="02040503050406030204" pitchFamily="18" charset="0"/>
+              </a:rPr>
               <a:t>Caracterizando barrio a barrio</a:t>
             </a:r>
-            <a:endParaRPr lang="es-ES" dirty="0"/>
+            <a:endParaRPr lang="es-ES" dirty="0">
+              <a:latin typeface="Cambria" panose="02040503050406030204" pitchFamily="18" charset="0"/>
+              <a:ea typeface="Cambria" panose="02040503050406030204" pitchFamily="18" charset="0"/>
+            </a:endParaRPr>
           </a:p>
         </p:txBody>
       </p:sp>
@@ -5238,15 +10607,24 @@
               <a:tabLst/>
             </a:pPr>
             <a:r>
-              <a:rPr lang="es-ES" sz="1100" dirty="0" smtClean="0"/>
+              <a:rPr lang="es-ES" sz="1100" dirty="0" smtClean="0">
+                <a:latin typeface="Cambria" panose="02040503050406030204" pitchFamily="18" charset="0"/>
+                <a:ea typeface="Cambria" panose="02040503050406030204" pitchFamily="18" charset="0"/>
+              </a:rPr>
               <a:t>Todos los </a:t>
             </a:r>
             <a:r>
-              <a:rPr lang="es-ES" sz="1100" dirty="0" err="1" smtClean="0"/>
+              <a:rPr lang="es-ES" sz="1100" dirty="0" err="1" smtClean="0">
+                <a:latin typeface="Cambria" panose="02040503050406030204" pitchFamily="18" charset="0"/>
+                <a:ea typeface="Cambria" panose="02040503050406030204" pitchFamily="18" charset="0"/>
+              </a:rPr>
               <a:t>outilers</a:t>
             </a:r>
             <a:r>
-              <a:rPr lang="es-ES" sz="1100" dirty="0" smtClean="0"/>
+              <a:rPr lang="es-ES" sz="1100" dirty="0" smtClean="0">
+                <a:latin typeface="Cambria" panose="02040503050406030204" pitchFamily="18" charset="0"/>
+                <a:ea typeface="Cambria" panose="02040503050406030204" pitchFamily="18" charset="0"/>
+              </a:rPr>
               <a:t> se dan por precio superior al precio de mercado.</a:t>
             </a:r>
             <a:endParaRPr kumimoji="0" lang="es-ES" sz="1100" b="1" i="0" u="none" strike="noStrike" cap="none" normalizeH="0" baseline="0" dirty="0" smtClean="0">
@@ -5257,7 +10635,8 @@
                 <a:schemeClr val="tx1"/>
               </a:solidFill>
               <a:effectLst/>
-              <a:latin typeface="Arial" charset="0"/>
+              <a:latin typeface="Cambria" panose="02040503050406030204" pitchFamily="18" charset="0"/>
+              <a:ea typeface="Cambria" panose="02040503050406030204" pitchFamily="18" charset="0"/>
             </a:endParaRPr>
           </a:p>
         </p:txBody>
@@ -5271,7 +10650,7 @@
         <p:spPr bwMode="auto">
           <a:xfrm>
             <a:off x="462426" y="5877272"/>
-            <a:ext cx="7848872" cy="792088"/>
+            <a:ext cx="7848872" cy="864096"/>
           </a:xfrm>
           <a:prstGeom prst="rect">
             <a:avLst/>
@@ -5304,101 +10683,112 @@
           </a:bodyPr>
           <a:lstStyle/>
           <a:p>
-            <a:pPr marL="0" marR="0" indent="0" algn="l" defTabSz="914400" rtl="0" eaLnBrk="1" fontAlgn="base" latinLnBrk="0" hangingPunct="1">
-              <a:lnSpc>
-                <a:spcPct val="100000"/>
-              </a:lnSpc>
-              <a:spcBef>
-                <a:spcPct val="0"/>
-              </a:spcBef>
-              <a:spcAft>
-                <a:spcPct val="0"/>
-              </a:spcAft>
-              <a:buClrTx/>
-              <a:buSzTx/>
-              <a:buFontTx/>
-              <a:buNone/>
-              <a:tabLst/>
-            </a:pPr>
-            <a:r>
-              <a:rPr kumimoji="0" lang="es-ES" sz="1800" b="1" i="0" u="none" strike="noStrike" cap="none" normalizeH="0" baseline="0" dirty="0" smtClean="0">
-                <a:ln>
-                  <a:noFill/>
-                </a:ln>
+            <a:r>
+              <a:rPr lang="es-ES" dirty="0" smtClean="0">
                 <a:solidFill>
                   <a:schemeClr val="tx1"/>
                 </a:solidFill>
-                <a:effectLst/>
-                <a:latin typeface="Arial" charset="0"/>
-              </a:rPr>
-              <a:t>Según </a:t>
-            </a:r>
-            <a:r>
-              <a:rPr kumimoji="0" lang="es-ES" sz="1800" b="1" i="0" u="none" strike="noStrike" cap="none" normalizeH="0" baseline="0" dirty="0" err="1" smtClean="0">
-                <a:ln>
-                  <a:noFill/>
-                </a:ln>
+                <a:latin typeface="Cambria" panose="02040503050406030204" pitchFamily="18" charset="0"/>
+                <a:ea typeface="Cambria" panose="02040503050406030204" pitchFamily="18" charset="0"/>
+              </a:rPr>
+              <a:t>Los barrios </a:t>
+            </a:r>
+            <a:r>
+              <a:rPr lang="es-ES" i="1" dirty="0" smtClean="0">
                 <a:solidFill>
                   <a:schemeClr val="tx1"/>
                 </a:solidFill>
-                <a:effectLst/>
-                <a:latin typeface="Arial" charset="0"/>
-              </a:rPr>
-              <a:t>Kimes</a:t>
-            </a:r>
-            <a:r>
-              <a:rPr kumimoji="0" lang="es-ES" sz="1800" b="1" i="0" u="none" strike="noStrike" cap="none" normalizeH="0" baseline="0" dirty="0" smtClean="0">
-                <a:ln>
-                  <a:noFill/>
-                </a:ln>
+                <a:latin typeface="Cambria" panose="02040503050406030204" pitchFamily="18" charset="0"/>
+                <a:ea typeface="Cambria" panose="02040503050406030204" pitchFamily="18" charset="0"/>
+              </a:rPr>
+              <a:t>Centro </a:t>
+            </a:r>
+            <a:r>
+              <a:rPr lang="es-ES" dirty="0" smtClean="0">
                 <a:solidFill>
                   <a:schemeClr val="tx1"/>
                 </a:solidFill>
-                <a:effectLst/>
-                <a:latin typeface="Arial" charset="0"/>
-              </a:rPr>
-              <a:t> y </a:t>
-            </a:r>
-            <a:r>
-              <a:rPr kumimoji="0" lang="es-ES" sz="1800" b="1" i="0" u="none" strike="noStrike" cap="none" normalizeH="0" baseline="0" dirty="0" err="1" smtClean="0">
-                <a:ln>
-                  <a:noFill/>
-                </a:ln>
+                <a:latin typeface="Cambria" panose="02040503050406030204" pitchFamily="18" charset="0"/>
+                <a:ea typeface="Cambria" panose="02040503050406030204" pitchFamily="18" charset="0"/>
+              </a:rPr>
+              <a:t>y </a:t>
+            </a:r>
+            <a:r>
+              <a:rPr lang="es-ES" i="1" dirty="0" smtClean="0">
                 <a:solidFill>
                   <a:schemeClr val="tx1"/>
                 </a:solidFill>
-                <a:effectLst/>
-                <a:latin typeface="Arial" charset="0"/>
-              </a:rPr>
-              <a:t>Wirtz</a:t>
-            </a:r>
-            <a:r>
-              <a:rPr kumimoji="0" lang="es-ES" sz="1800" b="1" i="0" u="none" strike="noStrike" cap="none" normalizeH="0" baseline="0" dirty="0" smtClean="0">
-                <a:ln>
-                  <a:noFill/>
-                </a:ln>
+                <a:latin typeface="Cambria" panose="02040503050406030204" pitchFamily="18" charset="0"/>
+                <a:ea typeface="Cambria" panose="02040503050406030204" pitchFamily="18" charset="0"/>
+              </a:rPr>
+              <a:t>Este</a:t>
+            </a:r>
+            <a:r>
+              <a:rPr lang="es-ES" dirty="0" smtClean="0">
                 <a:solidFill>
                   <a:schemeClr val="tx1"/>
                 </a:solidFill>
-                <a:effectLst/>
-                <a:latin typeface="Arial" charset="0"/>
-              </a:rPr>
-              <a:t> (2015), son</a:t>
-            </a:r>
-            <a:r>
-              <a:rPr kumimoji="0" lang="es-ES" sz="1800" b="1" i="0" u="none" strike="noStrike" cap="none" normalizeH="0" dirty="0" smtClean="0">
-                <a:ln>
-                  <a:noFill/>
-                </a:ln>
+                <a:latin typeface="Cambria" panose="02040503050406030204" pitchFamily="18" charset="0"/>
+                <a:ea typeface="Cambria" panose="02040503050406030204" pitchFamily="18" charset="0"/>
+              </a:rPr>
+              <a:t>, los que presentan un mayor número de </a:t>
+            </a:r>
+            <a:r>
+              <a:rPr lang="es-ES" dirty="0" err="1" smtClean="0">
                 <a:solidFill>
                   <a:schemeClr val="tx1"/>
                 </a:solidFill>
-                <a:effectLst/>
-                <a:latin typeface="Arial" charset="0"/>
-              </a:rPr>
-              <a:t> los barrios Centro y Este los que están más por encima del precio de mercado.</a:t>
-            </a:r>
-            <a:endParaRPr kumimoji="0" lang="es-ES" sz="1800" b="1" i="0" u="none" strike="noStrike" cap="none" normalizeH="0" baseline="0" dirty="0" smtClean="0">
+                <a:latin typeface="Cambria" panose="02040503050406030204" pitchFamily="18" charset="0"/>
+                <a:ea typeface="Cambria" panose="02040503050406030204" pitchFamily="18" charset="0"/>
+              </a:rPr>
+              <a:t>outliers</a:t>
+            </a:r>
+            <a:r>
+              <a:rPr lang="es-ES" dirty="0" smtClean="0">
+                <a:solidFill>
+                  <a:schemeClr val="tx1"/>
+                </a:solidFill>
+                <a:latin typeface="Cambria" panose="02040503050406030204" pitchFamily="18" charset="0"/>
+                <a:ea typeface="Cambria" panose="02040503050406030204" pitchFamily="18" charset="0"/>
+              </a:rPr>
+              <a:t>, por tanto, de acuerdo a </a:t>
+            </a:r>
+            <a:r>
+              <a:rPr lang="es-ES" dirty="0" err="1">
+                <a:latin typeface="Cambria" panose="02040503050406030204" pitchFamily="18" charset="0"/>
+                <a:ea typeface="Cambria" panose="02040503050406030204" pitchFamily="18" charset="0"/>
+              </a:rPr>
+              <a:t>Kimes</a:t>
+            </a:r>
+            <a:r>
+              <a:rPr lang="es-ES" dirty="0">
+                <a:latin typeface="Cambria" panose="02040503050406030204" pitchFamily="18" charset="0"/>
+                <a:ea typeface="Cambria" panose="02040503050406030204" pitchFamily="18" charset="0"/>
+              </a:rPr>
+              <a:t> y </a:t>
+            </a:r>
+            <a:r>
+              <a:rPr lang="es-ES" dirty="0" err="1">
+                <a:latin typeface="Cambria" panose="02040503050406030204" pitchFamily="18" charset="0"/>
+                <a:ea typeface="Cambria" panose="02040503050406030204" pitchFamily="18" charset="0"/>
+              </a:rPr>
+              <a:t>Wirtz</a:t>
+            </a:r>
+            <a:r>
+              <a:rPr lang="es-ES" dirty="0">
+                <a:latin typeface="Cambria" panose="02040503050406030204" pitchFamily="18" charset="0"/>
+                <a:ea typeface="Cambria" panose="02040503050406030204" pitchFamily="18" charset="0"/>
+              </a:rPr>
+              <a:t> (2015</a:t>
+            </a:r>
+            <a:r>
+              <a:rPr lang="es-ES" dirty="0" smtClean="0">
+                <a:latin typeface="Cambria" panose="02040503050406030204" pitchFamily="18" charset="0"/>
+                <a:ea typeface="Cambria" panose="02040503050406030204" pitchFamily="18" charset="0"/>
+              </a:rPr>
+              <a:t>) estos serán los barrios con el precio más superior al precio de mercado.</a:t>
+            </a:r>
+            <a:endParaRPr kumimoji="0" lang="es-ES" sz="1800" i="0" u="none" strike="noStrike" cap="none" normalizeH="0" baseline="0" dirty="0" smtClean="0">
               <a:ln>
                 <a:noFill/>
               </a:ln>
@@ -5406,7 +10796,8 @@
                 <a:schemeClr val="tx1"/>
               </a:solidFill>
               <a:effectLst/>
-              <a:latin typeface="Arial" charset="0"/>
+              <a:latin typeface="Cambria" panose="02040503050406030204" pitchFamily="18" charset="0"/>
+              <a:ea typeface="Cambria" panose="02040503050406030204" pitchFamily="18" charset="0"/>
             </a:endParaRPr>
           </a:p>
         </p:txBody>
@@ -5511,7 +10902,7 @@
 </p:sld>
 </file>
 
-<file path=ppt/slides/slide9.xml><?xml version="1.0" encoding="utf-8"?>
+<file path=ppt/slides/slide8.xml><?xml version="1.0" encoding="utf-8"?>
 <p:sld xmlns:a="http://schemas.openxmlformats.org/drawingml/2006/main" xmlns:r="http://schemas.openxmlformats.org/officeDocument/2006/relationships" xmlns:p="http://schemas.openxmlformats.org/presentationml/2006/main">
   <p:cSld>
     <p:spTree>
@@ -5528,9 +10919,80 @@
           <a:chExt cx="0" cy="0"/>
         </a:xfrm>
       </p:grpSpPr>
+      <p:sp>
+        <p:nvSpPr>
+          <p:cNvPr id="2" name="Rectángulo 1"/>
+          <p:cNvSpPr/>
+          <p:nvPr/>
+        </p:nvSpPr>
+        <p:spPr bwMode="auto">
+          <a:xfrm>
+            <a:off x="26377" y="1124744"/>
+            <a:ext cx="9001000" cy="5616624"/>
+          </a:xfrm>
+          <a:prstGeom prst="rect">
+            <a:avLst/>
+          </a:prstGeom>
+          <a:ln>
+            <a:headEnd type="none" w="med" len="med"/>
+            <a:tailEnd type="none" w="med" len="med"/>
+          </a:ln>
+          <a:extLst/>
+        </p:spPr>
+        <p:style>
+          <a:lnRef idx="2">
+            <a:schemeClr val="accent1"/>
+          </a:lnRef>
+          <a:fillRef idx="1">
+            <a:schemeClr val="lt1"/>
+          </a:fillRef>
+          <a:effectRef idx="0">
+            <a:schemeClr val="accent1"/>
+          </a:effectRef>
+          <a:fontRef idx="minor">
+            <a:schemeClr val="dk1"/>
+          </a:fontRef>
+        </p:style>
+        <p:txBody>
+          <a:bodyPr vert="horz" wrap="square" lIns="91440" tIns="45720" rIns="91440" bIns="45720" numCol="1" rtlCol="0" anchor="t" anchorCtr="0" compatLnSpc="1">
+            <a:prstTxWarp prst="textNoShape">
+              <a:avLst/>
+            </a:prstTxWarp>
+          </a:bodyPr>
+          <a:lstStyle/>
+          <a:p>
+            <a:pPr marL="0" marR="0" indent="0" algn="l" defTabSz="914400" rtl="0" eaLnBrk="1" fontAlgn="base" latinLnBrk="0" hangingPunct="1">
+              <a:lnSpc>
+                <a:spcPct val="100000"/>
+              </a:lnSpc>
+              <a:spcBef>
+                <a:spcPct val="0"/>
+              </a:spcBef>
+              <a:spcAft>
+                <a:spcPct val="0"/>
+              </a:spcAft>
+              <a:buClrTx/>
+              <a:buSzTx/>
+              <a:buFontTx/>
+              <a:buNone/>
+              <a:tabLst/>
+            </a:pPr>
+            <a:endParaRPr kumimoji="0" lang="es-ES" sz="1800" b="1" i="0" u="none" strike="noStrike" cap="none" normalizeH="0" baseline="0" smtClean="0">
+              <a:ln>
+                <a:noFill/>
+              </a:ln>
+              <a:solidFill>
+                <a:schemeClr val="tx1"/>
+              </a:solidFill>
+              <a:effectLst/>
+              <a:latin typeface="Arial" charset="0"/>
+            </a:endParaRPr>
+          </a:p>
+        </p:txBody>
+      </p:sp>
       <p:pic>
         <p:nvPicPr>
-          <p:cNvPr id="5" name="Imagen 4"/>
+          <p:cNvPr id="3" name="Imagen 2"/>
           <p:cNvPicPr>
             <a:picLocks noChangeAspect="1"/>
           </p:cNvPicPr>
@@ -5550,24 +11012,248 @@
         </p:blipFill>
         <p:spPr>
           <a:xfrm>
-            <a:off x="107504" y="1052737"/>
-            <a:ext cx="4464496" cy="2736303"/>
+            <a:off x="55467" y="1196752"/>
+            <a:ext cx="8942820" cy="4567242"/>
           </a:xfrm>
           <a:prstGeom prst="rect">
             <a:avLst/>
           </a:prstGeom>
         </p:spPr>
       </p:pic>
+      <p:sp>
+        <p:nvSpPr>
+          <p:cNvPr id="8" name="Llamada ovalada 7"/>
+          <p:cNvSpPr/>
+          <p:nvPr/>
+        </p:nvSpPr>
+        <p:spPr bwMode="auto">
+          <a:xfrm>
+            <a:off x="4499991" y="4077072"/>
+            <a:ext cx="4498295" cy="2448272"/>
+          </a:xfrm>
+          <a:prstGeom prst="wedgeEllipseCallout">
+            <a:avLst>
+              <a:gd name="adj1" fmla="val -70880"/>
+              <a:gd name="adj2" fmla="val 1215"/>
+            </a:avLst>
+          </a:prstGeom>
+          <a:solidFill>
+            <a:schemeClr val="accent1"/>
+          </a:solidFill>
+          <a:ln w="9525" cap="flat" cmpd="sng" algn="ctr">
+            <a:solidFill>
+              <a:schemeClr val="tx1"/>
+            </a:solidFill>
+            <a:prstDash val="solid"/>
+            <a:round/>
+            <a:headEnd type="none" w="med" len="med"/>
+            <a:tailEnd type="none" w="med" len="med"/>
+          </a:ln>
+          <a:effectLst/>
+          <a:extLst>
+            <a:ext uri="{AF507438-7753-43E0-B8FC-AC1667EBCBE1}">
+              <a14:hiddenEffects xmlns:a14="http://schemas.microsoft.com/office/drawing/2010/main">
+                <a:effectLst>
+                  <a:outerShdw dist="35921" dir="2700000" algn="ctr" rotWithShape="0">
+                    <a:schemeClr val="bg2"/>
+                  </a:outerShdw>
+                </a:effectLst>
+              </a14:hiddenEffects>
+            </a:ext>
+          </a:extLst>
+        </p:spPr>
+        <p:txBody>
+          <a:bodyPr vert="horz" wrap="square" lIns="91440" tIns="45720" rIns="91440" bIns="45720" numCol="1" rtlCol="0" anchor="t" anchorCtr="0" compatLnSpc="1">
+            <a:prstTxWarp prst="textNoShape">
+              <a:avLst/>
+            </a:prstTxWarp>
+          </a:bodyPr>
+          <a:lstStyle/>
+          <a:p>
+            <a:pPr marL="0" marR="0" indent="0" algn="l" defTabSz="914400" rtl="0" eaLnBrk="1" fontAlgn="base" latinLnBrk="0" hangingPunct="1">
+              <a:lnSpc>
+                <a:spcPct val="100000"/>
+              </a:lnSpc>
+              <a:spcBef>
+                <a:spcPct val="0"/>
+              </a:spcBef>
+              <a:spcAft>
+                <a:spcPct val="0"/>
+              </a:spcAft>
+              <a:buClrTx/>
+              <a:buSzTx/>
+              <a:buFontTx/>
+              <a:buNone/>
+              <a:tabLst/>
+            </a:pPr>
+            <a:r>
+              <a:rPr kumimoji="0" lang="es-ES" sz="1600" b="1" i="0" u="none" strike="noStrike" cap="none" normalizeH="0" baseline="0" dirty="0" smtClean="0">
+                <a:ln>
+                  <a:noFill/>
+                </a:ln>
+                <a:solidFill>
+                  <a:schemeClr val="bg1"/>
+                </a:solidFill>
+                <a:effectLst/>
+                <a:latin typeface="Cambria" panose="02040503050406030204" pitchFamily="18" charset="0"/>
+                <a:ea typeface="Cambria" panose="02040503050406030204" pitchFamily="18" charset="0"/>
+              </a:rPr>
+              <a:t>Los barrios con mayor nº</a:t>
+            </a:r>
+            <a:r>
+              <a:rPr kumimoji="0" lang="es-ES" sz="1600" b="1" i="0" u="none" strike="noStrike" cap="none" normalizeH="0" dirty="0" smtClean="0">
+                <a:ln>
+                  <a:noFill/>
+                </a:ln>
+                <a:solidFill>
+                  <a:schemeClr val="bg1"/>
+                </a:solidFill>
+                <a:effectLst/>
+                <a:latin typeface="Cambria" panose="02040503050406030204" pitchFamily="18" charset="0"/>
+                <a:ea typeface="Cambria" panose="02040503050406030204" pitchFamily="18" charset="0"/>
+              </a:rPr>
+              <a:t> de anuncios son los que tienen mayores precios, lo que indica que la demanda se concentra en ellos y, pese a tener la mayor oferta, no es suficiente para </a:t>
+            </a:r>
+            <a:r>
+              <a:rPr kumimoji="0" lang="es-ES" sz="1600" b="1" i="0" u="none" strike="noStrike" cap="none" normalizeH="0" dirty="0" smtClean="0">
+                <a:ln>
+                  <a:noFill/>
+                </a:ln>
+                <a:solidFill>
+                  <a:schemeClr val="bg1"/>
+                </a:solidFill>
+                <a:effectLst/>
+                <a:latin typeface="Cambria" panose="02040503050406030204" pitchFamily="18" charset="0"/>
+                <a:ea typeface="Cambria" panose="02040503050406030204" pitchFamily="18" charset="0"/>
+              </a:rPr>
+              <a:t>cubrirla.</a:t>
+            </a:r>
+            <a:endParaRPr kumimoji="0" lang="es-ES" sz="1600" b="1" i="0" u="none" strike="noStrike" cap="none" normalizeH="0" baseline="0" dirty="0" smtClean="0">
+              <a:ln>
+                <a:noFill/>
+              </a:ln>
+              <a:solidFill>
+                <a:schemeClr val="bg1"/>
+              </a:solidFill>
+              <a:effectLst/>
+              <a:latin typeface="Cambria" panose="02040503050406030204" pitchFamily="18" charset="0"/>
+              <a:ea typeface="Cambria" panose="02040503050406030204" pitchFamily="18" charset="0"/>
+            </a:endParaRPr>
+          </a:p>
+        </p:txBody>
+      </p:sp>
+      <p:sp>
+        <p:nvSpPr>
+          <p:cNvPr id="11" name="Título 1"/>
+          <p:cNvSpPr>
+            <a:spLocks noGrp="1"/>
+          </p:cNvSpPr>
+          <p:nvPr>
+            <p:ph type="title"/>
+          </p:nvPr>
+        </p:nvSpPr>
+        <p:spPr>
+          <a:xfrm>
+            <a:off x="1331640" y="-18256"/>
+            <a:ext cx="8229600" cy="1143000"/>
+          </a:xfrm>
+        </p:spPr>
+        <p:txBody>
+          <a:bodyPr/>
+          <a:lstStyle/>
+          <a:p>
+            <a:r>
+              <a:rPr lang="es-ES" dirty="0" smtClean="0">
+                <a:latin typeface="Cambria" panose="02040503050406030204" pitchFamily="18" charset="0"/>
+                <a:ea typeface="Cambria" panose="02040503050406030204" pitchFamily="18" charset="0"/>
+              </a:rPr>
+              <a:t>Análisis descriptivo</a:t>
+            </a:r>
+            <a:endParaRPr lang="es-ES" dirty="0">
+              <a:latin typeface="Cambria" panose="02040503050406030204" pitchFamily="18" charset="0"/>
+              <a:ea typeface="Cambria" panose="02040503050406030204" pitchFamily="18" charset="0"/>
+            </a:endParaRPr>
+          </a:p>
+        </p:txBody>
+      </p:sp>
+    </p:spTree>
+    <p:extLst>
+      <p:ext uri="{BB962C8B-B14F-4D97-AF65-F5344CB8AC3E}">
+        <p14:creationId xmlns:p14="http://schemas.microsoft.com/office/powerpoint/2010/main" val="3269638053"/>
+      </p:ext>
+    </p:extLst>
+  </p:cSld>
+  <p:clrMapOvr>
+    <a:masterClrMapping/>
+  </p:clrMapOvr>
+  <p:timing>
+    <p:tnLst>
+      <p:par>
+        <p:cTn id="1" dur="indefinite" restart="never" nodeType="tmRoot"/>
+      </p:par>
+    </p:tnLst>
+  </p:timing>
+</p:sld>
+</file>
+
+<file path=ppt/slides/slide9.xml><?xml version="1.0" encoding="utf-8"?>
+<p:sld xmlns:a="http://schemas.openxmlformats.org/drawingml/2006/main" xmlns:r="http://schemas.openxmlformats.org/officeDocument/2006/relationships" xmlns:p="http://schemas.openxmlformats.org/presentationml/2006/main">
+  <p:cSld>
+    <p:spTree>
+      <p:nvGrpSpPr>
+        <p:cNvPr id="1" name=""/>
+        <p:cNvGrpSpPr/>
+        <p:nvPr/>
+      </p:nvGrpSpPr>
+      <p:grpSpPr>
+        <a:xfrm>
+          <a:off x="0" y="0"/>
+          <a:ext cx="0" cy="0"/>
+          <a:chOff x="0" y="0"/>
+          <a:chExt cx="0" cy="0"/>
+        </a:xfrm>
+      </p:grpSpPr>
+      <p:sp>
+        <p:nvSpPr>
+          <p:cNvPr id="2" name="Título 1"/>
+          <p:cNvSpPr>
+            <a:spLocks noGrp="1"/>
+          </p:cNvSpPr>
+          <p:nvPr>
+            <p:ph type="title"/>
+          </p:nvPr>
+        </p:nvSpPr>
+        <p:spPr/>
+        <p:txBody>
+          <a:bodyPr/>
+          <a:lstStyle/>
+          <a:p>
+            <a:r>
+              <a:rPr lang="es-ES" dirty="0" smtClean="0">
+                <a:latin typeface="Cambria" panose="02040503050406030204" pitchFamily="18" charset="0"/>
+                <a:ea typeface="Cambria" panose="02040503050406030204" pitchFamily="18" charset="0"/>
+              </a:rPr>
+              <a:t>Modelo de regresión</a:t>
+            </a:r>
+            <a:endParaRPr lang="es-ES" dirty="0">
+              <a:latin typeface="Cambria" panose="02040503050406030204" pitchFamily="18" charset="0"/>
+              <a:ea typeface="Cambria" panose="02040503050406030204" pitchFamily="18" charset="0"/>
+            </a:endParaRPr>
+          </a:p>
+        </p:txBody>
+      </p:sp>
       <p:pic>
         <p:nvPicPr>
-          <p:cNvPr id="6" name="Imagen 5"/>
+          <p:cNvPr id="6" name="Marcador de contenido 5"/>
           <p:cNvPicPr>
-            <a:picLocks noChangeAspect="1"/>
+            <a:picLocks noGrp="1" noChangeAspect="1"/>
           </p:cNvPicPr>
-          <p:nvPr/>
+          <p:nvPr>
+            <p:ph idx="1"/>
+          </p:nvPr>
         </p:nvPicPr>
         <p:blipFill>
-          <a:blip r:embed="rId3">
+          <a:blip r:embed="rId2">
             <a:extLst>
               <a:ext uri="{28A0092B-C50C-407E-A947-70E740481C1C}">
                 <a14:useLocalDpi xmlns:a14="http://schemas.microsoft.com/office/drawing/2010/main" val="0"/>
@@ -5580,48 +11266,604 @@
         </p:blipFill>
         <p:spPr>
           <a:xfrm>
-            <a:off x="4617250" y="1052738"/>
-            <a:ext cx="4495147" cy="2736302"/>
+            <a:off x="-16694" y="2224472"/>
+            <a:ext cx="6275257" cy="4104455"/>
+          </a:xfrm>
+        </p:spPr>
+      </p:pic>
+      <p:sp>
+        <p:nvSpPr>
+          <p:cNvPr id="7" name="Rectángulo 6"/>
+          <p:cNvSpPr/>
+          <p:nvPr/>
+        </p:nvSpPr>
+        <p:spPr bwMode="auto">
+          <a:xfrm>
+            <a:off x="6290511" y="2224472"/>
+            <a:ext cx="2817991" cy="4124599"/>
           </a:xfrm>
           <a:prstGeom prst="rect">
             <a:avLst/>
           </a:prstGeom>
+          <a:ln>
+            <a:headEnd type="none" w="med" len="med"/>
+            <a:tailEnd type="none" w="med" len="med"/>
+          </a:ln>
+          <a:extLst/>
         </p:spPr>
-      </p:pic>
-      <p:pic>
-        <p:nvPicPr>
-          <p:cNvPr id="7" name="Imagen 6"/>
-          <p:cNvPicPr>
-            <a:picLocks noChangeAspect="1"/>
-          </p:cNvPicPr>
+        <p:style>
+          <a:lnRef idx="2">
+            <a:schemeClr val="accent1"/>
+          </a:lnRef>
+          <a:fillRef idx="1">
+            <a:schemeClr val="lt1"/>
+          </a:fillRef>
+          <a:effectRef idx="0">
+            <a:schemeClr val="accent1"/>
+          </a:effectRef>
+          <a:fontRef idx="minor">
+            <a:schemeClr val="dk1"/>
+          </a:fontRef>
+        </p:style>
+        <p:txBody>
+          <a:bodyPr vert="horz" wrap="square" lIns="91440" tIns="45720" rIns="91440" bIns="45720" numCol="1" rtlCol="0" anchor="t" anchorCtr="0" compatLnSpc="1">
+            <a:prstTxWarp prst="textNoShape">
+              <a:avLst/>
+            </a:prstTxWarp>
+          </a:bodyPr>
+          <a:lstStyle/>
+          <a:p>
+            <a:pPr marL="0" marR="0" indent="0" algn="l" defTabSz="914400" rtl="0" eaLnBrk="1" fontAlgn="base" latinLnBrk="0" hangingPunct="1">
+              <a:lnSpc>
+                <a:spcPct val="100000"/>
+              </a:lnSpc>
+              <a:spcBef>
+                <a:spcPct val="0"/>
+              </a:spcBef>
+              <a:spcAft>
+                <a:spcPct val="0"/>
+              </a:spcAft>
+              <a:buClrTx/>
+              <a:buSzTx/>
+              <a:buFontTx/>
+              <a:buNone/>
+              <a:tabLst/>
+            </a:pPr>
+            <a:endParaRPr kumimoji="0" lang="es-ES" sz="1800" b="1" i="0" u="none" strike="noStrike" cap="none" normalizeH="0" baseline="0" smtClean="0">
+              <a:ln>
+                <a:noFill/>
+              </a:ln>
+              <a:solidFill>
+                <a:schemeClr val="tx1"/>
+              </a:solidFill>
+              <a:effectLst/>
+              <a:latin typeface="Arial" charset="0"/>
+            </a:endParaRPr>
+          </a:p>
+        </p:txBody>
+      </p:sp>
+      <p:sp>
+        <p:nvSpPr>
+          <p:cNvPr id="8" name="CuadroTexto 7"/>
+          <p:cNvSpPr txBox="1"/>
           <p:nvPr/>
-        </p:nvPicPr>
-        <p:blipFill>
-          <a:blip r:embed="rId4">
-            <a:extLst>
-              <a:ext uri="{28A0092B-C50C-407E-A947-70E740481C1C}">
-                <a14:useLocalDpi xmlns:a14="http://schemas.microsoft.com/office/drawing/2010/main" val="0"/>
-              </a:ext>
-            </a:extLst>
-          </a:blip>
-          <a:stretch>
-            <a:fillRect/>
-          </a:stretch>
-        </p:blipFill>
+        </p:nvSpPr>
         <p:spPr>
           <a:xfrm>
-            <a:off x="1907704" y="3838548"/>
-            <a:ext cx="5121084" cy="3017782"/>
+            <a:off x="6265750" y="2243445"/>
+            <a:ext cx="2867515" cy="3970318"/>
           </a:xfrm>
           <a:prstGeom prst="rect">
             <a:avLst/>
           </a:prstGeom>
+          <a:noFill/>
         </p:spPr>
-      </p:pic>
+        <p:txBody>
+          <a:bodyPr wrap="square" rtlCol="0">
+            <a:spAutoFit/>
+          </a:bodyPr>
+          <a:lstStyle/>
+          <a:p>
+            <a:r>
+              <a:rPr lang="es-ES" sz="1400" b="0" dirty="0" smtClean="0">
+                <a:latin typeface="Cambria" panose="02040503050406030204" pitchFamily="18" charset="0"/>
+                <a:ea typeface="Cambria" panose="02040503050406030204" pitchFamily="18" charset="0"/>
+                <a:cs typeface="Calibri" panose="020F0502020204030204" pitchFamily="34" charset="0"/>
+              </a:rPr>
+              <a:t>Al 95% de confianza, las variables significativas son:</a:t>
+            </a:r>
+          </a:p>
+          <a:p>
+            <a:pPr marL="285750" indent="-285750">
+              <a:buFont typeface="Arial" panose="020B0604020202020204" pitchFamily="34" charset="0"/>
+              <a:buChar char="•"/>
+            </a:pPr>
+            <a:r>
+              <a:rPr lang="es-ES" sz="1400" b="0" dirty="0" err="1" smtClean="0">
+                <a:latin typeface="Cambria" panose="02040503050406030204" pitchFamily="18" charset="0"/>
+                <a:ea typeface="Cambria" panose="02040503050406030204" pitchFamily="18" charset="0"/>
+                <a:cs typeface="Calibri" panose="020F0502020204030204" pitchFamily="34" charset="0"/>
+              </a:rPr>
+              <a:t>accommodates</a:t>
+            </a:r>
+            <a:r>
+              <a:rPr lang="es-ES" sz="1400" b="0" dirty="0" smtClean="0">
+                <a:latin typeface="Cambria" panose="02040503050406030204" pitchFamily="18" charset="0"/>
+                <a:ea typeface="Cambria" panose="02040503050406030204" pitchFamily="18" charset="0"/>
+                <a:cs typeface="Calibri" panose="020F0502020204030204" pitchFamily="34" charset="0"/>
+              </a:rPr>
+              <a:t> </a:t>
+            </a:r>
+            <a:endParaRPr lang="es-ES" sz="1400" b="0" dirty="0">
+              <a:latin typeface="Cambria" panose="02040503050406030204" pitchFamily="18" charset="0"/>
+              <a:ea typeface="Cambria" panose="02040503050406030204" pitchFamily="18" charset="0"/>
+              <a:cs typeface="Calibri" panose="020F0502020204030204" pitchFamily="34" charset="0"/>
+            </a:endParaRPr>
+          </a:p>
+          <a:p>
+            <a:pPr marL="285750" indent="-285750">
+              <a:buFont typeface="Arial" panose="020B0604020202020204" pitchFamily="34" charset="0"/>
+              <a:buChar char="•"/>
+            </a:pPr>
+            <a:r>
+              <a:rPr lang="es-ES" sz="1400" b="0" dirty="0" err="1" smtClean="0">
+                <a:latin typeface="Cambria" panose="02040503050406030204" pitchFamily="18" charset="0"/>
+                <a:ea typeface="Cambria" panose="02040503050406030204" pitchFamily="18" charset="0"/>
+                <a:cs typeface="Calibri" panose="020F0502020204030204" pitchFamily="34" charset="0"/>
+              </a:rPr>
+              <a:t>host_response_time</a:t>
+            </a:r>
+            <a:r>
+              <a:rPr lang="es-ES" sz="1400" b="0" dirty="0" smtClean="0">
+                <a:latin typeface="Cambria" panose="02040503050406030204" pitchFamily="18" charset="0"/>
+                <a:ea typeface="Cambria" panose="02040503050406030204" pitchFamily="18" charset="0"/>
+                <a:cs typeface="Calibri" panose="020F0502020204030204" pitchFamily="34" charset="0"/>
+              </a:rPr>
+              <a:t> </a:t>
+            </a:r>
+            <a:endParaRPr lang="es-ES" sz="1400" b="0" dirty="0">
+              <a:latin typeface="Cambria" panose="02040503050406030204" pitchFamily="18" charset="0"/>
+              <a:ea typeface="Cambria" panose="02040503050406030204" pitchFamily="18" charset="0"/>
+              <a:cs typeface="Calibri" panose="020F0502020204030204" pitchFamily="34" charset="0"/>
+            </a:endParaRPr>
+          </a:p>
+          <a:p>
+            <a:pPr marL="285750" indent="-285750">
+              <a:buFont typeface="Arial" panose="020B0604020202020204" pitchFamily="34" charset="0"/>
+              <a:buChar char="•"/>
+            </a:pPr>
+            <a:r>
+              <a:rPr lang="es-ES" sz="1400" b="0" dirty="0" err="1" smtClean="0">
+                <a:latin typeface="Cambria" panose="02040503050406030204" pitchFamily="18" charset="0"/>
+                <a:ea typeface="Cambria" panose="02040503050406030204" pitchFamily="18" charset="0"/>
+                <a:cs typeface="Calibri" panose="020F0502020204030204" pitchFamily="34" charset="0"/>
+              </a:rPr>
+              <a:t>bathrooms</a:t>
+            </a:r>
+            <a:r>
+              <a:rPr lang="es-ES" sz="1400" b="0" dirty="0" smtClean="0">
+                <a:latin typeface="Cambria" panose="02040503050406030204" pitchFamily="18" charset="0"/>
+                <a:ea typeface="Cambria" panose="02040503050406030204" pitchFamily="18" charset="0"/>
+                <a:cs typeface="Calibri" panose="020F0502020204030204" pitchFamily="34" charset="0"/>
+              </a:rPr>
+              <a:t> </a:t>
+            </a:r>
+            <a:endParaRPr lang="es-ES" sz="1400" b="0" dirty="0">
+              <a:latin typeface="Cambria" panose="02040503050406030204" pitchFamily="18" charset="0"/>
+              <a:ea typeface="Cambria" panose="02040503050406030204" pitchFamily="18" charset="0"/>
+              <a:cs typeface="Calibri" panose="020F0502020204030204" pitchFamily="34" charset="0"/>
+            </a:endParaRPr>
+          </a:p>
+          <a:p>
+            <a:pPr marL="285750" indent="-285750">
+              <a:buFont typeface="Arial" panose="020B0604020202020204" pitchFamily="34" charset="0"/>
+              <a:buChar char="•"/>
+            </a:pPr>
+            <a:r>
+              <a:rPr lang="es-ES" sz="1400" b="0" dirty="0" err="1" smtClean="0">
+                <a:latin typeface="Cambria" panose="02040503050406030204" pitchFamily="18" charset="0"/>
+                <a:ea typeface="Cambria" panose="02040503050406030204" pitchFamily="18" charset="0"/>
+                <a:cs typeface="Calibri" panose="020F0502020204030204" pitchFamily="34" charset="0"/>
+              </a:rPr>
+              <a:t>beds</a:t>
+            </a:r>
+            <a:r>
+              <a:rPr lang="es-ES" sz="1400" b="0" dirty="0" smtClean="0">
+                <a:latin typeface="Cambria" panose="02040503050406030204" pitchFamily="18" charset="0"/>
+                <a:ea typeface="Cambria" panose="02040503050406030204" pitchFamily="18" charset="0"/>
+                <a:cs typeface="Calibri" panose="020F0502020204030204" pitchFamily="34" charset="0"/>
+              </a:rPr>
+              <a:t> </a:t>
+            </a:r>
+            <a:endParaRPr lang="es-ES" sz="1400" b="0" dirty="0">
+              <a:latin typeface="Cambria" panose="02040503050406030204" pitchFamily="18" charset="0"/>
+              <a:ea typeface="Cambria" panose="02040503050406030204" pitchFamily="18" charset="0"/>
+              <a:cs typeface="Calibri" panose="020F0502020204030204" pitchFamily="34" charset="0"/>
+            </a:endParaRPr>
+          </a:p>
+          <a:p>
+            <a:pPr marL="285750" indent="-285750">
+              <a:buFont typeface="Arial" panose="020B0604020202020204" pitchFamily="34" charset="0"/>
+              <a:buChar char="•"/>
+            </a:pPr>
+            <a:r>
+              <a:rPr lang="es-ES" sz="1400" b="0" dirty="0" err="1" smtClean="0">
+                <a:latin typeface="Cambria" panose="02040503050406030204" pitchFamily="18" charset="0"/>
+                <a:ea typeface="Cambria" panose="02040503050406030204" pitchFamily="18" charset="0"/>
+                <a:cs typeface="Calibri" panose="020F0502020204030204" pitchFamily="34" charset="0"/>
+              </a:rPr>
+              <a:t>host_is_superhost</a:t>
+            </a:r>
+            <a:r>
+              <a:rPr lang="es-ES" sz="1400" b="0" dirty="0" smtClean="0">
+                <a:latin typeface="Cambria" panose="02040503050406030204" pitchFamily="18" charset="0"/>
+                <a:ea typeface="Cambria" panose="02040503050406030204" pitchFamily="18" charset="0"/>
+                <a:cs typeface="Calibri" panose="020F0502020204030204" pitchFamily="34" charset="0"/>
+              </a:rPr>
+              <a:t> </a:t>
+            </a:r>
+            <a:endParaRPr lang="es-ES" sz="1400" b="0" dirty="0">
+              <a:latin typeface="Cambria" panose="02040503050406030204" pitchFamily="18" charset="0"/>
+              <a:ea typeface="Cambria" panose="02040503050406030204" pitchFamily="18" charset="0"/>
+              <a:cs typeface="Calibri" panose="020F0502020204030204" pitchFamily="34" charset="0"/>
+            </a:endParaRPr>
+          </a:p>
+          <a:p>
+            <a:pPr marL="285750" indent="-285750">
+              <a:buFont typeface="Arial" panose="020B0604020202020204" pitchFamily="34" charset="0"/>
+              <a:buChar char="•"/>
+            </a:pPr>
+            <a:r>
+              <a:rPr lang="es-ES" sz="1400" b="0" dirty="0" err="1" smtClean="0">
+                <a:latin typeface="Cambria" panose="02040503050406030204" pitchFamily="18" charset="0"/>
+                <a:ea typeface="Cambria" panose="02040503050406030204" pitchFamily="18" charset="0"/>
+                <a:cs typeface="Calibri" panose="020F0502020204030204" pitchFamily="34" charset="0"/>
+              </a:rPr>
+              <a:t>property_type</a:t>
+            </a:r>
+            <a:r>
+              <a:rPr lang="es-ES" sz="1400" b="0" dirty="0" smtClean="0">
+                <a:latin typeface="Cambria" panose="02040503050406030204" pitchFamily="18" charset="0"/>
+                <a:ea typeface="Cambria" panose="02040503050406030204" pitchFamily="18" charset="0"/>
+                <a:cs typeface="Calibri" panose="020F0502020204030204" pitchFamily="34" charset="0"/>
+              </a:rPr>
+              <a:t> </a:t>
+            </a:r>
+            <a:endParaRPr lang="es-ES" sz="1400" b="0" dirty="0">
+              <a:latin typeface="Cambria" panose="02040503050406030204" pitchFamily="18" charset="0"/>
+              <a:ea typeface="Cambria" panose="02040503050406030204" pitchFamily="18" charset="0"/>
+              <a:cs typeface="Calibri" panose="020F0502020204030204" pitchFamily="34" charset="0"/>
+            </a:endParaRPr>
+          </a:p>
+          <a:p>
+            <a:pPr marL="285750" indent="-285750">
+              <a:buFont typeface="Arial" panose="020B0604020202020204" pitchFamily="34" charset="0"/>
+              <a:buChar char="•"/>
+            </a:pPr>
+            <a:r>
+              <a:rPr lang="es-ES" sz="1400" b="0" dirty="0" err="1" smtClean="0">
+                <a:latin typeface="Cambria" panose="02040503050406030204" pitchFamily="18" charset="0"/>
+                <a:ea typeface="Cambria" panose="02040503050406030204" pitchFamily="18" charset="0"/>
+                <a:cs typeface="Calibri" panose="020F0502020204030204" pitchFamily="34" charset="0"/>
+              </a:rPr>
+              <a:t>room_type</a:t>
+            </a:r>
+            <a:r>
+              <a:rPr lang="es-ES" sz="1400" b="0" dirty="0" smtClean="0">
+                <a:latin typeface="Cambria" panose="02040503050406030204" pitchFamily="18" charset="0"/>
+                <a:ea typeface="Cambria" panose="02040503050406030204" pitchFamily="18" charset="0"/>
+                <a:cs typeface="Calibri" panose="020F0502020204030204" pitchFamily="34" charset="0"/>
+              </a:rPr>
+              <a:t> </a:t>
+            </a:r>
+            <a:endParaRPr lang="es-ES" sz="1400" b="0" dirty="0">
+              <a:latin typeface="Cambria" panose="02040503050406030204" pitchFamily="18" charset="0"/>
+              <a:ea typeface="Cambria" panose="02040503050406030204" pitchFamily="18" charset="0"/>
+              <a:cs typeface="Calibri" panose="020F0502020204030204" pitchFamily="34" charset="0"/>
+            </a:endParaRPr>
+          </a:p>
+          <a:p>
+            <a:pPr marL="285750" indent="-285750">
+              <a:buFont typeface="Arial" panose="020B0604020202020204" pitchFamily="34" charset="0"/>
+              <a:buChar char="•"/>
+            </a:pPr>
+            <a:r>
+              <a:rPr lang="es-ES" sz="1400" b="0" dirty="0" err="1" smtClean="0">
+                <a:latin typeface="Cambria" panose="02040503050406030204" pitchFamily="18" charset="0"/>
+                <a:ea typeface="Cambria" panose="02040503050406030204" pitchFamily="18" charset="0"/>
+                <a:cs typeface="Calibri" panose="020F0502020204030204" pitchFamily="34" charset="0"/>
+              </a:rPr>
+              <a:t>maximum_nights</a:t>
+            </a:r>
+            <a:r>
+              <a:rPr lang="es-ES" sz="1400" b="0" dirty="0" smtClean="0">
+                <a:latin typeface="Cambria" panose="02040503050406030204" pitchFamily="18" charset="0"/>
+                <a:ea typeface="Cambria" panose="02040503050406030204" pitchFamily="18" charset="0"/>
+                <a:cs typeface="Calibri" panose="020F0502020204030204" pitchFamily="34" charset="0"/>
+              </a:rPr>
+              <a:t> </a:t>
+            </a:r>
+            <a:endParaRPr lang="es-ES" sz="1400" b="0" dirty="0">
+              <a:latin typeface="Cambria" panose="02040503050406030204" pitchFamily="18" charset="0"/>
+              <a:ea typeface="Cambria" panose="02040503050406030204" pitchFamily="18" charset="0"/>
+              <a:cs typeface="Calibri" panose="020F0502020204030204" pitchFamily="34" charset="0"/>
+            </a:endParaRPr>
+          </a:p>
+          <a:p>
+            <a:pPr marL="285750" indent="-285750">
+              <a:buFont typeface="Arial" panose="020B0604020202020204" pitchFamily="34" charset="0"/>
+              <a:buChar char="•"/>
+            </a:pPr>
+            <a:r>
+              <a:rPr lang="es-ES" sz="1400" b="0" dirty="0" err="1" smtClean="0">
+                <a:latin typeface="Cambria" panose="02040503050406030204" pitchFamily="18" charset="0"/>
+                <a:ea typeface="Cambria" panose="02040503050406030204" pitchFamily="18" charset="0"/>
+                <a:cs typeface="Calibri" panose="020F0502020204030204" pitchFamily="34" charset="0"/>
+              </a:rPr>
+              <a:t>minimum_nights</a:t>
+            </a:r>
+            <a:r>
+              <a:rPr lang="es-ES" sz="1400" b="0" dirty="0" smtClean="0">
+                <a:latin typeface="Cambria" panose="02040503050406030204" pitchFamily="18" charset="0"/>
+                <a:ea typeface="Cambria" panose="02040503050406030204" pitchFamily="18" charset="0"/>
+                <a:cs typeface="Calibri" panose="020F0502020204030204" pitchFamily="34" charset="0"/>
+              </a:rPr>
+              <a:t> </a:t>
+            </a:r>
+            <a:endParaRPr lang="es-ES" sz="1400" b="0" dirty="0">
+              <a:latin typeface="Cambria" panose="02040503050406030204" pitchFamily="18" charset="0"/>
+              <a:ea typeface="Cambria" panose="02040503050406030204" pitchFamily="18" charset="0"/>
+              <a:cs typeface="Calibri" panose="020F0502020204030204" pitchFamily="34" charset="0"/>
+            </a:endParaRPr>
+          </a:p>
+          <a:p>
+            <a:pPr marL="285750" indent="-285750">
+              <a:buFont typeface="Arial" panose="020B0604020202020204" pitchFamily="34" charset="0"/>
+              <a:buChar char="•"/>
+            </a:pPr>
+            <a:r>
+              <a:rPr lang="es-ES" sz="1400" b="0" dirty="0" err="1" smtClean="0">
+                <a:latin typeface="Cambria" panose="02040503050406030204" pitchFamily="18" charset="0"/>
+                <a:ea typeface="Cambria" panose="02040503050406030204" pitchFamily="18" charset="0"/>
+                <a:cs typeface="Calibri" panose="020F0502020204030204" pitchFamily="34" charset="0"/>
+              </a:rPr>
+              <a:t>neighbourhood_cleansedCarretera</a:t>
+            </a:r>
+            <a:r>
+              <a:rPr lang="es-ES" sz="1400" b="0" dirty="0" smtClean="0">
+                <a:latin typeface="Cambria" panose="02040503050406030204" pitchFamily="18" charset="0"/>
+                <a:ea typeface="Cambria" panose="02040503050406030204" pitchFamily="18" charset="0"/>
+                <a:cs typeface="Calibri" panose="020F0502020204030204" pitchFamily="34" charset="0"/>
+              </a:rPr>
+              <a:t> </a:t>
+            </a:r>
+            <a:r>
+              <a:rPr lang="es-ES" sz="1400" b="0" dirty="0">
+                <a:latin typeface="Cambria" panose="02040503050406030204" pitchFamily="18" charset="0"/>
+                <a:ea typeface="Cambria" panose="02040503050406030204" pitchFamily="18" charset="0"/>
+                <a:cs typeface="Calibri" panose="020F0502020204030204" pitchFamily="34" charset="0"/>
+              </a:rPr>
+              <a:t>de Cádiz </a:t>
+            </a:r>
+          </a:p>
+          <a:p>
+            <a:pPr marL="285750" indent="-285750">
+              <a:buFont typeface="Arial" panose="020B0604020202020204" pitchFamily="34" charset="0"/>
+              <a:buChar char="•"/>
+            </a:pPr>
+            <a:r>
+              <a:rPr lang="es-ES" sz="1400" b="0" dirty="0" err="1" smtClean="0">
+                <a:latin typeface="Cambria" panose="02040503050406030204" pitchFamily="18" charset="0"/>
+                <a:ea typeface="Cambria" panose="02040503050406030204" pitchFamily="18" charset="0"/>
+                <a:cs typeface="Calibri" panose="020F0502020204030204" pitchFamily="34" charset="0"/>
+              </a:rPr>
+              <a:t>neighbourhood_cleansedCentro</a:t>
+            </a:r>
+            <a:r>
+              <a:rPr lang="es-ES" sz="1400" b="0" dirty="0" smtClean="0">
+                <a:latin typeface="Cambria" panose="02040503050406030204" pitchFamily="18" charset="0"/>
+                <a:ea typeface="Cambria" panose="02040503050406030204" pitchFamily="18" charset="0"/>
+                <a:cs typeface="Calibri" panose="020F0502020204030204" pitchFamily="34" charset="0"/>
+              </a:rPr>
+              <a:t> </a:t>
+            </a:r>
+            <a:endParaRPr lang="es-ES" sz="1400" b="0" dirty="0">
+              <a:latin typeface="Cambria" panose="02040503050406030204" pitchFamily="18" charset="0"/>
+              <a:ea typeface="Cambria" panose="02040503050406030204" pitchFamily="18" charset="0"/>
+              <a:cs typeface="Calibri" panose="020F0502020204030204" pitchFamily="34" charset="0"/>
+            </a:endParaRPr>
+          </a:p>
+          <a:p>
+            <a:pPr marL="285750" indent="-285750">
+              <a:buFont typeface="Arial" panose="020B0604020202020204" pitchFamily="34" charset="0"/>
+              <a:buChar char="•"/>
+            </a:pPr>
+            <a:r>
+              <a:rPr lang="es-ES" sz="1400" b="0" dirty="0" err="1" smtClean="0">
+                <a:latin typeface="Cambria" panose="02040503050406030204" pitchFamily="18" charset="0"/>
+                <a:ea typeface="Cambria" panose="02040503050406030204" pitchFamily="18" charset="0"/>
+                <a:cs typeface="Calibri" panose="020F0502020204030204" pitchFamily="34" charset="0"/>
+              </a:rPr>
+              <a:t>neighbourhood_cleansedCruz</a:t>
+            </a:r>
+            <a:r>
+              <a:rPr lang="es-ES" sz="1400" b="0" dirty="0" smtClean="0">
+                <a:latin typeface="Cambria" panose="02040503050406030204" pitchFamily="18" charset="0"/>
+                <a:ea typeface="Cambria" panose="02040503050406030204" pitchFamily="18" charset="0"/>
+                <a:cs typeface="Calibri" panose="020F0502020204030204" pitchFamily="34" charset="0"/>
+              </a:rPr>
+              <a:t> </a:t>
+            </a:r>
+            <a:r>
+              <a:rPr lang="es-ES" sz="1400" b="0" dirty="0">
+                <a:latin typeface="Cambria" panose="02040503050406030204" pitchFamily="18" charset="0"/>
+                <a:ea typeface="Cambria" panose="02040503050406030204" pitchFamily="18" charset="0"/>
+                <a:cs typeface="Calibri" panose="020F0502020204030204" pitchFamily="34" charset="0"/>
+              </a:rPr>
+              <a:t>de Humilladero </a:t>
+            </a:r>
+          </a:p>
+          <a:p>
+            <a:pPr marL="285750" indent="-285750">
+              <a:buFont typeface="Arial" panose="020B0604020202020204" pitchFamily="34" charset="0"/>
+              <a:buChar char="•"/>
+            </a:pPr>
+            <a:r>
+              <a:rPr lang="es-ES" sz="1400" b="0" dirty="0" err="1" smtClean="0">
+                <a:latin typeface="Cambria" panose="02040503050406030204" pitchFamily="18" charset="0"/>
+                <a:ea typeface="Cambria" panose="02040503050406030204" pitchFamily="18" charset="0"/>
+                <a:cs typeface="Calibri" panose="020F0502020204030204" pitchFamily="34" charset="0"/>
+              </a:rPr>
+              <a:t>neighbourhood_cleansedEste</a:t>
+            </a:r>
+            <a:r>
+              <a:rPr lang="es-ES" sz="1400" b="0" dirty="0" smtClean="0">
+                <a:latin typeface="Cambria" panose="02040503050406030204" pitchFamily="18" charset="0"/>
+                <a:ea typeface="Cambria" panose="02040503050406030204" pitchFamily="18" charset="0"/>
+                <a:cs typeface="Calibri" panose="020F0502020204030204" pitchFamily="34" charset="0"/>
+              </a:rPr>
+              <a:t> </a:t>
+            </a:r>
+            <a:endParaRPr lang="es-ES" sz="1400" b="0" dirty="0">
+              <a:latin typeface="Cambria" panose="02040503050406030204" pitchFamily="18" charset="0"/>
+              <a:ea typeface="Cambria" panose="02040503050406030204" pitchFamily="18" charset="0"/>
+              <a:cs typeface="Calibri" panose="020F0502020204030204" pitchFamily="34" charset="0"/>
+            </a:endParaRPr>
+          </a:p>
+        </p:txBody>
+      </p:sp>
+      <p:sp>
+        <p:nvSpPr>
+          <p:cNvPr id="9" name="Rectángulo 8"/>
+          <p:cNvSpPr/>
+          <p:nvPr/>
+        </p:nvSpPr>
+        <p:spPr bwMode="auto">
+          <a:xfrm>
+            <a:off x="35496" y="1124744"/>
+            <a:ext cx="9073008" cy="864096"/>
+          </a:xfrm>
+          <a:prstGeom prst="rect">
+            <a:avLst/>
+          </a:prstGeom>
+          <a:ln>
+            <a:headEnd type="none" w="med" len="med"/>
+            <a:tailEnd type="none" w="med" len="med"/>
+          </a:ln>
+          <a:extLst/>
+        </p:spPr>
+        <p:style>
+          <a:lnRef idx="2">
+            <a:schemeClr val="accent1"/>
+          </a:lnRef>
+          <a:fillRef idx="1">
+            <a:schemeClr val="lt1"/>
+          </a:fillRef>
+          <a:effectRef idx="0">
+            <a:schemeClr val="accent1"/>
+          </a:effectRef>
+          <a:fontRef idx="minor">
+            <a:schemeClr val="dk1"/>
+          </a:fontRef>
+        </p:style>
+        <p:txBody>
+          <a:bodyPr vert="horz" wrap="square" lIns="91440" tIns="45720" rIns="91440" bIns="45720" numCol="1" rtlCol="0" anchor="t" anchorCtr="0" compatLnSpc="1">
+            <a:prstTxWarp prst="textNoShape">
+              <a:avLst/>
+            </a:prstTxWarp>
+          </a:bodyPr>
+          <a:lstStyle/>
+          <a:p>
+            <a:pPr marL="0" marR="0" indent="0" algn="l" defTabSz="914400" rtl="0" eaLnBrk="1" fontAlgn="base" latinLnBrk="0" hangingPunct="1">
+              <a:lnSpc>
+                <a:spcPct val="100000"/>
+              </a:lnSpc>
+              <a:spcBef>
+                <a:spcPct val="0"/>
+              </a:spcBef>
+              <a:spcAft>
+                <a:spcPct val="0"/>
+              </a:spcAft>
+              <a:buClrTx/>
+              <a:buSzTx/>
+              <a:buFontTx/>
+              <a:buNone/>
+              <a:tabLst/>
+            </a:pPr>
+            <a:endParaRPr kumimoji="0" lang="es-ES" sz="1800" b="1" i="0" u="none" strike="noStrike" cap="none" normalizeH="0" baseline="0" smtClean="0">
+              <a:ln>
+                <a:noFill/>
+              </a:ln>
+              <a:solidFill>
+                <a:schemeClr val="tx1"/>
+              </a:solidFill>
+              <a:effectLst/>
+              <a:latin typeface="Arial" charset="0"/>
+            </a:endParaRPr>
+          </a:p>
+        </p:txBody>
+      </p:sp>
+      <p:sp>
+        <p:nvSpPr>
+          <p:cNvPr id="10" name="CuadroTexto 9"/>
+          <p:cNvSpPr txBox="1"/>
+          <p:nvPr/>
+        </p:nvSpPr>
+        <p:spPr>
+          <a:xfrm>
+            <a:off x="0" y="1196752"/>
+            <a:ext cx="9108504" cy="646331"/>
+          </a:xfrm>
+          <a:prstGeom prst="rect">
+            <a:avLst/>
+          </a:prstGeom>
+          <a:noFill/>
+        </p:spPr>
+        <p:txBody>
+          <a:bodyPr wrap="square" rtlCol="0">
+            <a:spAutoFit/>
+          </a:bodyPr>
+          <a:lstStyle/>
+          <a:p>
+            <a:r>
+              <a:rPr lang="es-ES" dirty="0" smtClean="0">
+                <a:latin typeface="Cambria" panose="02040503050406030204" pitchFamily="18" charset="0"/>
+                <a:ea typeface="Cambria" panose="02040503050406030204" pitchFamily="18" charset="0"/>
+              </a:rPr>
+              <a:t>¿Qué variables, de las que se pueden observar en los anuncios de </a:t>
+            </a:r>
+            <a:r>
+              <a:rPr lang="es-ES" dirty="0" err="1" smtClean="0">
+                <a:latin typeface="Cambria" panose="02040503050406030204" pitchFamily="18" charset="0"/>
+                <a:ea typeface="Cambria" panose="02040503050406030204" pitchFamily="18" charset="0"/>
+              </a:rPr>
+              <a:t>Airbnb</a:t>
+            </a:r>
+            <a:r>
+              <a:rPr lang="es-ES" dirty="0" smtClean="0">
+                <a:latin typeface="Cambria" panose="02040503050406030204" pitchFamily="18" charset="0"/>
+                <a:ea typeface="Cambria" panose="02040503050406030204" pitchFamily="18" charset="0"/>
+              </a:rPr>
+              <a:t>, </a:t>
+            </a:r>
+            <a:r>
+              <a:rPr lang="es-ES" dirty="0" smtClean="0">
+                <a:latin typeface="Cambria" panose="02040503050406030204" pitchFamily="18" charset="0"/>
+                <a:ea typeface="Cambria" panose="02040503050406030204" pitchFamily="18" charset="0"/>
+              </a:rPr>
+              <a:t>determinan el precio del alojamiento por noche?</a:t>
+            </a:r>
+            <a:endParaRPr lang="es-ES" dirty="0">
+              <a:latin typeface="Cambria" panose="02040503050406030204" pitchFamily="18" charset="0"/>
+              <a:ea typeface="Cambria" panose="02040503050406030204" pitchFamily="18" charset="0"/>
+            </a:endParaRPr>
+          </a:p>
+        </p:txBody>
+      </p:sp>
     </p:spTree>
     <p:extLst>
       <p:ext uri="{BB962C8B-B14F-4D97-AF65-F5344CB8AC3E}">
-        <p14:creationId xmlns:p14="http://schemas.microsoft.com/office/powerpoint/2010/main" val="3269638053"/>
+        <p14:creationId xmlns:p14="http://schemas.microsoft.com/office/powerpoint/2010/main" val="4289643723"/>
       </p:ext>
     </p:extLst>
   </p:cSld>

--- a/Presentación TFM.pptx
+++ b/Presentación TFM.pptx
@@ -5,10 +5,10 @@
     <p:sldMasterId id="2147483648" r:id="rId1"/>
   </p:sldMasterIdLst>
   <p:notesMasterIdLst>
-    <p:notesMasterId r:id="rId19"/>
+    <p:notesMasterId r:id="rId18"/>
   </p:notesMasterIdLst>
   <p:handoutMasterIdLst>
-    <p:handoutMasterId r:id="rId20"/>
+    <p:handoutMasterId r:id="rId19"/>
   </p:handoutMasterIdLst>
   <p:sldIdLst>
     <p:sldId id="256" r:id="rId2"/>
@@ -26,8 +26,7 @@
     <p:sldId id="269" r:id="rId14"/>
     <p:sldId id="271" r:id="rId15"/>
     <p:sldId id="272" r:id="rId16"/>
-    <p:sldId id="273" r:id="rId17"/>
-    <p:sldId id="258" r:id="rId18"/>
+    <p:sldId id="258" r:id="rId17"/>
   </p:sldIdLst>
   <p:sldSz cx="9144000" cy="6858000" type="screen4x3"/>
   <p:notesSz cx="6858000" cy="9144000"/>
@@ -3353,27 +3352,7 @@
                 <a:latin typeface="Cambria" panose="02040503050406030204" pitchFamily="18" charset="0"/>
                 <a:ea typeface="Cambria" panose="02040503050406030204" pitchFamily="18" charset="0"/>
               </a:rPr>
-              <a:t> sea 1. </a:t>
-            </a:r>
-            <a:r>
-              <a:rPr lang="es-ES" sz="1400" dirty="0" smtClean="0">
-                <a:solidFill>
-                  <a:schemeClr val="tx1"/>
-                </a:solidFill>
-                <a:latin typeface="Cambria" panose="02040503050406030204" pitchFamily="18" charset="0"/>
-                <a:ea typeface="Cambria" panose="02040503050406030204" pitchFamily="18" charset="0"/>
-              </a:rPr>
-              <a:t>Aun </a:t>
-            </a:r>
-            <a:r>
-              <a:rPr lang="es-ES" sz="1400" dirty="0" smtClean="0">
-                <a:solidFill>
-                  <a:schemeClr val="tx1"/>
-                </a:solidFill>
-                <a:latin typeface="Cambria" panose="02040503050406030204" pitchFamily="18" charset="0"/>
-                <a:ea typeface="Cambria" panose="02040503050406030204" pitchFamily="18" charset="0"/>
-              </a:rPr>
-              <a:t>así, se realizan 4 en este estudio.</a:t>
+              <a:t> sea 1. Aun así, se realizan 4 en este estudio.</a:t>
             </a:r>
             <a:endParaRPr kumimoji="0" lang="es-ES" sz="1400" b="1" i="0" u="none" strike="noStrike" cap="none" normalizeH="0" baseline="0" dirty="0" smtClean="0">
               <a:ln>
@@ -3726,7 +3705,7 @@
         <p:spPr>
           <a:xfrm>
             <a:off x="4721589" y="5100436"/>
-            <a:ext cx="4397595" cy="1477328"/>
+            <a:ext cx="4397595" cy="1661993"/>
           </a:xfrm>
           <a:prstGeom prst="rect">
             <a:avLst/>
@@ -3740,7 +3719,7 @@
           <a:lstStyle/>
           <a:p>
             <a:r>
-              <a:rPr lang="es-ES" b="0" dirty="0" smtClean="0">
+              <a:rPr lang="es-ES" sz="1700" b="0" dirty="0" smtClean="0">
                 <a:latin typeface="Cambria" panose="02040503050406030204" pitchFamily="18" charset="0"/>
                 <a:ea typeface="Cambria" panose="02040503050406030204" pitchFamily="18" charset="0"/>
               </a:rPr>
@@ -3749,48 +3728,120 @@
           </a:p>
           <a:p>
             <a:r>
-              <a:rPr lang="en-GB" i="1" dirty="0">
-                <a:latin typeface="Cambria" panose="02040503050406030204" pitchFamily="18" charset="0"/>
-                <a:ea typeface="Cambria" panose="02040503050406030204" pitchFamily="18" charset="0"/>
-              </a:rPr>
-              <a:t>accommodates, beds, bathrooms, </a:t>
-            </a:r>
-            <a:r>
-              <a:rPr lang="en-GB" i="1" dirty="0" err="1" smtClean="0">
+              <a:rPr lang="en-GB" sz="1700" dirty="0" smtClean="0">
+                <a:effectLst>
+                  <a:outerShdw blurRad="38100" dist="38100" dir="2700000" algn="tl">
+                    <a:srgbClr val="000000">
+                      <a:alpha val="43137"/>
+                    </a:srgbClr>
+                  </a:outerShdw>
+                </a:effectLst>
+                <a:latin typeface="Cambria" panose="02040503050406030204" pitchFamily="18" charset="0"/>
+                <a:ea typeface="Cambria" panose="02040503050406030204" pitchFamily="18" charset="0"/>
+              </a:rPr>
+              <a:t>CP1</a:t>
+            </a:r>
+            <a:r>
+              <a:rPr lang="en-GB" sz="1700" dirty="0" smtClean="0">
+                <a:latin typeface="Cambria" panose="02040503050406030204" pitchFamily="18" charset="0"/>
+                <a:ea typeface="Cambria" panose="02040503050406030204" pitchFamily="18" charset="0"/>
+              </a:rPr>
+              <a:t>: </a:t>
+            </a:r>
+            <a:r>
+              <a:rPr lang="en-GB" sz="1700" i="1" dirty="0" smtClean="0">
+                <a:latin typeface="Cambria" panose="02040503050406030204" pitchFamily="18" charset="0"/>
+                <a:ea typeface="Cambria" panose="02040503050406030204" pitchFamily="18" charset="0"/>
+              </a:rPr>
+              <a:t>accommodates</a:t>
+            </a:r>
+            <a:r>
+              <a:rPr lang="en-GB" sz="1700" i="1" dirty="0">
+                <a:latin typeface="Cambria" panose="02040503050406030204" pitchFamily="18" charset="0"/>
+                <a:ea typeface="Cambria" panose="02040503050406030204" pitchFamily="18" charset="0"/>
+              </a:rPr>
+              <a:t>, </a:t>
+            </a:r>
+            <a:r>
+              <a:rPr lang="en-GB" sz="1700" i="1" dirty="0" smtClean="0">
+                <a:latin typeface="Cambria" panose="02040503050406030204" pitchFamily="18" charset="0"/>
+                <a:ea typeface="Cambria" panose="02040503050406030204" pitchFamily="18" charset="0"/>
+              </a:rPr>
+              <a:t>beds, price</a:t>
+            </a:r>
+          </a:p>
+          <a:p>
+            <a:r>
+              <a:rPr lang="en-GB" sz="1700" dirty="0" smtClean="0">
+                <a:effectLst>
+                  <a:outerShdw blurRad="38100" dist="38100" dir="2700000" algn="tl">
+                    <a:srgbClr val="000000">
+                      <a:alpha val="43137"/>
+                    </a:srgbClr>
+                  </a:outerShdw>
+                </a:effectLst>
+                <a:latin typeface="Cambria" panose="02040503050406030204" pitchFamily="18" charset="0"/>
+                <a:ea typeface="Cambria" panose="02040503050406030204" pitchFamily="18" charset="0"/>
+              </a:rPr>
+              <a:t>CP2</a:t>
+            </a:r>
+            <a:r>
+              <a:rPr lang="en-GB" sz="1700" dirty="0" smtClean="0">
+                <a:latin typeface="Cambria" panose="02040503050406030204" pitchFamily="18" charset="0"/>
+                <a:ea typeface="Cambria" panose="02040503050406030204" pitchFamily="18" charset="0"/>
+              </a:rPr>
+              <a:t>: </a:t>
+            </a:r>
+            <a:r>
+              <a:rPr lang="en-GB" sz="1700" i="1" dirty="0" smtClean="0">
+                <a:latin typeface="Cambria" panose="02040503050406030204" pitchFamily="18" charset="0"/>
+                <a:ea typeface="Cambria" panose="02040503050406030204" pitchFamily="18" charset="0"/>
+              </a:rPr>
+              <a:t>bathrooms</a:t>
+            </a:r>
+            <a:r>
+              <a:rPr lang="en-GB" sz="1700" i="1" dirty="0">
+                <a:latin typeface="Cambria" panose="02040503050406030204" pitchFamily="18" charset="0"/>
+                <a:ea typeface="Cambria" panose="02040503050406030204" pitchFamily="18" charset="0"/>
+              </a:rPr>
+              <a:t>, </a:t>
+            </a:r>
+            <a:r>
+              <a:rPr lang="en-GB" sz="1700" i="1" dirty="0" err="1" smtClean="0">
                 <a:latin typeface="Cambria" panose="02040503050406030204" pitchFamily="18" charset="0"/>
                 <a:ea typeface="Cambria" panose="02040503050406030204" pitchFamily="18" charset="0"/>
               </a:rPr>
               <a:t>room_type</a:t>
             </a:r>
             <a:r>
-              <a:rPr lang="en-GB" i="1" dirty="0">
+              <a:rPr lang="en-GB" sz="1700" i="1" dirty="0">
                 <a:latin typeface="Cambria" panose="02040503050406030204" pitchFamily="18" charset="0"/>
                 <a:ea typeface="Cambria" panose="02040503050406030204" pitchFamily="18" charset="0"/>
               </a:rPr>
               <a:t>,</a:t>
             </a:r>
             <a:r>
-              <a:rPr lang="en-GB" i="1" dirty="0" smtClean="0">
+              <a:rPr lang="en-GB" sz="1700" i="1" dirty="0" smtClean="0">
                 <a:latin typeface="Cambria" panose="02040503050406030204" pitchFamily="18" charset="0"/>
                 <a:ea typeface="Cambria" panose="02040503050406030204" pitchFamily="18" charset="0"/>
               </a:rPr>
               <a:t> </a:t>
             </a:r>
             <a:r>
-              <a:rPr lang="en-GB" i="1" dirty="0" err="1">
+              <a:rPr lang="en-GB" sz="1700" i="1" dirty="0" err="1">
                 <a:latin typeface="Cambria" panose="02040503050406030204" pitchFamily="18" charset="0"/>
                 <a:ea typeface="Cambria" panose="02040503050406030204" pitchFamily="18" charset="0"/>
               </a:rPr>
               <a:t>neighbourhood_cleansed</a:t>
             </a:r>
             <a:r>
-              <a:rPr lang="en-GB" i="1" dirty="0">
+              <a:rPr lang="en-GB" sz="1700" i="1" dirty="0">
                 <a:latin typeface="Cambria" panose="02040503050406030204" pitchFamily="18" charset="0"/>
                 <a:ea typeface="Cambria" panose="02040503050406030204" pitchFamily="18" charset="0"/>
               </a:rPr>
               <a:t> </a:t>
             </a:r>
-            <a:endParaRPr lang="es-ES" dirty="0">
+            <a:endParaRPr lang="es-ES" sz="1700" dirty="0">
               <a:latin typeface="Cambria" panose="02040503050406030204" pitchFamily="18" charset="0"/>
               <a:ea typeface="Cambria" panose="02040503050406030204" pitchFamily="18" charset="0"/>
             </a:endParaRPr>
@@ -4420,7 +4471,7 @@
         <p:spPr bwMode="auto">
           <a:xfrm>
             <a:off x="4354261" y="1844824"/>
-            <a:ext cx="4320481" cy="4680520"/>
+            <a:ext cx="4320481" cy="4104456"/>
           </a:xfrm>
           <a:prstGeom prst="rect">
             <a:avLst/>
@@ -4603,26 +4654,60 @@
           <a:lstStyle/>
           <a:p>
             <a:r>
+              <a:rPr lang="es-ES" sz="1600" b="1" dirty="0" smtClean="0">
+                <a:latin typeface="Cambria" panose="02040503050406030204" pitchFamily="18" charset="0"/>
+                <a:ea typeface="Cambria" panose="02040503050406030204" pitchFamily="18" charset="0"/>
+              </a:rPr>
+              <a:t>Centro </a:t>
+            </a:r>
+            <a:r>
               <a:rPr lang="es-ES" sz="1600" dirty="0" smtClean="0">
                 <a:latin typeface="Cambria" panose="02040503050406030204" pitchFamily="18" charset="0"/>
                 <a:ea typeface="Cambria" panose="02040503050406030204" pitchFamily="18" charset="0"/>
               </a:rPr>
-              <a:t>El mayor número de anuncios se da en </a:t>
+              <a:t>acumula la mayor parte de la oferta.</a:t>
+            </a:r>
+          </a:p>
+          <a:p>
+            <a:pPr marL="0" indent="0">
+              <a:buNone/>
+            </a:pPr>
+            <a:endParaRPr lang="es-ES" sz="1600" dirty="0" smtClean="0">
+              <a:latin typeface="Cambria" panose="02040503050406030204" pitchFamily="18" charset="0"/>
+              <a:ea typeface="Cambria" panose="02040503050406030204" pitchFamily="18" charset="0"/>
+            </a:endParaRPr>
+          </a:p>
+          <a:p>
+            <a:r>
+              <a:rPr lang="es-ES" sz="1600" dirty="0" smtClean="0">
+                <a:latin typeface="Cambria" panose="02040503050406030204" pitchFamily="18" charset="0"/>
+                <a:ea typeface="Cambria" panose="02040503050406030204" pitchFamily="18" charset="0"/>
+              </a:rPr>
+              <a:t>El rango más común de precios por noche es </a:t>
             </a:r>
             <a:r>
               <a:rPr lang="es-ES" sz="1600" b="1" dirty="0" smtClean="0">
                 <a:latin typeface="Cambria" panose="02040503050406030204" pitchFamily="18" charset="0"/>
                 <a:ea typeface="Cambria" panose="02040503050406030204" pitchFamily="18" charset="0"/>
               </a:rPr>
-              <a:t>Centro</a:t>
+              <a:t>]0, 250]</a:t>
             </a:r>
             <a:r>
               <a:rPr lang="es-ES" sz="1600" dirty="0" smtClean="0">
                 <a:latin typeface="Cambria" panose="02040503050406030204" pitchFamily="18" charset="0"/>
                 <a:ea typeface="Cambria" panose="02040503050406030204" pitchFamily="18" charset="0"/>
               </a:rPr>
-              <a:t>, barrio que acumula la mayor parte de la oferta.</a:t>
-            </a:r>
+              <a:t>.</a:t>
+            </a:r>
+          </a:p>
+          <a:p>
+            <a:pPr marL="0" indent="0">
+              <a:buNone/>
+            </a:pPr>
+            <a:endParaRPr lang="es-ES" sz="1600" dirty="0" smtClean="0">
+              <a:latin typeface="Cambria" panose="02040503050406030204" pitchFamily="18" charset="0"/>
+              <a:ea typeface="Cambria" panose="02040503050406030204" pitchFamily="18" charset="0"/>
+            </a:endParaRPr>
           </a:p>
           <a:p>
             <a:r>
@@ -4630,82 +4715,89 @@
                 <a:latin typeface="Cambria" panose="02040503050406030204" pitchFamily="18" charset="0"/>
                 <a:ea typeface="Cambria" panose="02040503050406030204" pitchFamily="18" charset="0"/>
               </a:rPr>
-              <a:t>El rango más común de precios por noche es </a:t>
-            </a:r>
-            <a:r>
-              <a:rPr lang="es-ES" sz="1600" b="1" dirty="0" smtClean="0">
-                <a:latin typeface="Cambria" panose="02040503050406030204" pitchFamily="18" charset="0"/>
-                <a:ea typeface="Cambria" panose="02040503050406030204" pitchFamily="18" charset="0"/>
-              </a:rPr>
-              <a:t>]0, 250]</a:t>
+              <a:t>Determinantes del precio:</a:t>
+            </a:r>
+          </a:p>
+          <a:p>
+            <a:pPr marL="0" indent="0">
+              <a:buNone/>
+            </a:pPr>
+            <a:r>
+              <a:rPr lang="es-ES" sz="1600" dirty="0">
+                <a:latin typeface="Cambria" panose="02040503050406030204" pitchFamily="18" charset="0"/>
+                <a:ea typeface="Cambria" panose="02040503050406030204" pitchFamily="18" charset="0"/>
+              </a:rPr>
+              <a:t>	</a:t>
             </a:r>
             <a:r>
               <a:rPr lang="es-ES" sz="1600" dirty="0" smtClean="0">
                 <a:latin typeface="Cambria" panose="02040503050406030204" pitchFamily="18" charset="0"/>
                 <a:ea typeface="Cambria" panose="02040503050406030204" pitchFamily="18" charset="0"/>
               </a:rPr>
-              <a:t>.</a:t>
-            </a:r>
-          </a:p>
-          <a:p>
+              <a:t>- </a:t>
+            </a:r>
+            <a:r>
+              <a:rPr lang="es-ES" sz="1600" b="1" i="1" dirty="0" err="1" smtClean="0">
+                <a:latin typeface="Cambria" panose="02040503050406030204" pitchFamily="18" charset="0"/>
+                <a:ea typeface="Cambria" panose="02040503050406030204" pitchFamily="18" charset="0"/>
+              </a:rPr>
+              <a:t>bathroom</a:t>
+            </a:r>
+            <a:r>
+              <a:rPr lang="es-ES" sz="1600" b="1" i="1" dirty="0" smtClean="0">
+                <a:latin typeface="Cambria" panose="02040503050406030204" pitchFamily="18" charset="0"/>
+                <a:ea typeface="Cambria" panose="02040503050406030204" pitchFamily="18" charset="0"/>
+              </a:rPr>
+              <a:t> </a:t>
+            </a:r>
             <a:r>
               <a:rPr lang="es-ES" sz="1600" dirty="0" smtClean="0">
                 <a:latin typeface="Cambria" panose="02040503050406030204" pitchFamily="18" charset="0"/>
                 <a:ea typeface="Cambria" panose="02040503050406030204" pitchFamily="18" charset="0"/>
               </a:rPr>
-              <a:t>De las variables que determinan el precio de los anuncios, </a:t>
+              <a:t>y </a:t>
             </a:r>
             <a:r>
               <a:rPr lang="es-ES" sz="1600" b="1" i="1" dirty="0" err="1" smtClean="0">
                 <a:latin typeface="Cambria" panose="02040503050406030204" pitchFamily="18" charset="0"/>
                 <a:ea typeface="Cambria" panose="02040503050406030204" pitchFamily="18" charset="0"/>
               </a:rPr>
-              <a:t>bathroom</a:t>
-            </a:r>
-            <a:r>
-              <a:rPr lang="es-ES" sz="1600" b="1" i="1" dirty="0" smtClean="0">
-                <a:latin typeface="Cambria" panose="02040503050406030204" pitchFamily="18" charset="0"/>
-                <a:ea typeface="Cambria" panose="02040503050406030204" pitchFamily="18" charset="0"/>
-              </a:rPr>
-              <a:t> </a:t>
+              <a:t>room_type</a:t>
+            </a:r>
+            <a:endParaRPr lang="es-ES" sz="1600" dirty="0" smtClean="0">
+              <a:latin typeface="Cambria" panose="02040503050406030204" pitchFamily="18" charset="0"/>
+              <a:ea typeface="Cambria" panose="02040503050406030204" pitchFamily="18" charset="0"/>
+            </a:endParaRPr>
+          </a:p>
+          <a:p>
+            <a:pPr marL="0" indent="0">
+              <a:buNone/>
+            </a:pPr>
+            <a:r>
+              <a:rPr lang="es-ES" sz="1600" dirty="0">
+                <a:latin typeface="Cambria" panose="02040503050406030204" pitchFamily="18" charset="0"/>
+                <a:ea typeface="Cambria" panose="02040503050406030204" pitchFamily="18" charset="0"/>
+              </a:rPr>
+              <a:t>	</a:t>
             </a:r>
             <a:r>
               <a:rPr lang="es-ES" sz="1600" dirty="0" smtClean="0">
                 <a:latin typeface="Cambria" panose="02040503050406030204" pitchFamily="18" charset="0"/>
                 <a:ea typeface="Cambria" panose="02040503050406030204" pitchFamily="18" charset="0"/>
               </a:rPr>
-              <a:t>y </a:t>
+              <a:t>-</a:t>
             </a:r>
             <a:r>
               <a:rPr lang="es-ES" sz="1600" b="1" i="1" dirty="0" err="1" smtClean="0">
                 <a:latin typeface="Cambria" panose="02040503050406030204" pitchFamily="18" charset="0"/>
                 <a:ea typeface="Cambria" panose="02040503050406030204" pitchFamily="18" charset="0"/>
               </a:rPr>
-              <a:t>room_type</a:t>
-            </a:r>
-            <a:r>
-              <a:rPr lang="es-ES" sz="1600" dirty="0" smtClean="0">
-                <a:latin typeface="Cambria" panose="02040503050406030204" pitchFamily="18" charset="0"/>
-                <a:ea typeface="Cambria" panose="02040503050406030204" pitchFamily="18" charset="0"/>
-              </a:rPr>
-              <a:t> son las dos con más peso.</a:t>
-            </a:r>
-          </a:p>
-          <a:p>
-            <a:r>
-              <a:rPr lang="es-ES" sz="1600" dirty="0" smtClean="0">
-                <a:latin typeface="Cambria" panose="02040503050406030204" pitchFamily="18" charset="0"/>
-                <a:ea typeface="Cambria" panose="02040503050406030204" pitchFamily="18" charset="0"/>
-              </a:rPr>
-              <a:t>Por tanto, los tres principales factores que determinan el precio por noche de un alojamiento turístico no hostelero son: </a:t>
-            </a:r>
-            <a:r>
-              <a:rPr lang="es-ES" sz="1600" b="1" dirty="0" smtClean="0">
-                <a:latin typeface="Cambria" panose="02040503050406030204" pitchFamily="18" charset="0"/>
-                <a:ea typeface="Cambria" panose="02040503050406030204" pitchFamily="18" charset="0"/>
-              </a:rPr>
-              <a:t>El barrio en que se encuentra, el número de baños y el tipo de habitación que se oferta.</a:t>
-            </a:r>
+              <a:t>neighbourhood_cleansed</a:t>
+            </a:r>
+            <a:endParaRPr lang="es-ES" sz="1600" dirty="0" smtClean="0">
+              <a:latin typeface="Cambria" panose="02040503050406030204" pitchFamily="18" charset="0"/>
+              <a:ea typeface="Cambria" panose="02040503050406030204" pitchFamily="18" charset="0"/>
+            </a:endParaRPr>
           </a:p>
           <a:p>
             <a:pPr marL="0" indent="0">
@@ -4731,7 +4823,7 @@
         <p:spPr>
           <a:xfrm>
             <a:off x="4354261" y="1844824"/>
-            <a:ext cx="4320480" cy="5111750"/>
+            <a:ext cx="4320480" cy="3168352"/>
           </a:xfrm>
         </p:spPr>
         <p:txBody>
@@ -4743,7 +4835,21 @@
                 <a:latin typeface="Cambria" panose="02040503050406030204" pitchFamily="18" charset="0"/>
                 <a:ea typeface="Cambria" panose="02040503050406030204" pitchFamily="18" charset="0"/>
               </a:rPr>
-              <a:t>El efecto de </a:t>
+              <a:t>4 </a:t>
+            </a:r>
+            <a:r>
+              <a:rPr lang="es-ES" sz="1600" dirty="0" err="1" smtClean="0">
+                <a:latin typeface="Cambria" panose="02040503050406030204" pitchFamily="18" charset="0"/>
+                <a:ea typeface="Cambria" panose="02040503050406030204" pitchFamily="18" charset="0"/>
+              </a:rPr>
+              <a:t>clusters</a:t>
+            </a:r>
+            <a:r>
+              <a:rPr lang="es-ES" sz="1600" dirty="0" smtClean="0">
+                <a:latin typeface="Cambria" panose="02040503050406030204" pitchFamily="18" charset="0"/>
+                <a:ea typeface="Cambria" panose="02040503050406030204" pitchFamily="18" charset="0"/>
+              </a:rPr>
+              <a:t> a pesar de </a:t>
             </a:r>
             <a:r>
               <a:rPr lang="es-ES" sz="1600" b="1" dirty="0" smtClean="0">
@@ -4757,84 +4863,246 @@
                 <a:latin typeface="Cambria" panose="02040503050406030204" pitchFamily="18" charset="0"/>
                 <a:ea typeface="Cambria" panose="02040503050406030204" pitchFamily="18" charset="0"/>
               </a:rPr>
-              <a:t> eclipsa el efecto del resto de los barrios, haciendo que el número óptimo de </a:t>
-            </a:r>
-            <a:r>
-              <a:rPr lang="es-ES" sz="1600" dirty="0" err="1" smtClean="0">
-                <a:latin typeface="Cambria" panose="02040503050406030204" pitchFamily="18" charset="0"/>
-                <a:ea typeface="Cambria" panose="02040503050406030204" pitchFamily="18" charset="0"/>
-              </a:rPr>
-              <a:t>clusters</a:t>
+              <a:t>.</a:t>
+            </a:r>
+          </a:p>
+          <a:p>
+            <a:pPr marL="0" indent="0">
+              <a:buNone/>
+            </a:pPr>
+            <a:endParaRPr lang="es-ES" sz="1600" dirty="0" smtClean="0">
+              <a:latin typeface="Cambria" panose="02040503050406030204" pitchFamily="18" charset="0"/>
+              <a:ea typeface="Cambria" panose="02040503050406030204" pitchFamily="18" charset="0"/>
+            </a:endParaRPr>
+          </a:p>
+          <a:p>
+            <a:r>
+              <a:rPr lang="es-ES" sz="1600" b="1" dirty="0" smtClean="0">
+                <a:latin typeface="Cambria" panose="02040503050406030204" pitchFamily="18" charset="0"/>
+                <a:ea typeface="Cambria" panose="02040503050406030204" pitchFamily="18" charset="0"/>
+              </a:rPr>
+              <a:t>CP1</a:t>
             </a:r>
             <a:r>
               <a:rPr lang="es-ES" sz="1600" dirty="0" smtClean="0">
                 <a:latin typeface="Cambria" panose="02040503050406030204" pitchFamily="18" charset="0"/>
                 <a:ea typeface="Cambria" panose="02040503050406030204" pitchFamily="18" charset="0"/>
               </a:rPr>
-              <a:t> sea 1 pese a que se calculen 4.</a:t>
-            </a:r>
-          </a:p>
-          <a:p>
+              <a:t>: Costo y alojamiento</a:t>
+            </a:r>
+            <a:endParaRPr lang="es-ES" sz="1600" b="1" dirty="0" smtClean="0">
+              <a:latin typeface="Cambria" panose="02040503050406030204" pitchFamily="18" charset="0"/>
+              <a:ea typeface="Cambria" panose="02040503050406030204" pitchFamily="18" charset="0"/>
+            </a:endParaRPr>
+          </a:p>
+          <a:p>
+            <a:pPr marL="0" indent="0">
+              <a:buNone/>
+            </a:pPr>
+            <a:r>
+              <a:rPr lang="es-ES" sz="1600" dirty="0">
+                <a:latin typeface="Cambria" panose="02040503050406030204" pitchFamily="18" charset="0"/>
+                <a:ea typeface="Cambria" panose="02040503050406030204" pitchFamily="18" charset="0"/>
+              </a:rPr>
+              <a:t>	-Variedad                     </a:t>
+            </a:r>
             <a:r>
               <a:rPr lang="es-ES" sz="1600" dirty="0" smtClean="0">
                 <a:latin typeface="Cambria" panose="02040503050406030204" pitchFamily="18" charset="0"/>
                 <a:ea typeface="Cambria" panose="02040503050406030204" pitchFamily="18" charset="0"/>
               </a:rPr>
-              <a:t>La primera componente principal</a:t>
+              <a:t>        </a:t>
+            </a:r>
+            <a:r>
+              <a:rPr lang="es-ES" sz="1600" b="1" dirty="0" smtClean="0">
+                <a:latin typeface="Cambria" panose="02040503050406030204" pitchFamily="18" charset="0"/>
+                <a:ea typeface="Cambria" panose="02040503050406030204" pitchFamily="18" charset="0"/>
+              </a:rPr>
+              <a:t>Factores              </a:t>
+            </a:r>
+            <a:r>
+              <a:rPr lang="es-ES" sz="1600" dirty="0" smtClean="0">
+                <a:latin typeface="Cambria" panose="02040503050406030204" pitchFamily="18" charset="0"/>
+                <a:ea typeface="Cambria" panose="02040503050406030204" pitchFamily="18" charset="0"/>
+              </a:rPr>
+              <a:t> </a:t>
+            </a:r>
+            <a:r>
+              <a:rPr lang="es-ES" sz="1600" dirty="0" smtClean="0">
+                <a:latin typeface="Cambria" panose="02040503050406030204" pitchFamily="18" charset="0"/>
+                <a:ea typeface="Cambria" panose="02040503050406030204" pitchFamily="18" charset="0"/>
+              </a:rPr>
+              <a:t>	-</a:t>
             </a:r>
             <a:r>
               <a:rPr lang="es-ES" sz="1600" dirty="0">
                 <a:latin typeface="Cambria" panose="02040503050406030204" pitchFamily="18" charset="0"/>
                 <a:ea typeface="Cambria" panose="02040503050406030204" pitchFamily="18" charset="0"/>
               </a:rPr>
-              <a:t>,</a:t>
+              <a:t>Capacidad </a:t>
+            </a:r>
+            <a:r>
+              <a:rPr lang="es-ES" sz="1600" b="1" dirty="0" smtClean="0">
+                <a:latin typeface="Cambria" panose="02040503050406030204" pitchFamily="18" charset="0"/>
+                <a:ea typeface="Cambria" panose="02040503050406030204" pitchFamily="18" charset="0"/>
+              </a:rPr>
+              <a:t>                  </a:t>
+            </a:r>
+            <a:r>
+              <a:rPr lang="es-ES" sz="1600" b="1" dirty="0" smtClean="0">
+                <a:latin typeface="Cambria" panose="02040503050406030204" pitchFamily="18" charset="0"/>
+                <a:ea typeface="Cambria" panose="02040503050406030204" pitchFamily="18" charset="0"/>
+              </a:rPr>
+              <a:t>        clave</a:t>
+            </a:r>
+          </a:p>
+          <a:p>
+            <a:pPr marL="0" indent="0">
+              <a:buNone/>
+            </a:pPr>
+            <a:r>
+              <a:rPr lang="es-ES" sz="1600" b="1" dirty="0">
+                <a:latin typeface="Cambria" panose="02040503050406030204" pitchFamily="18" charset="0"/>
+                <a:ea typeface="Cambria" panose="02040503050406030204" pitchFamily="18" charset="0"/>
+              </a:rPr>
+              <a:t> </a:t>
+            </a:r>
+            <a:r>
+              <a:rPr lang="es-ES" sz="1600" b="1" dirty="0" smtClean="0">
+                <a:latin typeface="Cambria" panose="02040503050406030204" pitchFamily="18" charset="0"/>
+                <a:ea typeface="Cambria" panose="02040503050406030204" pitchFamily="18" charset="0"/>
+              </a:rPr>
+              <a:t>                    </a:t>
             </a:r>
             <a:r>
               <a:rPr lang="es-ES" sz="1600" dirty="0" smtClean="0">
                 <a:latin typeface="Cambria" panose="02040503050406030204" pitchFamily="18" charset="0"/>
                 <a:ea typeface="Cambria" panose="02040503050406030204" pitchFamily="18" charset="0"/>
               </a:rPr>
-              <a:t> </a:t>
-            </a:r>
+              <a:t>-Camas disponibles</a:t>
+            </a:r>
+            <a:endParaRPr lang="es-ES" sz="1600" dirty="0" smtClean="0">
+              <a:latin typeface="Cambria" panose="02040503050406030204" pitchFamily="18" charset="0"/>
+              <a:ea typeface="Cambria" panose="02040503050406030204" pitchFamily="18" charset="0"/>
+            </a:endParaRPr>
+          </a:p>
+          <a:p>
+            <a:pPr marL="0" indent="0">
+              <a:buNone/>
+            </a:pPr>
+            <a:r>
+              <a:rPr lang="es-ES" sz="1600" dirty="0" smtClean="0">
+                <a:latin typeface="Cambria" panose="02040503050406030204" pitchFamily="18" charset="0"/>
+                <a:ea typeface="Cambria" panose="02040503050406030204" pitchFamily="18" charset="0"/>
+              </a:rPr>
+              <a:t>	     </a:t>
+            </a:r>
+          </a:p>
+          <a:p>
             <a:r>
               <a:rPr lang="es-ES" sz="1600" b="1" dirty="0" smtClean="0">
                 <a:latin typeface="Cambria" panose="02040503050406030204" pitchFamily="18" charset="0"/>
                 <a:ea typeface="Cambria" panose="02040503050406030204" pitchFamily="18" charset="0"/>
               </a:rPr>
-              <a:t>CP1</a:t>
+              <a:t>CP2</a:t>
             </a:r>
             <a:r>
               <a:rPr lang="es-ES" sz="1600" dirty="0" smtClean="0">
                 <a:latin typeface="Cambria" panose="02040503050406030204" pitchFamily="18" charset="0"/>
                 <a:ea typeface="Cambria" panose="02040503050406030204" pitchFamily="18" charset="0"/>
               </a:rPr>
-              <a:t>, relacionada con la capacidad y el costo del alojamiento, muestra que la variedad en el tipo de alojamiento, así como su capacidad de alojamiento y camas disponibles son factores claves en las preferencias de los usuarios.</a:t>
-            </a:r>
-          </a:p>
-          <a:p>
+              <a:t>: Calidad y ubicación</a:t>
+            </a:r>
+          </a:p>
+          <a:p>
+            <a:pPr marL="0" indent="0">
+              <a:buNone/>
+            </a:pPr>
+            <a:r>
+              <a:rPr lang="es-ES" sz="1600" b="1" dirty="0">
+                <a:latin typeface="Cambria" panose="02040503050406030204" pitchFamily="18" charset="0"/>
+                <a:ea typeface="Cambria" panose="02040503050406030204" pitchFamily="18" charset="0"/>
+              </a:rPr>
+              <a:t>	</a:t>
+            </a:r>
             <a:r>
               <a:rPr lang="es-ES" sz="1600" dirty="0" smtClean="0">
                 <a:latin typeface="Cambria" panose="02040503050406030204" pitchFamily="18" charset="0"/>
                 <a:ea typeface="Cambria" panose="02040503050406030204" pitchFamily="18" charset="0"/>
               </a:rPr>
-              <a:t>La segunda componente principal, </a:t>
+              <a:t>-Nº de baños</a:t>
+            </a:r>
+          </a:p>
+          <a:p>
+            <a:pPr marL="0" indent="0">
+              <a:buNone/>
+            </a:pPr>
+            <a:r>
+              <a:rPr lang="es-ES" sz="1600" b="1" dirty="0">
+                <a:latin typeface="Cambria" panose="02040503050406030204" pitchFamily="18" charset="0"/>
+                <a:ea typeface="Cambria" panose="02040503050406030204" pitchFamily="18" charset="0"/>
+              </a:rPr>
+              <a:t>	</a:t>
+            </a:r>
+            <a:r>
+              <a:rPr lang="es-ES" sz="1600" dirty="0" smtClean="0">
+                <a:latin typeface="Cambria" panose="02040503050406030204" pitchFamily="18" charset="0"/>
+                <a:ea typeface="Cambria" panose="02040503050406030204" pitchFamily="18" charset="0"/>
+              </a:rPr>
+              <a:t>-Tipo de habitación        </a:t>
             </a:r>
             <a:r>
               <a:rPr lang="es-ES" sz="1600" b="1" dirty="0" smtClean="0">
                 <a:latin typeface="Cambria" panose="02040503050406030204" pitchFamily="18" charset="0"/>
                 <a:ea typeface="Cambria" panose="02040503050406030204" pitchFamily="18" charset="0"/>
               </a:rPr>
-              <a:t>CP2</a:t>
+              <a:t>Factores</a:t>
             </a:r>
             <a:r>
               <a:rPr lang="es-ES" sz="1600" dirty="0" smtClean="0">
                 <a:latin typeface="Cambria" panose="02040503050406030204" pitchFamily="18" charset="0"/>
                 <a:ea typeface="Cambria" panose="02040503050406030204" pitchFamily="18" charset="0"/>
               </a:rPr>
-              <a:t>, relacionada con la calidad de los alojamientos y su ubicación, muestra que el número de baños, los tipos de habitaciones de los alojamientos y el barrio en que se encuentra el alojamiento influyen a su vez también las preferencias de los usuarios.</a:t>
-            </a:r>
-          </a:p>
-          <a:p>
+              <a:t>       </a:t>
+            </a:r>
+          </a:p>
+          <a:p>
+            <a:pPr marL="0" indent="0">
+              <a:buNone/>
+            </a:pPr>
+            <a:r>
+              <a:rPr lang="es-ES" sz="1600" b="1" dirty="0">
+                <a:latin typeface="Cambria" panose="02040503050406030204" pitchFamily="18" charset="0"/>
+                <a:ea typeface="Cambria" panose="02040503050406030204" pitchFamily="18" charset="0"/>
+              </a:rPr>
+              <a:t>	</a:t>
+            </a:r>
+            <a:r>
+              <a:rPr lang="es-ES" sz="1600" b="1" dirty="0" smtClean="0">
+                <a:latin typeface="Cambria" panose="02040503050406030204" pitchFamily="18" charset="0"/>
+                <a:ea typeface="Cambria" panose="02040503050406030204" pitchFamily="18" charset="0"/>
+              </a:rPr>
+              <a:t>-</a:t>
+            </a:r>
+            <a:r>
+              <a:rPr lang="es-ES" sz="1600" dirty="0" smtClean="0">
+                <a:latin typeface="Cambria" panose="02040503050406030204" pitchFamily="18" charset="0"/>
+                <a:ea typeface="Cambria" panose="02040503050406030204" pitchFamily="18" charset="0"/>
+              </a:rPr>
+              <a:t>Barrio                                 </a:t>
+            </a:r>
+            <a:r>
+              <a:rPr lang="es-ES" sz="1600" b="1" dirty="0" smtClean="0">
+                <a:latin typeface="Cambria" panose="02040503050406030204" pitchFamily="18" charset="0"/>
+                <a:ea typeface="Cambria" panose="02040503050406030204" pitchFamily="18" charset="0"/>
+              </a:rPr>
+              <a:t>clave</a:t>
+            </a:r>
+          </a:p>
+          <a:p>
+            <a:pPr marL="0" indent="0">
+              <a:buNone/>
+            </a:pPr>
             <a:endParaRPr lang="es-ES" sz="1400" dirty="0" smtClean="0">
               <a:latin typeface="Cambria" panose="02040503050406030204" pitchFamily="18" charset="0"/>
               <a:ea typeface="Cambria" panose="02040503050406030204" pitchFamily="18" charset="0"/>
@@ -5023,6 +5291,154 @@
                   </a:srgbClr>
                 </a:outerShdw>
               </a:effectLst>
+              <a:latin typeface="Arial" charset="0"/>
+            </a:endParaRPr>
+          </a:p>
+        </p:txBody>
+      </p:sp>
+      <p:sp>
+        <p:nvSpPr>
+          <p:cNvPr id="6" name="Cerrar llave 5"/>
+          <p:cNvSpPr/>
+          <p:nvPr/>
+        </p:nvSpPr>
+        <p:spPr bwMode="auto">
+          <a:xfrm>
+            <a:off x="7154053" y="2744073"/>
+            <a:ext cx="226259" cy="684928"/>
+          </a:xfrm>
+          <a:prstGeom prst="rightBrace">
+            <a:avLst>
+              <a:gd name="adj1" fmla="val 8333"/>
+              <a:gd name="adj2" fmla="val 55795"/>
+            </a:avLst>
+          </a:prstGeom>
+          <a:ln>
+            <a:headEnd type="none" w="med" len="med"/>
+            <a:tailEnd type="none" w="med" len="med"/>
+          </a:ln>
+          <a:extLst/>
+        </p:spPr>
+        <p:style>
+          <a:lnRef idx="1">
+            <a:schemeClr val="accent1"/>
+          </a:lnRef>
+          <a:fillRef idx="0">
+            <a:schemeClr val="accent1"/>
+          </a:fillRef>
+          <a:effectRef idx="0">
+            <a:schemeClr val="accent1"/>
+          </a:effectRef>
+          <a:fontRef idx="minor">
+            <a:schemeClr val="tx1"/>
+          </a:fontRef>
+        </p:style>
+        <p:txBody>
+          <a:bodyPr vert="horz" wrap="square" lIns="91440" tIns="45720" rIns="91440" bIns="45720" numCol="1" rtlCol="0" anchor="t" anchorCtr="0" compatLnSpc="1">
+            <a:prstTxWarp prst="textNoShape">
+              <a:avLst/>
+            </a:prstTxWarp>
+          </a:bodyPr>
+          <a:lstStyle/>
+          <a:p>
+            <a:pPr marL="0" marR="0" indent="0" algn="l" defTabSz="914400" rtl="0" eaLnBrk="1" fontAlgn="base" latinLnBrk="0" hangingPunct="1">
+              <a:lnSpc>
+                <a:spcPct val="100000"/>
+              </a:lnSpc>
+              <a:spcBef>
+                <a:spcPct val="0"/>
+              </a:spcBef>
+              <a:spcAft>
+                <a:spcPct val="0"/>
+              </a:spcAft>
+              <a:buClrTx/>
+              <a:buSzTx/>
+              <a:buFontTx/>
+              <a:buNone/>
+              <a:tabLst/>
+            </a:pPr>
+            <a:endParaRPr kumimoji="0" lang="es-ES" sz="1800" b="1" i="0" u="none" strike="noStrike" cap="none" normalizeH="0" baseline="0" smtClean="0">
+              <a:ln>
+                <a:noFill/>
+              </a:ln>
+              <a:solidFill>
+                <a:schemeClr val="tx1"/>
+              </a:solidFill>
+              <a:effectLst/>
+              <a:latin typeface="Arial" charset="0"/>
+            </a:endParaRPr>
+          </a:p>
+        </p:txBody>
+      </p:sp>
+      <p:sp>
+        <p:nvSpPr>
+          <p:cNvPr id="10" name="Cerrar llave 9"/>
+          <p:cNvSpPr/>
+          <p:nvPr/>
+        </p:nvSpPr>
+        <p:spPr bwMode="auto">
+          <a:xfrm>
+            <a:off x="7010037" y="4218957"/>
+            <a:ext cx="288032" cy="723400"/>
+          </a:xfrm>
+          <a:prstGeom prst="rightBrace">
+            <a:avLst>
+              <a:gd name="adj1" fmla="val 8333"/>
+              <a:gd name="adj2" fmla="val 55795"/>
+            </a:avLst>
+          </a:prstGeom>
+          <a:ln>
+            <a:headEnd type="none" w="med" len="med"/>
+            <a:tailEnd type="none" w="med" len="med"/>
+          </a:ln>
+          <a:extLst/>
+        </p:spPr>
+        <p:style>
+          <a:lnRef idx="1">
+            <a:schemeClr val="accent1"/>
+          </a:lnRef>
+          <a:fillRef idx="0">
+            <a:schemeClr val="accent1"/>
+          </a:fillRef>
+          <a:effectRef idx="0">
+            <a:schemeClr val="accent1"/>
+          </a:effectRef>
+          <a:fontRef idx="minor">
+            <a:schemeClr val="tx1"/>
+          </a:fontRef>
+        </p:style>
+        <p:txBody>
+          <a:bodyPr vert="horz" wrap="square" lIns="91440" tIns="45720" rIns="91440" bIns="45720" numCol="1" rtlCol="0" anchor="t" anchorCtr="0" compatLnSpc="1">
+            <a:prstTxWarp prst="textNoShape">
+              <a:avLst/>
+            </a:prstTxWarp>
+          </a:bodyPr>
+          <a:lstStyle/>
+          <a:p>
+            <a:pPr marL="0" marR="0" indent="0" algn="l" defTabSz="914400" rtl="0" eaLnBrk="1" fontAlgn="base" latinLnBrk="0" hangingPunct="1">
+              <a:lnSpc>
+                <a:spcPct val="100000"/>
+              </a:lnSpc>
+              <a:spcBef>
+                <a:spcPct val="0"/>
+              </a:spcBef>
+              <a:spcAft>
+                <a:spcPct val="0"/>
+              </a:spcAft>
+              <a:buClrTx/>
+              <a:buSzTx/>
+              <a:buFontTx/>
+              <a:buNone/>
+              <a:tabLst/>
+            </a:pPr>
+            <a:endParaRPr kumimoji="0" lang="es-ES" sz="1800" b="1" i="0" u="none" strike="noStrike" cap="none" normalizeH="0" baseline="0" smtClean="0">
+              <a:ln>
+                <a:noFill/>
+              </a:ln>
+              <a:solidFill>
+                <a:schemeClr val="tx1"/>
+              </a:solidFill>
+              <a:effectLst/>
               <a:latin typeface="Arial" charset="0"/>
             </a:endParaRPr>
           </a:p>
@@ -5074,7 +5490,7 @@
         <p:spPr bwMode="auto">
           <a:xfrm>
             <a:off x="0" y="1975121"/>
-            <a:ext cx="9144000" cy="2696542"/>
+            <a:ext cx="9144000" cy="2533999"/>
           </a:xfrm>
           <a:prstGeom prst="rect">
             <a:avLst/>
@@ -5209,183 +5625,262 @@
             </a:r>
           </a:p>
           <a:p>
-            <a:pPr>
-              <a:buFont typeface="Arial" panose="020B0604020202020204" pitchFamily="34" charset="0"/>
-              <a:buChar char="•"/>
+            <a:pPr eaLnBrk="0" hangingPunct="0">
+              <a:spcBef>
+                <a:spcPct val="0"/>
+              </a:spcBef>
             </a:pPr>
             <a:r>
-              <a:rPr lang="es-ES_tradnl" sz="1400" dirty="0" smtClean="0">
+              <a:rPr lang="es-ES_tradnl" altLang="es-ES_tradnl" sz="1400" dirty="0">
+                <a:latin typeface="Cambria" panose="02040503050406030204" pitchFamily="18" charset="0"/>
+                <a:ea typeface="Cambria" panose="02040503050406030204" pitchFamily="18" charset="0"/>
+              </a:rPr>
+              <a:t>Las variables que aumentan la probabilidad de precios altos son:</a:t>
+            </a:r>
+          </a:p>
+          <a:p>
+            <a:pPr marL="0" lvl="0" indent="0" eaLnBrk="0" hangingPunct="0">
+              <a:spcBef>
+                <a:spcPct val="0"/>
+              </a:spcBef>
+              <a:buNone/>
+            </a:pPr>
+            <a:r>
+              <a:rPr lang="es-ES_tradnl" altLang="es-ES_tradnl" sz="1400" dirty="0" smtClean="0">
+                <a:latin typeface="Cambria" panose="02040503050406030204" pitchFamily="18" charset="0"/>
+                <a:ea typeface="Cambria" panose="02040503050406030204" pitchFamily="18" charset="0"/>
+              </a:rPr>
+              <a:t>	-Número </a:t>
+            </a:r>
+            <a:r>
+              <a:rPr lang="es-ES_tradnl" altLang="es-ES_tradnl" sz="1400" dirty="0">
+                <a:latin typeface="Cambria" panose="02040503050406030204" pitchFamily="18" charset="0"/>
+                <a:ea typeface="Cambria" panose="02040503050406030204" pitchFamily="18" charset="0"/>
+              </a:rPr>
+              <a:t>de plazas disponibles ("</a:t>
+            </a:r>
+            <a:r>
+              <a:rPr lang="es-ES_tradnl" altLang="es-ES_tradnl" sz="1400" i="1" dirty="0" err="1">
+                <a:latin typeface="Cambria" panose="02040503050406030204" pitchFamily="18" charset="0"/>
+                <a:ea typeface="Cambria" panose="02040503050406030204" pitchFamily="18" charset="0"/>
+              </a:rPr>
+              <a:t>accommodates</a:t>
+            </a:r>
+            <a:r>
+              <a:rPr lang="es-ES_tradnl" altLang="es-ES_tradnl" sz="1400" dirty="0">
+                <a:latin typeface="Cambria" panose="02040503050406030204" pitchFamily="18" charset="0"/>
+                <a:ea typeface="Cambria" panose="02040503050406030204" pitchFamily="18" charset="0"/>
+              </a:rPr>
+              <a:t>")</a:t>
+            </a:r>
+          </a:p>
+          <a:p>
+            <a:pPr marL="0" lvl="0" indent="0" eaLnBrk="0" hangingPunct="0">
+              <a:spcBef>
+                <a:spcPct val="0"/>
+              </a:spcBef>
+              <a:buNone/>
+            </a:pPr>
+            <a:r>
+              <a:rPr lang="es-ES_tradnl" altLang="es-ES_tradnl" sz="1400" dirty="0" smtClean="0">
+                <a:latin typeface="Cambria" panose="02040503050406030204" pitchFamily="18" charset="0"/>
+                <a:ea typeface="Cambria" panose="02040503050406030204" pitchFamily="18" charset="0"/>
+              </a:rPr>
+              <a:t>	-Número </a:t>
+            </a:r>
+            <a:r>
+              <a:rPr lang="es-ES_tradnl" altLang="es-ES_tradnl" sz="1400" dirty="0">
+                <a:latin typeface="Cambria" panose="02040503050406030204" pitchFamily="18" charset="0"/>
+                <a:ea typeface="Cambria" panose="02040503050406030204" pitchFamily="18" charset="0"/>
+              </a:rPr>
+              <a:t>de baños ("</a:t>
+            </a:r>
+            <a:r>
+              <a:rPr lang="es-ES_tradnl" altLang="es-ES_tradnl" sz="1400" i="1" dirty="0" err="1">
+                <a:latin typeface="Cambria" panose="02040503050406030204" pitchFamily="18" charset="0"/>
+                <a:ea typeface="Cambria" panose="02040503050406030204" pitchFamily="18" charset="0"/>
+              </a:rPr>
+              <a:t>bathrooms</a:t>
+            </a:r>
+            <a:r>
+              <a:rPr lang="es-ES_tradnl" altLang="es-ES_tradnl" sz="1400" dirty="0" smtClean="0">
+                <a:latin typeface="Cambria" panose="02040503050406030204" pitchFamily="18" charset="0"/>
+                <a:ea typeface="Cambria" panose="02040503050406030204" pitchFamily="18" charset="0"/>
+              </a:rPr>
+              <a:t>")        La más importante</a:t>
+            </a:r>
+            <a:endParaRPr lang="es-ES_tradnl" altLang="es-ES_tradnl" sz="1400" dirty="0">
+              <a:latin typeface="Cambria" panose="02040503050406030204" pitchFamily="18" charset="0"/>
+              <a:ea typeface="Cambria" panose="02040503050406030204" pitchFamily="18" charset="0"/>
+            </a:endParaRPr>
+          </a:p>
+          <a:p>
+            <a:pPr marL="0" lvl="0" indent="0" eaLnBrk="0" hangingPunct="0">
+              <a:spcBef>
+                <a:spcPct val="0"/>
+              </a:spcBef>
+              <a:buNone/>
+            </a:pPr>
+            <a:r>
+              <a:rPr lang="es-ES_tradnl" altLang="es-ES_tradnl" sz="1400" dirty="0" smtClean="0">
+                <a:latin typeface="Cambria" panose="02040503050406030204" pitchFamily="18" charset="0"/>
+                <a:ea typeface="Cambria" panose="02040503050406030204" pitchFamily="18" charset="0"/>
+              </a:rPr>
+              <a:t>	-Tipo </a:t>
+            </a:r>
+            <a:r>
+              <a:rPr lang="es-ES_tradnl" altLang="es-ES_tradnl" sz="1400" dirty="0">
+                <a:latin typeface="Cambria" panose="02040503050406030204" pitchFamily="18" charset="0"/>
+                <a:ea typeface="Cambria" panose="02040503050406030204" pitchFamily="18" charset="0"/>
+              </a:rPr>
+              <a:t>de propiedad ("</a:t>
+            </a:r>
+            <a:r>
+              <a:rPr lang="es-ES_tradnl" altLang="es-ES_tradnl" sz="1400" i="1" dirty="0" err="1">
+                <a:latin typeface="Cambria" panose="02040503050406030204" pitchFamily="18" charset="0"/>
+                <a:ea typeface="Cambria" panose="02040503050406030204" pitchFamily="18" charset="0"/>
+              </a:rPr>
+              <a:t>property_type</a:t>
+            </a:r>
+            <a:r>
+              <a:rPr lang="es-ES_tradnl" altLang="es-ES_tradnl" sz="1400" dirty="0">
+                <a:latin typeface="Cambria" panose="02040503050406030204" pitchFamily="18" charset="0"/>
+                <a:ea typeface="Cambria" panose="02040503050406030204" pitchFamily="18" charset="0"/>
+              </a:rPr>
+              <a:t>")</a:t>
+            </a:r>
+          </a:p>
+          <a:p>
+            <a:pPr eaLnBrk="0" hangingPunct="0">
+              <a:spcBef>
+                <a:spcPct val="0"/>
+              </a:spcBef>
+            </a:pPr>
+            <a:r>
+              <a:rPr lang="es-ES_tradnl" altLang="es-ES_tradnl" sz="1400" dirty="0" smtClean="0">
                 <a:latin typeface="Cambria" panose="02040503050406030204" pitchFamily="18" charset="0"/>
                 <a:ea typeface="Cambria" panose="02040503050406030204" pitchFamily="18" charset="0"/>
               </a:rPr>
               <a:t>Las </a:t>
             </a:r>
             <a:r>
-              <a:rPr lang="es-ES_tradnl" sz="1400" dirty="0">
-                <a:latin typeface="Cambria" panose="02040503050406030204" pitchFamily="18" charset="0"/>
-                <a:ea typeface="Cambria" panose="02040503050406030204" pitchFamily="18" charset="0"/>
-              </a:rPr>
-              <a:t>variables como el número de plazas disponibles ("</a:t>
-            </a:r>
-            <a:r>
-              <a:rPr lang="es-ES_tradnl" sz="1400" i="1" dirty="0" err="1">
-                <a:latin typeface="Cambria" panose="02040503050406030204" pitchFamily="18" charset="0"/>
-                <a:ea typeface="Cambria" panose="02040503050406030204" pitchFamily="18" charset="0"/>
-              </a:rPr>
-              <a:t>accommodates</a:t>
-            </a:r>
-            <a:r>
-              <a:rPr lang="es-ES_tradnl" sz="1400" dirty="0">
-                <a:latin typeface="Cambria" panose="02040503050406030204" pitchFamily="18" charset="0"/>
-                <a:ea typeface="Cambria" panose="02040503050406030204" pitchFamily="18" charset="0"/>
-              </a:rPr>
-              <a:t>"), el número de baños ("</a:t>
-            </a:r>
-            <a:r>
-              <a:rPr lang="es-ES_tradnl" sz="1400" i="1" dirty="0" err="1">
-                <a:latin typeface="Cambria" panose="02040503050406030204" pitchFamily="18" charset="0"/>
-                <a:ea typeface="Cambria" panose="02040503050406030204" pitchFamily="18" charset="0"/>
-              </a:rPr>
-              <a:t>bathrooms</a:t>
-            </a:r>
-            <a:r>
-              <a:rPr lang="es-ES_tradnl" sz="1400" dirty="0">
-                <a:latin typeface="Cambria" panose="02040503050406030204" pitchFamily="18" charset="0"/>
-                <a:ea typeface="Cambria" panose="02040503050406030204" pitchFamily="18" charset="0"/>
-              </a:rPr>
-              <a:t>") y el tipo de propiedad ("</a:t>
-            </a:r>
-            <a:r>
-              <a:rPr lang="es-ES_tradnl" sz="1400" i="1" dirty="0" err="1">
-                <a:latin typeface="Cambria" panose="02040503050406030204" pitchFamily="18" charset="0"/>
-                <a:ea typeface="Cambria" panose="02040503050406030204" pitchFamily="18" charset="0"/>
-              </a:rPr>
-              <a:t>property_type</a:t>
-            </a:r>
-            <a:r>
-              <a:rPr lang="es-ES_tradnl" sz="1400" dirty="0">
-                <a:latin typeface="Cambria" panose="02040503050406030204" pitchFamily="18" charset="0"/>
-                <a:ea typeface="Cambria" panose="02040503050406030204" pitchFamily="18" charset="0"/>
-              </a:rPr>
-              <a:t>") están asociadas con un aumento en la probabilidad de precios </a:t>
-            </a:r>
-            <a:r>
-              <a:rPr lang="es-ES_tradnl" sz="1400" dirty="0" smtClean="0">
-                <a:latin typeface="Cambria" panose="02040503050406030204" pitchFamily="18" charset="0"/>
-                <a:ea typeface="Cambria" panose="02040503050406030204" pitchFamily="18" charset="0"/>
-              </a:rPr>
-              <a:t>altos, siendo el número de baños la más importante, implicando que </a:t>
-            </a:r>
-            <a:r>
-              <a:rPr lang="es-ES_tradnl" sz="1400" dirty="0">
-                <a:latin typeface="Cambria" panose="02040503050406030204" pitchFamily="18" charset="0"/>
-                <a:ea typeface="Cambria" panose="02040503050406030204" pitchFamily="18" charset="0"/>
-              </a:rPr>
-              <a:t>el número de baños de un alojamiento es el factor más importante en el mercado de alquiler de alojamientos turísticos no hosteleros de Málaga de la </a:t>
-            </a:r>
-            <a:r>
-              <a:rPr lang="es-ES_tradnl" sz="1400" dirty="0" smtClean="0">
-                <a:latin typeface="Cambria" panose="02040503050406030204" pitchFamily="18" charset="0"/>
-                <a:ea typeface="Cambria" panose="02040503050406030204" pitchFamily="18" charset="0"/>
-              </a:rPr>
-              <a:t>plataforma </a:t>
-            </a:r>
-            <a:r>
-              <a:rPr lang="es-ES_tradnl" sz="1400" dirty="0" err="1">
-                <a:latin typeface="Cambria" panose="02040503050406030204" pitchFamily="18" charset="0"/>
-                <a:ea typeface="Cambria" panose="02040503050406030204" pitchFamily="18" charset="0"/>
-              </a:rPr>
-              <a:t>Airbnb</a:t>
-            </a:r>
-            <a:r>
-              <a:rPr lang="es-ES_tradnl" sz="1400" dirty="0" smtClean="0">
-                <a:latin typeface="Cambria" panose="02040503050406030204" pitchFamily="18" charset="0"/>
-                <a:ea typeface="Cambria" panose="02040503050406030204" pitchFamily="18" charset="0"/>
-              </a:rPr>
-              <a:t>.</a:t>
-            </a:r>
-          </a:p>
-          <a:p>
-            <a:pPr>
-              <a:buFont typeface="Arial" panose="020B0604020202020204" pitchFamily="34" charset="0"/>
-              <a:buChar char="•"/>
+              <a:rPr lang="es-ES_tradnl" altLang="es-ES_tradnl" sz="1400" dirty="0">
+                <a:latin typeface="Cambria" panose="02040503050406030204" pitchFamily="18" charset="0"/>
+                <a:ea typeface="Cambria" panose="02040503050406030204" pitchFamily="18" charset="0"/>
+              </a:rPr>
+              <a:t>variables que disminuyen la probabilidad de precios altos son:</a:t>
+            </a:r>
+          </a:p>
+          <a:p>
+            <a:pPr marL="0" lvl="0" indent="0" eaLnBrk="0" hangingPunct="0">
+              <a:spcBef>
+                <a:spcPct val="0"/>
+              </a:spcBef>
+              <a:buNone/>
             </a:pPr>
             <a:r>
-              <a:rPr lang="es-ES_tradnl" sz="1400" dirty="0" smtClean="0">
-                <a:latin typeface="Cambria" panose="02040503050406030204" pitchFamily="18" charset="0"/>
-                <a:ea typeface="Cambria" panose="02040503050406030204" pitchFamily="18" charset="0"/>
-              </a:rPr>
-              <a:t>Las variables </a:t>
-            </a:r>
-            <a:r>
-              <a:rPr lang="es-ES_tradnl" sz="1400" dirty="0">
-                <a:latin typeface="Cambria" panose="02040503050406030204" pitchFamily="18" charset="0"/>
-                <a:ea typeface="Cambria" panose="02040503050406030204" pitchFamily="18" charset="0"/>
-              </a:rPr>
-              <a:t>como la verificación de identidad del anfitrión ("</a:t>
-            </a:r>
-            <a:r>
-              <a:rPr lang="es-ES_tradnl" sz="1400" i="1" dirty="0" err="1">
+              <a:rPr lang="es-ES_tradnl" altLang="es-ES_tradnl" sz="1400" dirty="0" smtClean="0">
+                <a:latin typeface="Cambria" panose="02040503050406030204" pitchFamily="18" charset="0"/>
+                <a:ea typeface="Cambria" panose="02040503050406030204" pitchFamily="18" charset="0"/>
+              </a:rPr>
+              <a:t>	-Verificación </a:t>
+            </a:r>
+            <a:r>
+              <a:rPr lang="es-ES_tradnl" altLang="es-ES_tradnl" sz="1400" dirty="0">
+                <a:latin typeface="Cambria" panose="02040503050406030204" pitchFamily="18" charset="0"/>
+                <a:ea typeface="Cambria" panose="02040503050406030204" pitchFamily="18" charset="0"/>
+              </a:rPr>
+              <a:t>de identidad del anfitrión ("</a:t>
+            </a:r>
+            <a:r>
+              <a:rPr lang="es-ES_tradnl" altLang="es-ES_tradnl" sz="1400" i="1" dirty="0" err="1">
                 <a:latin typeface="Cambria" panose="02040503050406030204" pitchFamily="18" charset="0"/>
                 <a:ea typeface="Cambria" panose="02040503050406030204" pitchFamily="18" charset="0"/>
               </a:rPr>
               <a:t>host_identity_verified</a:t>
             </a:r>
             <a:r>
-              <a:rPr lang="es-ES_tradnl" sz="1400" dirty="0">
-                <a:latin typeface="Cambria" panose="02040503050406030204" pitchFamily="18" charset="0"/>
-                <a:ea typeface="Cambria" panose="02040503050406030204" pitchFamily="18" charset="0"/>
-              </a:rPr>
-              <a:t>"), el tipo de habitación ("</a:t>
-            </a:r>
-            <a:r>
-              <a:rPr lang="es-ES_tradnl" sz="1400" i="1" dirty="0" err="1">
+              <a:rPr lang="es-ES_tradnl" altLang="es-ES_tradnl" sz="1400" dirty="0">
+                <a:latin typeface="Cambria" panose="02040503050406030204" pitchFamily="18" charset="0"/>
+                <a:ea typeface="Cambria" panose="02040503050406030204" pitchFamily="18" charset="0"/>
+              </a:rPr>
+              <a:t>")</a:t>
+            </a:r>
+          </a:p>
+          <a:p>
+            <a:pPr marL="0" lvl="0" indent="0" eaLnBrk="0" hangingPunct="0">
+              <a:spcBef>
+                <a:spcPct val="0"/>
+              </a:spcBef>
+              <a:buNone/>
+            </a:pPr>
+            <a:r>
+              <a:rPr lang="es-ES_tradnl" altLang="es-ES_tradnl" sz="1400" dirty="0" smtClean="0">
+                <a:latin typeface="Cambria" panose="02040503050406030204" pitchFamily="18" charset="0"/>
+                <a:ea typeface="Cambria" panose="02040503050406030204" pitchFamily="18" charset="0"/>
+              </a:rPr>
+              <a:t>	-Tipo </a:t>
+            </a:r>
+            <a:r>
+              <a:rPr lang="es-ES_tradnl" altLang="es-ES_tradnl" sz="1400" dirty="0">
+                <a:latin typeface="Cambria" panose="02040503050406030204" pitchFamily="18" charset="0"/>
+                <a:ea typeface="Cambria" panose="02040503050406030204" pitchFamily="18" charset="0"/>
+              </a:rPr>
+              <a:t>de habitación ("</a:t>
+            </a:r>
+            <a:r>
+              <a:rPr lang="es-ES_tradnl" altLang="es-ES_tradnl" sz="1400" i="1" dirty="0" err="1">
                 <a:latin typeface="Cambria" panose="02040503050406030204" pitchFamily="18" charset="0"/>
                 <a:ea typeface="Cambria" panose="02040503050406030204" pitchFamily="18" charset="0"/>
               </a:rPr>
               <a:t>room_type</a:t>
             </a:r>
             <a:r>
-              <a:rPr lang="es-ES_tradnl" sz="1400" dirty="0">
-                <a:latin typeface="Cambria" panose="02040503050406030204" pitchFamily="18" charset="0"/>
-                <a:ea typeface="Cambria" panose="02040503050406030204" pitchFamily="18" charset="0"/>
-              </a:rPr>
-              <a:t>") y el número mínimo de noches ("</a:t>
-            </a:r>
-            <a:r>
-              <a:rPr lang="es-ES_tradnl" sz="1400" i="1" dirty="0" err="1">
+              <a:rPr lang="es-ES_tradnl" altLang="es-ES_tradnl" sz="1400" dirty="0" smtClean="0">
+                <a:latin typeface="Cambria" panose="02040503050406030204" pitchFamily="18" charset="0"/>
+                <a:ea typeface="Cambria" panose="02040503050406030204" pitchFamily="18" charset="0"/>
+              </a:rPr>
+              <a:t>")       La más importante</a:t>
+            </a:r>
+            <a:endParaRPr lang="es-ES_tradnl" altLang="es-ES_tradnl" sz="1400" dirty="0">
+              <a:latin typeface="Cambria" panose="02040503050406030204" pitchFamily="18" charset="0"/>
+              <a:ea typeface="Cambria" panose="02040503050406030204" pitchFamily="18" charset="0"/>
+            </a:endParaRPr>
+          </a:p>
+          <a:p>
+            <a:pPr marL="0" lvl="0" indent="0" eaLnBrk="0" hangingPunct="0">
+              <a:spcBef>
+                <a:spcPct val="0"/>
+              </a:spcBef>
+              <a:buNone/>
+            </a:pPr>
+            <a:r>
+              <a:rPr lang="es-ES_tradnl" altLang="es-ES_tradnl" sz="1400" dirty="0" smtClean="0">
+                <a:latin typeface="Cambria" panose="02040503050406030204" pitchFamily="18" charset="0"/>
+                <a:ea typeface="Cambria" panose="02040503050406030204" pitchFamily="18" charset="0"/>
+              </a:rPr>
+              <a:t>	-Número </a:t>
+            </a:r>
+            <a:r>
+              <a:rPr lang="es-ES_tradnl" altLang="es-ES_tradnl" sz="1400" dirty="0">
+                <a:latin typeface="Cambria" panose="02040503050406030204" pitchFamily="18" charset="0"/>
+                <a:ea typeface="Cambria" panose="02040503050406030204" pitchFamily="18" charset="0"/>
+              </a:rPr>
+              <a:t>mínimo de noches ("</a:t>
+            </a:r>
+            <a:r>
+              <a:rPr lang="es-ES_tradnl" altLang="es-ES_tradnl" sz="1400" i="1" dirty="0" err="1">
                 <a:latin typeface="Cambria" panose="02040503050406030204" pitchFamily="18" charset="0"/>
                 <a:ea typeface="Cambria" panose="02040503050406030204" pitchFamily="18" charset="0"/>
               </a:rPr>
               <a:t>minimum_nights</a:t>
             </a:r>
             <a:r>
-              <a:rPr lang="es-ES_tradnl" sz="1400" dirty="0">
-                <a:latin typeface="Cambria" panose="02040503050406030204" pitchFamily="18" charset="0"/>
-                <a:ea typeface="Cambria" panose="02040503050406030204" pitchFamily="18" charset="0"/>
-              </a:rPr>
-              <a:t>") tienen coeficientes </a:t>
-            </a:r>
-            <a:r>
-              <a:rPr lang="es-ES_tradnl" sz="1400" dirty="0" smtClean="0">
-                <a:latin typeface="Cambria" panose="02040503050406030204" pitchFamily="18" charset="0"/>
-                <a:ea typeface="Cambria" panose="02040503050406030204" pitchFamily="18" charset="0"/>
-              </a:rPr>
-              <a:t>negativos, por lo que </a:t>
-            </a:r>
-            <a:r>
-              <a:rPr lang="es-ES_tradnl" sz="1400" dirty="0">
-                <a:latin typeface="Cambria" panose="02040503050406030204" pitchFamily="18" charset="0"/>
-                <a:ea typeface="Cambria" panose="02040503050406030204" pitchFamily="18" charset="0"/>
-              </a:rPr>
-              <a:t>tienden a estar asociadas con una menor probabilidad de que el precio del alojamiento sea </a:t>
-            </a:r>
-            <a:r>
-              <a:rPr lang="es-ES_tradnl" sz="1400" dirty="0" smtClean="0">
-                <a:latin typeface="Cambria" panose="02040503050406030204" pitchFamily="18" charset="0"/>
-                <a:ea typeface="Cambria" panose="02040503050406030204" pitchFamily="18" charset="0"/>
-              </a:rPr>
-              <a:t>alto. En particular, el tipo de habitación tiene el mayor impacto negativo, por lo que se infiere que el tipo de habitación que se oferta en los anuncios es también muy determinante para determinar si el precio es excesivo o no.</a:t>
+              <a:rPr lang="es-ES_tradnl" altLang="es-ES_tradnl" sz="1400" dirty="0">
+                <a:latin typeface="Cambria" panose="02040503050406030204" pitchFamily="18" charset="0"/>
+                <a:ea typeface="Cambria" panose="02040503050406030204" pitchFamily="18" charset="0"/>
+              </a:rPr>
+              <a:t>")</a:t>
             </a:r>
           </a:p>
           <a:p>
@@ -5602,6 +6097,34 @@
           <a:lstStyle/>
           <a:p>
             <a:r>
+              <a:rPr lang="es-ES" smtClean="0">
+                <a:effectLst>
+                  <a:outerShdw blurRad="38100" dist="38100" dir="2700000" algn="tl">
+                    <a:srgbClr val="000000">
+                      <a:alpha val="43137"/>
+                    </a:srgbClr>
+                  </a:outerShdw>
+                </a:effectLst>
+                <a:latin typeface="Cambria" panose="02040503050406030204" pitchFamily="18" charset="0"/>
+                <a:ea typeface="Cambria" panose="02040503050406030204" pitchFamily="18" charset="0"/>
+              </a:rPr>
+              <a:t>Ano</a:t>
+            </a:r>
+            <a:r>
+              <a:rPr lang="es-ES" smtClean="0">
+                <a:effectLst>
+                  <a:outerShdw blurRad="38100" dist="38100" dir="2700000" algn="tl">
+                    <a:srgbClr val="000000">
+                      <a:alpha val="43137"/>
+                    </a:srgbClr>
+                  </a:outerShdw>
+                </a:effectLst>
+                <a:latin typeface="Cambria" panose="02040503050406030204" pitchFamily="18" charset="0"/>
+                <a:ea typeface="Cambria" panose="02040503050406030204" pitchFamily="18" charset="0"/>
+              </a:rPr>
+              <a:t>taciones </a:t>
+            </a:r>
+            <a:r>
               <a:rPr lang="es-ES" dirty="0" smtClean="0">
                 <a:effectLst>
                   <a:outerShdw blurRad="38100" dist="38100" dir="2700000" algn="tl">
@@ -5613,7 +6136,7 @@
                 <a:latin typeface="Cambria" panose="02040503050406030204" pitchFamily="18" charset="0"/>
                 <a:ea typeface="Cambria" panose="02040503050406030204" pitchFamily="18" charset="0"/>
               </a:rPr>
-              <a:t>Limitaciones del modelo</a:t>
+              <a:t>del modelo</a:t>
             </a:r>
           </a:p>
           <a:p>
@@ -5747,6 +6270,158 @@
           <a:xfrm>
             <a:off x="1691679" y="5320587"/>
             <a:ext cx="144165" cy="144716"/>
+          </a:xfrm>
+          <a:prstGeom prst="rightArrow">
+            <a:avLst/>
+          </a:prstGeom>
+          <a:solidFill>
+            <a:schemeClr val="accent1"/>
+          </a:solidFill>
+          <a:ln w="9525" cap="flat" cmpd="sng" algn="ctr">
+            <a:solidFill>
+              <a:schemeClr val="tx1"/>
+            </a:solidFill>
+            <a:prstDash val="solid"/>
+            <a:round/>
+            <a:headEnd type="none" w="med" len="med"/>
+            <a:tailEnd type="none" w="med" len="med"/>
+          </a:ln>
+          <a:effectLst/>
+          <a:extLst>
+            <a:ext uri="{AF507438-7753-43E0-B8FC-AC1667EBCBE1}">
+              <a14:hiddenEffects xmlns:a14="http://schemas.microsoft.com/office/drawing/2010/main">
+                <a:effectLst>
+                  <a:outerShdw dist="35921" dir="2700000" algn="ctr" rotWithShape="0">
+                    <a:schemeClr val="bg2"/>
+                  </a:outerShdw>
+                </a:effectLst>
+              </a14:hiddenEffects>
+            </a:ext>
+          </a:extLst>
+        </p:spPr>
+        <p:txBody>
+          <a:bodyPr vert="horz" wrap="square" lIns="91440" tIns="45720" rIns="91440" bIns="45720" numCol="1" rtlCol="0" anchor="t" anchorCtr="0" compatLnSpc="1">
+            <a:prstTxWarp prst="textNoShape">
+              <a:avLst/>
+            </a:prstTxWarp>
+          </a:bodyPr>
+          <a:lstStyle/>
+          <a:p>
+            <a:pPr marL="0" marR="0" indent="0" algn="l" defTabSz="914400" rtl="0" eaLnBrk="1" fontAlgn="base" latinLnBrk="0" hangingPunct="1">
+              <a:lnSpc>
+                <a:spcPct val="100000"/>
+              </a:lnSpc>
+              <a:spcBef>
+                <a:spcPct val="0"/>
+              </a:spcBef>
+              <a:spcAft>
+                <a:spcPct val="0"/>
+              </a:spcAft>
+              <a:buClrTx/>
+              <a:buSzTx/>
+              <a:buFontTx/>
+              <a:buNone/>
+              <a:tabLst/>
+            </a:pPr>
+            <a:endParaRPr kumimoji="0" lang="es-ES" sz="1800" b="1" i="0" u="none" strike="noStrike" cap="none" normalizeH="0" baseline="0" smtClean="0">
+              <a:ln>
+                <a:noFill/>
+              </a:ln>
+              <a:solidFill>
+                <a:schemeClr val="tx1"/>
+              </a:solidFill>
+              <a:effectLst/>
+              <a:latin typeface="Arial" charset="0"/>
+            </a:endParaRPr>
+          </a:p>
+        </p:txBody>
+      </p:sp>
+      <p:sp>
+        <p:nvSpPr>
+          <p:cNvPr id="13" name="Flecha derecha 12"/>
+          <p:cNvSpPr/>
+          <p:nvPr/>
+        </p:nvSpPr>
+        <p:spPr bwMode="auto">
+          <a:xfrm>
+            <a:off x="3635896" y="3057925"/>
+            <a:ext cx="144016" cy="227059"/>
+          </a:xfrm>
+          <a:prstGeom prst="rightArrow">
+            <a:avLst/>
+          </a:prstGeom>
+          <a:solidFill>
+            <a:schemeClr val="accent1"/>
+          </a:solidFill>
+          <a:ln w="9525" cap="flat" cmpd="sng" algn="ctr">
+            <a:solidFill>
+              <a:schemeClr val="tx1"/>
+            </a:solidFill>
+            <a:prstDash val="solid"/>
+            <a:round/>
+            <a:headEnd type="none" w="med" len="med"/>
+            <a:tailEnd type="none" w="med" len="med"/>
+          </a:ln>
+          <a:effectLst/>
+          <a:extLst>
+            <a:ext uri="{AF507438-7753-43E0-B8FC-AC1667EBCBE1}">
+              <a14:hiddenEffects xmlns:a14="http://schemas.microsoft.com/office/drawing/2010/main">
+                <a:effectLst>
+                  <a:outerShdw dist="35921" dir="2700000" algn="ctr" rotWithShape="0">
+                    <a:schemeClr val="bg2"/>
+                  </a:outerShdw>
+                </a:effectLst>
+              </a14:hiddenEffects>
+            </a:ext>
+          </a:extLst>
+        </p:spPr>
+        <p:txBody>
+          <a:bodyPr vert="horz" wrap="square" lIns="91440" tIns="45720" rIns="91440" bIns="45720" numCol="1" rtlCol="0" anchor="t" anchorCtr="0" compatLnSpc="1">
+            <a:prstTxWarp prst="textNoShape">
+              <a:avLst/>
+            </a:prstTxWarp>
+          </a:bodyPr>
+          <a:lstStyle/>
+          <a:p>
+            <a:pPr marL="0" marR="0" indent="0" algn="l" defTabSz="914400" rtl="0" eaLnBrk="1" fontAlgn="base" latinLnBrk="0" hangingPunct="1">
+              <a:lnSpc>
+                <a:spcPct val="100000"/>
+              </a:lnSpc>
+              <a:spcBef>
+                <a:spcPct val="0"/>
+              </a:spcBef>
+              <a:spcAft>
+                <a:spcPct val="0"/>
+              </a:spcAft>
+              <a:buClrTx/>
+              <a:buSzTx/>
+              <a:buFontTx/>
+              <a:buNone/>
+              <a:tabLst/>
+            </a:pPr>
+            <a:endParaRPr kumimoji="0" lang="es-ES" sz="1800" b="1" i="0" u="none" strike="noStrike" cap="none" normalizeH="0" baseline="0" smtClean="0">
+              <a:ln>
+                <a:noFill/>
+              </a:ln>
+              <a:solidFill>
+                <a:schemeClr val="tx1"/>
+              </a:solidFill>
+              <a:effectLst/>
+              <a:latin typeface="Arial" charset="0"/>
+            </a:endParaRPr>
+          </a:p>
+        </p:txBody>
+      </p:sp>
+      <p:sp>
+        <p:nvSpPr>
+          <p:cNvPr id="16" name="Flecha derecha 15"/>
+          <p:cNvSpPr/>
+          <p:nvPr/>
+        </p:nvSpPr>
+        <p:spPr bwMode="auto">
+          <a:xfrm>
+            <a:off x="3647247" y="3938308"/>
+            <a:ext cx="144016" cy="227059"/>
           </a:xfrm>
           <a:prstGeom prst="rightArrow">
             <a:avLst/>
@@ -6807,1009 +7482,6 @@
 <file path=ppt/slides/slide16.xml><?xml version="1.0" encoding="utf-8"?>
 <p:sld xmlns:a="http://schemas.openxmlformats.org/drawingml/2006/main" xmlns:r="http://schemas.openxmlformats.org/officeDocument/2006/relationships" xmlns:p="http://schemas.openxmlformats.org/presentationml/2006/main">
   <p:cSld>
-    <p:spTree>
-      <p:nvGrpSpPr>
-        <p:cNvPr id="1" name=""/>
-        <p:cNvGrpSpPr/>
-        <p:nvPr/>
-      </p:nvGrpSpPr>
-      <p:grpSpPr>
-        <a:xfrm>
-          <a:off x="0" y="0"/>
-          <a:ext cx="0" cy="0"/>
-          <a:chOff x="0" y="0"/>
-          <a:chExt cx="0" cy="0"/>
-        </a:xfrm>
-      </p:grpSpPr>
-      <p:sp>
-        <p:nvSpPr>
-          <p:cNvPr id="13" name="Rectángulo 12"/>
-          <p:cNvSpPr/>
-          <p:nvPr/>
-        </p:nvSpPr>
-        <p:spPr bwMode="auto">
-          <a:xfrm>
-            <a:off x="35621" y="1009328"/>
-            <a:ext cx="8928992" cy="5848672"/>
-          </a:xfrm>
-          <a:prstGeom prst="rect">
-            <a:avLst/>
-          </a:prstGeom>
-          <a:ln>
-            <a:headEnd type="none" w="med" len="med"/>
-            <a:tailEnd type="none" w="med" len="med"/>
-          </a:ln>
-          <a:extLst/>
-        </p:spPr>
-        <p:style>
-          <a:lnRef idx="2">
-            <a:schemeClr val="accent1"/>
-          </a:lnRef>
-          <a:fillRef idx="1">
-            <a:schemeClr val="lt1"/>
-          </a:fillRef>
-          <a:effectRef idx="0">
-            <a:schemeClr val="accent1"/>
-          </a:effectRef>
-          <a:fontRef idx="minor">
-            <a:schemeClr val="dk1"/>
-          </a:fontRef>
-        </p:style>
-        <p:txBody>
-          <a:bodyPr vert="horz" wrap="square" lIns="91440" tIns="45720" rIns="91440" bIns="45720" numCol="1" rtlCol="0" anchor="t" anchorCtr="0" compatLnSpc="1">
-            <a:prstTxWarp prst="textNoShape">
-              <a:avLst/>
-            </a:prstTxWarp>
-          </a:bodyPr>
-          <a:lstStyle/>
-          <a:p>
-            <a:pPr marL="0" marR="0" indent="0" algn="l" defTabSz="914400" rtl="0" eaLnBrk="1" fontAlgn="base" latinLnBrk="0" hangingPunct="1">
-              <a:lnSpc>
-                <a:spcPct val="100000"/>
-              </a:lnSpc>
-              <a:spcBef>
-                <a:spcPct val="0"/>
-              </a:spcBef>
-              <a:spcAft>
-                <a:spcPct val="0"/>
-              </a:spcAft>
-              <a:buClrTx/>
-              <a:buSzTx/>
-              <a:buFontTx/>
-              <a:buNone/>
-              <a:tabLst/>
-            </a:pPr>
-            <a:endParaRPr kumimoji="0" lang="es-ES" sz="1800" b="1" i="0" u="none" strike="noStrike" cap="none" normalizeH="0" baseline="0" smtClean="0">
-              <a:ln>
-                <a:noFill/>
-              </a:ln>
-              <a:solidFill>
-                <a:schemeClr val="tx1"/>
-              </a:solidFill>
-              <a:effectLst/>
-              <a:latin typeface="Arial" charset="0"/>
-            </a:endParaRPr>
-          </a:p>
-        </p:txBody>
-      </p:sp>
-      <p:sp>
-        <p:nvSpPr>
-          <p:cNvPr id="2" name="Título 1"/>
-          <p:cNvSpPr>
-            <a:spLocks noGrp="1"/>
-          </p:cNvSpPr>
-          <p:nvPr>
-            <p:ph type="title"/>
-          </p:nvPr>
-        </p:nvSpPr>
-        <p:spPr/>
-        <p:txBody>
-          <a:bodyPr/>
-          <a:lstStyle/>
-          <a:p>
-            <a:r>
-              <a:rPr lang="es-ES" dirty="0" smtClean="0">
-                <a:latin typeface="Cambria" panose="02040503050406030204" pitchFamily="18" charset="0"/>
-                <a:ea typeface="Cambria" panose="02040503050406030204" pitchFamily="18" charset="0"/>
-              </a:rPr>
-              <a:t>Bibliografía</a:t>
-            </a:r>
-            <a:endParaRPr lang="es-ES" dirty="0">
-              <a:latin typeface="Cambria" panose="02040503050406030204" pitchFamily="18" charset="0"/>
-              <a:ea typeface="Cambria" panose="02040503050406030204" pitchFamily="18" charset="0"/>
-            </a:endParaRPr>
-          </a:p>
-        </p:txBody>
-      </p:sp>
-      <p:sp>
-        <p:nvSpPr>
-          <p:cNvPr id="8" name="Marcador de contenido 7"/>
-          <p:cNvSpPr>
-            <a:spLocks noGrp="1"/>
-          </p:cNvSpPr>
-          <p:nvPr>
-            <p:ph idx="1"/>
-          </p:nvPr>
-        </p:nvSpPr>
-        <p:spPr>
-          <a:xfrm>
-            <a:off x="35622" y="980728"/>
-            <a:ext cx="8928991" cy="5877272"/>
-          </a:xfrm>
-        </p:spPr>
-        <p:txBody>
-          <a:bodyPr/>
-          <a:lstStyle/>
-          <a:p>
-            <a:r>
-              <a:rPr lang="es-ES_tradnl" sz="1100" dirty="0">
-                <a:latin typeface="Cambria" panose="02040503050406030204" pitchFamily="18" charset="0"/>
-                <a:ea typeface="Cambria" panose="02040503050406030204" pitchFamily="18" charset="0"/>
-              </a:rPr>
-              <a:t>Pellejero Martínez, C. (s.f.). </a:t>
-            </a:r>
-            <a:r>
-              <a:rPr lang="es-ES_tradnl" sz="1100" i="1" dirty="0">
-                <a:latin typeface="Cambria" panose="02040503050406030204" pitchFamily="18" charset="0"/>
-                <a:ea typeface="Cambria" panose="02040503050406030204" pitchFamily="18" charset="0"/>
-              </a:rPr>
-              <a:t>Turismo y Economía en la Málaga del siglo XX</a:t>
-            </a:r>
-            <a:r>
-              <a:rPr lang="es-ES_tradnl" sz="1100" dirty="0">
-                <a:latin typeface="Cambria" panose="02040503050406030204" pitchFamily="18" charset="0"/>
-                <a:ea typeface="Cambria" panose="02040503050406030204" pitchFamily="18" charset="0"/>
-              </a:rPr>
-              <a:t>. Universidad de Málaga. </a:t>
-            </a:r>
-          </a:p>
-          <a:p>
-            <a:r>
-              <a:rPr lang="es-ES_tradnl" sz="1100" dirty="0" smtClean="0">
-                <a:latin typeface="Cambria" panose="02040503050406030204" pitchFamily="18" charset="0"/>
-                <a:ea typeface="Cambria" panose="02040503050406030204" pitchFamily="18" charset="0"/>
-              </a:rPr>
-              <a:t> </a:t>
-            </a:r>
-            <a:r>
-              <a:rPr lang="es-ES_tradnl" sz="1100" dirty="0" err="1">
-                <a:latin typeface="Cambria" panose="02040503050406030204" pitchFamily="18" charset="0"/>
-                <a:ea typeface="Cambria" panose="02040503050406030204" pitchFamily="18" charset="0"/>
-              </a:rPr>
-              <a:t>Euronews</a:t>
-            </a:r>
-            <a:r>
-              <a:rPr lang="es-ES_tradnl" sz="1100" dirty="0">
-                <a:latin typeface="Cambria" panose="02040503050406030204" pitchFamily="18" charset="0"/>
-                <a:ea typeface="Cambria" panose="02040503050406030204" pitchFamily="18" charset="0"/>
-              </a:rPr>
-              <a:t>. (2024, 7 de julio). </a:t>
-            </a:r>
-            <a:r>
-              <a:rPr lang="es-ES_tradnl" sz="1100" i="1" dirty="0">
-                <a:latin typeface="Cambria" panose="02040503050406030204" pitchFamily="18" charset="0"/>
-                <a:ea typeface="Cambria" panose="02040503050406030204" pitchFamily="18" charset="0"/>
-              </a:rPr>
-              <a:t>Málaga para vivir, no para sobrevivir: Los malagueños protestan contra el turismo en medio de</a:t>
-            </a:r>
-            <a:r>
-              <a:rPr lang="es-ES_tradnl" sz="1100" dirty="0">
-                <a:latin typeface="Cambria" panose="02040503050406030204" pitchFamily="18" charset="0"/>
-                <a:ea typeface="Cambria" panose="02040503050406030204" pitchFamily="18" charset="0"/>
-              </a:rPr>
-              <a:t>. </a:t>
-            </a:r>
-            <a:r>
-              <a:rPr lang="es-ES_tradnl" sz="1100" dirty="0" err="1">
-                <a:latin typeface="Cambria" panose="02040503050406030204" pitchFamily="18" charset="0"/>
-                <a:ea typeface="Cambria" panose="02040503050406030204" pitchFamily="18" charset="0"/>
-              </a:rPr>
-              <a:t>Euronews</a:t>
-            </a:r>
-            <a:r>
-              <a:rPr lang="es-ES_tradnl" sz="1100" dirty="0">
-                <a:latin typeface="Cambria" panose="02040503050406030204" pitchFamily="18" charset="0"/>
-                <a:ea typeface="Cambria" panose="02040503050406030204" pitchFamily="18" charset="0"/>
-              </a:rPr>
-              <a:t>. https://es.euronews.com/viajes/2024/07/07/malaga-para-vivir-no-para-sobrevivir-los-malaguenos-protestan-contra-el-turismo-en-medio-d </a:t>
-            </a:r>
-          </a:p>
-          <a:p>
-            <a:r>
-              <a:rPr lang="es-ES_tradnl" sz="1100" dirty="0" smtClean="0">
-                <a:latin typeface="Cambria" panose="02040503050406030204" pitchFamily="18" charset="0"/>
-                <a:ea typeface="Cambria" panose="02040503050406030204" pitchFamily="18" charset="0"/>
-              </a:rPr>
-              <a:t>Diputación </a:t>
-            </a:r>
-            <a:r>
-              <a:rPr lang="es-ES_tradnl" sz="1100" dirty="0">
-                <a:latin typeface="Cambria" panose="02040503050406030204" pitchFamily="18" charset="0"/>
-                <a:ea typeface="Cambria" panose="02040503050406030204" pitchFamily="18" charset="0"/>
-              </a:rPr>
-              <a:t>de Málaga. (2023, 20 de septiembre). </a:t>
-            </a:r>
-            <a:r>
-              <a:rPr lang="es-ES_tradnl" sz="1100" i="1" dirty="0">
-                <a:latin typeface="Cambria" panose="02040503050406030204" pitchFamily="18" charset="0"/>
-                <a:ea typeface="Cambria" panose="02040503050406030204" pitchFamily="18" charset="0"/>
-              </a:rPr>
-              <a:t>El sector turístico de la Costa del Sol evidencia el peso del turismo sobre otros sectores y lanza un potente mensaje contra la </a:t>
-            </a:r>
-            <a:r>
-              <a:rPr lang="es-ES_tradnl" sz="1100" i="1" dirty="0" err="1">
-                <a:latin typeface="Cambria" panose="02040503050406030204" pitchFamily="18" charset="0"/>
-                <a:ea typeface="Cambria" panose="02040503050406030204" pitchFamily="18" charset="0"/>
-              </a:rPr>
-              <a:t>turismofobia</a:t>
-            </a:r>
-            <a:r>
-              <a:rPr lang="es-ES_tradnl" sz="1100" dirty="0">
-                <a:latin typeface="Cambria" panose="02040503050406030204" pitchFamily="18" charset="0"/>
-                <a:ea typeface="Cambria" panose="02040503050406030204" pitchFamily="18" charset="0"/>
-              </a:rPr>
-              <a:t>. Diputación de Málaga. https://www.malaga.es/noticias/com1_md-3/com1_ct-0/com1_fb-0/com1_cb-0/com1_md3_cd-50341/el-sector-turistico-de-la-costa-del-sol-evidencia-el-peso-del-turismo-sobre-otros-sectores-y-lanza-un-potente-mensaje-contra-la-turismofobia </a:t>
-            </a:r>
-          </a:p>
-          <a:p>
-            <a:r>
-              <a:rPr lang="es-ES_tradnl" sz="1100" dirty="0" smtClean="0">
-                <a:latin typeface="Cambria" panose="02040503050406030204" pitchFamily="18" charset="0"/>
-                <a:ea typeface="Cambria" panose="02040503050406030204" pitchFamily="18" charset="0"/>
-              </a:rPr>
-              <a:t>Cadena </a:t>
-            </a:r>
-            <a:r>
-              <a:rPr lang="es-ES_tradnl" sz="1100" dirty="0">
-                <a:latin typeface="Cambria" panose="02040503050406030204" pitchFamily="18" charset="0"/>
-                <a:ea typeface="Cambria" panose="02040503050406030204" pitchFamily="18" charset="0"/>
-              </a:rPr>
-              <a:t>SER. (2024, 8 de mayo). </a:t>
-            </a:r>
-            <a:r>
-              <a:rPr lang="es-ES_tradnl" sz="1100" i="1" dirty="0">
-                <a:latin typeface="Cambria" panose="02040503050406030204" pitchFamily="18" charset="0"/>
-                <a:ea typeface="Cambria" panose="02040503050406030204" pitchFamily="18" charset="0"/>
-              </a:rPr>
-              <a:t>El empleo del sector turístico crece casi un 8% en Málaga, con 125.000 ocupados en la hostelería, alojamientos y agencias</a:t>
-            </a:r>
-            <a:r>
-              <a:rPr lang="es-ES_tradnl" sz="1100" dirty="0">
-                <a:latin typeface="Cambria" panose="02040503050406030204" pitchFamily="18" charset="0"/>
-                <a:ea typeface="Cambria" panose="02040503050406030204" pitchFamily="18" charset="0"/>
-              </a:rPr>
-              <a:t>. Cadena SER. https://cadenaser.com/andalucia/2024/05/08/el-empleo-del-sector-turistico-crece-casi-un-8-en-malaga-con-125000-ocupados-en-la-hosteleria-alojamientos-y-agencias-ser-malaga/ </a:t>
-            </a:r>
-          </a:p>
-          <a:p>
-            <a:r>
-              <a:rPr lang="en-GB" sz="1100" dirty="0" smtClean="0">
-                <a:latin typeface="Cambria" panose="02040503050406030204" pitchFamily="18" charset="0"/>
-                <a:ea typeface="Cambria" panose="02040503050406030204" pitchFamily="18" charset="0"/>
-              </a:rPr>
-              <a:t>Inside </a:t>
-            </a:r>
-            <a:r>
-              <a:rPr lang="en-GB" sz="1100" dirty="0">
-                <a:latin typeface="Cambria" panose="02040503050406030204" pitchFamily="18" charset="0"/>
-                <a:ea typeface="Cambria" panose="02040503050406030204" pitchFamily="18" charset="0"/>
-              </a:rPr>
-              <a:t>Airbnb. (</a:t>
-            </a:r>
-            <a:r>
-              <a:rPr lang="en-GB" sz="1100" dirty="0" err="1">
-                <a:latin typeface="Cambria" panose="02040503050406030204" pitchFamily="18" charset="0"/>
-                <a:ea typeface="Cambria" panose="02040503050406030204" pitchFamily="18" charset="0"/>
-              </a:rPr>
-              <a:t>n.d.</a:t>
-            </a:r>
-            <a:r>
-              <a:rPr lang="en-GB" sz="1100" dirty="0">
-                <a:latin typeface="Cambria" panose="02040503050406030204" pitchFamily="18" charset="0"/>
-                <a:ea typeface="Cambria" panose="02040503050406030204" pitchFamily="18" charset="0"/>
-              </a:rPr>
-              <a:t>). Get the data. Inside Airbnb. Retrieved June 23, 2024, from https://insideairbnb.com/get-the-data/ </a:t>
-            </a:r>
-          </a:p>
-          <a:p>
-            <a:r>
-              <a:rPr lang="es-ES_tradnl" sz="1100" dirty="0" err="1" smtClean="0">
-                <a:latin typeface="Cambria" panose="02040503050406030204" pitchFamily="18" charset="0"/>
-                <a:ea typeface="Cambria" panose="02040503050406030204" pitchFamily="18" charset="0"/>
-              </a:rPr>
-              <a:t>Tarancón</a:t>
-            </a:r>
-            <a:r>
-              <a:rPr lang="es-ES_tradnl" sz="1100" dirty="0" smtClean="0">
-                <a:latin typeface="Cambria" panose="02040503050406030204" pitchFamily="18" charset="0"/>
-                <a:ea typeface="Cambria" panose="02040503050406030204" pitchFamily="18" charset="0"/>
-              </a:rPr>
-              <a:t> </a:t>
-            </a:r>
-            <a:r>
-              <a:rPr lang="es-ES_tradnl" sz="1100" dirty="0">
-                <a:latin typeface="Cambria" panose="02040503050406030204" pitchFamily="18" charset="0"/>
-                <a:ea typeface="Cambria" panose="02040503050406030204" pitchFamily="18" charset="0"/>
-              </a:rPr>
-              <a:t>Morán, M. Á. &amp; Quintana Rojo, C., (2023-2024). </a:t>
-            </a:r>
-            <a:r>
-              <a:rPr lang="es-ES_tradnl" sz="1100" i="1" dirty="0">
-                <a:latin typeface="Cambria" panose="02040503050406030204" pitchFamily="18" charset="0"/>
-                <a:ea typeface="Cambria" panose="02040503050406030204" pitchFamily="18" charset="0"/>
-              </a:rPr>
-              <a:t>Técnicas </a:t>
-            </a:r>
-            <a:r>
-              <a:rPr lang="es-ES_tradnl" sz="1100" i="1" dirty="0" err="1">
-                <a:latin typeface="Cambria" panose="02040503050406030204" pitchFamily="18" charset="0"/>
-                <a:ea typeface="Cambria" panose="02040503050406030204" pitchFamily="18" charset="0"/>
-              </a:rPr>
-              <a:t>Multivariantes</a:t>
-            </a:r>
-            <a:r>
-              <a:rPr lang="es-ES_tradnl" sz="1100" i="1" dirty="0">
-                <a:latin typeface="Cambria" panose="02040503050406030204" pitchFamily="18" charset="0"/>
-                <a:ea typeface="Cambria" panose="02040503050406030204" pitchFamily="18" charset="0"/>
-              </a:rPr>
-              <a:t> Aplicadas Al Análisis Sectorial</a:t>
-            </a:r>
-            <a:r>
-              <a:rPr lang="es-ES_tradnl" sz="1100" dirty="0">
-                <a:latin typeface="Cambria" panose="02040503050406030204" pitchFamily="18" charset="0"/>
-                <a:ea typeface="Cambria" panose="02040503050406030204" pitchFamily="18" charset="0"/>
-              </a:rPr>
-              <a:t>. Máster de Análisis y Modelización de Datos Económicos, Universidad de Castilla-La Mancha. </a:t>
-            </a:r>
-          </a:p>
-          <a:p>
-            <a:r>
-              <a:rPr lang="en-GB" sz="1100" dirty="0" smtClean="0">
-                <a:latin typeface="Cambria" panose="02040503050406030204" pitchFamily="18" charset="0"/>
-                <a:ea typeface="Cambria" panose="02040503050406030204" pitchFamily="18" charset="0"/>
-              </a:rPr>
-              <a:t>Cameron</a:t>
-            </a:r>
-            <a:r>
-              <a:rPr lang="en-GB" sz="1100" dirty="0">
-                <a:latin typeface="Cambria" panose="02040503050406030204" pitchFamily="18" charset="0"/>
-                <a:ea typeface="Cambria" panose="02040503050406030204" pitchFamily="18" charset="0"/>
-              </a:rPr>
-              <a:t>, A. C., &amp; Trivedi, P. K. (2005). In </a:t>
-            </a:r>
-            <a:r>
-              <a:rPr lang="en-GB" sz="1100" b="1" dirty="0" err="1">
-                <a:latin typeface="Cambria" panose="02040503050406030204" pitchFamily="18" charset="0"/>
-                <a:ea typeface="Cambria" panose="02040503050406030204" pitchFamily="18" charset="0"/>
-              </a:rPr>
-              <a:t>Microeconometrics</a:t>
-            </a:r>
-            <a:r>
-              <a:rPr lang="en-GB" sz="1100" b="1" dirty="0">
-                <a:latin typeface="Cambria" panose="02040503050406030204" pitchFamily="18" charset="0"/>
-                <a:ea typeface="Cambria" panose="02040503050406030204" pitchFamily="18" charset="0"/>
-              </a:rPr>
-              <a:t>: Methods and Applications </a:t>
-            </a:r>
-            <a:r>
-              <a:rPr lang="en-GB" sz="1100" dirty="0">
-                <a:latin typeface="Cambria" panose="02040503050406030204" pitchFamily="18" charset="0"/>
-                <a:ea typeface="Cambria" panose="02040503050406030204" pitchFamily="18" charset="0"/>
-              </a:rPr>
-              <a:t>(pp. 487-554). Cambridge University Press. </a:t>
-            </a:r>
-          </a:p>
-          <a:p>
-            <a:r>
-              <a:rPr lang="es-ES_tradnl" sz="1100" dirty="0" smtClean="0">
-                <a:latin typeface="Cambria" panose="02040503050406030204" pitchFamily="18" charset="0"/>
-                <a:ea typeface="Cambria" panose="02040503050406030204" pitchFamily="18" charset="0"/>
-              </a:rPr>
-              <a:t> </a:t>
-            </a:r>
-            <a:r>
-              <a:rPr lang="es-ES_tradnl" sz="1100" dirty="0">
-                <a:latin typeface="Cambria" panose="02040503050406030204" pitchFamily="18" charset="0"/>
-                <a:ea typeface="Cambria" panose="02040503050406030204" pitchFamily="18" charset="0"/>
-              </a:rPr>
-              <a:t>del Corral, J. (2023-2024). </a:t>
-            </a:r>
-            <a:r>
-              <a:rPr lang="es-ES_tradnl" sz="1100" i="1" dirty="0" err="1">
-                <a:latin typeface="Cambria" panose="02040503050406030204" pitchFamily="18" charset="0"/>
-                <a:ea typeface="Cambria" panose="02040503050406030204" pitchFamily="18" charset="0"/>
-              </a:rPr>
-              <a:t>Microeconometría</a:t>
-            </a:r>
-            <a:r>
-              <a:rPr lang="es-ES_tradnl" sz="1100" i="1" dirty="0">
-                <a:latin typeface="Cambria" panose="02040503050406030204" pitchFamily="18" charset="0"/>
-                <a:ea typeface="Cambria" panose="02040503050406030204" pitchFamily="18" charset="0"/>
-              </a:rPr>
-              <a:t> aplicada</a:t>
-            </a:r>
-            <a:r>
-              <a:rPr lang="es-ES_tradnl" sz="1100" dirty="0">
-                <a:latin typeface="Cambria" panose="02040503050406030204" pitchFamily="18" charset="0"/>
-                <a:ea typeface="Cambria" panose="02040503050406030204" pitchFamily="18" charset="0"/>
-              </a:rPr>
-              <a:t>. Tema 3: Modelos de variable dependiente cualitativa: </a:t>
-            </a:r>
-            <a:r>
-              <a:rPr lang="es-ES_tradnl" sz="1100" dirty="0" err="1">
-                <a:latin typeface="Cambria" panose="02040503050406030204" pitchFamily="18" charset="0"/>
-                <a:ea typeface="Cambria" panose="02040503050406030204" pitchFamily="18" charset="0"/>
-              </a:rPr>
-              <a:t>probit</a:t>
-            </a:r>
-            <a:r>
-              <a:rPr lang="es-ES_tradnl" sz="1100" dirty="0">
-                <a:latin typeface="Cambria" panose="02040503050406030204" pitchFamily="18" charset="0"/>
-                <a:ea typeface="Cambria" panose="02040503050406030204" pitchFamily="18" charset="0"/>
-              </a:rPr>
-              <a:t>/</a:t>
-            </a:r>
-            <a:r>
-              <a:rPr lang="es-ES_tradnl" sz="1100" dirty="0" err="1">
-                <a:latin typeface="Cambria" panose="02040503050406030204" pitchFamily="18" charset="0"/>
-                <a:ea typeface="Cambria" panose="02040503050406030204" pitchFamily="18" charset="0"/>
-              </a:rPr>
-              <a:t>logit</a:t>
-            </a:r>
-            <a:r>
-              <a:rPr lang="es-ES_tradnl" sz="1100" dirty="0">
-                <a:latin typeface="Cambria" panose="02040503050406030204" pitchFamily="18" charset="0"/>
-                <a:ea typeface="Cambria" panose="02040503050406030204" pitchFamily="18" charset="0"/>
-              </a:rPr>
-              <a:t>. Máster de Análisis y Modelización de Datos Económicos, Universidad de Castilla-La Mancha. </a:t>
-            </a:r>
-          </a:p>
-          <a:p>
-            <a:r>
-              <a:rPr lang="en-GB" sz="1100" dirty="0" smtClean="0">
-                <a:latin typeface="Cambria" panose="02040503050406030204" pitchFamily="18" charset="0"/>
-                <a:ea typeface="Cambria" panose="02040503050406030204" pitchFamily="18" charset="0"/>
-              </a:rPr>
-              <a:t> </a:t>
-            </a:r>
-            <a:r>
-              <a:rPr lang="en-GB" sz="1100" dirty="0" err="1">
-                <a:latin typeface="Cambria" panose="02040503050406030204" pitchFamily="18" charset="0"/>
-                <a:ea typeface="Cambria" panose="02040503050406030204" pitchFamily="18" charset="0"/>
-              </a:rPr>
-              <a:t>Kimes</a:t>
-            </a:r>
-            <a:r>
-              <a:rPr lang="en-GB" sz="1100" dirty="0">
-                <a:latin typeface="Cambria" panose="02040503050406030204" pitchFamily="18" charset="0"/>
-                <a:ea typeface="Cambria" panose="02040503050406030204" pitchFamily="18" charset="0"/>
-              </a:rPr>
-              <a:t>, S. E., &amp; </a:t>
-            </a:r>
-            <a:r>
-              <a:rPr lang="en-GB" sz="1100" dirty="0" err="1">
-                <a:latin typeface="Cambria" panose="02040503050406030204" pitchFamily="18" charset="0"/>
-                <a:ea typeface="Cambria" panose="02040503050406030204" pitchFamily="18" charset="0"/>
-              </a:rPr>
-              <a:t>Wirtz</a:t>
-            </a:r>
-            <a:r>
-              <a:rPr lang="en-GB" sz="1100" dirty="0">
-                <a:latin typeface="Cambria" panose="02040503050406030204" pitchFamily="18" charset="0"/>
-                <a:ea typeface="Cambria" panose="02040503050406030204" pitchFamily="18" charset="0"/>
-              </a:rPr>
-              <a:t>, J. (2015). </a:t>
-            </a:r>
-            <a:r>
-              <a:rPr lang="en-GB" sz="1100" i="1" dirty="0">
-                <a:latin typeface="Cambria" panose="02040503050406030204" pitchFamily="18" charset="0"/>
-                <a:ea typeface="Cambria" panose="02040503050406030204" pitchFamily="18" charset="0"/>
-              </a:rPr>
-              <a:t>Revenue management: Advanced strategies and tools to enhance firm profitability</a:t>
-            </a:r>
-            <a:r>
-              <a:rPr lang="en-GB" sz="1100" dirty="0">
-                <a:latin typeface="Cambria" panose="02040503050406030204" pitchFamily="18" charset="0"/>
-                <a:ea typeface="Cambria" panose="02040503050406030204" pitchFamily="18" charset="0"/>
-              </a:rPr>
-              <a:t>. World Scientific. </a:t>
-            </a:r>
-          </a:p>
-          <a:p>
-            <a:r>
-              <a:rPr lang="en-GB" sz="1100" dirty="0" err="1" smtClean="0">
-                <a:latin typeface="Cambria" panose="02040503050406030204" pitchFamily="18" charset="0"/>
-                <a:ea typeface="Cambria" panose="02040503050406030204" pitchFamily="18" charset="0"/>
-              </a:rPr>
-              <a:t>Wachsmuth</a:t>
-            </a:r>
-            <a:r>
-              <a:rPr lang="en-GB" sz="1100" dirty="0">
-                <a:latin typeface="Cambria" panose="02040503050406030204" pitchFamily="18" charset="0"/>
-                <a:ea typeface="Cambria" panose="02040503050406030204" pitchFamily="18" charset="0"/>
-              </a:rPr>
-              <a:t>, D., &amp; </a:t>
-            </a:r>
-            <a:r>
-              <a:rPr lang="en-GB" sz="1100" dirty="0" err="1">
-                <a:latin typeface="Cambria" panose="02040503050406030204" pitchFamily="18" charset="0"/>
-                <a:ea typeface="Cambria" panose="02040503050406030204" pitchFamily="18" charset="0"/>
-              </a:rPr>
-              <a:t>Weisler</a:t>
-            </a:r>
-            <a:r>
-              <a:rPr lang="en-GB" sz="1100" dirty="0">
-                <a:latin typeface="Cambria" panose="02040503050406030204" pitchFamily="18" charset="0"/>
-                <a:ea typeface="Cambria" panose="02040503050406030204" pitchFamily="18" charset="0"/>
-              </a:rPr>
-              <a:t>, A. (2018). Airbnb and the Rent Gap: Gentrification through the Sharing Economy. </a:t>
-            </a:r>
-            <a:r>
-              <a:rPr lang="en-GB" sz="1100" i="1" dirty="0">
-                <a:latin typeface="Cambria" panose="02040503050406030204" pitchFamily="18" charset="0"/>
-                <a:ea typeface="Cambria" panose="02040503050406030204" pitchFamily="18" charset="0"/>
-              </a:rPr>
-              <a:t>Environment and Planning A: Economy and Space</a:t>
-            </a:r>
-            <a:r>
-              <a:rPr lang="en-GB" sz="1100" dirty="0">
-                <a:latin typeface="Cambria" panose="02040503050406030204" pitchFamily="18" charset="0"/>
-                <a:ea typeface="Cambria" panose="02040503050406030204" pitchFamily="18" charset="0"/>
-              </a:rPr>
-              <a:t>, 50(6), 1147-1170. </a:t>
-            </a:r>
-          </a:p>
-          <a:p>
-            <a:r>
-              <a:rPr lang="es-ES" sz="1100" dirty="0">
-                <a:latin typeface="Cambria" panose="02040503050406030204" pitchFamily="18" charset="0"/>
-                <a:ea typeface="Cambria" panose="02040503050406030204" pitchFamily="18" charset="0"/>
-              </a:rPr>
-              <a:t>43 </a:t>
-            </a:r>
-          </a:p>
-          <a:p>
-            <a:r>
-              <a:rPr lang="es-ES_tradnl" sz="1100" dirty="0" smtClean="0">
-                <a:latin typeface="Cambria" panose="02040503050406030204" pitchFamily="18" charset="0"/>
-                <a:ea typeface="Cambria" panose="02040503050406030204" pitchFamily="18" charset="0"/>
-              </a:rPr>
-              <a:t>Fu</a:t>
-            </a:r>
-            <a:r>
-              <a:rPr lang="es-ES_tradnl" sz="1100" dirty="0">
-                <a:latin typeface="Cambria" panose="02040503050406030204" pitchFamily="18" charset="0"/>
-                <a:ea typeface="Cambria" panose="02040503050406030204" pitchFamily="18" charset="0"/>
-              </a:rPr>
-              <a:t>, Y. (2023). </a:t>
-            </a:r>
-            <a:r>
-              <a:rPr lang="es-ES_tradnl" sz="1100" i="1" dirty="0">
-                <a:latin typeface="Cambria" panose="02040503050406030204" pitchFamily="18" charset="0"/>
-                <a:ea typeface="Cambria" panose="02040503050406030204" pitchFamily="18" charset="0"/>
-              </a:rPr>
-              <a:t>Nuevas estrategias frente a la intensificación turística en destinos </a:t>
-            </a:r>
-            <a:r>
-              <a:rPr lang="es-ES_tradnl" sz="1100" dirty="0">
-                <a:latin typeface="Cambria" panose="02040503050406030204" pitchFamily="18" charset="0"/>
-                <a:ea typeface="Cambria" panose="02040503050406030204" pitchFamily="18" charset="0"/>
-              </a:rPr>
-              <a:t>(Trabajo de Fin de Máster, Universidad de Málaga, Máster Universitario en Dirección y Planificación del Turismo). Universidad de Málaga. </a:t>
-            </a:r>
-          </a:p>
-          <a:p>
-            <a:r>
-              <a:rPr lang="es-ES_tradnl" sz="1100" dirty="0" smtClean="0">
-                <a:latin typeface="Cambria" panose="02040503050406030204" pitchFamily="18" charset="0"/>
-                <a:ea typeface="Cambria" panose="02040503050406030204" pitchFamily="18" charset="0"/>
-              </a:rPr>
-              <a:t>Cano</a:t>
-            </a:r>
-            <a:r>
-              <a:rPr lang="es-ES_tradnl" sz="1100" dirty="0">
-                <a:latin typeface="Cambria" panose="02040503050406030204" pitchFamily="18" charset="0"/>
-                <a:ea typeface="Cambria" panose="02040503050406030204" pitchFamily="18" charset="0"/>
-              </a:rPr>
-              <a:t>, E. L. (2024). </a:t>
-            </a:r>
-            <a:r>
-              <a:rPr lang="es-ES_tradnl" sz="1100" i="1" dirty="0">
-                <a:latin typeface="Cambria" panose="02040503050406030204" pitchFamily="18" charset="0"/>
-                <a:ea typeface="Cambria" panose="02040503050406030204" pitchFamily="18" charset="0"/>
-              </a:rPr>
-              <a:t>Introducción al software estadístico R </a:t>
-            </a:r>
-            <a:r>
-              <a:rPr lang="es-ES_tradnl" sz="1100" dirty="0">
-                <a:latin typeface="Cambria" panose="02040503050406030204" pitchFamily="18" charset="0"/>
-                <a:ea typeface="Cambria" panose="02040503050406030204" pitchFamily="18" charset="0"/>
-              </a:rPr>
-              <a:t>([capítulos 9 y 10]). </a:t>
-            </a:r>
-          </a:p>
-          <a:p>
-            <a:r>
-              <a:rPr lang="es-ES_tradnl" sz="1100" dirty="0" smtClean="0">
-                <a:latin typeface="Cambria" panose="02040503050406030204" pitchFamily="18" charset="0"/>
-                <a:ea typeface="Cambria" panose="02040503050406030204" pitchFamily="18" charset="0"/>
-              </a:rPr>
-              <a:t>Delgado</a:t>
-            </a:r>
-            <a:r>
-              <a:rPr lang="es-ES_tradnl" sz="1100" dirty="0">
-                <a:latin typeface="Cambria" panose="02040503050406030204" pitchFamily="18" charset="0"/>
-                <a:ea typeface="Cambria" panose="02040503050406030204" pitchFamily="18" charset="0"/>
-              </a:rPr>
-              <a:t>, R. (2018, junio 23). </a:t>
-            </a:r>
-            <a:r>
-              <a:rPr lang="es-ES_tradnl" sz="1100" i="1" dirty="0">
-                <a:latin typeface="Cambria" panose="02040503050406030204" pitchFamily="18" charset="0"/>
-                <a:ea typeface="Cambria" panose="02040503050406030204" pitchFamily="18" charset="0"/>
-              </a:rPr>
-              <a:t>Introducción a los modelos de agrupamiento (</a:t>
-            </a:r>
-            <a:r>
-              <a:rPr lang="es-ES_tradnl" sz="1100" i="1" dirty="0" err="1">
-                <a:latin typeface="Cambria" panose="02040503050406030204" pitchFamily="18" charset="0"/>
-                <a:ea typeface="Cambria" panose="02040503050406030204" pitchFamily="18" charset="0"/>
-              </a:rPr>
-              <a:t>Clustering</a:t>
-            </a:r>
-            <a:r>
-              <a:rPr lang="es-ES_tradnl" sz="1100" i="1" dirty="0">
-                <a:latin typeface="Cambria" panose="02040503050406030204" pitchFamily="18" charset="0"/>
-                <a:ea typeface="Cambria" panose="02040503050406030204" pitchFamily="18" charset="0"/>
-              </a:rPr>
-              <a:t>) en R</a:t>
-            </a:r>
-            <a:r>
-              <a:rPr lang="es-ES_tradnl" sz="1100" dirty="0">
-                <a:latin typeface="Cambria" panose="02040503050406030204" pitchFamily="18" charset="0"/>
-                <a:ea typeface="Cambria" panose="02040503050406030204" pitchFamily="18" charset="0"/>
-              </a:rPr>
-              <a:t>. </a:t>
-            </a:r>
-            <a:r>
-              <a:rPr lang="es-ES_tradnl" sz="1100" dirty="0" err="1">
-                <a:latin typeface="Cambria" panose="02040503050406030204" pitchFamily="18" charset="0"/>
-                <a:ea typeface="Cambria" panose="02040503050406030204" pitchFamily="18" charset="0"/>
-              </a:rPr>
-              <a:t>RPubs</a:t>
-            </a:r>
-            <a:r>
-              <a:rPr lang="es-ES_tradnl" sz="1100" dirty="0">
-                <a:latin typeface="Cambria" panose="02040503050406030204" pitchFamily="18" charset="0"/>
-                <a:ea typeface="Cambria" panose="02040503050406030204" pitchFamily="18" charset="0"/>
-              </a:rPr>
-              <a:t>. https://rpubs.com/rdelgado/399475 </a:t>
-            </a:r>
-          </a:p>
-          <a:p>
-            <a:r>
-              <a:rPr lang="es-ES" sz="1100" dirty="0" err="1" smtClean="0">
-                <a:latin typeface="Cambria" panose="02040503050406030204" pitchFamily="18" charset="0"/>
-                <a:ea typeface="Cambria" panose="02040503050406030204" pitchFamily="18" charset="0"/>
-              </a:rPr>
-              <a:t>Provost</a:t>
-            </a:r>
-            <a:r>
-              <a:rPr lang="es-ES" sz="1100" dirty="0">
-                <a:latin typeface="Cambria" panose="02040503050406030204" pitchFamily="18" charset="0"/>
-                <a:ea typeface="Cambria" panose="02040503050406030204" pitchFamily="18" charset="0"/>
-              </a:rPr>
-              <a:t>, F., &amp; </a:t>
-            </a:r>
-            <a:r>
-              <a:rPr lang="es-ES" sz="1100" dirty="0" err="1">
-                <a:latin typeface="Cambria" panose="02040503050406030204" pitchFamily="18" charset="0"/>
-                <a:ea typeface="Cambria" panose="02040503050406030204" pitchFamily="18" charset="0"/>
-              </a:rPr>
-              <a:t>Fawcett</a:t>
-            </a:r>
-            <a:r>
-              <a:rPr lang="es-ES" sz="1100" dirty="0">
-                <a:latin typeface="Cambria" panose="02040503050406030204" pitchFamily="18" charset="0"/>
-                <a:ea typeface="Cambria" panose="02040503050406030204" pitchFamily="18" charset="0"/>
-              </a:rPr>
-              <a:t>, T. (2001). </a:t>
-            </a:r>
-            <a:r>
-              <a:rPr lang="es-ES" sz="1100" dirty="0" err="1">
-                <a:latin typeface="Cambria" panose="02040503050406030204" pitchFamily="18" charset="0"/>
-                <a:ea typeface="Cambria" panose="02040503050406030204" pitchFamily="18" charset="0"/>
-              </a:rPr>
-              <a:t>Robust</a:t>
-            </a:r>
-            <a:r>
-              <a:rPr lang="es-ES" sz="1100" dirty="0">
-                <a:latin typeface="Cambria" panose="02040503050406030204" pitchFamily="18" charset="0"/>
-                <a:ea typeface="Cambria" panose="02040503050406030204" pitchFamily="18" charset="0"/>
-              </a:rPr>
-              <a:t> </a:t>
-            </a:r>
-            <a:r>
-              <a:rPr lang="es-ES" sz="1100" dirty="0" err="1">
-                <a:latin typeface="Cambria" panose="02040503050406030204" pitchFamily="18" charset="0"/>
-                <a:ea typeface="Cambria" panose="02040503050406030204" pitchFamily="18" charset="0"/>
-              </a:rPr>
-              <a:t>classification</a:t>
-            </a:r>
-            <a:r>
-              <a:rPr lang="es-ES" sz="1100" dirty="0">
-                <a:latin typeface="Cambria" panose="02040503050406030204" pitchFamily="18" charset="0"/>
-                <a:ea typeface="Cambria" panose="02040503050406030204" pitchFamily="18" charset="0"/>
-              </a:rPr>
-              <a:t> </a:t>
-            </a:r>
-            <a:r>
-              <a:rPr lang="es-ES" sz="1100" dirty="0" err="1">
-                <a:latin typeface="Cambria" panose="02040503050406030204" pitchFamily="18" charset="0"/>
-                <a:ea typeface="Cambria" panose="02040503050406030204" pitchFamily="18" charset="0"/>
-              </a:rPr>
-              <a:t>for</a:t>
-            </a:r>
-            <a:r>
-              <a:rPr lang="es-ES" sz="1100" dirty="0">
-                <a:latin typeface="Cambria" panose="02040503050406030204" pitchFamily="18" charset="0"/>
-                <a:ea typeface="Cambria" panose="02040503050406030204" pitchFamily="18" charset="0"/>
-              </a:rPr>
-              <a:t> imprecise </a:t>
-            </a:r>
-            <a:r>
-              <a:rPr lang="es-ES" sz="1100" dirty="0" err="1">
-                <a:latin typeface="Cambria" panose="02040503050406030204" pitchFamily="18" charset="0"/>
-                <a:ea typeface="Cambria" panose="02040503050406030204" pitchFamily="18" charset="0"/>
-              </a:rPr>
-              <a:t>environments</a:t>
-            </a:r>
-            <a:r>
-              <a:rPr lang="es-ES" sz="1100" dirty="0">
-                <a:latin typeface="Cambria" panose="02040503050406030204" pitchFamily="18" charset="0"/>
-                <a:ea typeface="Cambria" panose="02040503050406030204" pitchFamily="18" charset="0"/>
-              </a:rPr>
-              <a:t>. Machine </a:t>
-            </a:r>
-            <a:r>
-              <a:rPr lang="es-ES" sz="1100" dirty="0" err="1">
-                <a:latin typeface="Cambria" panose="02040503050406030204" pitchFamily="18" charset="0"/>
-                <a:ea typeface="Cambria" panose="02040503050406030204" pitchFamily="18" charset="0"/>
-              </a:rPr>
-              <a:t>Learning</a:t>
-            </a:r>
-            <a:r>
-              <a:rPr lang="es-ES" sz="1100" dirty="0">
-                <a:latin typeface="Cambria" panose="02040503050406030204" pitchFamily="18" charset="0"/>
-                <a:ea typeface="Cambria" panose="02040503050406030204" pitchFamily="18" charset="0"/>
-              </a:rPr>
-              <a:t>, 42(3), 203-231. doi:10.1023/A:1007601015857 </a:t>
-            </a:r>
-          </a:p>
-          <a:p>
-            <a:r>
-              <a:rPr lang="es-ES" sz="1100" dirty="0" err="1" smtClean="0">
-                <a:latin typeface="Cambria" panose="02040503050406030204" pitchFamily="18" charset="0"/>
-                <a:ea typeface="Cambria" panose="02040503050406030204" pitchFamily="18" charset="0"/>
-              </a:rPr>
-              <a:t>Chawla</a:t>
-            </a:r>
-            <a:r>
-              <a:rPr lang="es-ES" sz="1100" dirty="0">
-                <a:latin typeface="Cambria" panose="02040503050406030204" pitchFamily="18" charset="0"/>
-                <a:ea typeface="Cambria" panose="02040503050406030204" pitchFamily="18" charset="0"/>
-              </a:rPr>
-              <a:t>, N. V., </a:t>
-            </a:r>
-            <a:r>
-              <a:rPr lang="es-ES" sz="1100" dirty="0" err="1">
-                <a:latin typeface="Cambria" panose="02040503050406030204" pitchFamily="18" charset="0"/>
-                <a:ea typeface="Cambria" panose="02040503050406030204" pitchFamily="18" charset="0"/>
-              </a:rPr>
-              <a:t>Japkowicz</a:t>
-            </a:r>
-            <a:r>
-              <a:rPr lang="es-ES" sz="1100" dirty="0">
-                <a:latin typeface="Cambria" panose="02040503050406030204" pitchFamily="18" charset="0"/>
-                <a:ea typeface="Cambria" panose="02040503050406030204" pitchFamily="18" charset="0"/>
-              </a:rPr>
-              <a:t>, N., &amp; </a:t>
-            </a:r>
-            <a:r>
-              <a:rPr lang="es-ES" sz="1100" dirty="0" err="1">
-                <a:latin typeface="Cambria" panose="02040503050406030204" pitchFamily="18" charset="0"/>
-                <a:ea typeface="Cambria" panose="02040503050406030204" pitchFamily="18" charset="0"/>
-              </a:rPr>
-              <a:t>Kotcz</a:t>
-            </a:r>
-            <a:r>
-              <a:rPr lang="es-ES" sz="1100" dirty="0">
-                <a:latin typeface="Cambria" panose="02040503050406030204" pitchFamily="18" charset="0"/>
-                <a:ea typeface="Cambria" panose="02040503050406030204" pitchFamily="18" charset="0"/>
-              </a:rPr>
-              <a:t>, A. (2004). Editorial: </a:t>
-            </a:r>
-            <a:r>
-              <a:rPr lang="es-ES" sz="1100" dirty="0" err="1">
-                <a:latin typeface="Cambria" panose="02040503050406030204" pitchFamily="18" charset="0"/>
-                <a:ea typeface="Cambria" panose="02040503050406030204" pitchFamily="18" charset="0"/>
-              </a:rPr>
-              <a:t>Special</a:t>
-            </a:r>
-            <a:r>
-              <a:rPr lang="es-ES" sz="1100" dirty="0">
-                <a:latin typeface="Cambria" panose="02040503050406030204" pitchFamily="18" charset="0"/>
-                <a:ea typeface="Cambria" panose="02040503050406030204" pitchFamily="18" charset="0"/>
-              </a:rPr>
-              <a:t> </a:t>
-            </a:r>
-            <a:r>
-              <a:rPr lang="es-ES" sz="1100" dirty="0" err="1">
-                <a:latin typeface="Cambria" panose="02040503050406030204" pitchFamily="18" charset="0"/>
-                <a:ea typeface="Cambria" panose="02040503050406030204" pitchFamily="18" charset="0"/>
-              </a:rPr>
-              <a:t>issue</a:t>
-            </a:r>
-            <a:r>
-              <a:rPr lang="es-ES" sz="1100" dirty="0">
-                <a:latin typeface="Cambria" panose="02040503050406030204" pitchFamily="18" charset="0"/>
-                <a:ea typeface="Cambria" panose="02040503050406030204" pitchFamily="18" charset="0"/>
-              </a:rPr>
-              <a:t> </a:t>
-            </a:r>
-            <a:r>
-              <a:rPr lang="es-ES" sz="1100" dirty="0" err="1">
-                <a:latin typeface="Cambria" panose="02040503050406030204" pitchFamily="18" charset="0"/>
-                <a:ea typeface="Cambria" panose="02040503050406030204" pitchFamily="18" charset="0"/>
-              </a:rPr>
-              <a:t>on</a:t>
-            </a:r>
-            <a:r>
-              <a:rPr lang="es-ES" sz="1100" dirty="0">
-                <a:latin typeface="Cambria" panose="02040503050406030204" pitchFamily="18" charset="0"/>
-                <a:ea typeface="Cambria" panose="02040503050406030204" pitchFamily="18" charset="0"/>
-              </a:rPr>
-              <a:t> </a:t>
-            </a:r>
-            <a:r>
-              <a:rPr lang="es-ES" sz="1100" dirty="0" err="1">
-                <a:latin typeface="Cambria" panose="02040503050406030204" pitchFamily="18" charset="0"/>
-                <a:ea typeface="Cambria" panose="02040503050406030204" pitchFamily="18" charset="0"/>
-              </a:rPr>
-              <a:t>learning</a:t>
-            </a:r>
-            <a:r>
-              <a:rPr lang="es-ES" sz="1100" dirty="0">
-                <a:latin typeface="Cambria" panose="02040503050406030204" pitchFamily="18" charset="0"/>
-                <a:ea typeface="Cambria" panose="02040503050406030204" pitchFamily="18" charset="0"/>
-              </a:rPr>
-              <a:t> </a:t>
-            </a:r>
-            <a:r>
-              <a:rPr lang="es-ES" sz="1100" dirty="0" err="1">
-                <a:latin typeface="Cambria" panose="02040503050406030204" pitchFamily="18" charset="0"/>
-                <a:ea typeface="Cambria" panose="02040503050406030204" pitchFamily="18" charset="0"/>
-              </a:rPr>
-              <a:t>from</a:t>
-            </a:r>
-            <a:r>
-              <a:rPr lang="es-ES" sz="1100" dirty="0">
-                <a:latin typeface="Cambria" panose="02040503050406030204" pitchFamily="18" charset="0"/>
-                <a:ea typeface="Cambria" panose="02040503050406030204" pitchFamily="18" charset="0"/>
-              </a:rPr>
-              <a:t> </a:t>
-            </a:r>
-            <a:r>
-              <a:rPr lang="es-ES" sz="1100" dirty="0" err="1">
-                <a:latin typeface="Cambria" panose="02040503050406030204" pitchFamily="18" charset="0"/>
-                <a:ea typeface="Cambria" panose="02040503050406030204" pitchFamily="18" charset="0"/>
-              </a:rPr>
-              <a:t>imbalanced</a:t>
-            </a:r>
-            <a:r>
-              <a:rPr lang="es-ES" sz="1100" dirty="0">
-                <a:latin typeface="Cambria" panose="02040503050406030204" pitchFamily="18" charset="0"/>
-                <a:ea typeface="Cambria" panose="02040503050406030204" pitchFamily="18" charset="0"/>
-              </a:rPr>
-              <a:t> data sets. ACM SIGKDD </a:t>
-            </a:r>
-            <a:r>
-              <a:rPr lang="es-ES" sz="1100" dirty="0" err="1">
-                <a:latin typeface="Cambria" panose="02040503050406030204" pitchFamily="18" charset="0"/>
-                <a:ea typeface="Cambria" panose="02040503050406030204" pitchFamily="18" charset="0"/>
-              </a:rPr>
-              <a:t>Explorations</a:t>
-            </a:r>
-            <a:r>
-              <a:rPr lang="es-ES" sz="1100" dirty="0">
-                <a:latin typeface="Cambria" panose="02040503050406030204" pitchFamily="18" charset="0"/>
-                <a:ea typeface="Cambria" panose="02040503050406030204" pitchFamily="18" charset="0"/>
-              </a:rPr>
-              <a:t> </a:t>
-            </a:r>
-            <a:r>
-              <a:rPr lang="es-ES" sz="1100" dirty="0" err="1">
-                <a:latin typeface="Cambria" panose="02040503050406030204" pitchFamily="18" charset="0"/>
-                <a:ea typeface="Cambria" panose="02040503050406030204" pitchFamily="18" charset="0"/>
-              </a:rPr>
-              <a:t>Newsletter</a:t>
-            </a:r>
-            <a:r>
-              <a:rPr lang="es-ES" sz="1100" dirty="0">
-                <a:latin typeface="Cambria" panose="02040503050406030204" pitchFamily="18" charset="0"/>
-                <a:ea typeface="Cambria" panose="02040503050406030204" pitchFamily="18" charset="0"/>
-              </a:rPr>
-              <a:t>, 6(1), 1-6. doi:10.1145/1007730.1007733 </a:t>
-            </a:r>
-          </a:p>
-          <a:p>
-            <a:r>
-              <a:rPr lang="en-GB" sz="1100" dirty="0" smtClean="0">
-                <a:latin typeface="Cambria" panose="02040503050406030204" pitchFamily="18" charset="0"/>
-                <a:ea typeface="Cambria" panose="02040503050406030204" pitchFamily="18" charset="0"/>
-              </a:rPr>
-              <a:t>Fawcett</a:t>
-            </a:r>
-            <a:r>
-              <a:rPr lang="en-GB" sz="1100" dirty="0">
-                <a:latin typeface="Cambria" panose="02040503050406030204" pitchFamily="18" charset="0"/>
-                <a:ea typeface="Cambria" panose="02040503050406030204" pitchFamily="18" charset="0"/>
-              </a:rPr>
-              <a:t>, T. (2006). An introduction to ROC analysis. </a:t>
-            </a:r>
-            <a:r>
-              <a:rPr lang="en-GB" sz="1100" i="1" dirty="0">
-                <a:latin typeface="Cambria" panose="02040503050406030204" pitchFamily="18" charset="0"/>
-                <a:ea typeface="Cambria" panose="02040503050406030204" pitchFamily="18" charset="0"/>
-              </a:rPr>
-              <a:t>Pattern Recognition Letters</a:t>
-            </a:r>
-            <a:r>
-              <a:rPr lang="en-GB" sz="1100" dirty="0">
-                <a:latin typeface="Cambria" panose="02040503050406030204" pitchFamily="18" charset="0"/>
-                <a:ea typeface="Cambria" panose="02040503050406030204" pitchFamily="18" charset="0"/>
-              </a:rPr>
-              <a:t>, 27(8), 861-874. https://doi.org/10.1016/j.patrec.2005.10.010 </a:t>
-            </a:r>
-          </a:p>
-          <a:p>
-            <a:endParaRPr lang="es-ES" dirty="0"/>
-          </a:p>
-          <a:p>
-            <a:r>
-              <a:rPr lang="es-ES_tradnl" dirty="0" smtClean="0"/>
-              <a:t>-</a:t>
-            </a:r>
-            <a:endParaRPr lang="es-ES" sz="2400" dirty="0">
-              <a:latin typeface="Cambria" panose="02040503050406030204" pitchFamily="18" charset="0"/>
-              <a:ea typeface="Cambria" panose="02040503050406030204" pitchFamily="18" charset="0"/>
-            </a:endParaRPr>
-          </a:p>
-        </p:txBody>
-      </p:sp>
-    </p:spTree>
-    <p:extLst>
-      <p:ext uri="{BB962C8B-B14F-4D97-AF65-F5344CB8AC3E}">
-        <p14:creationId xmlns:p14="http://schemas.microsoft.com/office/powerpoint/2010/main" val="3968928595"/>
-      </p:ext>
-    </p:extLst>
-  </p:cSld>
-  <p:clrMapOvr>
-    <a:masterClrMapping/>
-  </p:clrMapOvr>
-  <p:timing>
-    <p:tnLst>
-      <p:par>
-        <p:cTn id="1" dur="indefinite" restart="never" nodeType="tmRoot"/>
-      </p:par>
-    </p:tnLst>
-  </p:timing>
-</p:sld>
-</file>
-
-<file path=ppt/slides/slide17.xml><?xml version="1.0" encoding="utf-8"?>
-<p:sld xmlns:a="http://schemas.openxmlformats.org/drawingml/2006/main" xmlns:r="http://schemas.openxmlformats.org/officeDocument/2006/relationships" xmlns:p="http://schemas.openxmlformats.org/presentationml/2006/main">
-  <p:cSld>
     <p:bg>
       <p:bgPr>
         <a:blipFill dpi="0" rotWithShape="0">
@@ -8126,7 +7798,7 @@
         <p:spPr>
           <a:xfrm>
             <a:off x="1" y="1340768"/>
-            <a:ext cx="4283968" cy="4202112"/>
+            <a:ext cx="4283968" cy="4824536"/>
           </a:xfrm>
         </p:spPr>
         <p:txBody>
@@ -8144,8 +7816,21 @@
                 <a:latin typeface="Cambria" panose="02040503050406030204" pitchFamily="18" charset="0"/>
                 <a:ea typeface="Cambria" panose="02040503050406030204" pitchFamily="18" charset="0"/>
               </a:rPr>
-              <a:t>Identificación de los factores determinantes del precio de los alojamientos turísticos no hosteleros de la ciudad de Málaga.</a:t>
-            </a:r>
+              <a:t>Identificación de los factores del precio de los anuncios.</a:t>
+            </a:r>
+          </a:p>
+          <a:p>
+            <a:pPr marL="0" indent="0" eaLnBrk="1" hangingPunct="1">
+              <a:lnSpc>
+                <a:spcPct val="80000"/>
+              </a:lnSpc>
+              <a:buNone/>
+              <a:defRPr/>
+            </a:pPr>
+            <a:endParaRPr lang="es-ES" sz="2400" dirty="0" smtClean="0">
+              <a:latin typeface="Cambria" panose="02040503050406030204" pitchFamily="18" charset="0"/>
+              <a:ea typeface="Cambria" panose="02040503050406030204" pitchFamily="18" charset="0"/>
+            </a:endParaRPr>
           </a:p>
           <a:p>
             <a:pPr eaLnBrk="1" hangingPunct="1">
@@ -8159,8 +7844,21 @@
                 <a:latin typeface="Cambria" panose="02040503050406030204" pitchFamily="18" charset="0"/>
                 <a:ea typeface="Cambria" panose="02040503050406030204" pitchFamily="18" charset="0"/>
               </a:rPr>
-              <a:t>Identificación de los barrios con mayor interés desde el punto de vista económico.</a:t>
-            </a:r>
+              <a:t>Barrios de interés económico.</a:t>
+            </a:r>
+          </a:p>
+          <a:p>
+            <a:pPr marL="0" indent="0" eaLnBrk="1" hangingPunct="1">
+              <a:lnSpc>
+                <a:spcPct val="80000"/>
+              </a:lnSpc>
+              <a:buNone/>
+              <a:defRPr/>
+            </a:pPr>
+            <a:endParaRPr lang="es-ES" sz="2400" dirty="0" smtClean="0">
+              <a:latin typeface="Cambria" panose="02040503050406030204" pitchFamily="18" charset="0"/>
+              <a:ea typeface="Cambria" panose="02040503050406030204" pitchFamily="18" charset="0"/>
+            </a:endParaRPr>
           </a:p>
           <a:p>
             <a:pPr eaLnBrk="1" hangingPunct="1">
@@ -8170,12 +7868,32 @@
               <a:defRPr/>
             </a:pPr>
             <a:r>
+              <a:rPr lang="es-ES" sz="2400" dirty="0">
+                <a:latin typeface="Cambria" panose="02040503050406030204" pitchFamily="18" charset="0"/>
+                <a:ea typeface="Cambria" panose="02040503050406030204" pitchFamily="18" charset="0"/>
+              </a:rPr>
+              <a:t>E</a:t>
+            </a:r>
+            <a:r>
               <a:rPr lang="es-ES" sz="2400" dirty="0" smtClean="0">
                 <a:latin typeface="Cambria" panose="02040503050406030204" pitchFamily="18" charset="0"/>
                 <a:ea typeface="Cambria" panose="02040503050406030204" pitchFamily="18" charset="0"/>
               </a:rPr>
-              <a:t>Estudio del efecto de la localización del alojamiento.</a:t>
-            </a:r>
+              <a:t>fecto de la localización del alojamiento.</a:t>
+            </a:r>
+          </a:p>
+          <a:p>
+            <a:pPr marL="0" indent="0" eaLnBrk="1" hangingPunct="1">
+              <a:lnSpc>
+                <a:spcPct val="80000"/>
+              </a:lnSpc>
+              <a:buNone/>
+              <a:defRPr/>
+            </a:pPr>
+            <a:endParaRPr lang="es-ES" sz="2400" dirty="0" smtClean="0">
+              <a:latin typeface="Cambria" panose="02040503050406030204" pitchFamily="18" charset="0"/>
+              <a:ea typeface="Cambria" panose="02040503050406030204" pitchFamily="18" charset="0"/>
+            </a:endParaRPr>
           </a:p>
           <a:p>
             <a:pPr eaLnBrk="1" hangingPunct="1">
@@ -8189,7 +7907,7 @@
                 <a:latin typeface="Cambria" panose="02040503050406030204" pitchFamily="18" charset="0"/>
                 <a:ea typeface="Cambria" panose="02040503050406030204" pitchFamily="18" charset="0"/>
               </a:rPr>
-              <a:t>Creación de un modelo que permita, en base a las características del alojamiento, discriminar si el precio del mismo es excesivo o no.</a:t>
+              <a:t>¿Es el precio de un anuncio excesivo?</a:t>
             </a:r>
           </a:p>
         </p:txBody>
@@ -8377,7 +8095,7 @@
           <a:lstStyle/>
           <a:p>
             <a:r>
-              <a:rPr lang="es-ES" sz="1600" dirty="0" smtClean="0">
+              <a:rPr lang="es-ES" sz="2000" dirty="0" smtClean="0">
                 <a:latin typeface="Cambria" panose="02040503050406030204" pitchFamily="18" charset="0"/>
                 <a:ea typeface="Cambria" panose="02040503050406030204" pitchFamily="18" charset="0"/>
               </a:rPr>
@@ -8385,81 +8103,72 @@
             </a:r>
           </a:p>
           <a:p>
-            <a:r>
-              <a:rPr lang="es-ES" sz="1600" dirty="0" smtClean="0">
-                <a:latin typeface="Cambria" panose="02040503050406030204" pitchFamily="18" charset="0"/>
-                <a:ea typeface="Cambria" panose="02040503050406030204" pitchFamily="18" charset="0"/>
-              </a:rPr>
-              <a:t>La estancia en alojamientos turísticos no reglados no para de aumentar. Su mercado es el que se analiza en este trabajo.</a:t>
-            </a:r>
-          </a:p>
-          <a:p>
-            <a:r>
-              <a:rPr lang="es-ES" sz="1600" dirty="0" smtClean="0">
-                <a:latin typeface="Cambria" panose="02040503050406030204" pitchFamily="18" charset="0"/>
-                <a:ea typeface="Cambria" panose="02040503050406030204" pitchFamily="18" charset="0"/>
-              </a:rPr>
-              <a:t>Estos alojamientos suelen ser anunciados en la plataforma </a:t>
-            </a:r>
-            <a:r>
-              <a:rPr lang="es-ES" sz="1600" dirty="0" err="1" smtClean="0">
-                <a:latin typeface="Cambria" panose="02040503050406030204" pitchFamily="18" charset="0"/>
-                <a:ea typeface="Cambria" panose="02040503050406030204" pitchFamily="18" charset="0"/>
-              </a:rPr>
-              <a:t>AirBNB</a:t>
-            </a:r>
-            <a:r>
-              <a:rPr lang="es-ES" sz="1600" dirty="0" smtClean="0">
-                <a:latin typeface="Cambria" panose="02040503050406030204" pitchFamily="18" charset="0"/>
-                <a:ea typeface="Cambria" panose="02040503050406030204" pitchFamily="18" charset="0"/>
-              </a:rPr>
-              <a:t>.</a:t>
-            </a:r>
-          </a:p>
-          <a:p>
-            <a:r>
-              <a:rPr lang="es-ES" sz="1600" dirty="0" smtClean="0">
-                <a:latin typeface="Cambria" panose="02040503050406030204" pitchFamily="18" charset="0"/>
-                <a:ea typeface="Cambria" panose="02040503050406030204" pitchFamily="18" charset="0"/>
-              </a:rPr>
-              <a:t>El crecimiento de este tipo de alojamientos trae una gran controversia.</a:t>
-            </a:r>
-          </a:p>
-          <a:p>
-            <a:r>
-              <a:rPr lang="es-ES" sz="1600" dirty="0" smtClean="0">
-                <a:latin typeface="Cambria" panose="02040503050406030204" pitchFamily="18" charset="0"/>
-                <a:ea typeface="Cambria" panose="02040503050406030204" pitchFamily="18" charset="0"/>
-              </a:rPr>
-              <a:t>El crecimiento de los alojamientos turísticos no hosteleros ha venido acompañado de un crecimiento del precio de los mismos.</a:t>
-            </a:r>
-          </a:p>
-          <a:p>
-            <a:r>
-              <a:rPr lang="es-ES" sz="1600" dirty="0" smtClean="0">
-                <a:latin typeface="Cambria" panose="02040503050406030204" pitchFamily="18" charset="0"/>
-                <a:ea typeface="Cambria" panose="02040503050406030204" pitchFamily="18" charset="0"/>
-              </a:rPr>
-              <a:t>Desde el punto de vista de los clientes, no hay forma de saber, más allá de la intuición, si un alojamiento es bueno o malo. (Los hoteles disponen de estrellas pero, como mucho, en </a:t>
-            </a:r>
-            <a:r>
-              <a:rPr lang="es-ES" sz="1600" dirty="0" err="1" smtClean="0">
-                <a:latin typeface="Cambria" panose="02040503050406030204" pitchFamily="18" charset="0"/>
-                <a:ea typeface="Cambria" panose="02040503050406030204" pitchFamily="18" charset="0"/>
-              </a:rPr>
-              <a:t>airbnb</a:t>
-            </a:r>
-            <a:r>
-              <a:rPr lang="es-ES" sz="1600" dirty="0" smtClean="0">
-                <a:latin typeface="Cambria" panose="02040503050406030204" pitchFamily="18" charset="0"/>
-                <a:ea typeface="Cambria" panose="02040503050406030204" pitchFamily="18" charset="0"/>
-              </a:rPr>
-              <a:t> hay reseñas). </a:t>
-            </a:r>
-            <a:endParaRPr lang="es-ES" sz="1600" dirty="0">
+            <a:pPr marL="0" indent="0">
+              <a:buNone/>
+            </a:pPr>
+            <a:endParaRPr lang="es-ES" sz="2000" dirty="0" smtClean="0">
               <a:latin typeface="Cambria" panose="02040503050406030204" pitchFamily="18" charset="0"/>
               <a:ea typeface="Cambria" panose="02040503050406030204" pitchFamily="18" charset="0"/>
             </a:endParaRPr>
+          </a:p>
+          <a:p>
+            <a:r>
+              <a:rPr lang="es-ES" sz="2000" dirty="0" smtClean="0">
+                <a:latin typeface="Cambria" panose="02040503050406030204" pitchFamily="18" charset="0"/>
+                <a:ea typeface="Cambria" panose="02040503050406030204" pitchFamily="18" charset="0"/>
+              </a:rPr>
+              <a:t>Crecimiento de los anuncios de </a:t>
+            </a:r>
+            <a:r>
+              <a:rPr lang="es-ES" sz="2000" dirty="0" err="1" smtClean="0">
+                <a:latin typeface="Cambria" panose="02040503050406030204" pitchFamily="18" charset="0"/>
+                <a:ea typeface="Cambria" panose="02040503050406030204" pitchFamily="18" charset="0"/>
+              </a:rPr>
+              <a:t>Airbnb</a:t>
+            </a:r>
+            <a:r>
+              <a:rPr lang="es-ES" sz="2000" dirty="0" smtClean="0">
+                <a:latin typeface="Cambria" panose="02040503050406030204" pitchFamily="18" charset="0"/>
+                <a:ea typeface="Cambria" panose="02040503050406030204" pitchFamily="18" charset="0"/>
+              </a:rPr>
+              <a:t>.</a:t>
+            </a:r>
+          </a:p>
+          <a:p>
+            <a:pPr marL="0" indent="0">
+              <a:buNone/>
+            </a:pPr>
+            <a:endParaRPr lang="es-ES" sz="2000" dirty="0" smtClean="0">
+              <a:latin typeface="Cambria" panose="02040503050406030204" pitchFamily="18" charset="0"/>
+              <a:ea typeface="Cambria" panose="02040503050406030204" pitchFamily="18" charset="0"/>
+            </a:endParaRPr>
+          </a:p>
+          <a:p>
+            <a:r>
+              <a:rPr lang="es-ES" sz="2000" dirty="0" smtClean="0">
+                <a:latin typeface="Cambria" panose="02040503050406030204" pitchFamily="18" charset="0"/>
+                <a:ea typeface="Cambria" panose="02040503050406030204" pitchFamily="18" charset="0"/>
+              </a:rPr>
+              <a:t>El crecimiento de este tipo de alojamientos trae aumento de precios.</a:t>
+            </a:r>
+          </a:p>
+          <a:p>
+            <a:pPr marL="0" indent="0">
+              <a:buNone/>
+            </a:pPr>
+            <a:endParaRPr lang="es-ES" sz="2000" dirty="0" smtClean="0">
+              <a:latin typeface="Cambria" panose="02040503050406030204" pitchFamily="18" charset="0"/>
+              <a:ea typeface="Cambria" panose="02040503050406030204" pitchFamily="18" charset="0"/>
+            </a:endParaRPr>
+          </a:p>
+          <a:p>
+            <a:r>
+              <a:rPr lang="es-ES" sz="2000" dirty="0" smtClean="0">
+                <a:latin typeface="Cambria" panose="02040503050406030204" pitchFamily="18" charset="0"/>
+                <a:ea typeface="Cambria" panose="02040503050406030204" pitchFamily="18" charset="0"/>
+              </a:rPr>
+              <a:t>¿Es este alojamiento “adecuado”?</a:t>
+            </a:r>
           </a:p>
           <a:p>
             <a:pPr marL="0" indent="0">
@@ -8794,23 +8503,30 @@
                 <a:latin typeface="Cambria" panose="02040503050406030204" pitchFamily="18" charset="0"/>
                 <a:ea typeface="Cambria" panose="02040503050406030204" pitchFamily="18" charset="0"/>
               </a:rPr>
-              <a:t>Análisis del mercado de alquileres turísticos no hosteleros en Málaga</a:t>
-            </a:r>
-          </a:p>
-          <a:p>
+              <a:t>Análisis descriptivo del mercado de </a:t>
+            </a:r>
+            <a:r>
+              <a:rPr lang="es-ES" sz="1800" dirty="0" err="1" smtClean="0">
+                <a:latin typeface="Cambria" panose="02040503050406030204" pitchFamily="18" charset="0"/>
+                <a:ea typeface="Cambria" panose="02040503050406030204" pitchFamily="18" charset="0"/>
+              </a:rPr>
+              <a:t>Airbnb</a:t>
+            </a:r>
             <a:r>
               <a:rPr lang="es-ES" sz="1800" dirty="0" smtClean="0">
                 <a:latin typeface="Cambria" panose="02040503050406030204" pitchFamily="18" charset="0"/>
                 <a:ea typeface="Cambria" panose="02040503050406030204" pitchFamily="18" charset="0"/>
               </a:rPr>
-              <a:t>Hallazgo de </a:t>
-            </a:r>
+              <a:t> en Málaga</a:t>
+            </a:r>
+          </a:p>
+          <a:p>
             <a:r>
               <a:rPr lang="es-ES" sz="1800" dirty="0" smtClean="0">
                 <a:latin typeface="Cambria" panose="02040503050406030204" pitchFamily="18" charset="0"/>
                 <a:ea typeface="Cambria" panose="02040503050406030204" pitchFamily="18" charset="0"/>
               </a:rPr>
-              <a:t>los determinantes del precio de los anuncios.</a:t>
+              <a:t>Hallazgo de los determinantes del precio de los anuncios.</a:t>
             </a:r>
           </a:p>
           <a:p>
@@ -8850,90 +8566,6 @@
               <a:t>? </a:t>
             </a:r>
             <a:endParaRPr lang="es-ES_tradnl" sz="1800" dirty="0" smtClean="0">
-              <a:latin typeface="Cambria" panose="02040503050406030204" pitchFamily="18" charset="0"/>
-              <a:ea typeface="Cambria" panose="02040503050406030204" pitchFamily="18" charset="0"/>
-            </a:endParaRPr>
-          </a:p>
-        </p:txBody>
-      </p:sp>
-      <p:sp>
-        <p:nvSpPr>
-          <p:cNvPr id="14" name="Rectángulo 13"/>
-          <p:cNvSpPr/>
-          <p:nvPr/>
-        </p:nvSpPr>
-        <p:spPr bwMode="auto">
-          <a:xfrm>
-            <a:off x="150858" y="4580658"/>
-            <a:ext cx="2304256" cy="432048"/>
-          </a:xfrm>
-          <a:prstGeom prst="rect">
-            <a:avLst/>
-          </a:prstGeom>
-          <a:ln>
-            <a:headEnd type="none" w="med" len="med"/>
-            <a:tailEnd type="none" w="med" len="med"/>
-          </a:ln>
-          <a:extLst/>
-        </p:spPr>
-        <p:style>
-          <a:lnRef idx="2">
-            <a:schemeClr val="accent6">
-              <a:shade val="50000"/>
-            </a:schemeClr>
-          </a:lnRef>
-          <a:fillRef idx="1">
-            <a:schemeClr val="accent6"/>
-          </a:fillRef>
-          <a:effectRef idx="0">
-            <a:schemeClr val="accent6"/>
-          </a:effectRef>
-          <a:fontRef idx="minor">
-            <a:schemeClr val="lt1"/>
-          </a:fontRef>
-        </p:style>
-        <p:txBody>
-          <a:bodyPr vert="horz" wrap="square" lIns="91440" tIns="45720" rIns="91440" bIns="45720" numCol="1" rtlCol="0" anchor="t" anchorCtr="0" compatLnSpc="1">
-            <a:prstTxWarp prst="textNoShape">
-              <a:avLst/>
-            </a:prstTxWarp>
-          </a:bodyPr>
-          <a:lstStyle/>
-          <a:p>
-            <a:pPr marL="0" marR="0" indent="0" defTabSz="914400" rtl="0" eaLnBrk="1" fontAlgn="base" latinLnBrk="0" hangingPunct="1">
-              <a:lnSpc>
-                <a:spcPct val="100000"/>
-              </a:lnSpc>
-              <a:spcBef>
-                <a:spcPct val="0"/>
-              </a:spcBef>
-              <a:spcAft>
-                <a:spcPct val="0"/>
-              </a:spcAft>
-              <a:buClrTx/>
-              <a:buSzTx/>
-              <a:buFontTx/>
-              <a:buNone/>
-              <a:tabLst/>
-            </a:pPr>
-            <a:r>
-              <a:rPr lang="es-ES" sz="1600" dirty="0" smtClean="0">
-                <a:solidFill>
-                  <a:schemeClr val="tx1"/>
-                </a:solidFill>
-                <a:latin typeface="Cambria" panose="02040503050406030204" pitchFamily="18" charset="0"/>
-                <a:ea typeface="Cambria" panose="02040503050406030204" pitchFamily="18" charset="0"/>
-              </a:rPr>
-              <a:t>Análisis de la oferta</a:t>
-            </a:r>
-            <a:endParaRPr kumimoji="0" lang="es-ES" sz="1600" b="1" i="0" u="none" strike="noStrike" cap="none" normalizeH="0" baseline="0" dirty="0" smtClean="0">
-              <a:ln>
-                <a:noFill/>
-              </a:ln>
-              <a:solidFill>
-                <a:schemeClr val="tx1"/>
-              </a:solidFill>
-              <a:effectLst/>
               <a:latin typeface="Cambria" panose="02040503050406030204" pitchFamily="18" charset="0"/>
               <a:ea typeface="Cambria" panose="02040503050406030204" pitchFamily="18" charset="0"/>
             </a:endParaRPr>
@@ -8948,7 +8580,7 @@
         </p:nvSpPr>
         <p:spPr bwMode="auto">
           <a:xfrm>
-            <a:off x="1657981" y="5069558"/>
+            <a:off x="608058" y="4541753"/>
             <a:ext cx="2135088" cy="392097"/>
           </a:xfrm>
           <a:prstGeom prst="rect">
@@ -9050,7 +8682,7 @@
         </p:nvSpPr>
         <p:spPr bwMode="auto">
           <a:xfrm>
-            <a:off x="4519366" y="5998289"/>
+            <a:off x="3919814" y="5651976"/>
             <a:ext cx="1800200" cy="365949"/>
           </a:xfrm>
           <a:prstGeom prst="rect">
@@ -9134,7 +8766,7 @@
         </p:nvSpPr>
         <p:spPr bwMode="auto">
           <a:xfrm>
-            <a:off x="3043935" y="5502597"/>
+            <a:off x="2195736" y="5077865"/>
             <a:ext cx="2269531" cy="454750"/>
           </a:xfrm>
           <a:prstGeom prst="rect">
@@ -9236,7 +8868,7 @@
         </p:nvSpPr>
         <p:spPr bwMode="auto">
           <a:xfrm>
-            <a:off x="5823180" y="6412694"/>
+            <a:off x="5303267" y="6184810"/>
             <a:ext cx="1833926" cy="392097"/>
           </a:xfrm>
           <a:prstGeom prst="rect">
@@ -9324,14 +8956,14 @@
       </p:sp>
       <p:sp>
         <p:nvSpPr>
-          <p:cNvPr id="21" name="Flecha doblada 20"/>
+          <p:cNvPr id="23" name="Flecha doblada 22"/>
           <p:cNvSpPr/>
           <p:nvPr/>
         </p:nvSpPr>
         <p:spPr bwMode="auto">
           <a:xfrm flipV="1">
-            <a:off x="1043608" y="5005904"/>
-            <a:ext cx="576064" cy="292889"/>
+            <a:off x="1475656" y="4933849"/>
+            <a:ext cx="720080" cy="439366"/>
           </a:xfrm>
           <a:prstGeom prst="bentArrow">
             <a:avLst/>
@@ -9400,14 +9032,14 @@
       </p:sp>
       <p:sp>
         <p:nvSpPr>
-          <p:cNvPr id="23" name="Flecha doblada 22"/>
+          <p:cNvPr id="19" name="Flecha doblada 18"/>
           <p:cNvSpPr/>
           <p:nvPr/>
         </p:nvSpPr>
         <p:spPr bwMode="auto">
           <a:xfrm flipV="1">
-            <a:off x="2455114" y="5437083"/>
-            <a:ext cx="576064" cy="292889"/>
+            <a:off x="3203848" y="5541850"/>
+            <a:ext cx="720080" cy="439366"/>
           </a:xfrm>
           <a:prstGeom prst="bentArrow">
             <a:avLst/>
@@ -9476,90 +9108,14 @@
       </p:sp>
       <p:sp>
         <p:nvSpPr>
-          <p:cNvPr id="24" name="Flecha doblada 23"/>
+          <p:cNvPr id="20" name="Flecha doblada 19"/>
           <p:cNvSpPr/>
           <p:nvPr/>
         </p:nvSpPr>
         <p:spPr bwMode="auto">
           <a:xfrm flipV="1">
-            <a:off x="5236306" y="6369510"/>
-            <a:ext cx="576064" cy="292889"/>
-          </a:xfrm>
-          <a:prstGeom prst="bentArrow">
-            <a:avLst/>
-          </a:prstGeom>
-          <a:solidFill>
-            <a:schemeClr val="accent1"/>
-          </a:solidFill>
-          <a:ln w="9525" cap="flat" cmpd="sng" algn="ctr">
-            <a:solidFill>
-              <a:schemeClr val="tx1"/>
-            </a:solidFill>
-            <a:prstDash val="solid"/>
-            <a:round/>
-            <a:headEnd type="none" w="med" len="med"/>
-            <a:tailEnd type="none" w="med" len="med"/>
-          </a:ln>
-          <a:effectLst/>
-          <a:extLst>
-            <a:ext uri="{AF507438-7753-43E0-B8FC-AC1667EBCBE1}">
-              <a14:hiddenEffects xmlns:a14="http://schemas.microsoft.com/office/drawing/2010/main">
-                <a:effectLst>
-                  <a:outerShdw dist="35921" dir="2700000" algn="ctr" rotWithShape="0">
-                    <a:schemeClr val="bg2"/>
-                  </a:outerShdw>
-                </a:effectLst>
-              </a14:hiddenEffects>
-            </a:ext>
-          </a:extLst>
-        </p:spPr>
-        <p:txBody>
-          <a:bodyPr vert="horz" wrap="square" lIns="91440" tIns="45720" rIns="91440" bIns="45720" numCol="1" rtlCol="0" anchor="t" anchorCtr="0" compatLnSpc="1">
-            <a:prstTxWarp prst="textNoShape">
-              <a:avLst/>
-            </a:prstTxWarp>
-          </a:bodyPr>
-          <a:lstStyle/>
-          <a:p>
-            <a:pPr marL="0" marR="0" indent="0" algn="l" defTabSz="914400" rtl="0" eaLnBrk="1" fontAlgn="base" latinLnBrk="0" hangingPunct="1">
-              <a:lnSpc>
-                <a:spcPct val="100000"/>
-              </a:lnSpc>
-              <a:spcBef>
-                <a:spcPct val="0"/>
-              </a:spcBef>
-              <a:spcAft>
-                <a:spcPct val="0"/>
-              </a:spcAft>
-              <a:buClrTx/>
-              <a:buSzTx/>
-              <a:buFontTx/>
-              <a:buNone/>
-              <a:tabLst/>
-            </a:pPr>
-            <a:endParaRPr kumimoji="0" lang="es-ES" sz="1800" b="1" i="0" u="none" strike="noStrike" cap="none" normalizeH="0" baseline="0" smtClean="0">
-              <a:ln>
-                <a:noFill/>
-              </a:ln>
-              <a:solidFill>
-                <a:schemeClr val="tx1"/>
-              </a:solidFill>
-              <a:effectLst/>
-              <a:latin typeface="Arial" charset="0"/>
-            </a:endParaRPr>
-          </a:p>
-        </p:txBody>
-      </p:sp>
-      <p:sp>
-        <p:nvSpPr>
-          <p:cNvPr id="25" name="Flecha doblada 24"/>
-          <p:cNvSpPr/>
-          <p:nvPr/>
-        </p:nvSpPr>
-        <p:spPr bwMode="auto">
-          <a:xfrm flipV="1">
-            <a:off x="3890668" y="5958221"/>
-            <a:ext cx="576064" cy="292889"/>
+            <a:off x="4583187" y="6017925"/>
+            <a:ext cx="720080" cy="439366"/>
           </a:xfrm>
           <a:prstGeom prst="bentArrow">
             <a:avLst/>
@@ -9759,7 +9315,7 @@
                 <a:latin typeface="Cambria" panose="02040503050406030204" pitchFamily="18" charset="0"/>
                 <a:ea typeface="Cambria" panose="02040503050406030204" pitchFamily="18" charset="0"/>
               </a:rPr>
-              <a:t>Análisis de la oferta</a:t>
+              <a:t>Análisis descriptivo</a:t>
             </a:r>
             <a:endParaRPr lang="es-ES" dirty="0">
               <a:latin typeface="Cambria" panose="02040503050406030204" pitchFamily="18" charset="0"/>
@@ -10295,35 +9851,7 @@
                 <a:latin typeface="Cambria" panose="02040503050406030204" pitchFamily="18" charset="0"/>
                 <a:ea typeface="Cambria" panose="02040503050406030204" pitchFamily="18" charset="0"/>
               </a:rPr>
-              <a:t> mayor parte de los anuncios se acumulan en el intervalo [0, </a:t>
-            </a:r>
-            <a:r>
-              <a:rPr kumimoji="0" lang="es-ES" sz="1100" b="1" i="0" u="none" strike="noStrike" cap="none" normalizeH="0" dirty="0" smtClean="0">
-                <a:ln>
-                  <a:noFill/>
-                </a:ln>
-                <a:solidFill>
-                  <a:schemeClr val="bg1"/>
-                </a:solidFill>
-                <a:effectLst/>
-                <a:latin typeface="Cambria" panose="02040503050406030204" pitchFamily="18" charset="0"/>
-                <a:ea typeface="Cambria" panose="02040503050406030204" pitchFamily="18" charset="0"/>
-              </a:rPr>
-              <a:t>250] </a:t>
-            </a:r>
-            <a:r>
-              <a:rPr kumimoji="0" lang="es-ES" sz="1100" b="1" i="0" u="none" strike="noStrike" cap="none" normalizeH="0" dirty="0" smtClean="0">
-                <a:ln>
-                  <a:noFill/>
-                </a:ln>
-                <a:solidFill>
-                  <a:schemeClr val="bg1"/>
-                </a:solidFill>
-                <a:effectLst/>
-                <a:latin typeface="Cambria" panose="02040503050406030204" pitchFamily="18" charset="0"/>
-                <a:ea typeface="Cambria" panose="02040503050406030204" pitchFamily="18" charset="0"/>
-              </a:rPr>
-              <a:t>euros por noche.</a:t>
+              <a:t> mayor parte de los anuncios se acumulan en el intervalo [0, 250] euros por noche.</a:t>
             </a:r>
             <a:endParaRPr kumimoji="0" lang="es-ES" sz="1100" b="1" i="0" u="none" strike="noStrike" cap="none" normalizeH="0" baseline="0" dirty="0" smtClean="0">
               <a:ln>
@@ -11112,21 +10640,7 @@
                 <a:latin typeface="Cambria" panose="02040503050406030204" pitchFamily="18" charset="0"/>
                 <a:ea typeface="Cambria" panose="02040503050406030204" pitchFamily="18" charset="0"/>
               </a:rPr>
-              <a:t> de anuncios son los que tienen mayores precios, lo que indica que la demanda se concentra en ellos y, pese a tener la mayor oferta, no es suficiente para </a:t>
-            </a:r>
-            <a:r>
-              <a:rPr kumimoji="0" lang="es-ES" sz="1600" b="1" i="0" u="none" strike="noStrike" cap="none" normalizeH="0" dirty="0" smtClean="0">
-                <a:ln>
-                  <a:noFill/>
-                </a:ln>
-                <a:solidFill>
-                  <a:schemeClr val="bg1"/>
-                </a:solidFill>
-                <a:effectLst/>
-                <a:latin typeface="Cambria" panose="02040503050406030204" pitchFamily="18" charset="0"/>
-                <a:ea typeface="Cambria" panose="02040503050406030204" pitchFamily="18" charset="0"/>
-              </a:rPr>
-              <a:t>cubrirla.</a:t>
+              <a:t> de anuncios son los que tienen mayores precios, lo que indica que la demanda se concentra en ellos y, pese a tener la mayor oferta, no es suficiente para cubrirla.</a:t>
             </a:r>
             <a:endParaRPr kumimoji="0" lang="es-ES" sz="1600" b="1" i="0" u="none" strike="noStrike" cap="none" normalizeH="0" baseline="0" dirty="0" smtClean="0">
               <a:ln>
@@ -11844,14 +11358,7 @@
                 <a:latin typeface="Cambria" panose="02040503050406030204" pitchFamily="18" charset="0"/>
                 <a:ea typeface="Cambria" panose="02040503050406030204" pitchFamily="18" charset="0"/>
               </a:rPr>
-              <a:t>, </a:t>
-            </a:r>
-            <a:r>
-              <a:rPr lang="es-ES" dirty="0" smtClean="0">
-                <a:latin typeface="Cambria" panose="02040503050406030204" pitchFamily="18" charset="0"/>
-                <a:ea typeface="Cambria" panose="02040503050406030204" pitchFamily="18" charset="0"/>
-              </a:rPr>
-              <a:t>determinan el precio del alojamiento por noche?</a:t>
+              <a:t>, determinan el precio del alojamiento por noche?</a:t>
             </a:r>
             <a:endParaRPr lang="es-ES" dirty="0">
               <a:latin typeface="Cambria" panose="02040503050406030204" pitchFamily="18" charset="0"/>
